--- a/presentation/pendulum_theory.pptx
+++ b/presentation/pendulum_theory.pptx
@@ -5,40 +5,41 @@
     <p:sldMasterId id="2147483660" r:id="rId1"/>
   </p:sldMasterIdLst>
   <p:notesMasterIdLst>
-    <p:notesMasterId r:id="rId33"/>
+    <p:notesMasterId r:id="rId34"/>
   </p:notesMasterIdLst>
   <p:sldIdLst>
     <p:sldId id="256" r:id="rId2"/>
     <p:sldId id="270" r:id="rId3"/>
     <p:sldId id="279" r:id="rId4"/>
     <p:sldId id="272" r:id="rId5"/>
-    <p:sldId id="281" r:id="rId6"/>
-    <p:sldId id="271" r:id="rId7"/>
-    <p:sldId id="282" r:id="rId8"/>
-    <p:sldId id="273" r:id="rId9"/>
-    <p:sldId id="274" r:id="rId10"/>
-    <p:sldId id="275" r:id="rId11"/>
-    <p:sldId id="283" r:id="rId12"/>
-    <p:sldId id="276" r:id="rId13"/>
-    <p:sldId id="277" r:id="rId14"/>
-    <p:sldId id="284" r:id="rId15"/>
-    <p:sldId id="285" r:id="rId16"/>
-    <p:sldId id="286" r:id="rId17"/>
-    <p:sldId id="287" r:id="rId18"/>
-    <p:sldId id="288" r:id="rId19"/>
-    <p:sldId id="257" r:id="rId20"/>
-    <p:sldId id="258" r:id="rId21"/>
-    <p:sldId id="259" r:id="rId22"/>
-    <p:sldId id="260" r:id="rId23"/>
-    <p:sldId id="261" r:id="rId24"/>
-    <p:sldId id="262" r:id="rId25"/>
-    <p:sldId id="263" r:id="rId26"/>
-    <p:sldId id="264" r:id="rId27"/>
-    <p:sldId id="265" r:id="rId28"/>
-    <p:sldId id="266" r:id="rId29"/>
-    <p:sldId id="267" r:id="rId30"/>
-    <p:sldId id="268" r:id="rId31"/>
-    <p:sldId id="269" r:id="rId32"/>
+    <p:sldId id="289" r:id="rId6"/>
+    <p:sldId id="281" r:id="rId7"/>
+    <p:sldId id="271" r:id="rId8"/>
+    <p:sldId id="282" r:id="rId9"/>
+    <p:sldId id="273" r:id="rId10"/>
+    <p:sldId id="274" r:id="rId11"/>
+    <p:sldId id="275" r:id="rId12"/>
+    <p:sldId id="283" r:id="rId13"/>
+    <p:sldId id="276" r:id="rId14"/>
+    <p:sldId id="277" r:id="rId15"/>
+    <p:sldId id="284" r:id="rId16"/>
+    <p:sldId id="285" r:id="rId17"/>
+    <p:sldId id="286" r:id="rId18"/>
+    <p:sldId id="287" r:id="rId19"/>
+    <p:sldId id="288" r:id="rId20"/>
+    <p:sldId id="257" r:id="rId21"/>
+    <p:sldId id="258" r:id="rId22"/>
+    <p:sldId id="259" r:id="rId23"/>
+    <p:sldId id="260" r:id="rId24"/>
+    <p:sldId id="261" r:id="rId25"/>
+    <p:sldId id="262" r:id="rId26"/>
+    <p:sldId id="263" r:id="rId27"/>
+    <p:sldId id="264" r:id="rId28"/>
+    <p:sldId id="265" r:id="rId29"/>
+    <p:sldId id="266" r:id="rId30"/>
+    <p:sldId id="267" r:id="rId31"/>
+    <p:sldId id="268" r:id="rId32"/>
+    <p:sldId id="269" r:id="rId33"/>
   </p:sldIdLst>
   <p:sldSz cx="9144000" cy="6858000" type="screen4x3"/>
   <p:notesSz cx="6858000" cy="9144000"/>
@@ -171,20 +172,6 @@
 </p:cmLst>
 </file>
 
-<file path=ppt/comments/comment2.xml><?xml version="1.0" encoding="utf-8"?>
-<p:cmLst xmlns:a="http://schemas.openxmlformats.org/drawingml/2006/main" xmlns:r="http://schemas.openxmlformats.org/officeDocument/2006/relationships" xmlns:p="http://schemas.openxmlformats.org/presentationml/2006/main">
-  <p:cm authorId="1" dt="2017-07-20T09:25:15.960" idx="1">
-    <p:pos x="10" y="10"/>
-    <p:text/>
-    <p:extLst>
-      <p:ext uri="{C676402C-5697-4E1C-873F-D02D1690AC5C}">
-        <p15:threadingInfo xmlns:p15="http://schemas.microsoft.com/office/powerpoint/2012/main" timeZoneBias="-540"/>
-      </p:ext>
-    </p:extLst>
-  </p:cm>
-</p:cmLst>
-</file>
-
 <file path=ppt/notesMasters/notesMaster1.xml><?xml version="1.0" encoding="utf-8"?>
 <p:notesMaster xmlns:a="http://schemas.openxmlformats.org/drawingml/2006/main" xmlns:r="http://schemas.openxmlformats.org/officeDocument/2006/relationships" xmlns:p="http://schemas.openxmlformats.org/presentationml/2006/main">
   <p:cSld>
@@ -267,7 +254,7 @@
           <a:p>
             <a:fld id="{553C94D9-FB5F-4813-990E-9CF18D2E540A}" type="datetimeFigureOut">
               <a:rPr kumimoji="1" lang="ja-JP" altLang="en-US" smtClean="0"/>
-              <a:t>2017/7/20</a:t>
+              <a:t>2017/7/26</a:t>
             </a:fld>
             <a:endParaRPr kumimoji="1" lang="ja-JP" altLang="en-US"/>
           </a:p>
@@ -698,7 +685,7 @@
           <a:p>
             <a:fld id="{C39640DA-01F2-4EE1-9FB2-D81E8F6277C3}" type="datetime1">
               <a:rPr kumimoji="1" lang="ja-JP" altLang="en-US" smtClean="0"/>
-              <a:t>2017/7/20</a:t>
+              <a:t>2017/7/26</a:t>
             </a:fld>
             <a:endParaRPr kumimoji="1" lang="ja-JP" altLang="en-US"/>
           </a:p>
@@ -900,7 +887,7 @@
           <a:p>
             <a:fld id="{D581D386-1734-43A2-8181-60C016C90FD8}" type="datetime1">
               <a:rPr kumimoji="1" lang="ja-JP" altLang="en-US" smtClean="0"/>
-              <a:t>2017/7/20</a:t>
+              <a:t>2017/7/26</a:t>
             </a:fld>
             <a:endParaRPr kumimoji="1" lang="ja-JP" altLang="en-US"/>
           </a:p>
@@ -1112,7 +1099,7 @@
           <a:p>
             <a:fld id="{FAFDD80C-870D-48B5-AB62-251EF6F4CA65}" type="datetime1">
               <a:rPr kumimoji="1" lang="ja-JP" altLang="en-US" smtClean="0"/>
-              <a:t>2017/7/20</a:t>
+              <a:t>2017/7/26</a:t>
             </a:fld>
             <a:endParaRPr kumimoji="1" lang="ja-JP" altLang="en-US"/>
           </a:p>
@@ -1330,7 +1317,7 @@
           <a:p>
             <a:fld id="{D67C7FC8-B739-435D-B729-BF0ABAB3B454}" type="datetime1">
               <a:rPr kumimoji="1" lang="ja-JP" altLang="en-US" smtClean="0"/>
-              <a:t>2017/7/20</a:t>
+              <a:t>2017/7/26</a:t>
             </a:fld>
             <a:endParaRPr kumimoji="1" lang="ja-JP" altLang="en-US"/>
           </a:p>
@@ -1579,7 +1566,7 @@
           <a:p>
             <a:fld id="{A9C65C7C-F382-4AFB-B8B7-900C5F32E725}" type="datetime1">
               <a:rPr kumimoji="1" lang="ja-JP" altLang="en-US" smtClean="0"/>
-              <a:t>2017/7/20</a:t>
+              <a:t>2017/7/26</a:t>
             </a:fld>
             <a:endParaRPr kumimoji="1" lang="ja-JP" altLang="en-US"/>
           </a:p>
@@ -1875,7 +1862,7 @@
           <a:p>
             <a:fld id="{218687D5-A5C3-4D80-A647-4E83A686625A}" type="datetime1">
               <a:rPr kumimoji="1" lang="ja-JP" altLang="en-US" smtClean="0"/>
-              <a:t>2017/7/20</a:t>
+              <a:t>2017/7/26</a:t>
             </a:fld>
             <a:endParaRPr kumimoji="1" lang="ja-JP" altLang="en-US"/>
           </a:p>
@@ -2306,7 +2293,7 @@
           <a:p>
             <a:fld id="{B826E6D6-844B-4145-9C2B-7B554F619ABB}" type="datetime1">
               <a:rPr kumimoji="1" lang="ja-JP" altLang="en-US" smtClean="0"/>
-              <a:t>2017/7/20</a:t>
+              <a:t>2017/7/26</a:t>
             </a:fld>
             <a:endParaRPr kumimoji="1" lang="ja-JP" altLang="en-US"/>
           </a:p>
@@ -2424,7 +2411,7 @@
           <a:p>
             <a:fld id="{9178DD8F-3DF5-4D88-A800-EAEA28C5FA1A}" type="datetime1">
               <a:rPr kumimoji="1" lang="ja-JP" altLang="en-US" smtClean="0"/>
-              <a:t>2017/7/20</a:t>
+              <a:t>2017/7/26</a:t>
             </a:fld>
             <a:endParaRPr kumimoji="1" lang="ja-JP" altLang="en-US"/>
           </a:p>
@@ -2519,7 +2506,7 @@
           <a:p>
             <a:fld id="{469F3D63-F674-4223-843F-6B22069D3A49}" type="datetime1">
               <a:rPr kumimoji="1" lang="ja-JP" altLang="en-US" smtClean="0"/>
-              <a:t>2017/7/20</a:t>
+              <a:t>2017/7/26</a:t>
             </a:fld>
             <a:endParaRPr kumimoji="1" lang="ja-JP" altLang="en-US"/>
           </a:p>
@@ -2828,7 +2815,7 @@
           <a:p>
             <a:fld id="{42BB8E51-10EE-4D61-A2E5-9E648E907DA2}" type="datetime1">
               <a:rPr kumimoji="1" lang="ja-JP" altLang="en-US" smtClean="0"/>
-              <a:t>2017/7/20</a:t>
+              <a:t>2017/7/26</a:t>
             </a:fld>
             <a:endParaRPr kumimoji="1" lang="ja-JP" altLang="en-US"/>
           </a:p>
@@ -3085,7 +3072,7 @@
           <a:p>
             <a:fld id="{14D37A31-4D62-4151-AF5D-C77A426BC59C}" type="datetime1">
               <a:rPr kumimoji="1" lang="ja-JP" altLang="en-US" smtClean="0"/>
-              <a:t>2017/7/20</a:t>
+              <a:t>2017/7/26</a:t>
             </a:fld>
             <a:endParaRPr kumimoji="1" lang="ja-JP" altLang="en-US"/>
           </a:p>
@@ -3330,7 +3317,7 @@
           <a:p>
             <a:fld id="{CA7EAE47-AFA5-4621-BC2B-E9D95EB91215}" type="datetime1">
               <a:rPr kumimoji="1" lang="ja-JP" altLang="en-US" smtClean="0"/>
-              <a:t>2017/7/20</a:t>
+              <a:t>2017/7/26</a:t>
             </a:fld>
             <a:endParaRPr kumimoji="1" lang="ja-JP" altLang="en-US"/>
           </a:p>
@@ -3824,6 +3811,13 @@
   <p:clrMapOvr>
     <a:masterClrMapping/>
   </p:clrMapOvr>
+  <p:timing>
+    <p:tnLst>
+      <p:par>
+        <p:cTn id="1" dur="indefinite" restart="never" nodeType="tmRoot"/>
+      </p:par>
+    </p:tnLst>
+  </p:timing>
 </p:sld>
 </file>
 
@@ -3860,6 +3854,161 @@
           <a:lstStyle/>
           <a:p>
             <a:r>
+              <a:rPr kumimoji="1" lang="ja-JP" altLang="en-US" dirty="0" smtClean="0"/>
+              <a:t>制御目的</a:t>
+            </a:r>
+            <a:r>
+              <a:rPr kumimoji="1" lang="en-US" altLang="ja-JP" dirty="0" smtClean="0"/>
+              <a:t>(</a:t>
+            </a:r>
+            <a:r>
+              <a:rPr kumimoji="1" lang="en-US" altLang="ja-JP" dirty="0" err="1" smtClean="0"/>
+              <a:t>目標値変更</a:t>
+            </a:r>
+            <a:r>
+              <a:rPr kumimoji="1" lang="en-US" altLang="ja-JP" dirty="0" smtClean="0"/>
+              <a:t>)</a:t>
+            </a:r>
+            <a:endParaRPr kumimoji="1" lang="ja-JP" altLang="en-US" dirty="0"/>
+          </a:p>
+        </p:txBody>
+      </p:sp>
+      <p:pic>
+        <p:nvPicPr>
+          <p:cNvPr id="6" name="コンテンツ プレースホルダー 5"/>
+          <p:cNvPicPr>
+            <a:picLocks noGrp="1" noChangeAspect="1"/>
+          </p:cNvPicPr>
+          <p:nvPr>
+            <p:ph idx="1"/>
+          </p:nvPr>
+        </p:nvPicPr>
+        <p:blipFill>
+          <a:blip r:embed="rId2">
+            <a:extLst>
+              <a:ext uri="{28A0092B-C50C-407E-A947-70E740481C1C}">
+                <a14:useLocalDpi xmlns:a14="http://schemas.microsoft.com/office/drawing/2010/main" val="0"/>
+              </a:ext>
+            </a:extLst>
+          </a:blip>
+          <a:stretch>
+            <a:fillRect/>
+          </a:stretch>
+        </p:blipFill>
+        <p:spPr>
+          <a:xfrm>
+            <a:off x="1917530" y="1638419"/>
+            <a:ext cx="5411388" cy="3366839"/>
+          </a:xfrm>
+        </p:spPr>
+      </p:pic>
+      <p:sp>
+        <p:nvSpPr>
+          <p:cNvPr id="4" name="スライド番号プレースホルダー 3"/>
+          <p:cNvSpPr>
+            <a:spLocks noGrp="1"/>
+          </p:cNvSpPr>
+          <p:nvPr>
+            <p:ph type="sldNum" sz="quarter" idx="12"/>
+          </p:nvPr>
+        </p:nvSpPr>
+        <p:spPr/>
+        <p:txBody>
+          <a:bodyPr/>
+          <a:lstStyle/>
+          <a:p>
+            <a:fld id="{879872E2-8930-43A6-82EA-52DD58EFA9F7}" type="slidenum">
+              <a:rPr lang="ja-JP" altLang="en-US" smtClean="0"/>
+              <a:pPr/>
+              <a:t>10</a:t>
+            </a:fld>
+            <a:endParaRPr lang="ja-JP" altLang="en-US" dirty="0"/>
+          </a:p>
+        </p:txBody>
+      </p:sp>
+      <p:sp>
+        <p:nvSpPr>
+          <p:cNvPr id="7" name="テキスト ボックス 6"/>
+          <p:cNvSpPr txBox="1"/>
+          <p:nvPr/>
+        </p:nvSpPr>
+        <p:spPr>
+          <a:xfrm>
+            <a:off x="856914" y="5388417"/>
+            <a:ext cx="7979514" cy="584775"/>
+          </a:xfrm>
+          <a:prstGeom prst="rect">
+            <a:avLst/>
+          </a:prstGeom>
+          <a:noFill/>
+        </p:spPr>
+        <p:txBody>
+          <a:bodyPr wrap="square" rtlCol="0">
+            <a:spAutoFit/>
+          </a:bodyPr>
+          <a:lstStyle/>
+          <a:p>
+            <a:r>
+              <a:rPr kumimoji="1" lang="en-US" altLang="ja-JP" sz="3200" dirty="0" smtClean="0"/>
+              <a:t>5[sec]毎に台車の目標値を0, 0.1交互に変更</a:t>
+            </a:r>
+            <a:endParaRPr kumimoji="1" lang="ja-JP" altLang="en-US" sz="3200" dirty="0"/>
+          </a:p>
+        </p:txBody>
+      </p:sp>
+    </p:spTree>
+    <p:extLst>
+      <p:ext uri="{BB962C8B-B14F-4D97-AF65-F5344CB8AC3E}">
+        <p14:creationId xmlns:p14="http://schemas.microsoft.com/office/powerpoint/2010/main" val="1844638701"/>
+      </p:ext>
+    </p:extLst>
+  </p:cSld>
+  <p:clrMapOvr>
+    <a:masterClrMapping/>
+  </p:clrMapOvr>
+  <p:timing>
+    <p:tnLst>
+      <p:par>
+        <p:cTn id="1" dur="indefinite" restart="never" nodeType="tmRoot"/>
+      </p:par>
+    </p:tnLst>
+  </p:timing>
+</p:sld>
+</file>
+
+<file path=ppt/slides/slide11.xml><?xml version="1.0" encoding="utf-8"?>
+<p:sld xmlns:a="http://schemas.openxmlformats.org/drawingml/2006/main" xmlns:r="http://schemas.openxmlformats.org/officeDocument/2006/relationships" xmlns:p="http://schemas.openxmlformats.org/presentationml/2006/main">
+  <p:cSld>
+    <p:spTree>
+      <p:nvGrpSpPr>
+        <p:cNvPr id="1" name=""/>
+        <p:cNvGrpSpPr/>
+        <p:nvPr/>
+      </p:nvGrpSpPr>
+      <p:grpSpPr>
+        <a:xfrm>
+          <a:off x="0" y="0"/>
+          <a:ext cx="0" cy="0"/>
+          <a:chOff x="0" y="0"/>
+          <a:chExt cx="0" cy="0"/>
+        </a:xfrm>
+      </p:grpSpPr>
+      <p:sp>
+        <p:nvSpPr>
+          <p:cNvPr id="2" name="タイトル 1"/>
+          <p:cNvSpPr>
+            <a:spLocks noGrp="1"/>
+          </p:cNvSpPr>
+          <p:nvPr>
+            <p:ph type="title"/>
+          </p:nvPr>
+        </p:nvSpPr>
+        <p:spPr/>
+        <p:txBody>
+          <a:bodyPr/>
+          <a:lstStyle/>
+          <a:p>
+            <a:r>
               <a:rPr lang="ja-JP" altLang="en-US" dirty="0" smtClean="0"/>
               <a:t>制御</a:t>
             </a:r>
@@ -3930,7 +4079,7 @@
             <a:fld id="{879872E2-8930-43A6-82EA-52DD58EFA9F7}" type="slidenum">
               <a:rPr lang="ja-JP" altLang="en-US" smtClean="0"/>
               <a:pPr/>
-              <a:t>10</a:t>
+              <a:t>11</a:t>
             </a:fld>
             <a:endParaRPr lang="ja-JP" altLang="en-US" dirty="0"/>
           </a:p>
@@ -3944,8 +4093,8 @@
         </p:nvSpPr>
         <p:spPr>
           <a:xfrm>
-            <a:off x="1976284" y="2529349"/>
-            <a:ext cx="2286000" cy="369332"/>
+            <a:off x="1635462" y="2271654"/>
+            <a:ext cx="2286000" cy="523220"/>
           </a:xfrm>
           <a:prstGeom prst="rect">
             <a:avLst/>
@@ -3959,10 +4108,10 @@
           <a:lstStyle/>
           <a:p>
             <a:r>
-              <a:rPr kumimoji="1" lang="ja-JP" altLang="en-US" dirty="0" smtClean="0"/>
+              <a:rPr kumimoji="1" lang="ja-JP" altLang="en-US" sz="2800" dirty="0" smtClean="0"/>
               <a:t>安定平衡点</a:t>
             </a:r>
-            <a:endParaRPr kumimoji="1" lang="ja-JP" altLang="en-US" dirty="0"/>
+            <a:endParaRPr kumimoji="1" lang="ja-JP" altLang="en-US" sz="2800" dirty="0"/>
           </a:p>
         </p:txBody>
       </p:sp>
@@ -3974,8 +4123,8 @@
         </p:nvSpPr>
         <p:spPr>
           <a:xfrm>
-            <a:off x="5964801" y="5043949"/>
-            <a:ext cx="2219632" cy="369332"/>
+            <a:off x="5490974" y="5135389"/>
+            <a:ext cx="2550549" cy="523220"/>
           </a:xfrm>
           <a:prstGeom prst="rect">
             <a:avLst/>
@@ -3989,10 +4138,10 @@
           <a:lstStyle/>
           <a:p>
             <a:r>
-              <a:rPr kumimoji="1" lang="ja-JP" altLang="en-US" dirty="0" smtClean="0"/>
+              <a:rPr kumimoji="1" lang="ja-JP" altLang="en-US" sz="2800" dirty="0" smtClean="0"/>
               <a:t>不安定平衡点</a:t>
             </a:r>
-            <a:endParaRPr kumimoji="1" lang="ja-JP" altLang="en-US" dirty="0"/>
+            <a:endParaRPr kumimoji="1" lang="ja-JP" altLang="en-US" sz="2800" dirty="0"/>
           </a:p>
         </p:txBody>
       </p:sp>
@@ -4006,88 +4155,13 @@
   <p:clrMapOvr>
     <a:masterClrMapping/>
   </p:clrMapOvr>
-</p:sld>
-</file>
-
-<file path=ppt/slides/slide11.xml><?xml version="1.0" encoding="utf-8"?>
-<p:sld xmlns:a="http://schemas.openxmlformats.org/drawingml/2006/main" xmlns:r="http://schemas.openxmlformats.org/officeDocument/2006/relationships" xmlns:p="http://schemas.openxmlformats.org/presentationml/2006/main">
-  <p:cSld>
-    <p:spTree>
-      <p:nvGrpSpPr>
-        <p:cNvPr id="1" name=""/>
-        <p:cNvGrpSpPr/>
-        <p:nvPr/>
-      </p:nvGrpSpPr>
-      <p:grpSpPr>
-        <a:xfrm>
-          <a:off x="0" y="0"/>
-          <a:ext cx="0" cy="0"/>
-          <a:chOff x="0" y="0"/>
-          <a:chExt cx="0" cy="0"/>
-        </a:xfrm>
-      </p:grpSpPr>
-      <p:sp>
-        <p:nvSpPr>
-          <p:cNvPr id="2" name="タイトル 1"/>
-          <p:cNvSpPr>
-            <a:spLocks noGrp="1"/>
-          </p:cNvSpPr>
-          <p:nvPr>
-            <p:ph type="title"/>
-          </p:nvPr>
-        </p:nvSpPr>
-        <p:spPr>
-          <a:xfrm>
-            <a:off x="396772" y="2687646"/>
-            <a:ext cx="8319408" cy="1325563"/>
-          </a:xfrm>
-        </p:spPr>
-        <p:txBody>
-          <a:bodyPr/>
-          <a:lstStyle/>
-          <a:p>
-            <a:r>
-              <a:rPr lang="ja-JP" altLang="en-US" dirty="0" smtClean="0"/>
-              <a:t>モデリング</a:t>
-            </a:r>
-            <a:endParaRPr kumimoji="1" lang="ja-JP" altLang="en-US" dirty="0"/>
-          </a:p>
-        </p:txBody>
-      </p:sp>
-      <p:sp>
-        <p:nvSpPr>
-          <p:cNvPr id="4" name="スライド番号プレースホルダー 3"/>
-          <p:cNvSpPr>
-            <a:spLocks noGrp="1"/>
-          </p:cNvSpPr>
-          <p:nvPr>
-            <p:ph type="sldNum" sz="quarter" idx="12"/>
-          </p:nvPr>
-        </p:nvSpPr>
-        <p:spPr/>
-        <p:txBody>
-          <a:bodyPr/>
-          <a:lstStyle/>
-          <a:p>
-            <a:fld id="{879872E2-8930-43A6-82EA-52DD58EFA9F7}" type="slidenum">
-              <a:rPr lang="ja-JP" altLang="en-US" smtClean="0"/>
-              <a:pPr/>
-              <a:t>11</a:t>
-            </a:fld>
-            <a:endParaRPr lang="ja-JP" altLang="en-US" dirty="0"/>
-          </a:p>
-        </p:txBody>
-      </p:sp>
-    </p:spTree>
-    <p:extLst>
-      <p:ext uri="{BB962C8B-B14F-4D97-AF65-F5344CB8AC3E}">
-        <p14:creationId xmlns:p14="http://schemas.microsoft.com/office/powerpoint/2010/main" val="245135739"/>
-      </p:ext>
-    </p:extLst>
-  </p:cSld>
-  <p:clrMapOvr>
-    <a:masterClrMapping/>
-  </p:clrMapOvr>
+  <p:timing>
+    <p:tnLst>
+      <p:par>
+        <p:cTn id="1" dur="indefinite" restart="never" nodeType="tmRoot"/>
+      </p:par>
+    </p:tnLst>
+  </p:timing>
 </p:sld>
 </file>
 
@@ -4118,6 +4192,95 @@
             <p:ph type="title"/>
           </p:nvPr>
         </p:nvSpPr>
+        <p:spPr>
+          <a:xfrm>
+            <a:off x="396772" y="2687646"/>
+            <a:ext cx="8319408" cy="1325563"/>
+          </a:xfrm>
+        </p:spPr>
+        <p:txBody>
+          <a:bodyPr/>
+          <a:lstStyle/>
+          <a:p>
+            <a:r>
+              <a:rPr lang="ja-JP" altLang="en-US" dirty="0" smtClean="0"/>
+              <a:t>モデリング</a:t>
+            </a:r>
+            <a:endParaRPr kumimoji="1" lang="ja-JP" altLang="en-US" dirty="0"/>
+          </a:p>
+        </p:txBody>
+      </p:sp>
+      <p:sp>
+        <p:nvSpPr>
+          <p:cNvPr id="4" name="スライド番号プレースホルダー 3"/>
+          <p:cNvSpPr>
+            <a:spLocks noGrp="1"/>
+          </p:cNvSpPr>
+          <p:nvPr>
+            <p:ph type="sldNum" sz="quarter" idx="12"/>
+          </p:nvPr>
+        </p:nvSpPr>
+        <p:spPr/>
+        <p:txBody>
+          <a:bodyPr/>
+          <a:lstStyle/>
+          <a:p>
+            <a:fld id="{879872E2-8930-43A6-82EA-52DD58EFA9F7}" type="slidenum">
+              <a:rPr lang="ja-JP" altLang="en-US" smtClean="0"/>
+              <a:pPr/>
+              <a:t>12</a:t>
+            </a:fld>
+            <a:endParaRPr lang="ja-JP" altLang="en-US" dirty="0"/>
+          </a:p>
+        </p:txBody>
+      </p:sp>
+    </p:spTree>
+    <p:extLst>
+      <p:ext uri="{BB962C8B-B14F-4D97-AF65-F5344CB8AC3E}">
+        <p14:creationId xmlns:p14="http://schemas.microsoft.com/office/powerpoint/2010/main" val="245135739"/>
+      </p:ext>
+    </p:extLst>
+  </p:cSld>
+  <p:clrMapOvr>
+    <a:masterClrMapping/>
+  </p:clrMapOvr>
+  <p:timing>
+    <p:tnLst>
+      <p:par>
+        <p:cTn id="1" dur="indefinite" restart="never" nodeType="tmRoot"/>
+      </p:par>
+    </p:tnLst>
+  </p:timing>
+</p:sld>
+</file>
+
+<file path=ppt/slides/slide13.xml><?xml version="1.0" encoding="utf-8"?>
+<p:sld xmlns:a="http://schemas.openxmlformats.org/drawingml/2006/main" xmlns:r="http://schemas.openxmlformats.org/officeDocument/2006/relationships" xmlns:p="http://schemas.openxmlformats.org/presentationml/2006/main">
+  <p:cSld>
+    <p:spTree>
+      <p:nvGrpSpPr>
+        <p:cNvPr id="1" name=""/>
+        <p:cNvGrpSpPr/>
+        <p:nvPr/>
+      </p:nvGrpSpPr>
+      <p:grpSpPr>
+        <a:xfrm>
+          <a:off x="0" y="0"/>
+          <a:ext cx="0" cy="0"/>
+          <a:chOff x="0" y="0"/>
+          <a:chExt cx="0" cy="0"/>
+        </a:xfrm>
+      </p:grpSpPr>
+      <p:sp>
+        <p:nvSpPr>
+          <p:cNvPr id="2" name="タイトル 1"/>
+          <p:cNvSpPr>
+            <a:spLocks noGrp="1"/>
+          </p:cNvSpPr>
+          <p:nvPr>
+            <p:ph type="title"/>
+          </p:nvPr>
+        </p:nvSpPr>
         <p:spPr/>
         <p:txBody>
           <a:bodyPr/>
@@ -4167,8 +4330,8 @@
         </p:blipFill>
         <p:spPr>
           <a:xfrm>
-            <a:off x="159440" y="1103235"/>
-            <a:ext cx="5173598" cy="3999706"/>
+            <a:off x="307092" y="675624"/>
+            <a:ext cx="4855482" cy="3999706"/>
           </a:xfrm>
         </p:spPr>
       </p:pic>
@@ -4190,7 +4353,7 @@
             <a:fld id="{879872E2-8930-43A6-82EA-52DD58EFA9F7}" type="slidenum">
               <a:rPr lang="ja-JP" altLang="en-US" smtClean="0"/>
               <a:pPr/>
-              <a:t>12</a:t>
+              <a:t>13</a:t>
             </a:fld>
             <a:endParaRPr lang="ja-JP" altLang="en-US" dirty="0"/>
           </a:p>
@@ -4218,8 +4381,38 @@
         </p:blipFill>
         <p:spPr>
           <a:xfrm>
-            <a:off x="4667731" y="2702910"/>
+            <a:off x="2610331" y="5112490"/>
             <a:ext cx="3847619" cy="952381"/>
+          </a:xfrm>
+          <a:prstGeom prst="rect">
+            <a:avLst/>
+          </a:prstGeom>
+        </p:spPr>
+      </p:pic>
+      <p:pic>
+        <p:nvPicPr>
+          <p:cNvPr id="7" name="図 6"/>
+          <p:cNvPicPr>
+            <a:picLocks noChangeAspect="1"/>
+          </p:cNvPicPr>
+          <p:nvPr/>
+        </p:nvPicPr>
+        <p:blipFill>
+          <a:blip r:embed="rId4">
+            <a:extLst>
+              <a:ext uri="{28A0092B-C50C-407E-A947-70E740481C1C}">
+                <a14:useLocalDpi xmlns:a14="http://schemas.microsoft.com/office/drawing/2010/main" val="0"/>
+              </a:ext>
+            </a:extLst>
+          </a:blip>
+          <a:stretch>
+            <a:fillRect/>
+          </a:stretch>
+        </p:blipFill>
+        <p:spPr>
+          <a:xfrm>
+            <a:off x="4952068" y="2125730"/>
+            <a:ext cx="3952496" cy="2485466"/>
           </a:xfrm>
           <a:prstGeom prst="rect">
             <a:avLst/>
@@ -4236,10 +4429,17 @@
   <p:clrMapOvr>
     <a:masterClrMapping/>
   </p:clrMapOvr>
+  <p:timing>
+    <p:tnLst>
+      <p:par>
+        <p:cTn id="1" dur="indefinite" restart="never" nodeType="tmRoot"/>
+      </p:par>
+    </p:tnLst>
+  </p:timing>
 </p:sld>
 </file>
 
-<file path=ppt/slides/slide13.xml><?xml version="1.0" encoding="utf-8"?>
+<file path=ppt/slides/slide14.xml><?xml version="1.0" encoding="utf-8"?>
 <p:sld xmlns:a="http://schemas.openxmlformats.org/drawingml/2006/main" xmlns:r="http://schemas.openxmlformats.org/officeDocument/2006/relationships" xmlns:p="http://schemas.openxmlformats.org/presentationml/2006/main">
   <p:cSld>
     <p:spTree>
@@ -4316,7 +4516,7 @@
         <p:spPr>
           <a:xfrm>
             <a:off x="-103239" y="1255261"/>
-            <a:ext cx="3996813" cy="3355541"/>
+            <a:ext cx="4159850" cy="3355541"/>
           </a:xfrm>
         </p:spPr>
       </p:pic>
@@ -4338,7 +4538,7 @@
             <a:fld id="{879872E2-8930-43A6-82EA-52DD58EFA9F7}" type="slidenum">
               <a:rPr lang="ja-JP" altLang="en-US" smtClean="0"/>
               <a:pPr/>
-              <a:t>13</a:t>
+              <a:t>14</a:t>
             </a:fld>
             <a:endParaRPr lang="ja-JP" altLang="en-US" dirty="0"/>
           </a:p>
@@ -4366,8 +4566,38 @@
         </p:blipFill>
         <p:spPr>
           <a:xfrm>
-            <a:off x="3706323" y="3109517"/>
+            <a:off x="1891496" y="4971568"/>
             <a:ext cx="5285714" cy="1066667"/>
+          </a:xfrm>
+          <a:prstGeom prst="rect">
+            <a:avLst/>
+          </a:prstGeom>
+        </p:spPr>
+      </p:pic>
+      <p:pic>
+        <p:nvPicPr>
+          <p:cNvPr id="3" name="図 2"/>
+          <p:cNvPicPr>
+            <a:picLocks noChangeAspect="1"/>
+          </p:cNvPicPr>
+          <p:nvPr/>
+        </p:nvPicPr>
+        <p:blipFill>
+          <a:blip r:embed="rId4">
+            <a:extLst>
+              <a:ext uri="{28A0092B-C50C-407E-A947-70E740481C1C}">
+                <a14:useLocalDpi xmlns:a14="http://schemas.microsoft.com/office/drawing/2010/main" val="0"/>
+              </a:ext>
+            </a:extLst>
+          </a:blip>
+          <a:stretch>
+            <a:fillRect/>
+          </a:stretch>
+        </p:blipFill>
+        <p:spPr>
+          <a:xfrm>
+            <a:off x="4213659" y="1506415"/>
+            <a:ext cx="4739148" cy="2853232"/>
           </a:xfrm>
           <a:prstGeom prst="rect">
             <a:avLst/>
@@ -4384,10 +4614,17 @@
   <p:clrMapOvr>
     <a:masterClrMapping/>
   </p:clrMapOvr>
+  <p:timing>
+    <p:tnLst>
+      <p:par>
+        <p:cTn id="1" dur="indefinite" restart="never" nodeType="tmRoot"/>
+      </p:par>
+    </p:tnLst>
+  </p:timing>
 </p:sld>
 </file>
 
-<file path=ppt/slides/slide14.xml><?xml version="1.0" encoding="utf-8"?>
+<file path=ppt/slides/slide15.xml><?xml version="1.0" encoding="utf-8"?>
 <p:sld xmlns:a="http://schemas.openxmlformats.org/drawingml/2006/main" xmlns:r="http://schemas.openxmlformats.org/officeDocument/2006/relationships" xmlns:p="http://schemas.openxmlformats.org/presentationml/2006/main">
   <p:cSld>
     <p:spTree>
@@ -4445,7 +4682,7 @@
             <a:fld id="{879872E2-8930-43A6-82EA-52DD58EFA9F7}" type="slidenum">
               <a:rPr lang="ja-JP" altLang="en-US" smtClean="0"/>
               <a:pPr/>
-              <a:t>14</a:t>
+              <a:t>15</a:t>
             </a:fld>
             <a:endParaRPr lang="ja-JP" altLang="en-US" dirty="0"/>
           </a:p>
@@ -4473,7 +4710,7 @@
         </p:blipFill>
         <p:spPr>
           <a:xfrm>
-            <a:off x="416509" y="4017767"/>
+            <a:off x="416509" y="5139985"/>
             <a:ext cx="8515350" cy="897308"/>
           </a:xfrm>
           <a:prstGeom prst="rect">
@@ -4503,7 +4740,7 @@
         </p:blipFill>
         <p:spPr>
           <a:xfrm>
-            <a:off x="629107" y="1754921"/>
+            <a:off x="629107" y="1288622"/>
             <a:ext cx="8302752" cy="1390270"/>
           </a:xfrm>
           <a:prstGeom prst="rect">
@@ -4511,6 +4748,102 @@
           </a:prstGeom>
         </p:spPr>
       </p:pic>
+      <p:grpSp>
+        <p:nvGrpSpPr>
+          <p:cNvPr id="6" name="グループ化 5"/>
+          <p:cNvGrpSpPr/>
+          <p:nvPr/>
+        </p:nvGrpSpPr>
+        <p:grpSpPr>
+          <a:xfrm>
+            <a:off x="2842952" y="3420234"/>
+            <a:ext cx="4231178" cy="978408"/>
+            <a:chOff x="2892829" y="3227150"/>
+            <a:chExt cx="4231178" cy="978408"/>
+          </a:xfrm>
+        </p:grpSpPr>
+        <p:sp>
+          <p:nvSpPr>
+            <p:cNvPr id="3" name="下矢印 2"/>
+            <p:cNvSpPr/>
+            <p:nvPr/>
+          </p:nvSpPr>
+          <p:spPr>
+            <a:xfrm>
+              <a:off x="2892829" y="3227150"/>
+              <a:ext cx="484632" cy="978408"/>
+            </a:xfrm>
+            <a:prstGeom prst="downArrow">
+              <a:avLst/>
+            </a:prstGeom>
+            <a:solidFill>
+              <a:schemeClr val="accent1">
+                <a:lumMod val="40000"/>
+                <a:lumOff val="60000"/>
+              </a:schemeClr>
+            </a:solidFill>
+            <a:ln>
+              <a:noFill/>
+            </a:ln>
+          </p:spPr>
+          <p:style>
+            <a:lnRef idx="2">
+              <a:schemeClr val="accent1">
+                <a:shade val="50000"/>
+              </a:schemeClr>
+            </a:lnRef>
+            <a:fillRef idx="1">
+              <a:schemeClr val="accent1"/>
+            </a:fillRef>
+            <a:effectRef idx="0">
+              <a:schemeClr val="accent1"/>
+            </a:effectRef>
+            <a:fontRef idx="minor">
+              <a:schemeClr val="lt1"/>
+            </a:fontRef>
+          </p:style>
+          <p:txBody>
+            <a:bodyPr rtlCol="0" anchor="ctr"/>
+            <a:lstStyle/>
+            <a:p>
+              <a:pPr algn="ctr"/>
+              <a:endParaRPr kumimoji="1" lang="ja-JP" altLang="en-US">
+                <a:noFill/>
+              </a:endParaRPr>
+            </a:p>
+          </p:txBody>
+        </p:sp>
+        <p:sp>
+          <p:nvSpPr>
+            <p:cNvPr id="5" name="テキスト ボックス 4"/>
+            <p:cNvSpPr txBox="1"/>
+            <p:nvPr/>
+          </p:nvSpPr>
+          <p:spPr>
+            <a:xfrm>
+              <a:off x="3599411" y="3420234"/>
+              <a:ext cx="3524596" cy="523220"/>
+            </a:xfrm>
+            <a:prstGeom prst="rect">
+              <a:avLst/>
+            </a:prstGeom>
+            <a:noFill/>
+          </p:spPr>
+          <p:txBody>
+            <a:bodyPr wrap="square" rtlCol="0">
+              <a:spAutoFit/>
+            </a:bodyPr>
+            <a:lstStyle/>
+            <a:p>
+              <a:r>
+                <a:rPr kumimoji="1" lang="ja-JP" altLang="en-US" sz="2800" dirty="0" smtClean="0"/>
+                <a:t>行列で表現すると</a:t>
+              </a:r>
+              <a:endParaRPr kumimoji="1" lang="ja-JP" altLang="en-US" sz="2800" dirty="0"/>
+            </a:p>
+          </p:txBody>
+        </p:sp>
+      </p:grpSp>
     </p:spTree>
     <p:extLst>
       <p:ext uri="{BB962C8B-B14F-4D97-AF65-F5344CB8AC3E}">
@@ -4521,10 +4854,184 @@
   <p:clrMapOvr>
     <a:masterClrMapping/>
   </p:clrMapOvr>
+  <p:timing>
+    <p:tnLst>
+      <p:par>
+        <p:cTn id="1" dur="indefinite" restart="never" nodeType="tmRoot">
+          <p:childTnLst>
+            <p:seq concurrent="1" nextAc="seek">
+              <p:cTn id="2" dur="indefinite" nodeType="mainSeq">
+                <p:childTnLst>
+                  <p:par>
+                    <p:cTn id="3" fill="hold">
+                      <p:stCondLst>
+                        <p:cond delay="indefinite"/>
+                      </p:stCondLst>
+                      <p:childTnLst>
+                        <p:par>
+                          <p:cTn id="4" fill="hold">
+                            <p:stCondLst>
+                              <p:cond delay="0"/>
+                            </p:stCondLst>
+                            <p:childTnLst>
+                              <p:par>
+                                <p:cTn id="5" presetID="42" presetClass="entr" presetSubtype="0" fill="hold" nodeType="clickEffect">
+                                  <p:stCondLst>
+                                    <p:cond delay="0"/>
+                                  </p:stCondLst>
+                                  <p:childTnLst>
+                                    <p:set>
+                                      <p:cBhvr>
+                                        <p:cTn id="6" dur="1" fill="hold">
+                                          <p:stCondLst>
+                                            <p:cond delay="0"/>
+                                          </p:stCondLst>
+                                        </p:cTn>
+                                        <p:tgtEl>
+                                          <p:spTgt spid="6"/>
+                                        </p:tgtEl>
+                                        <p:attrNameLst>
+                                          <p:attrName>style.visibility</p:attrName>
+                                        </p:attrNameLst>
+                                      </p:cBhvr>
+                                      <p:to>
+                                        <p:strVal val="visible"/>
+                                      </p:to>
+                                    </p:set>
+                                    <p:animEffect transition="in" filter="fade">
+                                      <p:cBhvr>
+                                        <p:cTn id="7" dur="1000"/>
+                                        <p:tgtEl>
+                                          <p:spTgt spid="6"/>
+                                        </p:tgtEl>
+                                      </p:cBhvr>
+                                    </p:animEffect>
+                                    <p:anim calcmode="lin" valueType="num">
+                                      <p:cBhvr>
+                                        <p:cTn id="8" dur="1000" fill="hold"/>
+                                        <p:tgtEl>
+                                          <p:spTgt spid="6"/>
+                                        </p:tgtEl>
+                                        <p:attrNameLst>
+                                          <p:attrName>ppt_x</p:attrName>
+                                        </p:attrNameLst>
+                                      </p:cBhvr>
+                                      <p:tavLst>
+                                        <p:tav tm="0">
+                                          <p:val>
+                                            <p:strVal val="#ppt_x"/>
+                                          </p:val>
+                                        </p:tav>
+                                        <p:tav tm="100000">
+                                          <p:val>
+                                            <p:strVal val="#ppt_x"/>
+                                          </p:val>
+                                        </p:tav>
+                                      </p:tavLst>
+                                    </p:anim>
+                                    <p:anim calcmode="lin" valueType="num">
+                                      <p:cBhvr>
+                                        <p:cTn id="9" dur="1000" fill="hold"/>
+                                        <p:tgtEl>
+                                          <p:spTgt spid="6"/>
+                                        </p:tgtEl>
+                                        <p:attrNameLst>
+                                          <p:attrName>ppt_y</p:attrName>
+                                        </p:attrNameLst>
+                                      </p:cBhvr>
+                                      <p:tavLst>
+                                        <p:tav tm="0">
+                                          <p:val>
+                                            <p:strVal val="#ppt_y+.1"/>
+                                          </p:val>
+                                        </p:tav>
+                                        <p:tav tm="100000">
+                                          <p:val>
+                                            <p:strVal val="#ppt_y"/>
+                                          </p:val>
+                                        </p:tav>
+                                      </p:tavLst>
+                                    </p:anim>
+                                  </p:childTnLst>
+                                </p:cTn>
+                              </p:par>
+                            </p:childTnLst>
+                          </p:cTn>
+                        </p:par>
+                      </p:childTnLst>
+                    </p:cTn>
+                  </p:par>
+                  <p:par>
+                    <p:cTn id="10" fill="hold">
+                      <p:stCondLst>
+                        <p:cond delay="indefinite"/>
+                      </p:stCondLst>
+                      <p:childTnLst>
+                        <p:par>
+                          <p:cTn id="11" fill="hold">
+                            <p:stCondLst>
+                              <p:cond delay="0"/>
+                            </p:stCondLst>
+                            <p:childTnLst>
+                              <p:par>
+                                <p:cTn id="12" presetID="1" presetClass="entr" presetSubtype="0" fill="hold" nodeType="clickEffect">
+                                  <p:stCondLst>
+                                    <p:cond delay="0"/>
+                                  </p:stCondLst>
+                                  <p:childTnLst>
+                                    <p:set>
+                                      <p:cBhvr>
+                                        <p:cTn id="13" dur="1" fill="hold">
+                                          <p:stCondLst>
+                                            <p:cond delay="0"/>
+                                          </p:stCondLst>
+                                        </p:cTn>
+                                        <p:tgtEl>
+                                          <p:spTgt spid="9"/>
+                                        </p:tgtEl>
+                                        <p:attrNameLst>
+                                          <p:attrName>style.visibility</p:attrName>
+                                        </p:attrNameLst>
+                                      </p:cBhvr>
+                                      <p:to>
+                                        <p:strVal val="visible"/>
+                                      </p:to>
+                                    </p:set>
+                                  </p:childTnLst>
+                                </p:cTn>
+                              </p:par>
+                            </p:childTnLst>
+                          </p:cTn>
+                        </p:par>
+                      </p:childTnLst>
+                    </p:cTn>
+                  </p:par>
+                </p:childTnLst>
+              </p:cTn>
+              <p:prevCondLst>
+                <p:cond evt="onPrev" delay="0">
+                  <p:tgtEl>
+                    <p:sldTgt/>
+                  </p:tgtEl>
+                </p:cond>
+              </p:prevCondLst>
+              <p:nextCondLst>
+                <p:cond evt="onNext" delay="0">
+                  <p:tgtEl>
+                    <p:sldTgt/>
+                  </p:tgtEl>
+                </p:cond>
+              </p:nextCondLst>
+            </p:seq>
+          </p:childTnLst>
+        </p:cTn>
+      </p:par>
+    </p:tnLst>
+  </p:timing>
 </p:sld>
 </file>
 
-<file path=ppt/slides/slide15.xml><?xml version="1.0" encoding="utf-8"?>
+<file path=ppt/slides/slide16.xml><?xml version="1.0" encoding="utf-8"?>
 <p:sld xmlns:a="http://schemas.openxmlformats.org/drawingml/2006/main" xmlns:r="http://schemas.openxmlformats.org/officeDocument/2006/relationships" xmlns:p="http://schemas.openxmlformats.org/presentationml/2006/main">
   <p:cSld>
     <p:spTree>
@@ -4582,7 +5089,7 @@
             <a:fld id="{879872E2-8930-43A6-82EA-52DD58EFA9F7}" type="slidenum">
               <a:rPr lang="ja-JP" altLang="en-US" smtClean="0"/>
               <a:pPr/>
-              <a:t>15</a:t>
+              <a:t>16</a:t>
             </a:fld>
             <a:endParaRPr lang="ja-JP" altLang="en-US" dirty="0"/>
           </a:p>
@@ -4610,7 +5117,7 @@
         </p:blipFill>
         <p:spPr>
           <a:xfrm>
-            <a:off x="514651" y="3524114"/>
+            <a:off x="573173" y="3110971"/>
             <a:ext cx="8097926" cy="902908"/>
           </a:xfrm>
           <a:prstGeom prst="rect">
@@ -4640,7 +5147,7 @@
         </p:blipFill>
         <p:spPr>
           <a:xfrm>
-            <a:off x="456129" y="2138544"/>
+            <a:off x="514651" y="1390398"/>
             <a:ext cx="8156448" cy="897308"/>
           </a:xfrm>
           <a:prstGeom prst="rect">
@@ -4670,7 +5177,7 @@
         </p:blipFill>
         <p:spPr>
           <a:xfrm>
-            <a:off x="514651" y="4746486"/>
+            <a:off x="6724996" y="4597015"/>
             <a:ext cx="1373136" cy="1500695"/>
           </a:xfrm>
           <a:prstGeom prst="rect">
@@ -4678,6 +5185,130 @@
           </a:prstGeom>
         </p:spPr>
       </p:pic>
+      <p:grpSp>
+        <p:nvGrpSpPr>
+          <p:cNvPr id="8" name="グループ化 7"/>
+          <p:cNvGrpSpPr/>
+          <p:nvPr/>
+        </p:nvGrpSpPr>
+        <p:grpSpPr>
+          <a:xfrm>
+            <a:off x="2618509" y="2566646"/>
+            <a:ext cx="4106487" cy="544325"/>
+            <a:chOff x="2618509" y="2566646"/>
+            <a:chExt cx="4106487" cy="544325"/>
+          </a:xfrm>
+        </p:grpSpPr>
+        <p:sp>
+          <p:nvSpPr>
+            <p:cNvPr id="3" name="テキスト ボックス 2"/>
+            <p:cNvSpPr txBox="1"/>
+            <p:nvPr/>
+          </p:nvSpPr>
+          <p:spPr>
+            <a:xfrm>
+              <a:off x="2892829" y="2635559"/>
+              <a:ext cx="3832167" cy="369332"/>
+            </a:xfrm>
+            <a:prstGeom prst="rect">
+              <a:avLst/>
+            </a:prstGeom>
+            <a:noFill/>
+          </p:spPr>
+          <p:txBody>
+            <a:bodyPr wrap="square" rtlCol="0">
+              <a:spAutoFit/>
+            </a:bodyPr>
+            <a:lstStyle/>
+            <a:p>
+              <a:r>
+                <a:rPr kumimoji="1" lang="ja-JP" altLang="en-US" dirty="0" smtClean="0"/>
+                <a:t>左から係数行列の逆行列をかける</a:t>
+              </a:r>
+              <a:endParaRPr kumimoji="1" lang="ja-JP" altLang="en-US" dirty="0"/>
+            </a:p>
+          </p:txBody>
+        </p:sp>
+        <p:sp>
+          <p:nvSpPr>
+            <p:cNvPr id="7" name="下矢印 6"/>
+            <p:cNvSpPr/>
+            <p:nvPr/>
+          </p:nvSpPr>
+          <p:spPr>
+            <a:xfrm>
+              <a:off x="2618509" y="2566646"/>
+              <a:ext cx="274320" cy="544325"/>
+            </a:xfrm>
+            <a:prstGeom prst="downArrow">
+              <a:avLst/>
+            </a:prstGeom>
+            <a:solidFill>
+              <a:schemeClr val="accent1">
+                <a:lumMod val="40000"/>
+                <a:lumOff val="60000"/>
+              </a:schemeClr>
+            </a:solidFill>
+            <a:ln>
+              <a:noFill/>
+            </a:ln>
+          </p:spPr>
+          <p:style>
+            <a:lnRef idx="2">
+              <a:schemeClr val="accent1">
+                <a:shade val="50000"/>
+              </a:schemeClr>
+            </a:lnRef>
+            <a:fillRef idx="1">
+              <a:schemeClr val="accent1"/>
+            </a:fillRef>
+            <a:effectRef idx="0">
+              <a:schemeClr val="accent1"/>
+            </a:effectRef>
+            <a:fontRef idx="minor">
+              <a:schemeClr val="lt1"/>
+            </a:fontRef>
+          </p:style>
+          <p:txBody>
+            <a:bodyPr rtlCol="0" anchor="ctr"/>
+            <a:lstStyle/>
+            <a:p>
+              <a:pPr algn="ctr"/>
+              <a:endParaRPr kumimoji="1" lang="ja-JP" altLang="en-US"/>
+            </a:p>
+          </p:txBody>
+        </p:sp>
+      </p:grpSp>
+      <p:sp>
+        <p:nvSpPr>
+          <p:cNvPr id="10" name="テキスト ボックス 9"/>
+          <p:cNvSpPr txBox="1"/>
+          <p:nvPr/>
+        </p:nvSpPr>
+        <p:spPr>
+          <a:xfrm>
+            <a:off x="1079916" y="5054974"/>
+            <a:ext cx="5470513" cy="584775"/>
+          </a:xfrm>
+          <a:prstGeom prst="rect">
+            <a:avLst/>
+          </a:prstGeom>
+          <a:noFill/>
+        </p:spPr>
+        <p:txBody>
+          <a:bodyPr wrap="square" rtlCol="0">
+            <a:spAutoFit/>
+          </a:bodyPr>
+          <a:lstStyle/>
+          <a:p>
+            <a:r>
+              <a:rPr kumimoji="1" lang="ja-JP" altLang="en-US" sz="3200" dirty="0" smtClean="0"/>
+              <a:t>・状態を右のように設定する</a:t>
+            </a:r>
+            <a:endParaRPr kumimoji="1" lang="ja-JP" altLang="en-US" sz="3200" dirty="0"/>
+          </a:p>
+        </p:txBody>
+      </p:sp>
     </p:spTree>
     <p:extLst>
       <p:ext uri="{BB962C8B-B14F-4D97-AF65-F5344CB8AC3E}">
@@ -4688,10 +5319,17 @@
   <p:clrMapOvr>
     <a:masterClrMapping/>
   </p:clrMapOvr>
+  <p:timing>
+    <p:tnLst>
+      <p:par>
+        <p:cTn id="1" dur="indefinite" restart="never" nodeType="tmRoot"/>
+      </p:par>
+    </p:tnLst>
+  </p:timing>
 </p:sld>
 </file>
 
-<file path=ppt/slides/slide16.xml><?xml version="1.0" encoding="utf-8"?>
+<file path=ppt/slides/slide17.xml><?xml version="1.0" encoding="utf-8"?>
 <p:sld xmlns:a="http://schemas.openxmlformats.org/drawingml/2006/main" xmlns:r="http://schemas.openxmlformats.org/officeDocument/2006/relationships" xmlns:p="http://schemas.openxmlformats.org/presentationml/2006/main">
   <p:cSld>
     <p:spTree>
@@ -4749,7 +5387,7 @@
             <a:fld id="{879872E2-8930-43A6-82EA-52DD58EFA9F7}" type="slidenum">
               <a:rPr lang="ja-JP" altLang="en-US" smtClean="0"/>
               <a:pPr/>
-              <a:t>16</a:t>
+              <a:t>17</a:t>
             </a:fld>
             <a:endParaRPr lang="ja-JP" altLang="en-US" dirty="0"/>
           </a:p>
@@ -4779,7 +5417,7 @@
         </p:blipFill>
         <p:spPr>
           <a:xfrm>
-            <a:off x="279552" y="1661735"/>
+            <a:off x="312803" y="1255261"/>
             <a:ext cx="8659813" cy="1862920"/>
           </a:xfrm>
           <a:prstGeom prst="rect">
@@ -4809,7 +5447,7 @@
         </p:blipFill>
         <p:spPr>
           <a:xfrm>
-            <a:off x="2177210" y="4384671"/>
+            <a:off x="2401654" y="3308693"/>
             <a:ext cx="4714286" cy="952381"/>
           </a:xfrm>
           <a:prstGeom prst="rect">
@@ -4817,6 +5455,66 @@
           </a:prstGeom>
         </p:spPr>
       </p:pic>
+      <p:sp>
+        <p:nvSpPr>
+          <p:cNvPr id="3" name="テキスト ボックス 2"/>
+          <p:cNvSpPr txBox="1"/>
+          <p:nvPr/>
+        </p:nvSpPr>
+        <p:spPr>
+          <a:xfrm>
+            <a:off x="374649" y="3523274"/>
+            <a:ext cx="2793077" cy="523220"/>
+          </a:xfrm>
+          <a:prstGeom prst="rect">
+            <a:avLst/>
+          </a:prstGeom>
+          <a:noFill/>
+        </p:spPr>
+        <p:txBody>
+          <a:bodyPr wrap="square" rtlCol="0">
+            <a:spAutoFit/>
+          </a:bodyPr>
+          <a:lstStyle/>
+          <a:p>
+            <a:r>
+              <a:rPr kumimoji="1" lang="ja-JP" altLang="en-US" sz="2800" dirty="0" smtClean="0"/>
+              <a:t>係数行列を</a:t>
+            </a:r>
+            <a:endParaRPr kumimoji="1" lang="ja-JP" altLang="en-US" sz="2800" dirty="0"/>
+          </a:p>
+        </p:txBody>
+      </p:sp>
+      <p:sp>
+        <p:nvSpPr>
+          <p:cNvPr id="8" name="テキスト ボックス 7"/>
+          <p:cNvSpPr txBox="1"/>
+          <p:nvPr/>
+        </p:nvSpPr>
+        <p:spPr>
+          <a:xfrm>
+            <a:off x="7297518" y="3523273"/>
+            <a:ext cx="2793077" cy="523220"/>
+          </a:xfrm>
+          <a:prstGeom prst="rect">
+            <a:avLst/>
+          </a:prstGeom>
+          <a:noFill/>
+        </p:spPr>
+        <p:txBody>
+          <a:bodyPr wrap="square" rtlCol="0">
+            <a:spAutoFit/>
+          </a:bodyPr>
+          <a:lstStyle/>
+          <a:p>
+            <a:r>
+              <a:rPr kumimoji="1" lang="ja-JP" altLang="en-US" sz="2800" dirty="0" smtClean="0"/>
+              <a:t>とおく</a:t>
+            </a:r>
+            <a:endParaRPr kumimoji="1" lang="ja-JP" altLang="en-US" sz="2800" dirty="0"/>
+          </a:p>
+        </p:txBody>
+      </p:sp>
     </p:spTree>
     <p:extLst>
       <p:ext uri="{BB962C8B-B14F-4D97-AF65-F5344CB8AC3E}">
@@ -4827,10 +5525,17 @@
   <p:clrMapOvr>
     <a:masterClrMapping/>
   </p:clrMapOvr>
+  <p:timing>
+    <p:tnLst>
+      <p:par>
+        <p:cTn id="1" dur="indefinite" restart="never" nodeType="tmRoot"/>
+      </p:par>
+    </p:tnLst>
+  </p:timing>
 </p:sld>
 </file>
 
-<file path=ppt/slides/slide17.xml><?xml version="1.0" encoding="utf-8"?>
+<file path=ppt/slides/slide18.xml><?xml version="1.0" encoding="utf-8"?>
 <p:sld xmlns:a="http://schemas.openxmlformats.org/drawingml/2006/main" xmlns:r="http://schemas.openxmlformats.org/officeDocument/2006/relationships" xmlns:p="http://schemas.openxmlformats.org/presentationml/2006/main">
   <p:cSld>
     <p:spTree>
@@ -4894,7 +5599,7 @@
         </p:blipFill>
         <p:spPr>
           <a:xfrm>
-            <a:off x="2191496" y="1598390"/>
+            <a:off x="2191496" y="1745360"/>
             <a:ext cx="4685714" cy="409524"/>
           </a:xfrm>
         </p:spPr>
@@ -4917,7 +5622,7 @@
             <a:fld id="{879872E2-8930-43A6-82EA-52DD58EFA9F7}" type="slidenum">
               <a:rPr lang="ja-JP" altLang="en-US" smtClean="0"/>
               <a:pPr/>
-              <a:t>17</a:t>
+              <a:t>18</a:t>
             </a:fld>
             <a:endParaRPr lang="ja-JP" altLang="en-US" dirty="0"/>
           </a:p>
@@ -4945,7 +5650,7 @@
         </p:blipFill>
         <p:spPr>
           <a:xfrm>
-            <a:off x="1943877" y="2574665"/>
+            <a:off x="1943877" y="3177008"/>
             <a:ext cx="4933333" cy="3361905"/>
           </a:xfrm>
           <a:prstGeom prst="rect">
@@ -4953,6 +5658,108 @@
           </a:prstGeom>
         </p:spPr>
       </p:pic>
+      <p:pic>
+        <p:nvPicPr>
+          <p:cNvPr id="3" name="図 2"/>
+          <p:cNvPicPr>
+            <a:picLocks noChangeAspect="1"/>
+          </p:cNvPicPr>
+          <p:nvPr/>
+        </p:nvPicPr>
+        <p:blipFill>
+          <a:blip r:embed="rId4">
+            <a:extLst>
+              <a:ext uri="{28A0092B-C50C-407E-A947-70E740481C1C}">
+                <a14:useLocalDpi xmlns:a14="http://schemas.microsoft.com/office/drawing/2010/main" val="0"/>
+              </a:ext>
+            </a:extLst>
+          </a:blip>
+          <a:stretch>
+            <a:fillRect/>
+          </a:stretch>
+        </p:blipFill>
+        <p:spPr>
+          <a:xfrm>
+            <a:off x="1739115" y="1166541"/>
+            <a:ext cx="904762" cy="276190"/>
+          </a:xfrm>
+          <a:prstGeom prst="rect">
+            <a:avLst/>
+          </a:prstGeom>
+        </p:spPr>
+      </p:pic>
+      <p:sp>
+        <p:nvSpPr>
+          <p:cNvPr id="7" name="テキスト ボックス 6"/>
+          <p:cNvSpPr txBox="1"/>
+          <p:nvPr/>
+        </p:nvSpPr>
+        <p:spPr>
+          <a:xfrm>
+            <a:off x="2676700" y="1073804"/>
+            <a:ext cx="5215196" cy="461665"/>
+          </a:xfrm>
+          <a:prstGeom prst="rect">
+            <a:avLst/>
+          </a:prstGeom>
+          <a:noFill/>
+        </p:spPr>
+        <p:txBody>
+          <a:bodyPr wrap="square" rtlCol="0">
+            <a:spAutoFit/>
+          </a:bodyPr>
+          <a:lstStyle/>
+          <a:p>
+            <a:r>
+              <a:rPr kumimoji="1" lang="ja-JP" altLang="en-US" sz="2400" dirty="0" smtClean="0"/>
+              <a:t>における一次近似は次のようになる</a:t>
+            </a:r>
+            <a:endParaRPr kumimoji="1" lang="ja-JP" altLang="en-US" sz="2400" dirty="0"/>
+          </a:p>
+        </p:txBody>
+      </p:sp>
+      <p:sp>
+        <p:nvSpPr>
+          <p:cNvPr id="8" name="テキスト ボックス 7"/>
+          <p:cNvSpPr txBox="1"/>
+          <p:nvPr/>
+        </p:nvSpPr>
+        <p:spPr>
+          <a:xfrm>
+            <a:off x="2191496" y="2435113"/>
+            <a:ext cx="5215196" cy="461665"/>
+          </a:xfrm>
+          <a:prstGeom prst="rect">
+            <a:avLst/>
+          </a:prstGeom>
+          <a:noFill/>
+        </p:spPr>
+        <p:txBody>
+          <a:bodyPr wrap="square" rtlCol="0">
+            <a:spAutoFit/>
+          </a:bodyPr>
+          <a:lstStyle/>
+          <a:p>
+            <a:r>
+              <a:rPr lang="ja-JP" altLang="en-US" sz="2400" dirty="0" smtClean="0"/>
+              <a:t>よって</a:t>
+            </a:r>
+            <a:r>
+              <a:rPr lang="en-US" altLang="ja-JP" sz="2400" dirty="0" smtClean="0"/>
+              <a:t>, </a:t>
+            </a:r>
+            <a:r>
+              <a:rPr lang="ja-JP" altLang="en-US" sz="2400" dirty="0" smtClean="0"/>
+              <a:t>線形化した状態の微分は</a:t>
+            </a:r>
+            <a:r>
+              <a:rPr lang="en-US" altLang="ja-JP" sz="2400" dirty="0" smtClean="0"/>
+              <a:t>,</a:t>
+            </a:r>
+            <a:endParaRPr kumimoji="1" lang="ja-JP" altLang="en-US" sz="2400" dirty="0"/>
+          </a:p>
+        </p:txBody>
+      </p:sp>
     </p:spTree>
     <p:extLst>
       <p:ext uri="{BB962C8B-B14F-4D97-AF65-F5344CB8AC3E}">
@@ -4963,10 +5770,17 @@
   <p:clrMapOvr>
     <a:masterClrMapping/>
   </p:clrMapOvr>
+  <p:timing>
+    <p:tnLst>
+      <p:par>
+        <p:cTn id="1" dur="indefinite" restart="never" nodeType="tmRoot"/>
+      </p:par>
+    </p:tnLst>
+  </p:timing>
 </p:sld>
 </file>
 
-<file path=ppt/slides/slide18.xml><?xml version="1.0" encoding="utf-8"?>
+<file path=ppt/slides/slide19.xml><?xml version="1.0" encoding="utf-8"?>
 <p:sld xmlns:a="http://schemas.openxmlformats.org/drawingml/2006/main" xmlns:r="http://schemas.openxmlformats.org/officeDocument/2006/relationships" xmlns:p="http://schemas.openxmlformats.org/presentationml/2006/main">
   <p:cSld>
     <p:spTree>
@@ -5030,7 +5844,7 @@
         </p:blipFill>
         <p:spPr>
           <a:xfrm>
-            <a:off x="5487333" y="1503876"/>
+            <a:off x="4560569" y="1479971"/>
             <a:ext cx="1419048" cy="847619"/>
           </a:xfrm>
         </p:spPr>
@@ -5053,7 +5867,7 @@
             <a:fld id="{879872E2-8930-43A6-82EA-52DD58EFA9F7}" type="slidenum">
               <a:rPr lang="ja-JP" altLang="en-US" smtClean="0"/>
               <a:pPr/>
-              <a:t>18</a:t>
+              <a:t>19</a:t>
             </a:fld>
             <a:endParaRPr lang="ja-JP" altLang="en-US" dirty="0"/>
           </a:p>
@@ -5081,7 +5895,7 @@
         </p:blipFill>
         <p:spPr>
           <a:xfrm>
-            <a:off x="1572767" y="1399114"/>
+            <a:off x="1655894" y="1399114"/>
             <a:ext cx="1819048" cy="952381"/>
           </a:xfrm>
           <a:prstGeom prst="rect">
@@ -5111,7 +5925,7 @@
         </p:blipFill>
         <p:spPr>
           <a:xfrm>
-            <a:off x="1109890" y="2877549"/>
+            <a:off x="1026763" y="2579644"/>
             <a:ext cx="6704762" cy="1904762"/>
           </a:xfrm>
           <a:prstGeom prst="rect">
@@ -5141,7 +5955,7 @@
         </p:blipFill>
         <p:spPr>
           <a:xfrm>
-            <a:off x="4057918" y="5554544"/>
+            <a:off x="3856306" y="5232804"/>
             <a:ext cx="1247619" cy="342857"/>
           </a:xfrm>
           <a:prstGeom prst="rect">
@@ -5149,6 +5963,232 @@
           </a:prstGeom>
         </p:spPr>
       </p:pic>
+      <p:sp>
+        <p:nvSpPr>
+          <p:cNvPr id="3" name="テキスト ボックス 2"/>
+          <p:cNvSpPr txBox="1"/>
+          <p:nvPr/>
+        </p:nvSpPr>
+        <p:spPr>
+          <a:xfrm>
+            <a:off x="789709" y="1672949"/>
+            <a:ext cx="1379913" cy="461665"/>
+          </a:xfrm>
+          <a:prstGeom prst="rect">
+            <a:avLst/>
+          </a:prstGeom>
+          <a:noFill/>
+        </p:spPr>
+        <p:txBody>
+          <a:bodyPr wrap="square" rtlCol="0">
+            <a:spAutoFit/>
+          </a:bodyPr>
+          <a:lstStyle/>
+          <a:p>
+            <a:r>
+              <a:rPr lang="ja-JP" altLang="en-US" sz="2400" dirty="0"/>
+              <a:t>出力</a:t>
+            </a:r>
+            <a:endParaRPr kumimoji="1" lang="ja-JP" altLang="en-US" sz="2400" dirty="0"/>
+          </a:p>
+        </p:txBody>
+      </p:sp>
+      <p:sp>
+        <p:nvSpPr>
+          <p:cNvPr id="9" name="テキスト ボックス 8"/>
+          <p:cNvSpPr txBox="1"/>
+          <p:nvPr/>
+        </p:nvSpPr>
+        <p:spPr>
+          <a:xfrm>
+            <a:off x="3690851" y="1672949"/>
+            <a:ext cx="1735696" cy="461665"/>
+          </a:xfrm>
+          <a:prstGeom prst="rect">
+            <a:avLst/>
+          </a:prstGeom>
+          <a:noFill/>
+        </p:spPr>
+        <p:txBody>
+          <a:bodyPr wrap="square" rtlCol="0">
+            <a:spAutoFit/>
+          </a:bodyPr>
+          <a:lstStyle/>
+          <a:p>
+            <a:r>
+              <a:rPr kumimoji="1" lang="ja-JP" altLang="en-US" sz="2400" dirty="0" smtClean="0"/>
+              <a:t>は</a:t>
+            </a:r>
+            <a:r>
+              <a:rPr lang="en-US" altLang="ja-JP" sz="2400" dirty="0" smtClean="0"/>
+              <a:t>, </a:t>
+            </a:r>
+            <a:endParaRPr kumimoji="1" lang="ja-JP" altLang="en-US" sz="2400" dirty="0"/>
+          </a:p>
+        </p:txBody>
+      </p:sp>
+      <p:sp>
+        <p:nvSpPr>
+          <p:cNvPr id="10" name="テキスト ボックス 9"/>
+          <p:cNvSpPr txBox="1"/>
+          <p:nvPr/>
+        </p:nvSpPr>
+        <p:spPr>
+          <a:xfrm>
+            <a:off x="6197396" y="1628864"/>
+            <a:ext cx="2215084" cy="461665"/>
+          </a:xfrm>
+          <a:prstGeom prst="rect">
+            <a:avLst/>
+          </a:prstGeom>
+          <a:noFill/>
+        </p:spPr>
+        <p:txBody>
+          <a:bodyPr wrap="square" rtlCol="0">
+            <a:spAutoFit/>
+          </a:bodyPr>
+          <a:lstStyle/>
+          <a:p>
+            <a:r>
+              <a:rPr lang="ja-JP" altLang="en-US" sz="2400" dirty="0" smtClean="0"/>
+              <a:t>を満たすので</a:t>
+            </a:r>
+            <a:r>
+              <a:rPr lang="en-US" altLang="ja-JP" sz="2400" dirty="0" smtClean="0"/>
+              <a:t>,  </a:t>
+            </a:r>
+            <a:endParaRPr kumimoji="1" lang="ja-JP" altLang="en-US" sz="2400" dirty="0"/>
+          </a:p>
+        </p:txBody>
+      </p:sp>
+      <p:sp>
+        <p:nvSpPr>
+          <p:cNvPr id="11" name="テキスト ボックス 10"/>
+          <p:cNvSpPr txBox="1"/>
+          <p:nvPr/>
+        </p:nvSpPr>
+        <p:spPr>
+          <a:xfrm>
+            <a:off x="967048" y="4557809"/>
+            <a:ext cx="1735696" cy="461665"/>
+          </a:xfrm>
+          <a:prstGeom prst="rect">
+            <a:avLst/>
+          </a:prstGeom>
+          <a:noFill/>
+        </p:spPr>
+        <p:txBody>
+          <a:bodyPr wrap="square" rtlCol="0">
+            <a:spAutoFit/>
+          </a:bodyPr>
+          <a:lstStyle/>
+          <a:p>
+            <a:r>
+              <a:rPr lang="ja-JP" altLang="en-US" sz="2400" dirty="0" smtClean="0"/>
+              <a:t>となる行列</a:t>
+            </a:r>
+            <a:endParaRPr kumimoji="1" lang="ja-JP" altLang="en-US" sz="2400" dirty="0"/>
+          </a:p>
+        </p:txBody>
+      </p:sp>
+      <p:pic>
+        <p:nvPicPr>
+          <p:cNvPr id="12" name="図 11"/>
+          <p:cNvPicPr>
+            <a:picLocks noChangeAspect="1"/>
+          </p:cNvPicPr>
+          <p:nvPr/>
+        </p:nvPicPr>
+        <p:blipFill>
+          <a:blip r:embed="rId6">
+            <a:extLst>
+              <a:ext uri="{28A0092B-C50C-407E-A947-70E740481C1C}">
+                <a14:useLocalDpi xmlns:a14="http://schemas.microsoft.com/office/drawing/2010/main" val="0"/>
+              </a:ext>
+            </a:extLst>
+          </a:blip>
+          <a:stretch>
+            <a:fillRect/>
+          </a:stretch>
+        </p:blipFill>
+        <p:spPr>
+          <a:xfrm>
+            <a:off x="2702744" y="4619474"/>
+            <a:ext cx="285714" cy="266667"/>
+          </a:xfrm>
+          <a:prstGeom prst="rect">
+            <a:avLst/>
+          </a:prstGeom>
+        </p:spPr>
+      </p:pic>
+      <p:sp>
+        <p:nvSpPr>
+          <p:cNvPr id="14" name="テキスト ボックス 13"/>
+          <p:cNvSpPr txBox="1"/>
+          <p:nvPr/>
+        </p:nvSpPr>
+        <p:spPr>
+          <a:xfrm>
+            <a:off x="2988458" y="4529133"/>
+            <a:ext cx="1735696" cy="461665"/>
+          </a:xfrm>
+          <a:prstGeom prst="rect">
+            <a:avLst/>
+          </a:prstGeom>
+          <a:noFill/>
+        </p:spPr>
+        <p:txBody>
+          <a:bodyPr wrap="square" rtlCol="0">
+            <a:spAutoFit/>
+          </a:bodyPr>
+          <a:lstStyle/>
+          <a:p>
+            <a:r>
+              <a:rPr kumimoji="1" lang="ja-JP" altLang="en-US" sz="2400" dirty="0" smtClean="0"/>
+              <a:t>を用いて</a:t>
+            </a:r>
+            <a:r>
+              <a:rPr kumimoji="1" lang="en-US" altLang="ja-JP" sz="2400" dirty="0" smtClean="0"/>
+              <a:t>, </a:t>
+            </a:r>
+            <a:endParaRPr kumimoji="1" lang="ja-JP" altLang="en-US" sz="2400" dirty="0"/>
+          </a:p>
+        </p:txBody>
+      </p:sp>
+      <p:sp>
+        <p:nvSpPr>
+          <p:cNvPr id="15" name="テキスト ボックス 14"/>
+          <p:cNvSpPr txBox="1"/>
+          <p:nvPr/>
+        </p:nvSpPr>
+        <p:spPr>
+          <a:xfrm>
+            <a:off x="967047" y="5691111"/>
+            <a:ext cx="2358043" cy="461665"/>
+          </a:xfrm>
+          <a:prstGeom prst="rect">
+            <a:avLst/>
+          </a:prstGeom>
+          <a:noFill/>
+        </p:spPr>
+        <p:txBody>
+          <a:bodyPr wrap="square" rtlCol="0">
+            <a:spAutoFit/>
+          </a:bodyPr>
+          <a:lstStyle/>
+          <a:p>
+            <a:r>
+              <a:rPr lang="ja-JP" altLang="en-US" sz="2400" dirty="0" smtClean="0"/>
+              <a:t>とかける</a:t>
+            </a:r>
+            <a:r>
+              <a:rPr lang="en-US" altLang="ja-JP" sz="2400" dirty="0" smtClean="0"/>
+              <a:t>.</a:t>
+            </a:r>
+            <a:endParaRPr kumimoji="1" lang="ja-JP" altLang="en-US" sz="2400" dirty="0"/>
+          </a:p>
+        </p:txBody>
+      </p:sp>
     </p:spTree>
     <p:extLst>
       <p:ext uri="{BB962C8B-B14F-4D97-AF65-F5344CB8AC3E}">
@@ -5159,10 +6199,226 @@
   <p:clrMapOvr>
     <a:masterClrMapping/>
   </p:clrMapOvr>
+  <p:timing>
+    <p:tnLst>
+      <p:par>
+        <p:cTn id="1" dur="indefinite" restart="never" nodeType="tmRoot"/>
+      </p:par>
+    </p:tnLst>
+  </p:timing>
 </p:sld>
 </file>
 
-<file path=ppt/slides/slide19.xml><?xml version="1.0" encoding="utf-8"?>
+<file path=ppt/slides/slide2.xml><?xml version="1.0" encoding="utf-8"?>
+<p:sld xmlns:a="http://schemas.openxmlformats.org/drawingml/2006/main" xmlns:r="http://schemas.openxmlformats.org/officeDocument/2006/relationships" xmlns:p="http://schemas.openxmlformats.org/presentationml/2006/main">
+  <p:cSld>
+    <p:spTree>
+      <p:nvGrpSpPr>
+        <p:cNvPr id="1" name=""/>
+        <p:cNvGrpSpPr/>
+        <p:nvPr/>
+      </p:nvGrpSpPr>
+      <p:grpSpPr>
+        <a:xfrm>
+          <a:off x="0" y="0"/>
+          <a:ext cx="0" cy="0"/>
+          <a:chOff x="0" y="0"/>
+          <a:chExt cx="0" cy="0"/>
+        </a:xfrm>
+      </p:grpSpPr>
+      <p:sp>
+        <p:nvSpPr>
+          <p:cNvPr id="2" name="タイトル 1"/>
+          <p:cNvSpPr>
+            <a:spLocks noGrp="1"/>
+          </p:cNvSpPr>
+          <p:nvPr>
+            <p:ph type="title"/>
+          </p:nvPr>
+        </p:nvSpPr>
+        <p:spPr/>
+        <p:txBody>
+          <a:bodyPr/>
+          <a:lstStyle/>
+          <a:p>
+            <a:r>
+              <a:rPr lang="en-US" altLang="ja-JP" dirty="0"/>
+              <a:t>Outline</a:t>
+            </a:r>
+            <a:endParaRPr kumimoji="1" lang="ja-JP" altLang="en-US" dirty="0"/>
+          </a:p>
+        </p:txBody>
+      </p:sp>
+      <p:sp>
+        <p:nvSpPr>
+          <p:cNvPr id="3" name="コンテンツ プレースホルダー 2"/>
+          <p:cNvSpPr>
+            <a:spLocks noGrp="1"/>
+          </p:cNvSpPr>
+          <p:nvPr>
+            <p:ph idx="1"/>
+          </p:nvPr>
+        </p:nvSpPr>
+        <p:spPr/>
+        <p:txBody>
+          <a:bodyPr/>
+          <a:lstStyle/>
+          <a:p>
+            <a:r>
+              <a:rPr kumimoji="1" lang="ja-JP" altLang="en-US" dirty="0" smtClean="0"/>
+              <a:t>実験目的</a:t>
+            </a:r>
+            <a:endParaRPr kumimoji="1" lang="en-US" altLang="ja-JP" dirty="0" smtClean="0"/>
+          </a:p>
+          <a:p>
+            <a:r>
+              <a:rPr lang="ja-JP" altLang="en-US" dirty="0" smtClean="0"/>
+              <a:t>制御対象</a:t>
+            </a:r>
+            <a:endParaRPr lang="en-US" altLang="ja-JP" dirty="0" smtClean="0"/>
+          </a:p>
+          <a:p>
+            <a:r>
+              <a:rPr kumimoji="1" lang="ja-JP" altLang="en-US" dirty="0" smtClean="0"/>
+              <a:t>制御目的</a:t>
+            </a:r>
+            <a:r>
+              <a:rPr kumimoji="1" lang="en-US" altLang="ja-JP" dirty="0" smtClean="0"/>
+              <a:t>(</a:t>
+            </a:r>
+            <a:r>
+              <a:rPr kumimoji="1" lang="en-US" altLang="ja-JP" dirty="0" err="1" smtClean="0"/>
+              <a:t>安定化</a:t>
+            </a:r>
+            <a:r>
+              <a:rPr kumimoji="1" lang="en-US" altLang="ja-JP" dirty="0" smtClean="0"/>
+              <a:t>, </a:t>
+            </a:r>
+            <a:r>
+              <a:rPr kumimoji="1" lang="en-US" altLang="ja-JP" dirty="0" err="1" smtClean="0"/>
+              <a:t>目標値変更</a:t>
+            </a:r>
+            <a:r>
+              <a:rPr kumimoji="1" lang="en-US" altLang="ja-JP" dirty="0" smtClean="0"/>
+              <a:t>, </a:t>
+            </a:r>
+            <a:r>
+              <a:rPr kumimoji="1" lang="en-US" altLang="ja-JP" dirty="0" err="1" smtClean="0"/>
+              <a:t>振り上げ制御</a:t>
+            </a:r>
+            <a:r>
+              <a:rPr kumimoji="1" lang="en-US" altLang="ja-JP" dirty="0" smtClean="0"/>
+              <a:t>)</a:t>
+            </a:r>
+          </a:p>
+          <a:p>
+            <a:r>
+              <a:rPr lang="ja-JP" altLang="en-US" dirty="0" smtClean="0"/>
+              <a:t>モデリング</a:t>
+            </a:r>
+            <a:r>
+              <a:rPr lang="en-US" altLang="ja-JP" dirty="0" smtClean="0"/>
+              <a:t>(</a:t>
+            </a:r>
+            <a:r>
+              <a:rPr lang="en-US" altLang="ja-JP" dirty="0" err="1" smtClean="0"/>
+              <a:t>台車</a:t>
+            </a:r>
+            <a:r>
+              <a:rPr lang="en-US" altLang="ja-JP" dirty="0" smtClean="0"/>
+              <a:t>, </a:t>
+            </a:r>
+            <a:r>
+              <a:rPr lang="en-US" altLang="ja-JP" dirty="0" err="1" smtClean="0"/>
+              <a:t>振子</a:t>
+            </a:r>
+            <a:r>
+              <a:rPr lang="en-US" altLang="ja-JP" dirty="0" smtClean="0"/>
+              <a:t>)</a:t>
+            </a:r>
+          </a:p>
+          <a:p>
+            <a:r>
+              <a:rPr lang="ja-JP" altLang="en-US" dirty="0" smtClean="0"/>
+              <a:t>倒立振子系の運動方程式</a:t>
+            </a:r>
+            <a:endParaRPr lang="en-US" altLang="ja-JP" dirty="0" smtClean="0"/>
+          </a:p>
+          <a:p>
+            <a:r>
+              <a:rPr lang="ja-JP" altLang="en-US" dirty="0" smtClean="0"/>
+              <a:t>倒立振子系の状態方程式</a:t>
+            </a:r>
+            <a:endParaRPr lang="en-US" altLang="ja-JP" dirty="0" smtClean="0"/>
+          </a:p>
+          <a:p>
+            <a:r>
+              <a:rPr kumimoji="1" lang="ja-JP" altLang="en-US" dirty="0" smtClean="0"/>
+              <a:t>倒立振子系の非線形状態方程式</a:t>
+            </a:r>
+            <a:endParaRPr kumimoji="1" lang="en-US" altLang="ja-JP" dirty="0" smtClean="0"/>
+          </a:p>
+          <a:p>
+            <a:r>
+              <a:rPr lang="ja-JP" altLang="en-US" dirty="0" smtClean="0"/>
+              <a:t>非線形状態方程式の線形化</a:t>
+            </a:r>
+            <a:endParaRPr lang="en-US" altLang="ja-JP" dirty="0" smtClean="0"/>
+          </a:p>
+          <a:p>
+            <a:r>
+              <a:rPr lang="ja-JP" altLang="en-US" dirty="0" smtClean="0"/>
+              <a:t>観測方程式</a:t>
+            </a:r>
+            <a:endParaRPr kumimoji="1" lang="ja-JP" altLang="en-US" dirty="0"/>
+          </a:p>
+        </p:txBody>
+      </p:sp>
+      <p:sp>
+        <p:nvSpPr>
+          <p:cNvPr id="4" name="スライド番号プレースホルダー 3"/>
+          <p:cNvSpPr>
+            <a:spLocks noGrp="1"/>
+          </p:cNvSpPr>
+          <p:nvPr>
+            <p:ph type="sldNum" sz="quarter" idx="12"/>
+          </p:nvPr>
+        </p:nvSpPr>
+        <p:spPr/>
+        <p:txBody>
+          <a:bodyPr/>
+          <a:lstStyle/>
+          <a:p>
+            <a:fld id="{879872E2-8930-43A6-82EA-52DD58EFA9F7}" type="slidenum">
+              <a:rPr lang="ja-JP" altLang="en-US" smtClean="0"/>
+              <a:pPr/>
+              <a:t>2</a:t>
+            </a:fld>
+            <a:endParaRPr lang="ja-JP" altLang="en-US" dirty="0"/>
+          </a:p>
+        </p:txBody>
+      </p:sp>
+    </p:spTree>
+    <p:extLst>
+      <p:ext uri="{BB962C8B-B14F-4D97-AF65-F5344CB8AC3E}">
+        <p14:creationId xmlns:p14="http://schemas.microsoft.com/office/powerpoint/2010/main" val="3650581037"/>
+      </p:ext>
+    </p:extLst>
+  </p:cSld>
+  <p:clrMapOvr>
+    <a:masterClrMapping/>
+  </p:clrMapOvr>
+  <p:timing>
+    <p:tnLst>
+      <p:par>
+        <p:cTn id="1" dur="indefinite" restart="never" nodeType="tmRoot"/>
+      </p:par>
+    </p:tnLst>
+  </p:timing>
+</p:sld>
+</file>
+
+<file path=ppt/slides/slide20.xml><?xml version="1.0" encoding="utf-8"?>
 <p:sld xmlns:a="http://schemas.openxmlformats.org/drawingml/2006/main" xmlns:r="http://schemas.openxmlformats.org/officeDocument/2006/relationships" xmlns:p="http://schemas.openxmlformats.org/presentationml/2006/main">
   <p:cSld>
     <p:spTree>
@@ -5576,7 +6832,7 @@
           <a:p>
             <a:fld id="{879872E2-8930-43A6-82EA-52DD58EFA9F7}" type="slidenum">
               <a:rPr kumimoji="1" lang="ja-JP" altLang="en-US" smtClean="0"/>
-              <a:t>19</a:t>
+              <a:t>20</a:t>
             </a:fld>
             <a:endParaRPr kumimoji="1" lang="ja-JP" altLang="en-US"/>
           </a:p>
@@ -5592,10 +6848,17 @@
   <p:clrMapOvr>
     <a:masterClrMapping/>
   </p:clrMapOvr>
+  <p:timing>
+    <p:tnLst>
+      <p:par>
+        <p:cTn id="1" dur="indefinite" restart="never" nodeType="tmRoot"/>
+      </p:par>
+    </p:tnLst>
+  </p:timing>
 </p:sld>
 </file>
 
-<file path=ppt/slides/slide2.xml><?xml version="1.0" encoding="utf-8"?>
+<file path=ppt/slides/slide21.xml><?xml version="1.0" encoding="utf-8"?>
 <p:sld xmlns:a="http://schemas.openxmlformats.org/drawingml/2006/main" xmlns:r="http://schemas.openxmlformats.org/officeDocument/2006/relationships" xmlns:p="http://schemas.openxmlformats.org/presentationml/2006/main">
   <p:cSld>
     <p:spTree>
@@ -5622,208 +6885,6 @@
             <p:ph type="title"/>
           </p:nvPr>
         </p:nvSpPr>
-        <p:spPr/>
-        <p:txBody>
-          <a:bodyPr/>
-          <a:lstStyle/>
-          <a:p>
-            <a:r>
-              <a:rPr lang="en-US" altLang="ja-JP" dirty="0"/>
-              <a:t>Outline</a:t>
-            </a:r>
-            <a:endParaRPr kumimoji="1" lang="ja-JP" altLang="en-US" dirty="0"/>
-          </a:p>
-        </p:txBody>
-      </p:sp>
-      <p:sp>
-        <p:nvSpPr>
-          <p:cNvPr id="3" name="コンテンツ プレースホルダー 2"/>
-          <p:cNvSpPr>
-            <a:spLocks noGrp="1"/>
-          </p:cNvSpPr>
-          <p:nvPr>
-            <p:ph idx="1"/>
-          </p:nvPr>
-        </p:nvSpPr>
-        <p:spPr/>
-        <p:txBody>
-          <a:bodyPr/>
-          <a:lstStyle/>
-          <a:p>
-            <a:r>
-              <a:rPr kumimoji="1" lang="ja-JP" altLang="en-US" dirty="0" smtClean="0"/>
-              <a:t>実験目的</a:t>
-            </a:r>
-            <a:endParaRPr kumimoji="1" lang="en-US" altLang="ja-JP" dirty="0" smtClean="0"/>
-          </a:p>
-          <a:p>
-            <a:r>
-              <a:rPr lang="ja-JP" altLang="en-US" dirty="0" smtClean="0"/>
-              <a:t>制御対象</a:t>
-            </a:r>
-            <a:endParaRPr lang="en-US" altLang="ja-JP" dirty="0" smtClean="0"/>
-          </a:p>
-          <a:p>
-            <a:r>
-              <a:rPr kumimoji="1" lang="ja-JP" altLang="en-US" dirty="0" smtClean="0"/>
-              <a:t>制御目的</a:t>
-            </a:r>
-            <a:r>
-              <a:rPr kumimoji="1" lang="en-US" altLang="ja-JP" dirty="0" smtClean="0"/>
-              <a:t>(</a:t>
-            </a:r>
-            <a:r>
-              <a:rPr kumimoji="1" lang="en-US" altLang="ja-JP" dirty="0" err="1" smtClean="0"/>
-              <a:t>安定化</a:t>
-            </a:r>
-            <a:r>
-              <a:rPr kumimoji="1" lang="en-US" altLang="ja-JP" dirty="0" smtClean="0"/>
-              <a:t>, </a:t>
-            </a:r>
-            <a:r>
-              <a:rPr kumimoji="1" lang="en-US" altLang="ja-JP" dirty="0" err="1" smtClean="0"/>
-              <a:t>目標値変更</a:t>
-            </a:r>
-            <a:r>
-              <a:rPr kumimoji="1" lang="en-US" altLang="ja-JP" dirty="0" smtClean="0"/>
-              <a:t>, </a:t>
-            </a:r>
-            <a:r>
-              <a:rPr kumimoji="1" lang="en-US" altLang="ja-JP" dirty="0" err="1" smtClean="0"/>
-              <a:t>振り上げ制御</a:t>
-            </a:r>
-            <a:r>
-              <a:rPr kumimoji="1" lang="en-US" altLang="ja-JP" dirty="0" smtClean="0"/>
-              <a:t>)</a:t>
-            </a:r>
-          </a:p>
-          <a:p>
-            <a:r>
-              <a:rPr lang="ja-JP" altLang="en-US" dirty="0" smtClean="0"/>
-              <a:t>モデリング</a:t>
-            </a:r>
-            <a:r>
-              <a:rPr lang="en-US" altLang="ja-JP" dirty="0" smtClean="0"/>
-              <a:t>(</a:t>
-            </a:r>
-            <a:r>
-              <a:rPr lang="en-US" altLang="ja-JP" dirty="0" err="1" smtClean="0"/>
-              <a:t>台車</a:t>
-            </a:r>
-            <a:r>
-              <a:rPr lang="en-US" altLang="ja-JP" dirty="0" smtClean="0"/>
-              <a:t>, </a:t>
-            </a:r>
-            <a:r>
-              <a:rPr lang="en-US" altLang="ja-JP" dirty="0" err="1" smtClean="0"/>
-              <a:t>振子</a:t>
-            </a:r>
-            <a:r>
-              <a:rPr lang="en-US" altLang="ja-JP" dirty="0" smtClean="0"/>
-              <a:t>)</a:t>
-            </a:r>
-          </a:p>
-          <a:p>
-            <a:r>
-              <a:rPr lang="ja-JP" altLang="en-US" dirty="0" smtClean="0"/>
-              <a:t>倒立振子系の運動方程式</a:t>
-            </a:r>
-            <a:endParaRPr lang="en-US" altLang="ja-JP" dirty="0" smtClean="0"/>
-          </a:p>
-          <a:p>
-            <a:r>
-              <a:rPr lang="ja-JP" altLang="en-US" dirty="0" smtClean="0"/>
-              <a:t>倒立振子系の状態方程式</a:t>
-            </a:r>
-            <a:endParaRPr lang="en-US" altLang="ja-JP" dirty="0" smtClean="0"/>
-          </a:p>
-          <a:p>
-            <a:r>
-              <a:rPr kumimoji="1" lang="ja-JP" altLang="en-US" dirty="0" smtClean="0"/>
-              <a:t>倒立振子系の非線形状態方程式</a:t>
-            </a:r>
-            <a:endParaRPr kumimoji="1" lang="en-US" altLang="ja-JP" dirty="0" smtClean="0"/>
-          </a:p>
-          <a:p>
-            <a:r>
-              <a:rPr lang="ja-JP" altLang="en-US" dirty="0" smtClean="0"/>
-              <a:t>非線形状態方程式の線形化</a:t>
-            </a:r>
-            <a:endParaRPr lang="en-US" altLang="ja-JP" dirty="0" smtClean="0"/>
-          </a:p>
-          <a:p>
-            <a:r>
-              <a:rPr lang="ja-JP" altLang="en-US" dirty="0" smtClean="0"/>
-              <a:t>観測方程式</a:t>
-            </a:r>
-            <a:endParaRPr kumimoji="1" lang="ja-JP" altLang="en-US" dirty="0"/>
-          </a:p>
-        </p:txBody>
-      </p:sp>
-      <p:sp>
-        <p:nvSpPr>
-          <p:cNvPr id="4" name="スライド番号プレースホルダー 3"/>
-          <p:cNvSpPr>
-            <a:spLocks noGrp="1"/>
-          </p:cNvSpPr>
-          <p:nvPr>
-            <p:ph type="sldNum" sz="quarter" idx="12"/>
-          </p:nvPr>
-        </p:nvSpPr>
-        <p:spPr/>
-        <p:txBody>
-          <a:bodyPr/>
-          <a:lstStyle/>
-          <a:p>
-            <a:fld id="{879872E2-8930-43A6-82EA-52DD58EFA9F7}" type="slidenum">
-              <a:rPr lang="ja-JP" altLang="en-US" smtClean="0"/>
-              <a:pPr/>
-              <a:t>2</a:t>
-            </a:fld>
-            <a:endParaRPr lang="ja-JP" altLang="en-US" dirty="0"/>
-          </a:p>
-        </p:txBody>
-      </p:sp>
-    </p:spTree>
-    <p:extLst>
-      <p:ext uri="{BB962C8B-B14F-4D97-AF65-F5344CB8AC3E}">
-        <p14:creationId xmlns:p14="http://schemas.microsoft.com/office/powerpoint/2010/main" val="3650581037"/>
-      </p:ext>
-    </p:extLst>
-  </p:cSld>
-  <p:clrMapOvr>
-    <a:masterClrMapping/>
-  </p:clrMapOvr>
-</p:sld>
-</file>
-
-<file path=ppt/slides/slide20.xml><?xml version="1.0" encoding="utf-8"?>
-<p:sld xmlns:a="http://schemas.openxmlformats.org/drawingml/2006/main" xmlns:r="http://schemas.openxmlformats.org/officeDocument/2006/relationships" xmlns:p="http://schemas.openxmlformats.org/presentationml/2006/main">
-  <p:cSld>
-    <p:spTree>
-      <p:nvGrpSpPr>
-        <p:cNvPr id="1" name=""/>
-        <p:cNvGrpSpPr/>
-        <p:nvPr/>
-      </p:nvGrpSpPr>
-      <p:grpSpPr>
-        <a:xfrm>
-          <a:off x="0" y="0"/>
-          <a:ext cx="0" cy="0"/>
-          <a:chOff x="0" y="0"/>
-          <a:chExt cx="0" cy="0"/>
-        </a:xfrm>
-      </p:grpSpPr>
-      <p:sp>
-        <p:nvSpPr>
-          <p:cNvPr id="2" name="タイトル 1"/>
-          <p:cNvSpPr>
-            <a:spLocks noGrp="1"/>
-          </p:cNvSpPr>
-          <p:nvPr>
-            <p:ph type="title"/>
-          </p:nvPr>
-        </p:nvSpPr>
         <p:spPr>
           <a:xfrm>
             <a:off x="548183" y="2749881"/>
@@ -5860,7 +6921,7 @@
           <a:p>
             <a:fld id="{879872E2-8930-43A6-82EA-52DD58EFA9F7}" type="slidenum">
               <a:rPr kumimoji="1" lang="ja-JP" altLang="en-US" smtClean="0"/>
-              <a:t>20</a:t>
+              <a:t>21</a:t>
             </a:fld>
             <a:endParaRPr kumimoji="1" lang="ja-JP" altLang="en-US"/>
           </a:p>
@@ -5876,10 +6937,17 @@
   <p:clrMapOvr>
     <a:masterClrMapping/>
   </p:clrMapOvr>
+  <p:timing>
+    <p:tnLst>
+      <p:par>
+        <p:cTn id="1" dur="indefinite" restart="never" nodeType="tmRoot"/>
+      </p:par>
+    </p:tnLst>
+  </p:timing>
 </p:sld>
 </file>
 
-<file path=ppt/slides/slide21.xml><?xml version="1.0" encoding="utf-8"?>
+<file path=ppt/slides/slide22.xml><?xml version="1.0" encoding="utf-8"?>
 <p:sld xmlns:a="http://schemas.openxmlformats.org/drawingml/2006/main" xmlns:r="http://schemas.openxmlformats.org/officeDocument/2006/relationships" xmlns:p="http://schemas.openxmlformats.org/presentationml/2006/main">
   <p:cSld>
     <p:spTree>
@@ -5978,8 +7046,8 @@
           </p:sp>
         </mc:Fallback>
       </mc:AlternateContent>
-      <mc:AlternateContent xmlns:mc="http://schemas.openxmlformats.org/markup-compatibility/2006" xmlns:a14="http://schemas.microsoft.com/office/drawing/2010/main">
-        <mc:Choice Requires="a14">
+      <mc:AlternateContent xmlns:mc="http://schemas.openxmlformats.org/markup-compatibility/2006">
+        <mc:Choice xmlns:a14="http://schemas.microsoft.com/office/drawing/2010/main" Requires="a14">
           <p:sp>
             <p:nvSpPr>
               <p:cNvPr id="3" name="コンテンツ プレースホルダー 2"/>
@@ -5990,7 +7058,12 @@
                 <p:ph idx="1"/>
               </p:nvPr>
             </p:nvSpPr>
-            <p:spPr/>
+            <p:spPr>
+              <a:xfrm>
+                <a:off x="374649" y="1691566"/>
+                <a:ext cx="8660493" cy="5345794"/>
+              </a:xfrm>
+            </p:spPr>
             <p:txBody>
               <a:bodyPr/>
               <a:lstStyle/>
@@ -6091,18 +7164,40 @@
                 </a:r>
                 <a:r>
                   <a:rPr lang="en-US" altLang="ja-JP" dirty="0" smtClean="0"/>
-                  <a:t>	  </a:t>
+                  <a:t>	 </a:t>
+                </a:r>
+                <a:endParaRPr lang="en-US" altLang="ja-JP" dirty="0" smtClean="0"/>
+              </a:p>
+              <a:p>
+                <a:pPr marL="0" indent="0">
+                  <a:buNone/>
+                </a:pPr>
+                <a:r>
+                  <a:rPr lang="en-US" altLang="ja-JP" dirty="0"/>
+                  <a:t> </a:t>
+                </a:r>
+                <a:r>
+                  <a:rPr lang="en-US" altLang="ja-JP" dirty="0" smtClean="0"/>
+                  <a:t>           </a:t>
+                </a:r>
+                <a:r>
+                  <a:rPr lang="en-US" altLang="ja-JP" dirty="0" smtClean="0"/>
+                  <a:t> </a:t>
                 </a:r>
                 <a:r>
                   <a:rPr lang="ja-JP" altLang="en-US" dirty="0" smtClean="0"/>
-                  <a:t>で重心位置を確定</a:t>
+                  <a:t>で</a:t>
+                </a:r>
+                <a:r>
+                  <a:rPr lang="ja-JP" altLang="en-US" dirty="0" smtClean="0"/>
+                  <a:t>重心位置を確定</a:t>
                 </a:r>
                 <a:endParaRPr kumimoji="1" lang="en-US" altLang="ja-JP" dirty="0" smtClean="0"/>
               </a:p>
             </p:txBody>
           </p:sp>
         </mc:Choice>
-        <mc:Fallback xmlns="">
+        <mc:Fallback>
           <p:sp>
             <p:nvSpPr>
               <p:cNvPr id="3" name="コンテンツ プレースホルダー 2"/>
@@ -6114,10 +7209,14 @@
               </p:nvPr>
             </p:nvSpPr>
             <p:spPr>
+              <a:xfrm>
+                <a:off x="374649" y="1691566"/>
+                <a:ext cx="8660493" cy="5345794"/>
+              </a:xfrm>
               <a:blipFill>
                 <a:blip r:embed="rId3"/>
                 <a:stretch>
-                  <a:fillRect l="-1407" t="-2052"/>
+                  <a:fillRect t="-1938"/>
                 </a:stretch>
               </a:blipFill>
             </p:spPr>
@@ -6153,7 +7252,7 @@
           <a:p>
             <a:fld id="{879872E2-8930-43A6-82EA-52DD58EFA9F7}" type="slidenum">
               <a:rPr kumimoji="1" lang="ja-JP" altLang="en-US" smtClean="0"/>
-              <a:t>21</a:t>
+              <a:t>22</a:t>
             </a:fld>
             <a:endParaRPr kumimoji="1" lang="ja-JP" altLang="en-US"/>
           </a:p>
@@ -6169,10 +7268,17 @@
   <p:clrMapOvr>
     <a:masterClrMapping/>
   </p:clrMapOvr>
+  <p:timing>
+    <p:tnLst>
+      <p:par>
+        <p:cTn id="1" dur="indefinite" restart="never" nodeType="tmRoot"/>
+      </p:par>
+    </p:tnLst>
+  </p:timing>
 </p:sld>
 </file>
 
-<file path=ppt/slides/slide22.xml><?xml version="1.0" encoding="utf-8"?>
+<file path=ppt/slides/slide23.xml><?xml version="1.0" encoding="utf-8"?>
 <p:sld xmlns:a="http://schemas.openxmlformats.org/drawingml/2006/main" xmlns:r="http://schemas.openxmlformats.org/officeDocument/2006/relationships" xmlns:p="http://schemas.openxmlformats.org/presentationml/2006/main">
   <p:cSld>
     <p:spTree>
@@ -6327,6 +7433,12 @@
             <a:pPr marL="0" indent="0">
               <a:buNone/>
             </a:pPr>
+            <a:endParaRPr lang="en-US" altLang="ja-JP" dirty="0" smtClean="0"/>
+          </a:p>
+          <a:p>
+            <a:pPr marL="0" indent="0">
+              <a:buNone/>
+            </a:pPr>
             <a:endParaRPr lang="en-US" altLang="ja-JP" dirty="0"/>
           </a:p>
           <a:p>
@@ -6388,7 +7500,7 @@
             <a:fld id="{879872E2-8930-43A6-82EA-52DD58EFA9F7}" type="slidenum">
               <a:rPr lang="ja-JP" altLang="en-US" smtClean="0"/>
               <a:pPr/>
-              <a:t>22</a:t>
+              <a:t>23</a:t>
             </a:fld>
             <a:endParaRPr lang="ja-JP" altLang="en-US" dirty="0"/>
           </a:p>
@@ -6434,10 +7546,17 @@
   <p:clrMapOvr>
     <a:masterClrMapping/>
   </p:clrMapOvr>
+  <p:timing>
+    <p:tnLst>
+      <p:par>
+        <p:cTn id="1" dur="indefinite" restart="never" nodeType="tmRoot"/>
+      </p:par>
+    </p:tnLst>
+  </p:timing>
 </p:sld>
 </file>
 
-<file path=ppt/slides/slide23.xml><?xml version="1.0" encoding="utf-8"?>
+<file path=ppt/slides/slide24.xml><?xml version="1.0" encoding="utf-8"?>
 <p:sld xmlns:a="http://schemas.openxmlformats.org/drawingml/2006/main" xmlns:r="http://schemas.openxmlformats.org/officeDocument/2006/relationships" xmlns:p="http://schemas.openxmlformats.org/presentationml/2006/main">
   <p:cSld>
     <p:spTree>
@@ -6547,8 +7666,8 @@
         </p:blipFill>
         <p:spPr>
           <a:xfrm>
-            <a:off x="628650" y="1400233"/>
-            <a:ext cx="5346551" cy="3451466"/>
+            <a:off x="628650" y="947651"/>
+            <a:ext cx="5346551" cy="3904048"/>
           </a:xfrm>
         </p:spPr>
       </p:pic>
@@ -6570,14 +7689,14 @@
             <a:fld id="{879872E2-8930-43A6-82EA-52DD58EFA9F7}" type="slidenum">
               <a:rPr lang="ja-JP" altLang="en-US" smtClean="0"/>
               <a:pPr/>
-              <a:t>23</a:t>
+              <a:t>24</a:t>
             </a:fld>
             <a:endParaRPr lang="ja-JP" altLang="en-US" dirty="0"/>
           </a:p>
         </p:txBody>
       </p:sp>
-      <mc:AlternateContent xmlns:mc="http://schemas.openxmlformats.org/markup-compatibility/2006" xmlns:a14="http://schemas.microsoft.com/office/drawing/2010/main">
-        <mc:Choice Requires="a14">
+      <mc:AlternateContent xmlns:mc="http://schemas.openxmlformats.org/markup-compatibility/2006">
+        <mc:Choice xmlns:a14="http://schemas.microsoft.com/office/drawing/2010/main" Requires="a14">
           <p:sp>
             <p:nvSpPr>
               <p:cNvPr id="6" name="テキスト ボックス 5"/>
@@ -6586,7 +7705,7 @@
             </p:nvSpPr>
             <p:spPr>
               <a:xfrm>
-                <a:off x="6334497" y="1924153"/>
+                <a:off x="6112913" y="1658735"/>
                 <a:ext cx="2180853" cy="369332"/>
               </a:xfrm>
               <a:prstGeom prst="rect">
@@ -6656,7 +7775,7 @@
             </p:txBody>
           </p:sp>
         </mc:Choice>
-        <mc:Fallback xmlns="">
+        <mc:Fallback>
           <p:sp>
             <p:nvSpPr>
               <p:cNvPr id="6" name="テキスト ボックス 5"/>
@@ -6667,7 +7786,7 @@
             </p:nvSpPr>
             <p:spPr>
               <a:xfrm>
-                <a:off x="6334497" y="1924153"/>
+                <a:off x="6112913" y="1658735"/>
                 <a:ext cx="2180853" cy="369332"/>
               </a:xfrm>
               <a:prstGeom prst="rect">
@@ -6676,7 +7795,7 @@
               <a:blipFill>
                 <a:blip r:embed="rId4"/>
                 <a:stretch>
-                  <a:fillRect l="-838" t="-8333" r="-1955" b="-28333"/>
+                  <a:fillRect l="-838" t="-6557" r="-1676" b="-26230"/>
                 </a:stretch>
               </a:blipFill>
             </p:spPr>
@@ -6695,8 +7814,8 @@
           </p:sp>
         </mc:Fallback>
       </mc:AlternateContent>
-      <mc:AlternateContent xmlns:mc="http://schemas.openxmlformats.org/markup-compatibility/2006" xmlns:a14="http://schemas.microsoft.com/office/drawing/2010/main">
-        <mc:Choice Requires="a14">
+      <mc:AlternateContent xmlns:mc="http://schemas.openxmlformats.org/markup-compatibility/2006">
+        <mc:Choice xmlns:a14="http://schemas.microsoft.com/office/drawing/2010/main" Requires="a14">
           <p:sp>
             <p:nvSpPr>
               <p:cNvPr id="7" name="正方形/長方形 6"/>
@@ -6705,7 +7824,7 @@
             </p:nvSpPr>
             <p:spPr>
               <a:xfrm>
-                <a:off x="6334497" y="3758352"/>
+                <a:off x="6112913" y="3585788"/>
                 <a:ext cx="2151423" cy="369332"/>
               </a:xfrm>
               <a:prstGeom prst="rect">
@@ -6773,7 +7892,7 @@
             </p:txBody>
           </p:sp>
         </mc:Choice>
-        <mc:Fallback xmlns="">
+        <mc:Fallback>
           <p:sp>
             <p:nvSpPr>
               <p:cNvPr id="7" name="正方形/長方形 6"/>
@@ -6784,7 +7903,7 @@
             </p:nvSpPr>
             <p:spPr>
               <a:xfrm>
-                <a:off x="6334497" y="3758352"/>
+                <a:off x="6112913" y="3585788"/>
                 <a:ext cx="2151423" cy="369332"/>
               </a:xfrm>
               <a:prstGeom prst="rect">
@@ -6793,7 +7912,7 @@
               <a:blipFill>
                 <a:blip r:embed="rId5"/>
                 <a:stretch>
-                  <a:fillRect l="-850" t="-8333" r="-1983" b="-28333"/>
+                  <a:fillRect l="-850" t="-6557" r="-1700" b="-26230"/>
                 </a:stretch>
               </a:blipFill>
             </p:spPr>
@@ -7022,10 +8141,17 @@
   <p:clrMapOvr>
     <a:masterClrMapping/>
   </p:clrMapOvr>
+  <p:timing>
+    <p:tnLst>
+      <p:par>
+        <p:cTn id="1" dur="indefinite" restart="never" nodeType="tmRoot"/>
+      </p:par>
+    </p:tnLst>
+  </p:timing>
 </p:sld>
 </file>
 
-<file path=ppt/slides/slide24.xml><?xml version="1.0" encoding="utf-8"?>
+<file path=ppt/slides/slide25.xml><?xml version="1.0" encoding="utf-8"?>
 <p:sld xmlns:a="http://schemas.openxmlformats.org/drawingml/2006/main" xmlns:r="http://schemas.openxmlformats.org/officeDocument/2006/relationships" xmlns:p="http://schemas.openxmlformats.org/presentationml/2006/main">
   <p:cSld>
     <p:spTree>
@@ -7112,8 +8238,8 @@
           </p:sp>
         </mc:Fallback>
       </mc:AlternateContent>
-      <mc:AlternateContent xmlns:mc="http://schemas.openxmlformats.org/markup-compatibility/2006" xmlns:a14="http://schemas.microsoft.com/office/drawing/2010/main">
-        <mc:Choice Requires="a14">
+      <mc:AlternateContent xmlns:mc="http://schemas.openxmlformats.org/markup-compatibility/2006">
+        <mc:Choice xmlns:a14="http://schemas.microsoft.com/office/drawing/2010/main" Requires="a14">
           <p:sp>
             <p:nvSpPr>
               <p:cNvPr id="3" name="コンテンツ プレースホルダー 2"/>
@@ -7128,6 +8254,89 @@
             <p:txBody>
               <a:bodyPr/>
               <a:lstStyle/>
+              <a:p>
+                <a:pPr marL="0" indent="0">
+                  <a:buNone/>
+                </a:pPr>
+                <a:r>
+                  <a:rPr lang="ja-JP" altLang="en-US" dirty="0" smtClean="0">
+                    <a:latin typeface="Cambria Math" panose="02040503050406030204" pitchFamily="18" charset="0"/>
+                  </a:rPr>
+                  <a:t>入力電圧を変えながら複数の</a:t>
+                </a:r>
+                <a14:m>
+                  <m:oMath xmlns:m="http://schemas.openxmlformats.org/officeDocument/2006/math">
+                    <m:sSub>
+                      <m:sSubPr>
+                        <m:ctrlPr>
+                          <a:rPr lang="en-US" altLang="ja-JP" i="1">
+                            <a:latin typeface="Cambria Math" panose="02040503050406030204" pitchFamily="18" charset="0"/>
+                          </a:rPr>
+                        </m:ctrlPr>
+                      </m:sSubPr>
+                      <m:e>
+                        <m:r>
+                          <a:rPr lang="en-US" altLang="ja-JP" i="1">
+                            <a:latin typeface="Cambria Math" panose="02040503050406030204" pitchFamily="18" charset="0"/>
+                          </a:rPr>
+                          <m:t>𝑓</m:t>
+                        </m:r>
+                      </m:e>
+                      <m:sub>
+                        <m:r>
+                          <a:rPr lang="en-US" altLang="ja-JP" i="1">
+                            <a:latin typeface="Cambria Math" panose="02040503050406030204" pitchFamily="18" charset="0"/>
+                          </a:rPr>
+                          <m:t>𝑚𝑖𝑛</m:t>
+                        </m:r>
+                      </m:sub>
+                    </m:sSub>
+                    <m:r>
+                      <a:rPr lang="en-US" altLang="ja-JP" i="1">
+                        <a:latin typeface="Cambria Math" panose="02040503050406030204" pitchFamily="18" charset="0"/>
+                      </a:rPr>
+                      <m:t>, </m:t>
+                    </m:r>
+                    <m:sSub>
+                      <m:sSubPr>
+                        <m:ctrlPr>
+                          <a:rPr lang="en-US" altLang="ja-JP" i="1">
+                            <a:latin typeface="Cambria Math" panose="02040503050406030204" pitchFamily="18" charset="0"/>
+                          </a:rPr>
+                        </m:ctrlPr>
+                      </m:sSubPr>
+                      <m:e>
+                        <m:r>
+                          <a:rPr lang="en-US" altLang="ja-JP" i="1">
+                            <a:latin typeface="Cambria Math" panose="02040503050406030204" pitchFamily="18" charset="0"/>
+                          </a:rPr>
+                          <m:t>𝑓</m:t>
+                        </m:r>
+                      </m:e>
+                      <m:sub>
+                        <m:r>
+                          <a:rPr lang="en-US" altLang="ja-JP" i="1">
+                            <a:latin typeface="Cambria Math" panose="02040503050406030204" pitchFamily="18" charset="0"/>
+                          </a:rPr>
+                          <m:t>𝑚𝑎𝑥</m:t>
+                        </m:r>
+                      </m:sub>
+                    </m:sSub>
+                  </m:oMath>
+                </a14:m>
+                <a:r>
+                  <a:rPr lang="ja-JP" altLang="en-US" dirty="0" smtClean="0">
+                    <a:latin typeface="Cambria Math" panose="02040503050406030204" pitchFamily="18" charset="0"/>
+                  </a:rPr>
+                  <a:t>を求める</a:t>
+                </a:r>
+                <a:r>
+                  <a:rPr lang="en-US" altLang="ja-JP" dirty="0" smtClean="0">
+                    <a:latin typeface="Cambria Math" panose="02040503050406030204" pitchFamily="18" charset="0"/>
+                  </a:rPr>
+                  <a:t>.</a:t>
+                </a:r>
+              </a:p>
               <a:p>
                 <a:pPr marL="0" indent="0">
                   <a:buNone/>
@@ -7198,11 +8407,15 @@
                 </a:r>
                 <a:r>
                   <a:rPr kumimoji="1" lang="en-US" altLang="ja-JP" dirty="0" smtClean="0"/>
-                  <a:t>, 各</a:t>
+                  <a:t>, </a:t>
                 </a:r>
                 <a:r>
                   <a:rPr kumimoji="1" lang="ja-JP" altLang="en-US" dirty="0" smtClean="0"/>
-                  <a:t>傾きを平均する</a:t>
+                  <a:t>両傾き</a:t>
+                </a:r>
+                <a:r>
+                  <a:rPr kumimoji="1" lang="ja-JP" altLang="en-US" dirty="0" smtClean="0"/>
+                  <a:t>を平均する</a:t>
                 </a:r>
                 <a:r>
                   <a:rPr kumimoji="1" lang="en-US" altLang="ja-JP" dirty="0" smtClean="0"/>
@@ -7213,7 +8426,7 @@
             </p:txBody>
           </p:sp>
         </mc:Choice>
-        <mc:Fallback xmlns="">
+        <mc:Fallback>
           <p:sp>
             <p:nvSpPr>
               <p:cNvPr id="3" name="コンテンツ プレースホルダー 2"/>
@@ -7228,7 +8441,7 @@
               <a:blipFill>
                 <a:blip r:embed="rId3"/>
                 <a:stretch>
-                  <a:fillRect t="-2052"/>
+                  <a:fillRect l="-1407" t="-2395"/>
                 </a:stretch>
               </a:blipFill>
             </p:spPr>
@@ -7265,7 +8478,7 @@
             <a:fld id="{879872E2-8930-43A6-82EA-52DD58EFA9F7}" type="slidenum">
               <a:rPr lang="ja-JP" altLang="en-US" smtClean="0"/>
               <a:pPr/>
-              <a:t>24</a:t>
+              <a:t>25</a:t>
             </a:fld>
             <a:endParaRPr lang="ja-JP" altLang="en-US" dirty="0"/>
           </a:p>
@@ -7293,8 +8506,8 @@
         </p:blipFill>
         <p:spPr>
           <a:xfrm>
-            <a:off x="1372438" y="2622271"/>
-            <a:ext cx="6267450" cy="3486150"/>
+            <a:off x="678871" y="2550237"/>
+            <a:ext cx="7542415" cy="3988676"/>
           </a:xfrm>
           <a:prstGeom prst="rect">
             <a:avLst/>
@@ -7311,10 +8524,17 @@
   <p:clrMapOvr>
     <a:masterClrMapping/>
   </p:clrMapOvr>
+  <p:timing>
+    <p:tnLst>
+      <p:par>
+        <p:cTn id="1" dur="indefinite" restart="never" nodeType="tmRoot"/>
+      </p:par>
+    </p:tnLst>
+  </p:timing>
 </p:sld>
 </file>
 
-<file path=ppt/slides/slide25.xml><?xml version="1.0" encoding="utf-8"?>
+<file path=ppt/slides/slide26.xml><?xml version="1.0" encoding="utf-8"?>
 <p:sld xmlns:a="http://schemas.openxmlformats.org/drawingml/2006/main" xmlns:r="http://schemas.openxmlformats.org/officeDocument/2006/relationships" xmlns:p="http://schemas.openxmlformats.org/presentationml/2006/main">
   <p:cSld>
     <p:spTree>
@@ -7482,7 +8702,7 @@
             <a:fld id="{879872E2-8930-43A6-82EA-52DD58EFA9F7}" type="slidenum">
               <a:rPr lang="ja-JP" altLang="en-US" smtClean="0"/>
               <a:pPr/>
-              <a:t>25</a:t>
+              <a:t>26</a:t>
             </a:fld>
             <a:endParaRPr lang="ja-JP" altLang="en-US" dirty="0"/>
           </a:p>
@@ -7510,7 +8730,7 @@
         </p:blipFill>
         <p:spPr>
           <a:xfrm>
-            <a:off x="3338666" y="2565180"/>
+            <a:off x="3471561" y="2271273"/>
             <a:ext cx="2466667" cy="352381"/>
           </a:xfrm>
           <a:prstGeom prst="rect">
@@ -7588,10 +8808,17 @@
   <p:clrMapOvr>
     <a:masterClrMapping/>
   </p:clrMapOvr>
+  <p:timing>
+    <p:tnLst>
+      <p:par>
+        <p:cTn id="1" dur="indefinite" restart="never" nodeType="tmRoot"/>
+      </p:par>
+    </p:tnLst>
+  </p:timing>
 </p:sld>
 </file>
 
-<file path=ppt/slides/slide26.xml><?xml version="1.0" encoding="utf-8"?>
+<file path=ppt/slides/slide27.xml><?xml version="1.0" encoding="utf-8"?>
 <p:sld xmlns:a="http://schemas.openxmlformats.org/drawingml/2006/main" xmlns:r="http://schemas.openxmlformats.org/officeDocument/2006/relationships" xmlns:p="http://schemas.openxmlformats.org/presentationml/2006/main">
   <p:cSld>
     <p:spTree>
@@ -7608,8 +8835,8 @@
           <a:chExt cx="0" cy="0"/>
         </a:xfrm>
       </p:grpSpPr>
-      <mc:AlternateContent xmlns:mc="http://schemas.openxmlformats.org/markup-compatibility/2006" xmlns:a14="http://schemas.microsoft.com/office/drawing/2010/main">
-        <mc:Choice Requires="a14">
+      <mc:AlternateContent xmlns:mc="http://schemas.openxmlformats.org/markup-compatibility/2006">
+        <mc:Choice xmlns:a14="http://schemas.microsoft.com/office/drawing/2010/main" Requires="a14">
           <p:sp>
             <p:nvSpPr>
               <p:cNvPr id="2" name="タイトル 1"/>
@@ -7668,7 +8895,7 @@
             </p:txBody>
           </p:sp>
         </mc:Choice>
-        <mc:Fallback xmlns="">
+        <mc:Fallback>
           <p:sp>
             <p:nvSpPr>
               <p:cNvPr id="2" name="タイトル 1"/>
@@ -7712,7 +8939,12 @@
             <p:ph idx="1"/>
           </p:nvPr>
         </p:nvSpPr>
-        <p:spPr/>
+        <p:spPr>
+          <a:xfrm>
+            <a:off x="374649" y="1255261"/>
+            <a:ext cx="8660493" cy="5345794"/>
+          </a:xfrm>
+        </p:spPr>
         <p:txBody>
           <a:bodyPr/>
           <a:lstStyle/>
@@ -7720,13 +8952,38 @@
             <a:pPr marL="0" indent="0">
               <a:buNone/>
             </a:pPr>
+            <a:endParaRPr lang="en-US" altLang="ja-JP" dirty="0"/>
+          </a:p>
+          <a:p>
+            <a:pPr marL="0" indent="0">
+              <a:buNone/>
+            </a:pPr>
             <a:r>
               <a:rPr kumimoji="1" lang="ja-JP" altLang="en-US" dirty="0" smtClean="0"/>
-              <a:t>台車系システムのステップ応答</a:t>
+              <a:t>台車</a:t>
+            </a:r>
+            <a:r>
+              <a:rPr kumimoji="1" lang="ja-JP" altLang="en-US" dirty="0" smtClean="0"/>
+              <a:t>系システムのステップ</a:t>
+            </a:r>
+            <a:r>
+              <a:rPr kumimoji="1" lang="ja-JP" altLang="en-US" dirty="0" smtClean="0"/>
+              <a:t>応答</a:t>
+            </a:r>
+            <a:r>
+              <a:rPr lang="ja-JP" altLang="en-US" dirty="0" smtClean="0"/>
+              <a:t>は</a:t>
+            </a:r>
+            <a:r>
+              <a:rPr lang="en-US" altLang="ja-JP" dirty="0" smtClean="0"/>
+              <a:t>,</a:t>
             </a:r>
             <a:endParaRPr kumimoji="1" lang="en-US" altLang="ja-JP" dirty="0" smtClean="0"/>
           </a:p>
           <a:p>
+            <a:pPr marL="0" indent="0">
+              <a:buNone/>
+            </a:pPr>
             <a:endParaRPr kumimoji="1" lang="ja-JP" altLang="en-US" dirty="0"/>
           </a:p>
         </p:txBody>
@@ -7749,7 +9006,7 @@
             <a:fld id="{879872E2-8930-43A6-82EA-52DD58EFA9F7}" type="slidenum">
               <a:rPr lang="ja-JP" altLang="en-US" smtClean="0"/>
               <a:pPr/>
-              <a:t>26</a:t>
+              <a:t>27</a:t>
             </a:fld>
             <a:endParaRPr lang="ja-JP" altLang="en-US" dirty="0"/>
           </a:p>
@@ -7777,7 +9034,7 @@
         </p:blipFill>
         <p:spPr>
           <a:xfrm>
-            <a:off x="5548992" y="1838123"/>
+            <a:off x="5657850" y="2369279"/>
             <a:ext cx="3486150" cy="3200400"/>
           </a:xfrm>
           <a:prstGeom prst="rect">
@@ -7807,7 +9064,7 @@
         </p:blipFill>
         <p:spPr>
           <a:xfrm>
-            <a:off x="548490" y="2084979"/>
+            <a:off x="548490" y="2691326"/>
             <a:ext cx="4826662" cy="756530"/>
           </a:xfrm>
           <a:prstGeom prst="rect">
@@ -7837,7 +9094,7 @@
         </p:blipFill>
         <p:spPr>
           <a:xfrm>
-            <a:off x="1101299" y="4229111"/>
+            <a:off x="733466" y="5293489"/>
             <a:ext cx="3971429" cy="552381"/>
           </a:xfrm>
           <a:prstGeom prst="rect">
@@ -7845,6 +9102,85 @@
           </a:prstGeom>
         </p:spPr>
       </p:pic>
+      <p:sp>
+        <p:nvSpPr>
+          <p:cNvPr id="8" name="テキスト ボックス 7"/>
+          <p:cNvSpPr txBox="1"/>
+          <p:nvPr/>
+        </p:nvSpPr>
+        <p:spPr>
+          <a:xfrm>
+            <a:off x="367254" y="3872291"/>
+            <a:ext cx="5078500" cy="461665"/>
+          </a:xfrm>
+          <a:prstGeom prst="rect">
+            <a:avLst/>
+          </a:prstGeom>
+          <a:noFill/>
+        </p:spPr>
+        <p:txBody>
+          <a:bodyPr wrap="square" rtlCol="0">
+            <a:spAutoFit/>
+          </a:bodyPr>
+          <a:lstStyle/>
+          <a:p>
+            <a:r>
+              <a:rPr kumimoji="1" lang="ja-JP" altLang="en-US" sz="2400" dirty="0" smtClean="0"/>
+              <a:t>応答が直線的になったところで近似</a:t>
+            </a:r>
+            <a:endParaRPr kumimoji="1" lang="ja-JP" altLang="en-US" sz="2400" dirty="0"/>
+          </a:p>
+        </p:txBody>
+      </p:sp>
+      <p:sp>
+        <p:nvSpPr>
+          <p:cNvPr id="9" name="下矢印 8"/>
+          <p:cNvSpPr/>
+          <p:nvPr/>
+        </p:nvSpPr>
+        <p:spPr>
+          <a:xfrm>
+            <a:off x="2534836" y="4461439"/>
+            <a:ext cx="329604" cy="577084"/>
+          </a:xfrm>
+          <a:prstGeom prst="downArrow">
+            <a:avLst/>
+          </a:prstGeom>
+          <a:solidFill>
+            <a:schemeClr val="accent1">
+              <a:lumMod val="40000"/>
+              <a:lumOff val="60000"/>
+            </a:schemeClr>
+          </a:solidFill>
+          <a:ln>
+            <a:noFill/>
+          </a:ln>
+        </p:spPr>
+        <p:style>
+          <a:lnRef idx="2">
+            <a:schemeClr val="accent1">
+              <a:shade val="50000"/>
+            </a:schemeClr>
+          </a:lnRef>
+          <a:fillRef idx="1">
+            <a:schemeClr val="accent1"/>
+          </a:fillRef>
+          <a:effectRef idx="0">
+            <a:schemeClr val="accent1"/>
+          </a:effectRef>
+          <a:fontRef idx="minor">
+            <a:schemeClr val="lt1"/>
+          </a:fontRef>
+        </p:style>
+        <p:txBody>
+          <a:bodyPr rtlCol="0" anchor="ctr"/>
+          <a:lstStyle/>
+          <a:p>
+            <a:pPr algn="ctr"/>
+            <a:endParaRPr kumimoji="1" lang="ja-JP" altLang="en-US"/>
+          </a:p>
+        </p:txBody>
+      </p:sp>
     </p:spTree>
     <p:extLst>
       <p:ext uri="{BB962C8B-B14F-4D97-AF65-F5344CB8AC3E}">
@@ -7855,10 +9191,17 @@
   <p:clrMapOvr>
     <a:masterClrMapping/>
   </p:clrMapOvr>
+  <p:timing>
+    <p:tnLst>
+      <p:par>
+        <p:cTn id="1" dur="indefinite" restart="never" nodeType="tmRoot"/>
+      </p:par>
+    </p:tnLst>
+  </p:timing>
 </p:sld>
 </file>
 
-<file path=ppt/slides/slide27.xml><?xml version="1.0" encoding="utf-8"?>
+<file path=ppt/slides/slide28.xml><?xml version="1.0" encoding="utf-8"?>
 <p:sld xmlns:a="http://schemas.openxmlformats.org/drawingml/2006/main" xmlns:r="http://schemas.openxmlformats.org/officeDocument/2006/relationships" xmlns:p="http://schemas.openxmlformats.org/presentationml/2006/main">
   <p:cSld>
     <p:spTree>
@@ -8001,6 +9344,14 @@
           </a:p>
           <a:p>
             <a:r>
+              <a:rPr lang="ja-JP" altLang="en-US" dirty="0" smtClean="0"/>
+              <a:t>入力</a:t>
+            </a:r>
+            <a:r>
+              <a:rPr lang="ja-JP" altLang="en-US" dirty="0"/>
+              <a:t>の</a:t>
+            </a:r>
+            <a:r>
               <a:rPr kumimoji="1" lang="ja-JP" altLang="en-US" dirty="0" smtClean="0"/>
               <a:t>フィードバック</a:t>
             </a:r>
@@ -8042,7 +9393,7 @@
             <a:fld id="{879872E2-8930-43A6-82EA-52DD58EFA9F7}" type="slidenum">
               <a:rPr lang="ja-JP" altLang="en-US" smtClean="0"/>
               <a:pPr/>
-              <a:t>27</a:t>
+              <a:t>28</a:t>
             </a:fld>
             <a:endParaRPr lang="ja-JP" altLang="en-US" dirty="0"/>
           </a:p>
@@ -8148,10 +9499,17 @@
   <p:clrMapOvr>
     <a:masterClrMapping/>
   </p:clrMapOvr>
+  <p:timing>
+    <p:tnLst>
+      <p:par>
+        <p:cTn id="1" dur="indefinite" restart="never" nodeType="tmRoot"/>
+      </p:par>
+    </p:tnLst>
+  </p:timing>
 </p:sld>
 </file>
 
-<file path=ppt/slides/slide28.xml><?xml version="1.0" encoding="utf-8"?>
+<file path=ppt/slides/slide29.xml><?xml version="1.0" encoding="utf-8"?>
 <p:sld xmlns:a="http://schemas.openxmlformats.org/drawingml/2006/main" xmlns:r="http://schemas.openxmlformats.org/officeDocument/2006/relationships" xmlns:p="http://schemas.openxmlformats.org/presentationml/2006/main">
   <p:cSld>
     <p:spTree>
@@ -8395,7 +9753,7 @@
             <a:fld id="{879872E2-8930-43A6-82EA-52DD58EFA9F7}" type="slidenum">
               <a:rPr lang="ja-JP" altLang="en-US" smtClean="0"/>
               <a:pPr/>
-              <a:t>28</a:t>
+              <a:t>29</a:t>
             </a:fld>
             <a:endParaRPr lang="ja-JP" altLang="en-US" dirty="0"/>
           </a:p>
@@ -8531,10 +9889,106 @@
   <p:clrMapOvr>
     <a:masterClrMapping/>
   </p:clrMapOvr>
+  <p:timing>
+    <p:tnLst>
+      <p:par>
+        <p:cTn id="1" dur="indefinite" restart="never" nodeType="tmRoot"/>
+      </p:par>
+    </p:tnLst>
+  </p:timing>
 </p:sld>
 </file>
 
-<file path=ppt/slides/slide29.xml><?xml version="1.0" encoding="utf-8"?>
+<file path=ppt/slides/slide3.xml><?xml version="1.0" encoding="utf-8"?>
+<p:sld xmlns:a="http://schemas.openxmlformats.org/drawingml/2006/main" xmlns:r="http://schemas.openxmlformats.org/officeDocument/2006/relationships" xmlns:p="http://schemas.openxmlformats.org/presentationml/2006/main">
+  <p:cSld>
+    <p:spTree>
+      <p:nvGrpSpPr>
+        <p:cNvPr id="1" name=""/>
+        <p:cNvGrpSpPr/>
+        <p:nvPr/>
+      </p:nvGrpSpPr>
+      <p:grpSpPr>
+        <a:xfrm>
+          <a:off x="0" y="0"/>
+          <a:ext cx="0" cy="0"/>
+          <a:chOff x="0" y="0"/>
+          <a:chExt cx="0" cy="0"/>
+        </a:xfrm>
+      </p:grpSpPr>
+      <p:sp>
+        <p:nvSpPr>
+          <p:cNvPr id="2" name="タイトル 1"/>
+          <p:cNvSpPr>
+            <a:spLocks noGrp="1"/>
+          </p:cNvSpPr>
+          <p:nvPr>
+            <p:ph type="title"/>
+          </p:nvPr>
+        </p:nvSpPr>
+        <p:spPr>
+          <a:xfrm>
+            <a:off x="396772" y="2687646"/>
+            <a:ext cx="8319408" cy="1325563"/>
+          </a:xfrm>
+        </p:spPr>
+        <p:txBody>
+          <a:bodyPr/>
+          <a:lstStyle/>
+          <a:p>
+            <a:r>
+              <a:rPr kumimoji="1" lang="ja-JP" altLang="en-US" dirty="0" smtClean="0"/>
+              <a:t>制御対象</a:t>
+            </a:r>
+            <a:endParaRPr kumimoji="1" lang="ja-JP" altLang="en-US" dirty="0"/>
+          </a:p>
+        </p:txBody>
+      </p:sp>
+      <p:sp>
+        <p:nvSpPr>
+          <p:cNvPr id="4" name="スライド番号プレースホルダー 3"/>
+          <p:cNvSpPr>
+            <a:spLocks noGrp="1"/>
+          </p:cNvSpPr>
+          <p:nvPr>
+            <p:ph type="sldNum" sz="quarter" idx="12"/>
+          </p:nvPr>
+        </p:nvSpPr>
+        <p:spPr/>
+        <p:txBody>
+          <a:bodyPr/>
+          <a:lstStyle/>
+          <a:p>
+            <a:fld id="{879872E2-8930-43A6-82EA-52DD58EFA9F7}" type="slidenum">
+              <a:rPr lang="ja-JP" altLang="en-US" smtClean="0"/>
+              <a:pPr/>
+              <a:t>3</a:t>
+            </a:fld>
+            <a:endParaRPr lang="ja-JP" altLang="en-US" dirty="0"/>
+          </a:p>
+        </p:txBody>
+      </p:sp>
+    </p:spTree>
+    <p:extLst>
+      <p:ext uri="{BB962C8B-B14F-4D97-AF65-F5344CB8AC3E}">
+        <p14:creationId xmlns:p14="http://schemas.microsoft.com/office/powerpoint/2010/main" val="2356352719"/>
+      </p:ext>
+    </p:extLst>
+  </p:cSld>
+  <p:clrMapOvr>
+    <a:masterClrMapping/>
+  </p:clrMapOvr>
+  <p:timing>
+    <p:tnLst>
+      <p:par>
+        <p:cTn id="1" dur="indefinite" restart="never" nodeType="tmRoot"/>
+      </p:par>
+    </p:tnLst>
+  </p:timing>
+</p:sld>
+</file>
+
+<file path=ppt/slides/slide30.xml><?xml version="1.0" encoding="utf-8"?>
 <p:sld xmlns:a="http://schemas.openxmlformats.org/drawingml/2006/main" xmlns:r="http://schemas.openxmlformats.org/officeDocument/2006/relationships" xmlns:p="http://schemas.openxmlformats.org/presentationml/2006/main">
   <p:cSld>
     <p:spTree>
@@ -8669,8 +10123,8 @@
         </p:blipFill>
         <p:spPr>
           <a:xfrm>
-            <a:off x="1606240" y="1660239"/>
-            <a:ext cx="2863347" cy="699929"/>
+            <a:off x="1193239" y="1906876"/>
+            <a:ext cx="3534044" cy="863877"/>
           </a:xfrm>
         </p:spPr>
       </p:pic>
@@ -8692,7 +10146,7 @@
             <a:fld id="{879872E2-8930-43A6-82EA-52DD58EFA9F7}" type="slidenum">
               <a:rPr lang="ja-JP" altLang="en-US" smtClean="0"/>
               <a:pPr/>
-              <a:t>29</a:t>
+              <a:t>30</a:t>
             </a:fld>
             <a:endParaRPr lang="ja-JP" altLang="en-US" dirty="0"/>
           </a:p>
@@ -8753,8 +10207,8 @@
         </p:blipFill>
         <p:spPr>
           <a:xfrm>
-            <a:off x="1267048" y="3063904"/>
-            <a:ext cx="3912114" cy="720106"/>
+            <a:off x="730220" y="3330871"/>
+            <a:ext cx="4243618" cy="781126"/>
           </a:xfrm>
           <a:prstGeom prst="rect">
             <a:avLst/>
@@ -8783,8 +10237,191 @@
         </p:blipFill>
         <p:spPr>
           <a:xfrm>
-            <a:off x="1243485" y="4874882"/>
-            <a:ext cx="3588855" cy="717771"/>
+            <a:off x="730220" y="4384698"/>
+            <a:ext cx="3896796" cy="779359"/>
+          </a:xfrm>
+          <a:prstGeom prst="rect">
+            <a:avLst/>
+          </a:prstGeom>
+        </p:spPr>
+      </p:pic>
+      <p:pic>
+        <p:nvPicPr>
+          <p:cNvPr id="3" name="図 2"/>
+          <p:cNvPicPr>
+            <a:picLocks noChangeAspect="1"/>
+          </p:cNvPicPr>
+          <p:nvPr/>
+        </p:nvPicPr>
+        <p:blipFill rotWithShape="1">
+          <a:blip r:embed="rId6" cstate="print">
+            <a:extLst>
+              <a:ext uri="{28A0092B-C50C-407E-A947-70E740481C1C}">
+                <a14:useLocalDpi xmlns:a14="http://schemas.microsoft.com/office/drawing/2010/main" val="0"/>
+              </a:ext>
+            </a:extLst>
+          </a:blip>
+          <a:srcRect l="57091" t="-302" b="1"/>
+          <a:stretch/>
+        </p:blipFill>
+        <p:spPr>
+          <a:xfrm>
+            <a:off x="5220392" y="1571106"/>
+            <a:ext cx="3923607" cy="3704624"/>
+          </a:xfrm>
+          <a:prstGeom prst="rect">
+            <a:avLst/>
+          </a:prstGeom>
+        </p:spPr>
+      </p:pic>
+      <p:sp>
+        <p:nvSpPr>
+          <p:cNvPr id="6" name="テキスト ボックス 5"/>
+          <p:cNvSpPr txBox="1"/>
+          <p:nvPr/>
+        </p:nvSpPr>
+        <p:spPr>
+          <a:xfrm>
+            <a:off x="565265" y="1255261"/>
+            <a:ext cx="1712175" cy="461665"/>
+          </a:xfrm>
+          <a:prstGeom prst="rect">
+            <a:avLst/>
+          </a:prstGeom>
+          <a:noFill/>
+        </p:spPr>
+        <p:txBody>
+          <a:bodyPr wrap="square" rtlCol="0">
+            <a:spAutoFit/>
+          </a:bodyPr>
+          <a:lstStyle/>
+          <a:p>
+            <a:r>
+              <a:rPr kumimoji="1" lang="ja-JP" altLang="en-US" sz="2400" dirty="0" smtClean="0"/>
+              <a:t>対数減衰比</a:t>
+            </a:r>
+            <a:endParaRPr kumimoji="1" lang="ja-JP" altLang="en-US" sz="2400" dirty="0"/>
+          </a:p>
+        </p:txBody>
+      </p:sp>
+      <p:pic>
+        <p:nvPicPr>
+          <p:cNvPr id="10" name="図 9"/>
+          <p:cNvPicPr>
+            <a:picLocks noChangeAspect="1"/>
+          </p:cNvPicPr>
+          <p:nvPr/>
+        </p:nvPicPr>
+        <p:blipFill>
+          <a:blip r:embed="rId7">
+            <a:extLst>
+              <a:ext uri="{28A0092B-C50C-407E-A947-70E740481C1C}">
+                <a14:useLocalDpi xmlns:a14="http://schemas.microsoft.com/office/drawing/2010/main" val="0"/>
+              </a:ext>
+            </a:extLst>
+          </a:blip>
+          <a:stretch>
+            <a:fillRect/>
+          </a:stretch>
+        </p:blipFill>
+        <p:spPr>
+          <a:xfrm>
+            <a:off x="2277440" y="1329947"/>
+            <a:ext cx="200000" cy="276190"/>
+          </a:xfrm>
+          <a:prstGeom prst="rect">
+            <a:avLst/>
+          </a:prstGeom>
+        </p:spPr>
+      </p:pic>
+      <p:sp>
+        <p:nvSpPr>
+          <p:cNvPr id="11" name="テキスト ボックス 10"/>
+          <p:cNvSpPr txBox="1"/>
+          <p:nvPr/>
+        </p:nvSpPr>
+        <p:spPr>
+          <a:xfrm>
+            <a:off x="2518670" y="1255261"/>
+            <a:ext cx="3099403" cy="461665"/>
+          </a:xfrm>
+          <a:prstGeom prst="rect">
+            <a:avLst/>
+          </a:prstGeom>
+          <a:noFill/>
+        </p:spPr>
+        <p:txBody>
+          <a:bodyPr wrap="square" rtlCol="0">
+            <a:spAutoFit/>
+          </a:bodyPr>
+          <a:lstStyle/>
+          <a:p>
+            <a:r>
+              <a:rPr lang="ja-JP" altLang="en-US" sz="2400" dirty="0" smtClean="0"/>
+              <a:t>は以下を満たす</a:t>
+            </a:r>
+            <a:r>
+              <a:rPr lang="en-US" altLang="ja-JP" sz="2400" dirty="0" smtClean="0"/>
+              <a:t>.</a:t>
+            </a:r>
+            <a:endParaRPr kumimoji="1" lang="en-US" altLang="ja-JP" sz="2400" dirty="0" smtClean="0"/>
+          </a:p>
+        </p:txBody>
+      </p:sp>
+      <p:pic>
+        <p:nvPicPr>
+          <p:cNvPr id="12" name="図 11"/>
+          <p:cNvPicPr>
+            <a:picLocks noChangeAspect="1"/>
+          </p:cNvPicPr>
+          <p:nvPr/>
+        </p:nvPicPr>
+        <p:blipFill>
+          <a:blip r:embed="rId8">
+            <a:extLst>
+              <a:ext uri="{28A0092B-C50C-407E-A947-70E740481C1C}">
+                <a14:useLocalDpi xmlns:a14="http://schemas.microsoft.com/office/drawing/2010/main" val="0"/>
+              </a:ext>
+            </a:extLst>
+          </a:blip>
+          <a:stretch>
+            <a:fillRect/>
+          </a:stretch>
+        </p:blipFill>
+        <p:spPr>
+          <a:xfrm>
+            <a:off x="1421352" y="5588939"/>
+            <a:ext cx="3911787" cy="780898"/>
+          </a:xfrm>
+          <a:prstGeom prst="rect">
+            <a:avLst/>
+          </a:prstGeom>
+        </p:spPr>
+      </p:pic>
+      <p:pic>
+        <p:nvPicPr>
+          <p:cNvPr id="13" name="図 12"/>
+          <p:cNvPicPr>
+            <a:picLocks noChangeAspect="1"/>
+          </p:cNvPicPr>
+          <p:nvPr/>
+        </p:nvPicPr>
+        <p:blipFill>
+          <a:blip r:embed="rId9">
+            <a:extLst>
+              <a:ext uri="{28A0092B-C50C-407E-A947-70E740481C1C}">
+                <a14:useLocalDpi xmlns:a14="http://schemas.microsoft.com/office/drawing/2010/main" val="0"/>
+              </a:ext>
+            </a:extLst>
+          </a:blip>
+          <a:stretch>
+            <a:fillRect/>
+          </a:stretch>
+        </p:blipFill>
+        <p:spPr>
+          <a:xfrm>
+            <a:off x="945620" y="5865102"/>
+            <a:ext cx="247619" cy="228571"/>
           </a:xfrm>
           <a:prstGeom prst="rect">
             <a:avLst/>
@@ -8801,92 +10438,17 @@
   <p:clrMapOvr>
     <a:masterClrMapping/>
   </p:clrMapOvr>
+  <p:timing>
+    <p:tnLst>
+      <p:par>
+        <p:cTn id="1" dur="indefinite" restart="never" nodeType="tmRoot"/>
+      </p:par>
+    </p:tnLst>
+  </p:timing>
 </p:sld>
 </file>
 
-<file path=ppt/slides/slide3.xml><?xml version="1.0" encoding="utf-8"?>
-<p:sld xmlns:a="http://schemas.openxmlformats.org/drawingml/2006/main" xmlns:r="http://schemas.openxmlformats.org/officeDocument/2006/relationships" xmlns:p="http://schemas.openxmlformats.org/presentationml/2006/main">
-  <p:cSld>
-    <p:spTree>
-      <p:nvGrpSpPr>
-        <p:cNvPr id="1" name=""/>
-        <p:cNvGrpSpPr/>
-        <p:nvPr/>
-      </p:nvGrpSpPr>
-      <p:grpSpPr>
-        <a:xfrm>
-          <a:off x="0" y="0"/>
-          <a:ext cx="0" cy="0"/>
-          <a:chOff x="0" y="0"/>
-          <a:chExt cx="0" cy="0"/>
-        </a:xfrm>
-      </p:grpSpPr>
-      <p:sp>
-        <p:nvSpPr>
-          <p:cNvPr id="2" name="タイトル 1"/>
-          <p:cNvSpPr>
-            <a:spLocks noGrp="1"/>
-          </p:cNvSpPr>
-          <p:nvPr>
-            <p:ph type="title"/>
-          </p:nvPr>
-        </p:nvSpPr>
-        <p:spPr>
-          <a:xfrm>
-            <a:off x="396772" y="2687646"/>
-            <a:ext cx="8319408" cy="1325563"/>
-          </a:xfrm>
-        </p:spPr>
-        <p:txBody>
-          <a:bodyPr/>
-          <a:lstStyle/>
-          <a:p>
-            <a:r>
-              <a:rPr kumimoji="1" lang="ja-JP" altLang="en-US" dirty="0" smtClean="0"/>
-              <a:t>制御対象</a:t>
-            </a:r>
-            <a:endParaRPr kumimoji="1" lang="ja-JP" altLang="en-US" dirty="0"/>
-          </a:p>
-        </p:txBody>
-      </p:sp>
-      <p:sp>
-        <p:nvSpPr>
-          <p:cNvPr id="4" name="スライド番号プレースホルダー 3"/>
-          <p:cNvSpPr>
-            <a:spLocks noGrp="1"/>
-          </p:cNvSpPr>
-          <p:nvPr>
-            <p:ph type="sldNum" sz="quarter" idx="12"/>
-          </p:nvPr>
-        </p:nvSpPr>
-        <p:spPr/>
-        <p:txBody>
-          <a:bodyPr/>
-          <a:lstStyle/>
-          <a:p>
-            <a:fld id="{879872E2-8930-43A6-82EA-52DD58EFA9F7}" type="slidenum">
-              <a:rPr lang="ja-JP" altLang="en-US" smtClean="0"/>
-              <a:pPr/>
-              <a:t>3</a:t>
-            </a:fld>
-            <a:endParaRPr lang="ja-JP" altLang="en-US" dirty="0"/>
-          </a:p>
-        </p:txBody>
-      </p:sp>
-    </p:spTree>
-    <p:extLst>
-      <p:ext uri="{BB962C8B-B14F-4D97-AF65-F5344CB8AC3E}">
-        <p14:creationId xmlns:p14="http://schemas.microsoft.com/office/powerpoint/2010/main" val="2356352719"/>
-      </p:ext>
-    </p:extLst>
-  </p:cSld>
-  <p:clrMapOvr>
-    <a:masterClrMapping/>
-  </p:clrMapOvr>
-</p:sld>
-</file>
-
-<file path=ppt/slides/slide30.xml><?xml version="1.0" encoding="utf-8"?>
+<file path=ppt/slides/slide31.xml><?xml version="1.0" encoding="utf-8"?>
 <p:sld xmlns:a="http://schemas.openxmlformats.org/drawingml/2006/main" xmlns:r="http://schemas.openxmlformats.org/officeDocument/2006/relationships" xmlns:p="http://schemas.openxmlformats.org/presentationml/2006/main">
   <p:cSld>
     <p:spTree>
@@ -9032,7 +10594,7 @@
             <a:fld id="{879872E2-8930-43A6-82EA-52DD58EFA9F7}" type="slidenum">
               <a:rPr lang="ja-JP" altLang="en-US" smtClean="0"/>
               <a:pPr/>
-              <a:t>30</a:t>
+              <a:t>31</a:t>
             </a:fld>
             <a:endParaRPr lang="ja-JP" altLang="en-US" dirty="0"/>
           </a:p>
@@ -9061,7 +10623,7 @@
         <p:spPr>
           <a:xfrm>
             <a:off x="657957" y="2183961"/>
-            <a:ext cx="5019048" cy="485714"/>
+            <a:ext cx="4753628" cy="485714"/>
           </a:xfrm>
           <a:prstGeom prst="rect">
             <a:avLst/>
@@ -9090,7 +10652,7 @@
         </p:blipFill>
         <p:spPr>
           <a:xfrm>
-            <a:off x="1748433" y="2790096"/>
+            <a:off x="2325247" y="2839757"/>
             <a:ext cx="1419048" cy="352381"/>
           </a:xfrm>
           <a:prstGeom prst="rect">
@@ -9120,7 +10682,7 @@
         </p:blipFill>
         <p:spPr>
           <a:xfrm>
-            <a:off x="1110338" y="3477954"/>
+            <a:off x="977960" y="4024746"/>
             <a:ext cx="4114286" cy="447619"/>
           </a:xfrm>
           <a:prstGeom prst="rect">
@@ -9180,8 +10742,8 @@
         </p:blipFill>
         <p:spPr>
           <a:xfrm>
-            <a:off x="5786107" y="1913017"/>
-            <a:ext cx="2824728" cy="2135562"/>
+            <a:off x="5411585" y="1837688"/>
+            <a:ext cx="3649686" cy="2759250"/>
           </a:xfrm>
           <a:prstGeom prst="rect">
             <a:avLst/>
@@ -9198,10 +10760,17 @@
   <p:clrMapOvr>
     <a:masterClrMapping/>
   </p:clrMapOvr>
+  <p:timing>
+    <p:tnLst>
+      <p:par>
+        <p:cTn id="1" dur="indefinite" restart="never" nodeType="tmRoot"/>
+      </p:par>
+    </p:tnLst>
+  </p:timing>
 </p:sld>
 </file>
 
-<file path=ppt/slides/slide31.xml><?xml version="1.0" encoding="utf-8"?>
+<file path=ppt/slides/slide32.xml><?xml version="1.0" encoding="utf-8"?>
 <p:sld xmlns:a="http://schemas.openxmlformats.org/drawingml/2006/main" xmlns:r="http://schemas.openxmlformats.org/officeDocument/2006/relationships" xmlns:p="http://schemas.openxmlformats.org/presentationml/2006/main">
   <p:cSld>
     <p:spTree>
@@ -9347,7 +10916,7 @@
             <a:fld id="{879872E2-8930-43A6-82EA-52DD58EFA9F7}" type="slidenum">
               <a:rPr lang="ja-JP" altLang="en-US" smtClean="0"/>
               <a:pPr/>
-              <a:t>31</a:t>
+              <a:t>32</a:t>
             </a:fld>
             <a:endParaRPr lang="ja-JP" altLang="en-US" dirty="0"/>
           </a:p>
@@ -9423,6 +10992,13 @@
   <p:clrMapOvr>
     <a:masterClrMapping/>
   </p:clrMapOvr>
+  <p:timing>
+    <p:tnLst>
+      <p:par>
+        <p:cTn id="1" dur="indefinite" restart="never" nodeType="tmRoot"/>
+      </p:par>
+    </p:tnLst>
+  </p:timing>
 </p:sld>
 </file>
 
@@ -9552,6 +11128,36 @@
           </a:p>
         </p:txBody>
       </p:sp>
+      <p:pic>
+        <p:nvPicPr>
+          <p:cNvPr id="7" name="図 6"/>
+          <p:cNvPicPr>
+            <a:picLocks noChangeAspect="1"/>
+          </p:cNvPicPr>
+          <p:nvPr/>
+        </p:nvPicPr>
+        <p:blipFill>
+          <a:blip r:embed="rId3" cstate="print">
+            <a:extLst>
+              <a:ext uri="{28A0092B-C50C-407E-A947-70E740481C1C}">
+                <a14:useLocalDpi xmlns:a14="http://schemas.microsoft.com/office/drawing/2010/main" val="0"/>
+              </a:ext>
+            </a:extLst>
+          </a:blip>
+          <a:stretch>
+            <a:fillRect/>
+          </a:stretch>
+        </p:blipFill>
+        <p:spPr>
+          <a:xfrm>
+            <a:off x="4674871" y="1794182"/>
+            <a:ext cx="4189614" cy="3142211"/>
+          </a:xfrm>
+          <a:prstGeom prst="rect">
+            <a:avLst/>
+          </a:prstGeom>
+        </p:spPr>
+      </p:pic>
     </p:spTree>
     <p:extLst>
       <p:ext uri="{BB962C8B-B14F-4D97-AF65-F5344CB8AC3E}">
@@ -9562,6 +11168,13 @@
   <p:clrMapOvr>
     <a:masterClrMapping/>
   </p:clrMapOvr>
+  <p:timing>
+    <p:tnLst>
+      <p:par>
+        <p:cTn id="1" dur="indefinite" restart="never" nodeType="tmRoot"/>
+      </p:par>
+    </p:tnLst>
+  </p:timing>
 </p:sld>
 </file>
 
@@ -9584,34 +11197,6 @@
       </p:grpSpPr>
       <p:sp>
         <p:nvSpPr>
-          <p:cNvPr id="2" name="タイトル 1"/>
-          <p:cNvSpPr>
-            <a:spLocks noGrp="1"/>
-          </p:cNvSpPr>
-          <p:nvPr>
-            <p:ph type="title"/>
-          </p:nvPr>
-        </p:nvSpPr>
-        <p:spPr>
-          <a:xfrm>
-            <a:off x="396772" y="2687646"/>
-            <a:ext cx="8319408" cy="1325563"/>
-          </a:xfrm>
-        </p:spPr>
-        <p:txBody>
-          <a:bodyPr/>
-          <a:lstStyle/>
-          <a:p>
-            <a:r>
-              <a:rPr lang="ja-JP" altLang="en-US" dirty="0" smtClean="0"/>
-              <a:t>実験目的</a:t>
-            </a:r>
-            <a:endParaRPr kumimoji="1" lang="ja-JP" altLang="en-US" dirty="0"/>
-          </a:p>
-        </p:txBody>
-      </p:sp>
-      <p:sp>
-        <p:nvSpPr>
           <p:cNvPr id="4" name="スライド番号プレースホルダー 3"/>
           <p:cNvSpPr>
             <a:spLocks noGrp="1"/>
@@ -9634,16 +11219,53 @@
           </a:p>
         </p:txBody>
       </p:sp>
+      <p:pic>
+        <p:nvPicPr>
+          <p:cNvPr id="7" name="図 6"/>
+          <p:cNvPicPr>
+            <a:picLocks noChangeAspect="1"/>
+          </p:cNvPicPr>
+          <p:nvPr/>
+        </p:nvPicPr>
+        <p:blipFill>
+          <a:blip r:embed="rId2" cstate="print">
+            <a:extLst>
+              <a:ext uri="{28A0092B-C50C-407E-A947-70E740481C1C}">
+                <a14:useLocalDpi xmlns:a14="http://schemas.microsoft.com/office/drawing/2010/main" val="0"/>
+              </a:ext>
+            </a:extLst>
+          </a:blip>
+          <a:stretch>
+            <a:fillRect/>
+          </a:stretch>
+        </p:blipFill>
+        <p:spPr>
+          <a:xfrm>
+            <a:off x="0" y="0"/>
+            <a:ext cx="9144000" cy="6858000"/>
+          </a:xfrm>
+          <a:prstGeom prst="rect">
+            <a:avLst/>
+          </a:prstGeom>
+        </p:spPr>
+      </p:pic>
     </p:spTree>
     <p:extLst>
       <p:ext uri="{BB962C8B-B14F-4D97-AF65-F5344CB8AC3E}">
-        <p14:creationId xmlns:p14="http://schemas.microsoft.com/office/powerpoint/2010/main" val="2142484242"/>
+        <p14:creationId xmlns:p14="http://schemas.microsoft.com/office/powerpoint/2010/main" val="2309557655"/>
       </p:ext>
     </p:extLst>
   </p:cSld>
   <p:clrMapOvr>
     <a:masterClrMapping/>
   </p:clrMapOvr>
+  <p:timing>
+    <p:tnLst>
+      <p:par>
+        <p:cTn id="1" dur="indefinite" restart="never" nodeType="tmRoot"/>
+      </p:par>
+    </p:tnLst>
+  </p:timing>
 </p:sld>
 </file>
 
@@ -9674,80 +11296,19 @@
             <p:ph type="title"/>
           </p:nvPr>
         </p:nvSpPr>
-        <p:spPr/>
+        <p:spPr>
+          <a:xfrm>
+            <a:off x="396772" y="2687646"/>
+            <a:ext cx="8319408" cy="1325563"/>
+          </a:xfrm>
+        </p:spPr>
         <p:txBody>
           <a:bodyPr/>
           <a:lstStyle/>
           <a:p>
             <a:r>
-              <a:rPr kumimoji="1" lang="ja-JP" altLang="en-US" dirty="0" smtClean="0"/>
+              <a:rPr lang="ja-JP" altLang="en-US" dirty="0" smtClean="0"/>
               <a:t>実験目的</a:t>
-            </a:r>
-            <a:endParaRPr kumimoji="1" lang="ja-JP" altLang="en-US" dirty="0"/>
-          </a:p>
-        </p:txBody>
-      </p:sp>
-      <p:sp>
-        <p:nvSpPr>
-          <p:cNvPr id="3" name="コンテンツ プレースホルダー 2"/>
-          <p:cNvSpPr>
-            <a:spLocks noGrp="1"/>
-          </p:cNvSpPr>
-          <p:nvPr>
-            <p:ph idx="1"/>
-          </p:nvPr>
-        </p:nvSpPr>
-        <p:spPr/>
-        <p:txBody>
-          <a:bodyPr/>
-          <a:lstStyle/>
-          <a:p>
-            <a:endParaRPr kumimoji="1" lang="en-US" altLang="ja-JP" dirty="0" smtClean="0"/>
-          </a:p>
-          <a:p>
-            <a:r>
-              <a:rPr lang="ja-JP" altLang="en-US" dirty="0" smtClean="0"/>
-              <a:t>不安定平衡点で倒立振子系を安定化制御する</a:t>
-            </a:r>
-            <a:endParaRPr lang="en-US" altLang="ja-JP" dirty="0" smtClean="0"/>
-          </a:p>
-          <a:p>
-            <a:endParaRPr kumimoji="1" lang="en-US" altLang="ja-JP" dirty="0"/>
-          </a:p>
-          <a:p>
-            <a:r>
-              <a:rPr lang="ja-JP" altLang="en-US" dirty="0" smtClean="0"/>
-              <a:t>台車の目標値を変更する</a:t>
-            </a:r>
-            <a:endParaRPr lang="en-US" altLang="ja-JP" dirty="0" smtClean="0"/>
-          </a:p>
-          <a:p>
-            <a:endParaRPr kumimoji="1" lang="en-US" altLang="ja-JP" dirty="0"/>
-          </a:p>
-          <a:p>
-            <a:r>
-              <a:rPr lang="ja-JP" altLang="en-US" dirty="0" smtClean="0"/>
-              <a:t>安定平衡点から振子を振り上げて</a:t>
-            </a:r>
-            <a:r>
-              <a:rPr lang="en-US" altLang="ja-JP" dirty="0" smtClean="0"/>
-              <a:t>, </a:t>
-            </a:r>
-            <a:r>
-              <a:rPr lang="en-US" altLang="ja-JP" dirty="0" err="1" smtClean="0"/>
-              <a:t>不安定平衡点で安定化制御に移行する</a:t>
-            </a:r>
-            <a:r>
-              <a:rPr lang="en-US" altLang="ja-JP" dirty="0" smtClean="0"/>
-              <a:t>(</a:t>
-            </a:r>
-            <a:r>
-              <a:rPr lang="en-US" altLang="ja-JP" dirty="0" err="1" smtClean="0"/>
-              <a:t>振り上げ制御</a:t>
-            </a:r>
-            <a:r>
-              <a:rPr lang="en-US" altLang="ja-JP" dirty="0" smtClean="0"/>
-              <a:t>)</a:t>
             </a:r>
             <a:endParaRPr kumimoji="1" lang="ja-JP" altLang="en-US" dirty="0"/>
           </a:p>
@@ -9780,13 +11341,20 @@
     </p:spTree>
     <p:extLst>
       <p:ext uri="{BB962C8B-B14F-4D97-AF65-F5344CB8AC3E}">
-        <p14:creationId xmlns:p14="http://schemas.microsoft.com/office/powerpoint/2010/main" val="3187418203"/>
+        <p14:creationId xmlns:p14="http://schemas.microsoft.com/office/powerpoint/2010/main" val="2142484242"/>
       </p:ext>
     </p:extLst>
   </p:cSld>
   <p:clrMapOvr>
     <a:masterClrMapping/>
   </p:clrMapOvr>
+  <p:timing>
+    <p:tnLst>
+      <p:par>
+        <p:cTn id="1" dur="indefinite" restart="never" nodeType="tmRoot"/>
+      </p:par>
+    </p:tnLst>
+  </p:timing>
 </p:sld>
 </file>
 
@@ -9817,19 +11385,80 @@
             <p:ph type="title"/>
           </p:nvPr>
         </p:nvSpPr>
-        <p:spPr>
-          <a:xfrm>
-            <a:off x="396772" y="2687646"/>
-            <a:ext cx="8319408" cy="1325563"/>
-          </a:xfrm>
-        </p:spPr>
+        <p:spPr/>
         <p:txBody>
           <a:bodyPr/>
           <a:lstStyle/>
           <a:p>
             <a:r>
               <a:rPr kumimoji="1" lang="ja-JP" altLang="en-US" dirty="0" smtClean="0"/>
-              <a:t>制御目的</a:t>
+              <a:t>実験目的</a:t>
+            </a:r>
+            <a:endParaRPr kumimoji="1" lang="ja-JP" altLang="en-US" dirty="0"/>
+          </a:p>
+        </p:txBody>
+      </p:sp>
+      <p:sp>
+        <p:nvSpPr>
+          <p:cNvPr id="3" name="コンテンツ プレースホルダー 2"/>
+          <p:cNvSpPr>
+            <a:spLocks noGrp="1"/>
+          </p:cNvSpPr>
+          <p:nvPr>
+            <p:ph idx="1"/>
+          </p:nvPr>
+        </p:nvSpPr>
+        <p:spPr/>
+        <p:txBody>
+          <a:bodyPr/>
+          <a:lstStyle/>
+          <a:p>
+            <a:endParaRPr kumimoji="1" lang="en-US" altLang="ja-JP" dirty="0" smtClean="0"/>
+          </a:p>
+          <a:p>
+            <a:r>
+              <a:rPr lang="ja-JP" altLang="en-US" dirty="0" smtClean="0"/>
+              <a:t>不安定平衡点で倒立振子系を安定化制御する</a:t>
+            </a:r>
+            <a:endParaRPr lang="en-US" altLang="ja-JP" dirty="0" smtClean="0"/>
+          </a:p>
+          <a:p>
+            <a:endParaRPr kumimoji="1" lang="en-US" altLang="ja-JP" dirty="0"/>
+          </a:p>
+          <a:p>
+            <a:r>
+              <a:rPr lang="ja-JP" altLang="en-US" dirty="0" smtClean="0"/>
+              <a:t>台車の目標値を変更する</a:t>
+            </a:r>
+            <a:endParaRPr lang="en-US" altLang="ja-JP" dirty="0" smtClean="0"/>
+          </a:p>
+          <a:p>
+            <a:endParaRPr kumimoji="1" lang="en-US" altLang="ja-JP" dirty="0"/>
+          </a:p>
+          <a:p>
+            <a:r>
+              <a:rPr lang="ja-JP" altLang="en-US" dirty="0" smtClean="0"/>
+              <a:t>安定平衡点から振子を振り上げて</a:t>
+            </a:r>
+            <a:r>
+              <a:rPr lang="en-US" altLang="ja-JP" dirty="0" smtClean="0"/>
+              <a:t>, </a:t>
+            </a:r>
+            <a:r>
+              <a:rPr lang="en-US" altLang="ja-JP" dirty="0" err="1" smtClean="0"/>
+              <a:t>不安定平衡点で安定化制御に移行する</a:t>
+            </a:r>
+            <a:r>
+              <a:rPr lang="en-US" altLang="ja-JP" dirty="0" smtClean="0"/>
+              <a:t>(</a:t>
+            </a:r>
+            <a:r>
+              <a:rPr lang="en-US" altLang="ja-JP" dirty="0" err="1" smtClean="0"/>
+              <a:t>振り上げ制御</a:t>
+            </a:r>
+            <a:r>
+              <a:rPr lang="en-US" altLang="ja-JP" dirty="0" smtClean="0"/>
+              <a:t>)</a:t>
             </a:r>
             <a:endParaRPr kumimoji="1" lang="ja-JP" altLang="en-US" dirty="0"/>
           </a:p>
@@ -9862,13 +11491,20 @@
     </p:spTree>
     <p:extLst>
       <p:ext uri="{BB962C8B-B14F-4D97-AF65-F5344CB8AC3E}">
-        <p14:creationId xmlns:p14="http://schemas.microsoft.com/office/powerpoint/2010/main" val="3069221593"/>
+        <p14:creationId xmlns:p14="http://schemas.microsoft.com/office/powerpoint/2010/main" val="3187418203"/>
       </p:ext>
     </p:extLst>
   </p:cSld>
   <p:clrMapOvr>
     <a:masterClrMapping/>
   </p:clrMapOvr>
+  <p:timing>
+    <p:tnLst>
+      <p:par>
+        <p:cTn id="1" dur="indefinite" restart="never" nodeType="tmRoot"/>
+      </p:par>
+    </p:tnLst>
+  </p:timing>
 </p:sld>
 </file>
 
@@ -9899,6 +11535,95 @@
             <p:ph type="title"/>
           </p:nvPr>
         </p:nvSpPr>
+        <p:spPr>
+          <a:xfrm>
+            <a:off x="396772" y="2687646"/>
+            <a:ext cx="8319408" cy="1325563"/>
+          </a:xfrm>
+        </p:spPr>
+        <p:txBody>
+          <a:bodyPr/>
+          <a:lstStyle/>
+          <a:p>
+            <a:r>
+              <a:rPr kumimoji="1" lang="ja-JP" altLang="en-US" dirty="0" smtClean="0"/>
+              <a:t>制御目的</a:t>
+            </a:r>
+            <a:endParaRPr kumimoji="1" lang="ja-JP" altLang="en-US" dirty="0"/>
+          </a:p>
+        </p:txBody>
+      </p:sp>
+      <p:sp>
+        <p:nvSpPr>
+          <p:cNvPr id="4" name="スライド番号プレースホルダー 3"/>
+          <p:cNvSpPr>
+            <a:spLocks noGrp="1"/>
+          </p:cNvSpPr>
+          <p:nvPr>
+            <p:ph type="sldNum" sz="quarter" idx="12"/>
+          </p:nvPr>
+        </p:nvSpPr>
+        <p:spPr/>
+        <p:txBody>
+          <a:bodyPr/>
+          <a:lstStyle/>
+          <a:p>
+            <a:fld id="{879872E2-8930-43A6-82EA-52DD58EFA9F7}" type="slidenum">
+              <a:rPr lang="ja-JP" altLang="en-US" smtClean="0"/>
+              <a:pPr/>
+              <a:t>8</a:t>
+            </a:fld>
+            <a:endParaRPr lang="ja-JP" altLang="en-US" dirty="0"/>
+          </a:p>
+        </p:txBody>
+      </p:sp>
+    </p:spTree>
+    <p:extLst>
+      <p:ext uri="{BB962C8B-B14F-4D97-AF65-F5344CB8AC3E}">
+        <p14:creationId xmlns:p14="http://schemas.microsoft.com/office/powerpoint/2010/main" val="3069221593"/>
+      </p:ext>
+    </p:extLst>
+  </p:cSld>
+  <p:clrMapOvr>
+    <a:masterClrMapping/>
+  </p:clrMapOvr>
+  <p:timing>
+    <p:tnLst>
+      <p:par>
+        <p:cTn id="1" dur="indefinite" restart="never" nodeType="tmRoot"/>
+      </p:par>
+    </p:tnLst>
+  </p:timing>
+</p:sld>
+</file>
+
+<file path=ppt/slides/slide9.xml><?xml version="1.0" encoding="utf-8"?>
+<p:sld xmlns:a="http://schemas.openxmlformats.org/drawingml/2006/main" xmlns:r="http://schemas.openxmlformats.org/officeDocument/2006/relationships" xmlns:p="http://schemas.openxmlformats.org/presentationml/2006/main">
+  <p:cSld>
+    <p:spTree>
+      <p:nvGrpSpPr>
+        <p:cNvPr id="1" name=""/>
+        <p:cNvGrpSpPr/>
+        <p:nvPr/>
+      </p:nvGrpSpPr>
+      <p:grpSpPr>
+        <a:xfrm>
+          <a:off x="0" y="0"/>
+          <a:ext cx="0" cy="0"/>
+          <a:chOff x="0" y="0"/>
+          <a:chExt cx="0" cy="0"/>
+        </a:xfrm>
+      </p:grpSpPr>
+      <p:sp>
+        <p:nvSpPr>
+          <p:cNvPr id="2" name="タイトル 1"/>
+          <p:cNvSpPr>
+            <a:spLocks noGrp="1"/>
+          </p:cNvSpPr>
+          <p:nvPr>
+            <p:ph type="title"/>
+          </p:nvPr>
+        </p:nvSpPr>
         <p:spPr/>
         <p:txBody>
           <a:bodyPr/>
@@ -9971,7 +11696,7 @@
             <a:fld id="{879872E2-8930-43A6-82EA-52DD58EFA9F7}" type="slidenum">
               <a:rPr lang="ja-JP" altLang="en-US" smtClean="0"/>
               <a:pPr/>
-              <a:t>8</a:t>
+              <a:t>9</a:t>
             </a:fld>
             <a:endParaRPr lang="ja-JP" altLang="en-US" dirty="0"/>
           </a:p>
@@ -9985,8 +11710,8 @@
         </p:nvSpPr>
         <p:spPr>
           <a:xfrm>
-            <a:off x="4790769" y="5513188"/>
-            <a:ext cx="1806678" cy="369332"/>
+            <a:off x="4233816" y="5375437"/>
+            <a:ext cx="2923442" cy="584775"/>
           </a:xfrm>
           <a:prstGeom prst="rect">
             <a:avLst/>
@@ -10000,10 +11725,10 @@
           <a:lstStyle/>
           <a:p>
             <a:r>
-              <a:rPr kumimoji="1" lang="ja-JP" altLang="en-US" dirty="0" smtClean="0"/>
+              <a:rPr kumimoji="1" lang="ja-JP" altLang="en-US" sz="3200" dirty="0" smtClean="0"/>
               <a:t>不安定平衡点</a:t>
             </a:r>
-            <a:endParaRPr kumimoji="1" lang="ja-JP" altLang="en-US" dirty="0"/>
+            <a:endParaRPr kumimoji="1" lang="ja-JP" altLang="en-US" sz="3200" dirty="0"/>
           </a:p>
         </p:txBody>
       </p:sp>
@@ -10015,8 +11740,8 @@
         </p:nvSpPr>
         <p:spPr>
           <a:xfrm>
-            <a:off x="2917723" y="1715132"/>
-            <a:ext cx="1806678" cy="369332"/>
+            <a:off x="2518711" y="1610633"/>
+            <a:ext cx="2543739" cy="584775"/>
           </a:xfrm>
           <a:prstGeom prst="rect">
             <a:avLst/>
@@ -10030,10 +11755,10 @@
           <a:lstStyle/>
           <a:p>
             <a:r>
-              <a:rPr kumimoji="1" lang="ja-JP" altLang="en-US" dirty="0" smtClean="0"/>
+              <a:rPr kumimoji="1" lang="ja-JP" altLang="en-US" sz="3200" dirty="0" smtClean="0"/>
               <a:t>安定平衡点</a:t>
             </a:r>
-            <a:endParaRPr kumimoji="1" lang="ja-JP" altLang="en-US" dirty="0"/>
+            <a:endParaRPr kumimoji="1" lang="ja-JP" altLang="en-US" sz="3200" dirty="0"/>
           </a:p>
         </p:txBody>
       </p:sp>
@@ -10047,154 +11772,13 @@
   <p:clrMapOvr>
     <a:masterClrMapping/>
   </p:clrMapOvr>
-</p:sld>
-</file>
-
-<file path=ppt/slides/slide9.xml><?xml version="1.0" encoding="utf-8"?>
-<p:sld xmlns:a="http://schemas.openxmlformats.org/drawingml/2006/main" xmlns:r="http://schemas.openxmlformats.org/officeDocument/2006/relationships" xmlns:p="http://schemas.openxmlformats.org/presentationml/2006/main">
-  <p:cSld>
-    <p:spTree>
-      <p:nvGrpSpPr>
-        <p:cNvPr id="1" name=""/>
-        <p:cNvGrpSpPr/>
-        <p:nvPr/>
-      </p:nvGrpSpPr>
-      <p:grpSpPr>
-        <a:xfrm>
-          <a:off x="0" y="0"/>
-          <a:ext cx="0" cy="0"/>
-          <a:chOff x="0" y="0"/>
-          <a:chExt cx="0" cy="0"/>
-        </a:xfrm>
-      </p:grpSpPr>
-      <p:sp>
-        <p:nvSpPr>
-          <p:cNvPr id="2" name="タイトル 1"/>
-          <p:cNvSpPr>
-            <a:spLocks noGrp="1"/>
-          </p:cNvSpPr>
-          <p:nvPr>
-            <p:ph type="title"/>
-          </p:nvPr>
-        </p:nvSpPr>
-        <p:spPr/>
-        <p:txBody>
-          <a:bodyPr/>
-          <a:lstStyle/>
-          <a:p>
-            <a:r>
-              <a:rPr kumimoji="1" lang="ja-JP" altLang="en-US" dirty="0" smtClean="0"/>
-              <a:t>制御目的</a:t>
-            </a:r>
-            <a:r>
-              <a:rPr kumimoji="1" lang="en-US" altLang="ja-JP" dirty="0" smtClean="0"/>
-              <a:t>(</a:t>
-            </a:r>
-            <a:r>
-              <a:rPr kumimoji="1" lang="en-US" altLang="ja-JP" dirty="0" err="1" smtClean="0"/>
-              <a:t>目標値変更</a:t>
-            </a:r>
-            <a:r>
-              <a:rPr kumimoji="1" lang="en-US" altLang="ja-JP" dirty="0" smtClean="0"/>
-              <a:t>)</a:t>
-            </a:r>
-            <a:endParaRPr kumimoji="1" lang="ja-JP" altLang="en-US" dirty="0"/>
-          </a:p>
-        </p:txBody>
-      </p:sp>
-      <p:pic>
-        <p:nvPicPr>
-          <p:cNvPr id="6" name="コンテンツ プレースホルダー 5"/>
-          <p:cNvPicPr>
-            <a:picLocks noGrp="1" noChangeAspect="1"/>
-          </p:cNvPicPr>
-          <p:nvPr>
-            <p:ph idx="1"/>
-          </p:nvPr>
-        </p:nvPicPr>
-        <p:blipFill>
-          <a:blip r:embed="rId2">
-            <a:extLst>
-              <a:ext uri="{28A0092B-C50C-407E-A947-70E740481C1C}">
-                <a14:useLocalDpi xmlns:a14="http://schemas.microsoft.com/office/drawing/2010/main" val="0"/>
-              </a:ext>
-            </a:extLst>
-          </a:blip>
-          <a:stretch>
-            <a:fillRect/>
-          </a:stretch>
-        </p:blipFill>
-        <p:spPr>
-          <a:xfrm>
-            <a:off x="2274606" y="2119184"/>
-            <a:ext cx="4638675" cy="2886075"/>
-          </a:xfrm>
-        </p:spPr>
-      </p:pic>
-      <p:sp>
-        <p:nvSpPr>
-          <p:cNvPr id="4" name="スライド番号プレースホルダー 3"/>
-          <p:cNvSpPr>
-            <a:spLocks noGrp="1"/>
-          </p:cNvSpPr>
-          <p:nvPr>
-            <p:ph type="sldNum" sz="quarter" idx="12"/>
-          </p:nvPr>
-        </p:nvSpPr>
-        <p:spPr/>
-        <p:txBody>
-          <a:bodyPr/>
-          <a:lstStyle/>
-          <a:p>
-            <a:fld id="{879872E2-8930-43A6-82EA-52DD58EFA9F7}" type="slidenum">
-              <a:rPr lang="ja-JP" altLang="en-US" smtClean="0"/>
-              <a:pPr/>
-              <a:t>9</a:t>
-            </a:fld>
-            <a:endParaRPr lang="ja-JP" altLang="en-US" dirty="0"/>
-          </a:p>
-        </p:txBody>
-      </p:sp>
-      <p:sp>
-        <p:nvSpPr>
-          <p:cNvPr id="7" name="テキスト ボックス 6"/>
-          <p:cNvSpPr txBox="1"/>
-          <p:nvPr/>
-        </p:nvSpPr>
-        <p:spPr>
-          <a:xfrm>
-            <a:off x="2337619" y="5499850"/>
-            <a:ext cx="4503789" cy="369332"/>
-          </a:xfrm>
-          <a:prstGeom prst="rect">
-            <a:avLst/>
-          </a:prstGeom>
-          <a:noFill/>
-        </p:spPr>
-        <p:txBody>
-          <a:bodyPr wrap="square" rtlCol="0">
-            <a:spAutoFit/>
-          </a:bodyPr>
-          <a:lstStyle/>
-          <a:p>
-            <a:r>
-              <a:rPr kumimoji="1" lang="en-US" altLang="ja-JP" dirty="0" smtClean="0"/>
-              <a:t>5[sec]毎に台車の目標値を0, 0.1交互に変更</a:t>
-            </a:r>
-            <a:endParaRPr kumimoji="1" lang="ja-JP" altLang="en-US" dirty="0"/>
-          </a:p>
-        </p:txBody>
-      </p:sp>
-    </p:spTree>
-    <p:extLst>
-      <p:ext uri="{BB962C8B-B14F-4D97-AF65-F5344CB8AC3E}">
-        <p14:creationId xmlns:p14="http://schemas.microsoft.com/office/powerpoint/2010/main" val="1844638701"/>
-      </p:ext>
-    </p:extLst>
-  </p:cSld>
-  <p:clrMapOvr>
-    <a:masterClrMapping/>
-  </p:clrMapOvr>
+  <p:timing>
+    <p:tnLst>
+      <p:par>
+        <p:cTn id="1" dur="indefinite" restart="never" nodeType="tmRoot"/>
+      </p:par>
+    </p:tnLst>
+  </p:timing>
 </p:sld>
 </file>
 

--- a/presentation/pendulum_theory.pptx
+++ b/presentation/pendulum_theory.pptx
@@ -13,13 +13,13 @@
     <p:sldId id="279" r:id="rId4"/>
     <p:sldId id="272" r:id="rId5"/>
     <p:sldId id="289" r:id="rId6"/>
-    <p:sldId id="281" r:id="rId7"/>
+    <p:sldId id="290" r:id="rId7"/>
     <p:sldId id="271" r:id="rId8"/>
-    <p:sldId id="282" r:id="rId9"/>
+    <p:sldId id="292" r:id="rId9"/>
     <p:sldId id="273" r:id="rId10"/>
     <p:sldId id="274" r:id="rId11"/>
     <p:sldId id="275" r:id="rId12"/>
-    <p:sldId id="283" r:id="rId13"/>
+    <p:sldId id="293" r:id="rId13"/>
     <p:sldId id="276" r:id="rId14"/>
     <p:sldId id="277" r:id="rId15"/>
     <p:sldId id="284" r:id="rId16"/>
@@ -28,7 +28,7 @@
     <p:sldId id="287" r:id="rId19"/>
     <p:sldId id="288" r:id="rId20"/>
     <p:sldId id="257" r:id="rId21"/>
-    <p:sldId id="258" r:id="rId22"/>
+    <p:sldId id="294" r:id="rId22"/>
     <p:sldId id="259" r:id="rId23"/>
     <p:sldId id="260" r:id="rId24"/>
     <p:sldId id="261" r:id="rId25"/>
@@ -743,6 +743,13 @@
   <p:clrMapOvr>
     <a:masterClrMapping/>
   </p:clrMapOvr>
+  <p:timing>
+    <p:tnLst>
+      <p:par>
+        <p:cTn id="1" dur="indefinite" restart="never" nodeType="tmRoot"/>
+      </p:par>
+    </p:tnLst>
+  </p:timing>
 </p:sldLayout>
 </file>
 
@@ -1189,7 +1196,7 @@
         </p:nvSpPr>
         <p:spPr>
           <a:xfrm>
-            <a:off x="374649" y="-70302"/>
+            <a:off x="258537" y="-84816"/>
             <a:ext cx="8319408" cy="1325563"/>
           </a:xfrm>
         </p:spPr>
@@ -1367,6 +1374,106 @@
               <a:t>‹#›</a:t>
             </a:fld>
             <a:endParaRPr lang="ja-JP" altLang="en-US" dirty="0"/>
+          </a:p>
+        </p:txBody>
+      </p:sp>
+      <p:cxnSp>
+        <p:nvCxnSpPr>
+          <p:cNvPr id="8" name="直線コネクタ 7"/>
+          <p:cNvCxnSpPr/>
+          <p:nvPr userDrawn="1"/>
+        </p:nvCxnSpPr>
+        <p:spPr>
+          <a:xfrm>
+            <a:off x="316593" y="907143"/>
+            <a:ext cx="8319408" cy="7257"/>
+          </a:xfrm>
+          <a:prstGeom prst="line">
+            <a:avLst/>
+          </a:prstGeom>
+          <a:ln w="9525" cap="flat" cmpd="sng" algn="ctr">
+            <a:solidFill>
+              <a:schemeClr val="dk1"/>
+            </a:solidFill>
+            <a:prstDash val="dash"/>
+            <a:round/>
+            <a:headEnd type="none" w="med" len="med"/>
+            <a:tailEnd type="none" w="med" len="med"/>
+          </a:ln>
+        </p:spPr>
+        <p:style>
+          <a:lnRef idx="0">
+            <a:scrgbClr r="0" g="0" b="0"/>
+          </a:lnRef>
+          <a:fillRef idx="0">
+            <a:scrgbClr r="0" g="0" b="0"/>
+          </a:fillRef>
+          <a:effectRef idx="0">
+            <a:scrgbClr r="0" g="0" b="0"/>
+          </a:effectRef>
+          <a:fontRef idx="minor">
+            <a:schemeClr val="tx1"/>
+          </a:fontRef>
+        </p:style>
+      </p:cxnSp>
+      <p:sp>
+        <p:nvSpPr>
+          <p:cNvPr id="10" name="正方形/長方形 9"/>
+          <p:cNvSpPr/>
+          <p:nvPr userDrawn="1"/>
+        </p:nvSpPr>
+        <p:spPr>
+          <a:xfrm>
+            <a:off x="0" y="6470015"/>
+            <a:ext cx="9144000" cy="45719"/>
+          </a:xfrm>
+          <a:prstGeom prst="rect">
+            <a:avLst/>
+          </a:prstGeom>
+          <a:gradFill flip="none" rotWithShape="1">
+            <a:gsLst>
+              <a:gs pos="0">
+                <a:srgbClr val="6666FF"/>
+              </a:gs>
+              <a:gs pos="48000">
+                <a:schemeClr val="accent5">
+                  <a:lumMod val="97000"/>
+                  <a:lumOff val="3000"/>
+                </a:schemeClr>
+              </a:gs>
+              <a:gs pos="100000">
+                <a:schemeClr val="accent5">
+                  <a:lumMod val="60000"/>
+                  <a:lumOff val="40000"/>
+                </a:schemeClr>
+              </a:gs>
+            </a:gsLst>
+            <a:lin ang="16200000" scaled="1"/>
+            <a:tileRect/>
+          </a:gradFill>
+        </p:spPr>
+        <p:style>
+          <a:lnRef idx="2">
+            <a:schemeClr val="accent1">
+              <a:shade val="50000"/>
+            </a:schemeClr>
+          </a:lnRef>
+          <a:fillRef idx="1">
+            <a:schemeClr val="accent1"/>
+          </a:fillRef>
+          <a:effectRef idx="0">
+            <a:schemeClr val="accent1"/>
+          </a:effectRef>
+          <a:fontRef idx="minor">
+            <a:schemeClr val="lt1"/>
+          </a:fontRef>
+        </p:style>
+        <p:txBody>
+          <a:bodyPr rtlCol="0" anchor="ctr"/>
+          <a:lstStyle/>
+          <a:p>
+            <a:pPr algn="ctr"/>
+            <a:endParaRPr kumimoji="1" lang="ja-JP" altLang="en-US"/>
           </a:p>
         </p:txBody>
       </p:sp>
@@ -1380,6 +1487,13 @@
   <p:clrMapOvr>
     <a:masterClrMapping/>
   </p:clrMapOvr>
+  <p:timing>
+    <p:tnLst>
+      <p:par>
+        <p:cTn id="1" dur="indefinite" restart="never" nodeType="tmRoot"/>
+      </p:par>
+    </p:tnLst>
+  </p:timing>
 </p:sldLayout>
 </file>
 
@@ -1624,6 +1738,13 @@
   <p:clrMapOvr>
     <a:masterClrMapping/>
   </p:clrMapOvr>
+  <p:timing>
+    <p:tnLst>
+      <p:par>
+        <p:cTn id="1" dur="indefinite" restart="never" nodeType="tmRoot"/>
+      </p:par>
+    </p:tnLst>
+  </p:timing>
 </p:sldLayout>
 </file>
 
@@ -1920,6 +2041,13 @@
   <p:clrMapOvr>
     <a:masterClrMapping/>
   </p:clrMapOvr>
+  <p:timing>
+    <p:tnLst>
+      <p:par>
+        <p:cTn id="1" dur="indefinite" restart="never" nodeType="tmRoot"/>
+      </p:par>
+    </p:tnLst>
+  </p:timing>
 </p:sldLayout>
 </file>
 
@@ -3372,7 +3500,7 @@
         </p:nvSpPr>
         <p:spPr>
           <a:xfrm>
-            <a:off x="6457950" y="6356351"/>
+            <a:off x="6941457" y="6507617"/>
             <a:ext cx="2057400" cy="365125"/>
           </a:xfrm>
           <a:prstGeom prst="rect">
@@ -3383,7 +3511,7 @@
           <a:bodyPr vert="horz" lIns="91440" tIns="45720" rIns="91440" bIns="45720" rtlCol="0" anchor="ctr"/>
           <a:lstStyle>
             <a:lvl1pPr algn="r">
-              <a:defRPr sz="1200">
+              <a:defRPr sz="1600" b="1">
                 <a:solidFill>
                   <a:schemeClr val="tx1">
                     <a:tint val="75000"/>
@@ -3394,10 +3522,11 @@
           </a:lstStyle>
           <a:p>
             <a:fld id="{879872E2-8930-43A6-82EA-52DD58EFA9F7}" type="slidenum">
-              <a:rPr kumimoji="1" lang="ja-JP" altLang="en-US" smtClean="0"/>
+              <a:rPr lang="ja-JP" altLang="en-US" smtClean="0"/>
+              <a:pPr/>
               <a:t>‹#›</a:t>
             </a:fld>
-            <a:endParaRPr kumimoji="1" lang="ja-JP" altLang="en-US"/>
+            <a:endParaRPr lang="ja-JP" altLang="en-US" dirty="0"/>
           </a:p>
         </p:txBody>
       </p:sp>
@@ -3422,6 +3551,13 @@
     <p:sldLayoutId id="2147483670" r:id="rId10"/>
     <p:sldLayoutId id="2147483671" r:id="rId11"/>
   </p:sldLayoutIdLst>
+  <p:timing>
+    <p:tnLst>
+      <p:par>
+        <p:cTn id="1" dur="indefinite" restart="never" nodeType="tmRoot"/>
+      </p:par>
+    </p:tnLst>
+  </p:timing>
   <p:hf hdr="0" ftr="0" dt="0"/>
   <p:txStyles>
     <p:titleStyle>
@@ -4194,8 +4330,8 @@
         </p:nvSpPr>
         <p:spPr>
           <a:xfrm>
-            <a:off x="396772" y="2687646"/>
-            <a:ext cx="8319408" cy="1325563"/>
+            <a:off x="3150015" y="2676492"/>
+            <a:ext cx="7886700" cy="1325563"/>
           </a:xfrm>
         </p:spPr>
         <p:txBody>
@@ -4203,10 +4339,10 @@
           <a:lstStyle/>
           <a:p>
             <a:r>
-              <a:rPr lang="ja-JP" altLang="en-US" dirty="0" smtClean="0"/>
+              <a:rPr lang="ja-JP" altLang="en-US" b="1" dirty="0"/>
               <a:t>モデリング</a:t>
             </a:r>
-            <a:endParaRPr kumimoji="1" lang="ja-JP" altLang="en-US" dirty="0"/>
+            <a:endParaRPr kumimoji="1" lang="ja-JP" altLang="en-US" b="1" dirty="0"/>
           </a:p>
         </p:txBody>
       </p:sp>
@@ -4237,7 +4373,7 @@
     </p:spTree>
     <p:extLst>
       <p:ext uri="{BB962C8B-B14F-4D97-AF65-F5344CB8AC3E}">
-        <p14:creationId xmlns:p14="http://schemas.microsoft.com/office/powerpoint/2010/main" val="245135739"/>
+        <p14:creationId xmlns:p14="http://schemas.microsoft.com/office/powerpoint/2010/main" val="3692091833"/>
       </p:ext>
     </p:extLst>
   </p:cSld>
@@ -6887,7 +7023,7 @@
         </p:nvSpPr>
         <p:spPr>
           <a:xfrm>
-            <a:off x="548183" y="2749881"/>
+            <a:off x="2146406" y="2795438"/>
             <a:ext cx="7886700" cy="1325563"/>
           </a:xfrm>
         </p:spPr>
@@ -6895,12 +7031,11 @@
           <a:bodyPr/>
           <a:lstStyle/>
           <a:p>
-            <a:pPr algn="ctr"/>
-            <a:r>
-              <a:rPr kumimoji="1" lang="ja-JP" altLang="en-US" dirty="0" smtClean="0"/>
+            <a:r>
+              <a:rPr lang="ja-JP" altLang="en-US" b="1" dirty="0" smtClean="0"/>
               <a:t>パラメータの測定</a:t>
             </a:r>
-            <a:endParaRPr kumimoji="1" lang="ja-JP" altLang="en-US" dirty="0"/>
+            <a:endParaRPr kumimoji="1" lang="ja-JP" altLang="en-US" b="1" dirty="0"/>
           </a:p>
         </p:txBody>
       </p:sp>
@@ -6920,17 +7055,18 @@
           <a:lstStyle/>
           <a:p>
             <a:fld id="{879872E2-8930-43A6-82EA-52DD58EFA9F7}" type="slidenum">
-              <a:rPr kumimoji="1" lang="ja-JP" altLang="en-US" smtClean="0"/>
+              <a:rPr lang="ja-JP" altLang="en-US" smtClean="0"/>
+              <a:pPr/>
               <a:t>21</a:t>
             </a:fld>
-            <a:endParaRPr kumimoji="1" lang="ja-JP" altLang="en-US"/>
+            <a:endParaRPr lang="ja-JP" altLang="en-US" dirty="0"/>
           </a:p>
         </p:txBody>
       </p:sp>
     </p:spTree>
     <p:extLst>
       <p:ext uri="{BB962C8B-B14F-4D97-AF65-F5344CB8AC3E}">
-        <p14:creationId xmlns:p14="http://schemas.microsoft.com/office/powerpoint/2010/main" val="828457721"/>
+        <p14:creationId xmlns:p14="http://schemas.microsoft.com/office/powerpoint/2010/main" val="3205879362"/>
       </p:ext>
     </p:extLst>
   </p:cSld>
@@ -9928,8 +10064,8 @@
         </p:nvSpPr>
         <p:spPr>
           <a:xfrm>
-            <a:off x="396772" y="2687646"/>
-            <a:ext cx="8319408" cy="1325563"/>
+            <a:off x="3298698" y="2691360"/>
+            <a:ext cx="7886700" cy="1325563"/>
           </a:xfrm>
         </p:spPr>
         <p:txBody>
@@ -9937,10 +10073,10 @@
           <a:lstStyle/>
           <a:p>
             <a:r>
-              <a:rPr kumimoji="1" lang="ja-JP" altLang="en-US" dirty="0" smtClean="0"/>
+              <a:rPr kumimoji="1" lang="ja-JP" altLang="en-US" b="1" dirty="0" smtClean="0"/>
               <a:t>制御対象</a:t>
             </a:r>
-            <a:endParaRPr kumimoji="1" lang="ja-JP" altLang="en-US" dirty="0"/>
+            <a:endParaRPr kumimoji="1" lang="ja-JP" altLang="en-US" b="1" dirty="0"/>
           </a:p>
         </p:txBody>
       </p:sp>
@@ -11298,8 +11434,8 @@
         </p:nvSpPr>
         <p:spPr>
           <a:xfrm>
-            <a:off x="396772" y="2687646"/>
-            <a:ext cx="8319408" cy="1325563"/>
+            <a:off x="3298698" y="2691360"/>
+            <a:ext cx="7886700" cy="1325563"/>
           </a:xfrm>
         </p:spPr>
         <p:txBody>
@@ -11307,10 +11443,14 @@
           <a:lstStyle/>
           <a:p>
             <a:r>
-              <a:rPr lang="ja-JP" altLang="en-US" dirty="0" smtClean="0"/>
-              <a:t>実験目的</a:t>
-            </a:r>
-            <a:endParaRPr kumimoji="1" lang="ja-JP" altLang="en-US" dirty="0"/>
+              <a:rPr lang="ja-JP" altLang="en-US" b="1" dirty="0" smtClean="0"/>
+              <a:t>実験</a:t>
+            </a:r>
+            <a:r>
+              <a:rPr lang="ja-JP" altLang="en-US" b="1" dirty="0"/>
+              <a:t>目的</a:t>
+            </a:r>
+            <a:endParaRPr kumimoji="1" lang="ja-JP" altLang="en-US" b="1" dirty="0"/>
           </a:p>
         </p:txBody>
       </p:sp>
@@ -11341,7 +11481,7 @@
     </p:spTree>
     <p:extLst>
       <p:ext uri="{BB962C8B-B14F-4D97-AF65-F5344CB8AC3E}">
-        <p14:creationId xmlns:p14="http://schemas.microsoft.com/office/powerpoint/2010/main" val="2142484242"/>
+        <p14:creationId xmlns:p14="http://schemas.microsoft.com/office/powerpoint/2010/main" val="1227481700"/>
       </p:ext>
     </p:extLst>
   </p:cSld>
@@ -11537,8 +11677,8 @@
         </p:nvSpPr>
         <p:spPr>
           <a:xfrm>
-            <a:off x="396772" y="2687646"/>
-            <a:ext cx="8319408" cy="1325563"/>
+            <a:off x="3298698" y="2691360"/>
+            <a:ext cx="7886700" cy="1325563"/>
           </a:xfrm>
         </p:spPr>
         <p:txBody>
@@ -11546,10 +11686,14 @@
           <a:lstStyle/>
           <a:p>
             <a:r>
-              <a:rPr kumimoji="1" lang="ja-JP" altLang="en-US" dirty="0" smtClean="0"/>
-              <a:t>制御目的</a:t>
-            </a:r>
-            <a:endParaRPr kumimoji="1" lang="ja-JP" altLang="en-US" dirty="0"/>
+              <a:rPr lang="ja-JP" altLang="en-US" b="1" dirty="0"/>
+              <a:t>制御</a:t>
+            </a:r>
+            <a:r>
+              <a:rPr lang="ja-JP" altLang="en-US" b="1" dirty="0" smtClean="0"/>
+              <a:t>目的</a:t>
+            </a:r>
+            <a:endParaRPr kumimoji="1" lang="ja-JP" altLang="en-US" b="1" dirty="0"/>
           </a:p>
         </p:txBody>
       </p:sp>
@@ -11580,7 +11724,7 @@
     </p:spTree>
     <p:extLst>
       <p:ext uri="{BB962C8B-B14F-4D97-AF65-F5344CB8AC3E}">
-        <p14:creationId xmlns:p14="http://schemas.microsoft.com/office/powerpoint/2010/main" val="3069221593"/>
+        <p14:creationId xmlns:p14="http://schemas.microsoft.com/office/powerpoint/2010/main" val="1223369968"/>
       </p:ext>
     </p:extLst>
   </p:cSld>

--- a/presentation/pendulum_theory.pptx
+++ b/presentation/pendulum_theory.pptx
@@ -5,7 +5,7 @@
     <p:sldMasterId id="2147483660" r:id="rId1"/>
   </p:sldMasterIdLst>
   <p:notesMasterIdLst>
-    <p:notesMasterId r:id="rId34"/>
+    <p:notesMasterId r:id="rId47"/>
   </p:notesMasterIdLst>
   <p:sldIdLst>
     <p:sldId id="256" r:id="rId2"/>
@@ -40,6 +40,19 @@
     <p:sldId id="267" r:id="rId31"/>
     <p:sldId id="268" r:id="rId32"/>
     <p:sldId id="269" r:id="rId33"/>
+    <p:sldId id="295" r:id="rId34"/>
+    <p:sldId id="296" r:id="rId35"/>
+    <p:sldId id="297" r:id="rId36"/>
+    <p:sldId id="298" r:id="rId37"/>
+    <p:sldId id="299" r:id="rId38"/>
+    <p:sldId id="300" r:id="rId39"/>
+    <p:sldId id="301" r:id="rId40"/>
+    <p:sldId id="302" r:id="rId41"/>
+    <p:sldId id="303" r:id="rId42"/>
+    <p:sldId id="304" r:id="rId43"/>
+    <p:sldId id="305" r:id="rId44"/>
+    <p:sldId id="306" r:id="rId45"/>
+    <p:sldId id="307" r:id="rId46"/>
   </p:sldIdLst>
   <p:sldSz cx="9144000" cy="6858000" type="screen4x3"/>
   <p:notesSz cx="6858000" cy="9144000"/>
@@ -11138,6 +11151,3487 @@
 </p:sld>
 </file>
 
+<file path=ppt/slides/slide33.xml><?xml version="1.0" encoding="utf-8"?>
+<p:sld xmlns:a="http://schemas.openxmlformats.org/drawingml/2006/main" xmlns:r="http://schemas.openxmlformats.org/officeDocument/2006/relationships" xmlns:p="http://schemas.openxmlformats.org/presentationml/2006/main">
+  <p:cSld>
+    <p:spTree>
+      <p:nvGrpSpPr>
+        <p:cNvPr id="1" name=""/>
+        <p:cNvGrpSpPr/>
+        <p:nvPr/>
+      </p:nvGrpSpPr>
+      <p:grpSpPr>
+        <a:xfrm>
+          <a:off x="0" y="0"/>
+          <a:ext cx="0" cy="0"/>
+          <a:chOff x="0" y="0"/>
+          <a:chExt cx="0" cy="0"/>
+        </a:xfrm>
+      </p:grpSpPr>
+      <p:sp>
+        <p:nvSpPr>
+          <p:cNvPr id="2" name="タイトル 1"/>
+          <p:cNvSpPr>
+            <a:spLocks noGrp="1"/>
+          </p:cNvSpPr>
+          <p:nvPr>
+            <p:ph type="ctrTitle"/>
+          </p:nvPr>
+        </p:nvSpPr>
+        <p:spPr/>
+        <p:txBody>
+          <a:bodyPr>
+            <a:normAutofit fontScale="90000"/>
+          </a:bodyPr>
+          <a:lstStyle/>
+          <a:p>
+            <a:r>
+              <a:rPr kumimoji="1" lang="ja-JP" altLang="en-US" dirty="0" smtClean="0"/>
+              <a:t>倒立振子の安定化制御</a:t>
+            </a:r>
+            <a:r>
+              <a:rPr kumimoji="1" lang="en-US" altLang="ja-JP" dirty="0" smtClean="0"/>
+              <a:t/>
+            </a:r>
+            <a:br>
+              <a:rPr kumimoji="1" lang="en-US" altLang="ja-JP" dirty="0" smtClean="0"/>
+            </a:br>
+            <a:r>
+              <a:rPr lang="en-US" altLang="ja-JP" dirty="0" smtClean="0"/>
+              <a:t>(</a:t>
+            </a:r>
+            <a:r>
+              <a:rPr lang="ja-JP" altLang="en-US" dirty="0" smtClean="0"/>
+              <a:t>理論</a:t>
+            </a:r>
+            <a:r>
+              <a:rPr lang="en-US" altLang="ja-JP" dirty="0" smtClean="0"/>
+              <a:t>)</a:t>
+            </a:r>
+            <a:endParaRPr kumimoji="1" lang="ja-JP" altLang="en-US" dirty="0"/>
+          </a:p>
+        </p:txBody>
+      </p:sp>
+      <p:sp>
+        <p:nvSpPr>
+          <p:cNvPr id="3" name="サブタイトル 2"/>
+          <p:cNvSpPr>
+            <a:spLocks noGrp="1"/>
+          </p:cNvSpPr>
+          <p:nvPr>
+            <p:ph type="subTitle" idx="1"/>
+          </p:nvPr>
+        </p:nvSpPr>
+        <p:spPr/>
+        <p:txBody>
+          <a:bodyPr/>
+          <a:lstStyle/>
+          <a:p>
+            <a:r>
+              <a:rPr kumimoji="1" lang="ja-JP" altLang="en-US" dirty="0" smtClean="0"/>
+              <a:t>古賀研究室</a:t>
+            </a:r>
+            <a:endParaRPr kumimoji="1" lang="en-US" altLang="ja-JP" dirty="0" smtClean="0"/>
+          </a:p>
+          <a:p>
+            <a:r>
+              <a:rPr lang="ja-JP" altLang="en-US" dirty="0" smtClean="0"/>
+              <a:t>瀧川</a:t>
+            </a:r>
+            <a:r>
+              <a:rPr lang="ja-JP" altLang="en-US" dirty="0"/>
+              <a:t>文哉</a:t>
+            </a:r>
+            <a:endParaRPr kumimoji="1" lang="ja-JP" altLang="en-US" dirty="0"/>
+          </a:p>
+        </p:txBody>
+      </p:sp>
+    </p:spTree>
+    <p:extLst>
+      <p:ext uri="{BB962C8B-B14F-4D97-AF65-F5344CB8AC3E}">
+        <p14:creationId xmlns:p14="http://schemas.microsoft.com/office/powerpoint/2010/main" val="3674766700"/>
+      </p:ext>
+    </p:extLst>
+  </p:cSld>
+  <p:clrMapOvr>
+    <a:masterClrMapping/>
+  </p:clrMapOvr>
+  <p:timing>
+    <p:tnLst>
+      <p:par>
+        <p:cTn id="1" dur="indefinite" restart="never" nodeType="tmRoot"/>
+      </p:par>
+    </p:tnLst>
+  </p:timing>
+</p:sld>
+</file>
+
+<file path=ppt/slides/slide34.xml><?xml version="1.0" encoding="utf-8"?>
+<p:sld xmlns:a="http://schemas.openxmlformats.org/drawingml/2006/main" xmlns:r="http://schemas.openxmlformats.org/officeDocument/2006/relationships" xmlns:p="http://schemas.openxmlformats.org/presentationml/2006/main">
+  <p:cSld>
+    <p:spTree>
+      <p:nvGrpSpPr>
+        <p:cNvPr id="1" name=""/>
+        <p:cNvGrpSpPr/>
+        <p:nvPr/>
+      </p:nvGrpSpPr>
+      <p:grpSpPr>
+        <a:xfrm>
+          <a:off x="0" y="0"/>
+          <a:ext cx="0" cy="0"/>
+          <a:chOff x="0" y="0"/>
+          <a:chExt cx="0" cy="0"/>
+        </a:xfrm>
+      </p:grpSpPr>
+      <p:sp>
+        <p:nvSpPr>
+          <p:cNvPr id="2" name="タイトル 1"/>
+          <p:cNvSpPr>
+            <a:spLocks noGrp="1"/>
+          </p:cNvSpPr>
+          <p:nvPr>
+            <p:ph type="title"/>
+          </p:nvPr>
+        </p:nvSpPr>
+        <p:spPr/>
+        <p:txBody>
+          <a:bodyPr/>
+          <a:lstStyle/>
+          <a:p>
+            <a:r>
+              <a:rPr kumimoji="1" lang="ja-JP" altLang="en-US" dirty="0" smtClean="0"/>
+              <a:t>目次</a:t>
+            </a:r>
+            <a:endParaRPr kumimoji="1" lang="ja-JP" altLang="en-US" dirty="0"/>
+          </a:p>
+        </p:txBody>
+      </p:sp>
+      <p:sp>
+        <p:nvSpPr>
+          <p:cNvPr id="3" name="コンテンツ プレースホルダー 2"/>
+          <p:cNvSpPr>
+            <a:spLocks noGrp="1"/>
+          </p:cNvSpPr>
+          <p:nvPr>
+            <p:ph idx="1"/>
+          </p:nvPr>
+        </p:nvSpPr>
+        <p:spPr/>
+        <p:txBody>
+          <a:bodyPr>
+            <a:normAutofit/>
+          </a:bodyPr>
+          <a:lstStyle/>
+          <a:p>
+            <a:r>
+              <a:rPr lang="ja-JP" altLang="en-US" dirty="0"/>
+              <a:t>特性</a:t>
+            </a:r>
+            <a:r>
+              <a:rPr kumimoji="1" lang="ja-JP" altLang="en-US" dirty="0" smtClean="0"/>
+              <a:t>解析</a:t>
+            </a:r>
+            <a:endParaRPr kumimoji="1" lang="en-US" altLang="ja-JP" dirty="0" smtClean="0"/>
+          </a:p>
+          <a:p>
+            <a:pPr lvl="1"/>
+            <a:r>
+              <a:rPr lang="ja-JP" altLang="en-US" dirty="0" smtClean="0"/>
+              <a:t>安定性</a:t>
+            </a:r>
+            <a:endParaRPr lang="en-US" altLang="ja-JP" dirty="0" smtClean="0"/>
+          </a:p>
+          <a:p>
+            <a:pPr lvl="1"/>
+            <a:r>
+              <a:rPr kumimoji="1" lang="ja-JP" altLang="en-US" dirty="0" smtClean="0"/>
+              <a:t>可制御性</a:t>
+            </a:r>
+            <a:endParaRPr kumimoji="1" lang="en-US" altLang="ja-JP" dirty="0" smtClean="0"/>
+          </a:p>
+          <a:p>
+            <a:pPr lvl="1"/>
+            <a:r>
+              <a:rPr lang="ja-JP" altLang="en-US" dirty="0" smtClean="0"/>
+              <a:t>可観測性</a:t>
+            </a:r>
+            <a:endParaRPr lang="en-US" altLang="ja-JP" dirty="0" smtClean="0"/>
+          </a:p>
+          <a:p>
+            <a:r>
+              <a:rPr lang="ja-JP" altLang="en-US" dirty="0" smtClean="0"/>
+              <a:t>制御</a:t>
+            </a:r>
+            <a:r>
+              <a:rPr lang="ja-JP" altLang="en-US" dirty="0"/>
+              <a:t>システム</a:t>
+            </a:r>
+            <a:r>
+              <a:rPr lang="ja-JP" altLang="en-US" dirty="0" smtClean="0"/>
+              <a:t>の構成</a:t>
+            </a:r>
+            <a:endParaRPr lang="en-US" altLang="ja-JP" dirty="0"/>
+          </a:p>
+          <a:p>
+            <a:r>
+              <a:rPr lang="ja-JP" altLang="en-US" dirty="0" smtClean="0"/>
+              <a:t>フィードバックゲインの設計</a:t>
+            </a:r>
+            <a:endParaRPr lang="en-US" altLang="ja-JP" dirty="0" smtClean="0"/>
+          </a:p>
+          <a:p>
+            <a:r>
+              <a:rPr lang="ja-JP" altLang="en-US" dirty="0" smtClean="0"/>
+              <a:t>最小次元オブザーバ</a:t>
+            </a:r>
+            <a:endParaRPr lang="en-US" altLang="ja-JP" dirty="0" smtClean="0"/>
+          </a:p>
+          <a:p>
+            <a:r>
+              <a:rPr lang="ja-JP" altLang="en-US" dirty="0" smtClean="0"/>
+              <a:t>コントローラの離散化</a:t>
+            </a:r>
+            <a:endParaRPr lang="en-US" altLang="ja-JP" dirty="0" smtClean="0"/>
+          </a:p>
+          <a:p>
+            <a:r>
+              <a:rPr kumimoji="1" lang="ja-JP" altLang="en-US" dirty="0" smtClean="0"/>
+              <a:t>振り上げ</a:t>
+            </a:r>
+            <a:r>
+              <a:rPr kumimoji="1" lang="ja-JP" altLang="en-US" dirty="0"/>
+              <a:t>制御</a:t>
+            </a:r>
+            <a:endParaRPr kumimoji="1" lang="en-US" altLang="ja-JP" dirty="0" smtClean="0"/>
+          </a:p>
+        </p:txBody>
+      </p:sp>
+    </p:spTree>
+    <p:extLst>
+      <p:ext uri="{BB962C8B-B14F-4D97-AF65-F5344CB8AC3E}">
+        <p14:creationId xmlns:p14="http://schemas.microsoft.com/office/powerpoint/2010/main" val="2605513489"/>
+      </p:ext>
+    </p:extLst>
+  </p:cSld>
+  <p:clrMapOvr>
+    <a:masterClrMapping/>
+  </p:clrMapOvr>
+  <p:timing>
+    <p:tnLst>
+      <p:par>
+        <p:cTn id="1" dur="indefinite" restart="never" nodeType="tmRoot"/>
+      </p:par>
+    </p:tnLst>
+  </p:timing>
+</p:sld>
+</file>
+
+<file path=ppt/slides/slide35.xml><?xml version="1.0" encoding="utf-8"?>
+<p:sld xmlns:a="http://schemas.openxmlformats.org/drawingml/2006/main" xmlns:r="http://schemas.openxmlformats.org/officeDocument/2006/relationships" xmlns:p="http://schemas.openxmlformats.org/presentationml/2006/main">
+  <p:cSld>
+    <p:spTree>
+      <p:nvGrpSpPr>
+        <p:cNvPr id="1" name=""/>
+        <p:cNvGrpSpPr/>
+        <p:nvPr/>
+      </p:nvGrpSpPr>
+      <p:grpSpPr>
+        <a:xfrm>
+          <a:off x="0" y="0"/>
+          <a:ext cx="0" cy="0"/>
+          <a:chOff x="0" y="0"/>
+          <a:chExt cx="0" cy="0"/>
+        </a:xfrm>
+      </p:grpSpPr>
+      <p:sp>
+        <p:nvSpPr>
+          <p:cNvPr id="2" name="タイトル 1"/>
+          <p:cNvSpPr>
+            <a:spLocks noGrp="1"/>
+          </p:cNvSpPr>
+          <p:nvPr>
+            <p:ph type="title"/>
+          </p:nvPr>
+        </p:nvSpPr>
+        <p:spPr/>
+        <p:txBody>
+          <a:bodyPr/>
+          <a:lstStyle/>
+          <a:p>
+            <a:r>
+              <a:rPr kumimoji="1" lang="ja-JP" altLang="en-US" dirty="0" smtClean="0"/>
+              <a:t>特性解析</a:t>
+            </a:r>
+            <a:endParaRPr kumimoji="1" lang="ja-JP" altLang="en-US" dirty="0"/>
+          </a:p>
+        </p:txBody>
+      </p:sp>
+      <mc:AlternateContent xmlns:mc="http://schemas.openxmlformats.org/markup-compatibility/2006" xmlns:a14="http://schemas.microsoft.com/office/drawing/2010/main">
+        <mc:Choice Requires="a14">
+          <p:sp>
+            <p:nvSpPr>
+              <p:cNvPr id="3" name="コンテンツ プレースホルダー 2"/>
+              <p:cNvSpPr>
+                <a:spLocks noGrp="1"/>
+              </p:cNvSpPr>
+              <p:nvPr>
+                <p:ph idx="1"/>
+              </p:nvPr>
+            </p:nvSpPr>
+            <p:spPr/>
+            <p:txBody>
+              <a:bodyPr>
+                <a:normAutofit/>
+              </a:bodyPr>
+              <a:lstStyle/>
+              <a:p>
+                <a:pPr marL="0" indent="0">
+                  <a:buNone/>
+                </a:pPr>
+                <a:r>
+                  <a:rPr kumimoji="1" lang="ja-JP" altLang="en-US" dirty="0" smtClean="0"/>
+                  <a:t>状態方程式</a:t>
+                </a:r>
+                <a:endParaRPr kumimoji="1" lang="en-US" altLang="ja-JP" dirty="0" smtClean="0"/>
+              </a:p>
+              <a:p>
+                <a:pPr marL="0" indent="0">
+                  <a:buNone/>
+                </a:pPr>
+                <a:endParaRPr lang="en-US" altLang="ja-JP" dirty="0"/>
+              </a:p>
+              <a:p>
+                <a:pPr marL="0" indent="0">
+                  <a:buNone/>
+                </a:pPr>
+                <a:r>
+                  <a:rPr lang="ja-JP" altLang="en-US" dirty="0" smtClean="0"/>
+                  <a:t>観測方程式</a:t>
+                </a:r>
+                <a:endParaRPr lang="en-US" altLang="ja-JP" dirty="0" smtClean="0"/>
+              </a:p>
+              <a:p>
+                <a:pPr marL="0" indent="0">
+                  <a:buNone/>
+                </a:pPr>
+                <a:endParaRPr kumimoji="1" lang="en-US" altLang="ja-JP" dirty="0"/>
+              </a:p>
+              <a:p>
+                <a:pPr marL="0" indent="0">
+                  <a:buNone/>
+                </a:pPr>
+                <a:endParaRPr kumimoji="1" lang="en-US" altLang="ja-JP" dirty="0"/>
+              </a:p>
+              <a:p>
+                <a:pPr marL="0" indent="0">
+                  <a:buNone/>
+                </a:pPr>
+                <a14:m>
+                  <m:oMath xmlns:m="http://schemas.openxmlformats.org/officeDocument/2006/math">
+                    <m:r>
+                      <a:rPr lang="en-US" altLang="ja-JP" b="0" i="1" smtClean="0">
+                        <a:latin typeface="Cambria Math" panose="02040503050406030204" pitchFamily="18" charset="0"/>
+                      </a:rPr>
+                      <m:t>𝐴</m:t>
+                    </m:r>
+                    <m:r>
+                      <a:rPr lang="en-US" altLang="ja-JP" b="0" i="1" smtClean="0">
+                        <a:latin typeface="Cambria Math" panose="02040503050406030204" pitchFamily="18" charset="0"/>
+                      </a:rPr>
+                      <m:t>,</m:t>
+                    </m:r>
+                    <m:r>
+                      <a:rPr lang="en-US" altLang="ja-JP" b="0" i="1" smtClean="0">
+                        <a:latin typeface="Cambria Math" panose="02040503050406030204" pitchFamily="18" charset="0"/>
+                      </a:rPr>
+                      <m:t>𝐵</m:t>
+                    </m:r>
+                    <m:r>
+                      <a:rPr lang="en-US" altLang="ja-JP" b="0" i="1" smtClean="0">
+                        <a:latin typeface="Cambria Math" panose="02040503050406030204" pitchFamily="18" charset="0"/>
+                      </a:rPr>
+                      <m:t>,</m:t>
+                    </m:r>
+                    <m:r>
+                      <a:rPr lang="en-US" altLang="ja-JP" b="0" i="1" smtClean="0">
+                        <a:latin typeface="Cambria Math" panose="02040503050406030204" pitchFamily="18" charset="0"/>
+                      </a:rPr>
+                      <m:t>𝐶</m:t>
+                    </m:r>
+                  </m:oMath>
+                </a14:m>
+                <a:r>
+                  <a:rPr lang="ja-JP" altLang="en-US" dirty="0" smtClean="0"/>
+                  <a:t>の計算</a:t>
+                </a:r>
+                <a:r>
+                  <a:rPr lang="en-US" altLang="ja-JP" dirty="0" smtClean="0"/>
+                  <a:t> </a:t>
+                </a:r>
+              </a:p>
+            </p:txBody>
+          </p:sp>
+        </mc:Choice>
+        <mc:Fallback xmlns="">
+          <p:sp>
+            <p:nvSpPr>
+              <p:cNvPr id="3" name="コンテンツ プレースホルダー 2"/>
+              <p:cNvSpPr>
+                <a:spLocks noGrp="1" noRot="1" noChangeAspect="1" noMove="1" noResize="1" noEditPoints="1" noAdjustHandles="1" noChangeArrowheads="1" noChangeShapeType="1" noTextEdit="1"/>
+              </p:cNvSpPr>
+              <p:nvPr>
+                <p:ph idx="1"/>
+              </p:nvPr>
+            </p:nvSpPr>
+            <p:spPr>
+              <a:blipFill rotWithShape="0">
+                <a:blip r:embed="rId2"/>
+                <a:stretch>
+                  <a:fillRect l="-1546" t="-2661"/>
+                </a:stretch>
+              </a:blipFill>
+            </p:spPr>
+            <p:txBody>
+              <a:bodyPr/>
+              <a:lstStyle/>
+              <a:p>
+                <a:r>
+                  <a:rPr lang="ja-JP" altLang="en-US">
+                    <a:noFill/>
+                  </a:rPr>
+                  <a:t> </a:t>
+                </a:r>
+              </a:p>
+            </p:txBody>
+          </p:sp>
+        </mc:Fallback>
+      </mc:AlternateContent>
+      <p:pic>
+        <p:nvPicPr>
+          <p:cNvPr id="4" name="図 3"/>
+          <p:cNvPicPr>
+            <a:picLocks noChangeAspect="1"/>
+          </p:cNvPicPr>
+          <p:nvPr/>
+        </p:nvPicPr>
+        <p:blipFill>
+          <a:blip r:embed="rId3">
+            <a:extLst>
+              <a:ext uri="{28A0092B-C50C-407E-A947-70E740481C1C}">
+                <a14:useLocalDpi xmlns:a14="http://schemas.microsoft.com/office/drawing/2010/main" val="0"/>
+              </a:ext>
+            </a:extLst>
+          </a:blip>
+          <a:stretch>
+            <a:fillRect/>
+          </a:stretch>
+        </p:blipFill>
+        <p:spPr>
+          <a:xfrm>
+            <a:off x="3075181" y="1862176"/>
+            <a:ext cx="2285714" cy="314286"/>
+          </a:xfrm>
+          <a:prstGeom prst="rect">
+            <a:avLst/>
+          </a:prstGeom>
+        </p:spPr>
+      </p:pic>
+      <p:pic>
+        <p:nvPicPr>
+          <p:cNvPr id="6" name="図 5"/>
+          <p:cNvPicPr>
+            <a:picLocks noChangeAspect="1"/>
+          </p:cNvPicPr>
+          <p:nvPr/>
+        </p:nvPicPr>
+        <p:blipFill>
+          <a:blip r:embed="rId4">
+            <a:extLst>
+              <a:ext uri="{28A0092B-C50C-407E-A947-70E740481C1C}">
+                <a14:useLocalDpi xmlns:a14="http://schemas.microsoft.com/office/drawing/2010/main" val="0"/>
+              </a:ext>
+            </a:extLst>
+          </a:blip>
+          <a:stretch>
+            <a:fillRect/>
+          </a:stretch>
+        </p:blipFill>
+        <p:spPr>
+          <a:xfrm>
+            <a:off x="3324380" y="2809566"/>
+            <a:ext cx="1247619" cy="342857"/>
+          </a:xfrm>
+          <a:prstGeom prst="rect">
+            <a:avLst/>
+          </a:prstGeom>
+        </p:spPr>
+      </p:pic>
+      <p:sp>
+        <p:nvSpPr>
+          <p:cNvPr id="8" name="コンテンツ プレースホルダー 2"/>
+          <p:cNvSpPr txBox="1">
+            <a:spLocks/>
+          </p:cNvSpPr>
+          <p:nvPr/>
+        </p:nvSpPr>
+        <p:spPr>
+          <a:xfrm>
+            <a:off x="4730051" y="3888052"/>
+            <a:ext cx="3958098" cy="1537496"/>
+          </a:xfrm>
+          <a:prstGeom prst="rect">
+            <a:avLst/>
+          </a:prstGeom>
+        </p:spPr>
+        <p:txBody>
+          <a:bodyPr vert="horz" lIns="91440" tIns="45720" rIns="91440" bIns="45720" rtlCol="0">
+            <a:normAutofit/>
+          </a:bodyPr>
+          <a:lstStyle>
+            <a:lvl1pPr marL="228600" indent="-228600" algn="l" defTabSz="914400" rtl="0" eaLnBrk="1" latinLnBrk="0" hangingPunct="1">
+              <a:lnSpc>
+                <a:spcPct val="90000"/>
+              </a:lnSpc>
+              <a:spcBef>
+                <a:spcPts val="1000"/>
+              </a:spcBef>
+              <a:buFont typeface="Arial" panose="020B0604020202020204" pitchFamily="34" charset="0"/>
+              <a:buChar char="•"/>
+              <a:defRPr kumimoji="1" sz="2800" kern="1200">
+                <a:solidFill>
+                  <a:schemeClr val="tx1"/>
+                </a:solidFill>
+                <a:latin typeface="+mn-lt"/>
+                <a:ea typeface="+mn-ea"/>
+                <a:cs typeface="+mn-cs"/>
+              </a:defRPr>
+            </a:lvl1pPr>
+            <a:lvl2pPr marL="685800" indent="-228600" algn="l" defTabSz="914400" rtl="0" eaLnBrk="1" latinLnBrk="0" hangingPunct="1">
+              <a:lnSpc>
+                <a:spcPct val="90000"/>
+              </a:lnSpc>
+              <a:spcBef>
+                <a:spcPts val="500"/>
+              </a:spcBef>
+              <a:buFont typeface="Arial" panose="020B0604020202020204" pitchFamily="34" charset="0"/>
+              <a:buChar char="•"/>
+              <a:defRPr kumimoji="1" sz="2400" kern="1200">
+                <a:solidFill>
+                  <a:schemeClr val="tx1"/>
+                </a:solidFill>
+                <a:latin typeface="+mn-lt"/>
+                <a:ea typeface="+mn-ea"/>
+                <a:cs typeface="+mn-cs"/>
+              </a:defRPr>
+            </a:lvl2pPr>
+            <a:lvl3pPr marL="1143000" indent="-228600" algn="l" defTabSz="914400" rtl="0" eaLnBrk="1" latinLnBrk="0" hangingPunct="1">
+              <a:lnSpc>
+                <a:spcPct val="90000"/>
+              </a:lnSpc>
+              <a:spcBef>
+                <a:spcPts val="500"/>
+              </a:spcBef>
+              <a:buFont typeface="Arial" panose="020B0604020202020204" pitchFamily="34" charset="0"/>
+              <a:buChar char="•"/>
+              <a:defRPr kumimoji="1" sz="2000" kern="1200">
+                <a:solidFill>
+                  <a:schemeClr val="tx1"/>
+                </a:solidFill>
+                <a:latin typeface="+mn-lt"/>
+                <a:ea typeface="+mn-ea"/>
+                <a:cs typeface="+mn-cs"/>
+              </a:defRPr>
+            </a:lvl3pPr>
+            <a:lvl4pPr marL="1600200" indent="-228600" algn="l" defTabSz="914400" rtl="0" eaLnBrk="1" latinLnBrk="0" hangingPunct="1">
+              <a:lnSpc>
+                <a:spcPct val="90000"/>
+              </a:lnSpc>
+              <a:spcBef>
+                <a:spcPts val="500"/>
+              </a:spcBef>
+              <a:buFont typeface="Arial" panose="020B0604020202020204" pitchFamily="34" charset="0"/>
+              <a:buChar char="•"/>
+              <a:defRPr kumimoji="1" sz="1800" kern="1200">
+                <a:solidFill>
+                  <a:schemeClr val="tx1"/>
+                </a:solidFill>
+                <a:latin typeface="+mn-lt"/>
+                <a:ea typeface="+mn-ea"/>
+                <a:cs typeface="+mn-cs"/>
+              </a:defRPr>
+            </a:lvl4pPr>
+            <a:lvl5pPr marL="2057400" indent="-228600" algn="l" defTabSz="914400" rtl="0" eaLnBrk="1" latinLnBrk="0" hangingPunct="1">
+              <a:lnSpc>
+                <a:spcPct val="90000"/>
+              </a:lnSpc>
+              <a:spcBef>
+                <a:spcPts val="500"/>
+              </a:spcBef>
+              <a:buFont typeface="Arial" panose="020B0604020202020204" pitchFamily="34" charset="0"/>
+              <a:buChar char="•"/>
+              <a:defRPr kumimoji="1" sz="1800" kern="1200">
+                <a:solidFill>
+                  <a:schemeClr val="tx1"/>
+                </a:solidFill>
+                <a:latin typeface="+mn-lt"/>
+                <a:ea typeface="+mn-ea"/>
+                <a:cs typeface="+mn-cs"/>
+              </a:defRPr>
+            </a:lvl5pPr>
+            <a:lvl6pPr marL="2514600" indent="-228600" algn="l" defTabSz="914400" rtl="0" eaLnBrk="1" latinLnBrk="0" hangingPunct="1">
+              <a:lnSpc>
+                <a:spcPct val="90000"/>
+              </a:lnSpc>
+              <a:spcBef>
+                <a:spcPts val="500"/>
+              </a:spcBef>
+              <a:buFont typeface="Arial" panose="020B0604020202020204" pitchFamily="34" charset="0"/>
+              <a:buChar char="•"/>
+              <a:defRPr kumimoji="1" sz="1800" kern="1200">
+                <a:solidFill>
+                  <a:schemeClr val="tx1"/>
+                </a:solidFill>
+                <a:latin typeface="+mn-lt"/>
+                <a:ea typeface="+mn-ea"/>
+                <a:cs typeface="+mn-cs"/>
+              </a:defRPr>
+            </a:lvl6pPr>
+            <a:lvl7pPr marL="2971800" indent="-228600" algn="l" defTabSz="914400" rtl="0" eaLnBrk="1" latinLnBrk="0" hangingPunct="1">
+              <a:lnSpc>
+                <a:spcPct val="90000"/>
+              </a:lnSpc>
+              <a:spcBef>
+                <a:spcPts val="500"/>
+              </a:spcBef>
+              <a:buFont typeface="Arial" panose="020B0604020202020204" pitchFamily="34" charset="0"/>
+              <a:buChar char="•"/>
+              <a:defRPr kumimoji="1" sz="1800" kern="1200">
+                <a:solidFill>
+                  <a:schemeClr val="tx1"/>
+                </a:solidFill>
+                <a:latin typeface="+mn-lt"/>
+                <a:ea typeface="+mn-ea"/>
+                <a:cs typeface="+mn-cs"/>
+              </a:defRPr>
+            </a:lvl7pPr>
+            <a:lvl8pPr marL="3429000" indent="-228600" algn="l" defTabSz="914400" rtl="0" eaLnBrk="1" latinLnBrk="0" hangingPunct="1">
+              <a:lnSpc>
+                <a:spcPct val="90000"/>
+              </a:lnSpc>
+              <a:spcBef>
+                <a:spcPts val="500"/>
+              </a:spcBef>
+              <a:buFont typeface="Arial" panose="020B0604020202020204" pitchFamily="34" charset="0"/>
+              <a:buChar char="•"/>
+              <a:defRPr kumimoji="1" sz="1800" kern="1200">
+                <a:solidFill>
+                  <a:schemeClr val="tx1"/>
+                </a:solidFill>
+                <a:latin typeface="+mn-lt"/>
+                <a:ea typeface="+mn-ea"/>
+                <a:cs typeface="+mn-cs"/>
+              </a:defRPr>
+            </a:lvl8pPr>
+            <a:lvl9pPr marL="3886200" indent="-228600" algn="l" defTabSz="914400" rtl="0" eaLnBrk="1" latinLnBrk="0" hangingPunct="1">
+              <a:lnSpc>
+                <a:spcPct val="90000"/>
+              </a:lnSpc>
+              <a:spcBef>
+                <a:spcPts val="500"/>
+              </a:spcBef>
+              <a:buFont typeface="Arial" panose="020B0604020202020204" pitchFamily="34" charset="0"/>
+              <a:buChar char="•"/>
+              <a:defRPr kumimoji="1" sz="1800" kern="1200">
+                <a:solidFill>
+                  <a:schemeClr val="tx1"/>
+                </a:solidFill>
+                <a:latin typeface="+mn-lt"/>
+                <a:ea typeface="+mn-ea"/>
+                <a:cs typeface="+mn-cs"/>
+              </a:defRPr>
+            </a:lvl9pPr>
+          </a:lstStyle>
+          <a:p>
+            <a:r>
+              <a:rPr lang="ja-JP" altLang="en-US" dirty="0" smtClean="0"/>
+              <a:t>安定性</a:t>
+            </a:r>
+            <a:endParaRPr lang="en-US" altLang="ja-JP" dirty="0" smtClean="0"/>
+          </a:p>
+          <a:p>
+            <a:r>
+              <a:rPr lang="ja-JP" altLang="en-US" dirty="0" smtClean="0"/>
+              <a:t>可制御性　　の解析</a:t>
+            </a:r>
+            <a:endParaRPr lang="en-US" altLang="ja-JP" dirty="0" smtClean="0"/>
+          </a:p>
+          <a:p>
+            <a:r>
+              <a:rPr lang="ja-JP" altLang="en-US" dirty="0" smtClean="0"/>
+              <a:t>可観測性</a:t>
+            </a:r>
+            <a:endParaRPr lang="ja-JP" altLang="en-US" dirty="0"/>
+          </a:p>
+        </p:txBody>
+      </p:sp>
+      <p:sp>
+        <p:nvSpPr>
+          <p:cNvPr id="9" name="右矢印 8"/>
+          <p:cNvSpPr/>
+          <p:nvPr/>
+        </p:nvSpPr>
+        <p:spPr>
+          <a:xfrm>
+            <a:off x="3232498" y="4267712"/>
+            <a:ext cx="1246380" cy="688258"/>
+          </a:xfrm>
+          <a:prstGeom prst="rightArrow">
+            <a:avLst/>
+          </a:prstGeom>
+        </p:spPr>
+        <p:style>
+          <a:lnRef idx="2">
+            <a:schemeClr val="accent1">
+              <a:shade val="50000"/>
+            </a:schemeClr>
+          </a:lnRef>
+          <a:fillRef idx="1">
+            <a:schemeClr val="accent1"/>
+          </a:fillRef>
+          <a:effectRef idx="0">
+            <a:schemeClr val="accent1"/>
+          </a:effectRef>
+          <a:fontRef idx="minor">
+            <a:schemeClr val="lt1"/>
+          </a:fontRef>
+        </p:style>
+        <p:txBody>
+          <a:bodyPr rtlCol="0" anchor="ctr"/>
+          <a:lstStyle/>
+          <a:p>
+            <a:pPr algn="ctr"/>
+            <a:endParaRPr kumimoji="1" lang="ja-JP" altLang="en-US"/>
+          </a:p>
+        </p:txBody>
+      </p:sp>
+    </p:spTree>
+    <p:extLst>
+      <p:ext uri="{BB962C8B-B14F-4D97-AF65-F5344CB8AC3E}">
+        <p14:creationId xmlns:p14="http://schemas.microsoft.com/office/powerpoint/2010/main" val="953639750"/>
+      </p:ext>
+    </p:extLst>
+  </p:cSld>
+  <p:clrMapOvr>
+    <a:masterClrMapping/>
+  </p:clrMapOvr>
+  <p:timing>
+    <p:tnLst>
+      <p:par>
+        <p:cTn id="1" dur="indefinite" restart="never" nodeType="tmRoot"/>
+      </p:par>
+    </p:tnLst>
+  </p:timing>
+</p:sld>
+</file>
+
+<file path=ppt/slides/slide36.xml><?xml version="1.0" encoding="utf-8"?>
+<p:sld xmlns:a="http://schemas.openxmlformats.org/drawingml/2006/main" xmlns:r="http://schemas.openxmlformats.org/officeDocument/2006/relationships" xmlns:p="http://schemas.openxmlformats.org/presentationml/2006/main">
+  <p:cSld>
+    <p:spTree>
+      <p:nvGrpSpPr>
+        <p:cNvPr id="1" name=""/>
+        <p:cNvGrpSpPr/>
+        <p:nvPr/>
+      </p:nvGrpSpPr>
+      <p:grpSpPr>
+        <a:xfrm>
+          <a:off x="0" y="0"/>
+          <a:ext cx="0" cy="0"/>
+          <a:chOff x="0" y="0"/>
+          <a:chExt cx="0" cy="0"/>
+        </a:xfrm>
+      </p:grpSpPr>
+      <p:sp>
+        <p:nvSpPr>
+          <p:cNvPr id="2" name="タイトル 1"/>
+          <p:cNvSpPr>
+            <a:spLocks noGrp="1"/>
+          </p:cNvSpPr>
+          <p:nvPr>
+            <p:ph type="title"/>
+          </p:nvPr>
+        </p:nvSpPr>
+        <p:spPr/>
+        <p:txBody>
+          <a:bodyPr/>
+          <a:lstStyle/>
+          <a:p>
+            <a:r>
+              <a:rPr lang="ja-JP" altLang="en-US" dirty="0"/>
+              <a:t>安定性</a:t>
+            </a:r>
+            <a:endParaRPr kumimoji="1" lang="ja-JP" altLang="en-US" dirty="0"/>
+          </a:p>
+        </p:txBody>
+      </p:sp>
+      <mc:AlternateContent xmlns:mc="http://schemas.openxmlformats.org/markup-compatibility/2006" xmlns:a14="http://schemas.microsoft.com/office/drawing/2010/main">
+        <mc:Choice Requires="a14">
+          <p:sp>
+            <p:nvSpPr>
+              <p:cNvPr id="3" name="コンテンツ プレースホルダー 2"/>
+              <p:cNvSpPr>
+                <a:spLocks noGrp="1"/>
+              </p:cNvSpPr>
+              <p:nvPr>
+                <p:ph idx="1"/>
+              </p:nvPr>
+            </p:nvSpPr>
+            <p:spPr>
+              <a:xfrm>
+                <a:off x="628650" y="1643056"/>
+                <a:ext cx="7886700" cy="976569"/>
+              </a:xfrm>
+            </p:spPr>
+            <p:txBody>
+              <a:bodyPr>
+                <a:normAutofit/>
+              </a:bodyPr>
+              <a:lstStyle/>
+              <a:p>
+                <a:pPr marL="0" indent="0">
+                  <a:buNone/>
+                </a:pPr>
+                <a:r>
+                  <a:rPr kumimoji="1" lang="ja-JP" altLang="en-US" dirty="0" smtClean="0"/>
+                  <a:t>安定</a:t>
+                </a:r>
+                <a:r>
+                  <a:rPr lang="en-US" altLang="ja-JP" dirty="0" smtClean="0"/>
+                  <a:t> </a:t>
+                </a:r>
+                <a14:m>
+                  <m:oMath xmlns:m="http://schemas.openxmlformats.org/officeDocument/2006/math">
+                    <m:r>
+                      <a:rPr lang="en-US" altLang="ja-JP" i="1" smtClean="0">
+                        <a:latin typeface="Cambria Math" panose="02040503050406030204" pitchFamily="18" charset="0"/>
+                        <a:ea typeface="Cambria Math" panose="02040503050406030204" pitchFamily="18" charset="0"/>
+                      </a:rPr>
+                      <m:t>⋯</m:t>
+                    </m:r>
+                  </m:oMath>
+                </a14:m>
+                <a:endParaRPr kumimoji="1" lang="en-US" altLang="ja-JP" dirty="0" smtClean="0"/>
+              </a:p>
+            </p:txBody>
+          </p:sp>
+        </mc:Choice>
+        <mc:Fallback xmlns="">
+          <p:sp>
+            <p:nvSpPr>
+              <p:cNvPr id="3" name="コンテンツ プレースホルダー 2"/>
+              <p:cNvSpPr>
+                <a:spLocks noGrp="1" noRot="1" noChangeAspect="1" noMove="1" noResize="1" noEditPoints="1" noAdjustHandles="1" noChangeArrowheads="1" noChangeShapeType="1" noTextEdit="1"/>
+              </p:cNvSpPr>
+              <p:nvPr>
+                <p:ph idx="1"/>
+              </p:nvPr>
+            </p:nvSpPr>
+            <p:spPr>
+              <a:xfrm>
+                <a:off x="628650" y="1643056"/>
+                <a:ext cx="7886700" cy="976569"/>
+              </a:xfrm>
+              <a:blipFill rotWithShape="0">
+                <a:blip r:embed="rId2"/>
+                <a:stretch>
+                  <a:fillRect l="-1546" t="-12500"/>
+                </a:stretch>
+              </a:blipFill>
+            </p:spPr>
+            <p:txBody>
+              <a:bodyPr/>
+              <a:lstStyle/>
+              <a:p>
+                <a:r>
+                  <a:rPr lang="ja-JP" altLang="en-US">
+                    <a:noFill/>
+                  </a:rPr>
+                  <a:t> </a:t>
+                </a:r>
+              </a:p>
+            </p:txBody>
+          </p:sp>
+        </mc:Fallback>
+      </mc:AlternateContent>
+      <p:sp>
+        <p:nvSpPr>
+          <p:cNvPr id="7" name="コンテンツ プレースホルダー 2"/>
+          <p:cNvSpPr txBox="1">
+            <a:spLocks/>
+          </p:cNvSpPr>
+          <p:nvPr/>
+        </p:nvSpPr>
+        <p:spPr>
+          <a:xfrm>
+            <a:off x="628650" y="3073115"/>
+            <a:ext cx="7886700" cy="3494833"/>
+          </a:xfrm>
+          <a:prstGeom prst="rect">
+            <a:avLst/>
+          </a:prstGeom>
+        </p:spPr>
+        <p:txBody>
+          <a:bodyPr vert="horz" lIns="91440" tIns="45720" rIns="91440" bIns="45720" rtlCol="0">
+            <a:normAutofit/>
+          </a:bodyPr>
+          <a:lstStyle>
+            <a:lvl1pPr marL="228600" indent="-228600" algn="l" defTabSz="914400" rtl="0" eaLnBrk="1" latinLnBrk="0" hangingPunct="1">
+              <a:lnSpc>
+                <a:spcPct val="90000"/>
+              </a:lnSpc>
+              <a:spcBef>
+                <a:spcPts val="1000"/>
+              </a:spcBef>
+              <a:buFont typeface="Arial" panose="020B0604020202020204" pitchFamily="34" charset="0"/>
+              <a:buChar char="•"/>
+              <a:defRPr kumimoji="1" sz="2800" kern="1200">
+                <a:solidFill>
+                  <a:schemeClr val="tx1"/>
+                </a:solidFill>
+                <a:latin typeface="+mn-lt"/>
+                <a:ea typeface="+mn-ea"/>
+                <a:cs typeface="+mn-cs"/>
+              </a:defRPr>
+            </a:lvl1pPr>
+            <a:lvl2pPr marL="685800" indent="-228600" algn="l" defTabSz="914400" rtl="0" eaLnBrk="1" latinLnBrk="0" hangingPunct="1">
+              <a:lnSpc>
+                <a:spcPct val="90000"/>
+              </a:lnSpc>
+              <a:spcBef>
+                <a:spcPts val="500"/>
+              </a:spcBef>
+              <a:buFont typeface="Arial" panose="020B0604020202020204" pitchFamily="34" charset="0"/>
+              <a:buChar char="•"/>
+              <a:defRPr kumimoji="1" sz="2400" kern="1200">
+                <a:solidFill>
+                  <a:schemeClr val="tx1"/>
+                </a:solidFill>
+                <a:latin typeface="+mn-lt"/>
+                <a:ea typeface="+mn-ea"/>
+                <a:cs typeface="+mn-cs"/>
+              </a:defRPr>
+            </a:lvl2pPr>
+            <a:lvl3pPr marL="1143000" indent="-228600" algn="l" defTabSz="914400" rtl="0" eaLnBrk="1" latinLnBrk="0" hangingPunct="1">
+              <a:lnSpc>
+                <a:spcPct val="90000"/>
+              </a:lnSpc>
+              <a:spcBef>
+                <a:spcPts val="500"/>
+              </a:spcBef>
+              <a:buFont typeface="Arial" panose="020B0604020202020204" pitchFamily="34" charset="0"/>
+              <a:buChar char="•"/>
+              <a:defRPr kumimoji="1" sz="2000" kern="1200">
+                <a:solidFill>
+                  <a:schemeClr val="tx1"/>
+                </a:solidFill>
+                <a:latin typeface="+mn-lt"/>
+                <a:ea typeface="+mn-ea"/>
+                <a:cs typeface="+mn-cs"/>
+              </a:defRPr>
+            </a:lvl3pPr>
+            <a:lvl4pPr marL="1600200" indent="-228600" algn="l" defTabSz="914400" rtl="0" eaLnBrk="1" latinLnBrk="0" hangingPunct="1">
+              <a:lnSpc>
+                <a:spcPct val="90000"/>
+              </a:lnSpc>
+              <a:spcBef>
+                <a:spcPts val="500"/>
+              </a:spcBef>
+              <a:buFont typeface="Arial" panose="020B0604020202020204" pitchFamily="34" charset="0"/>
+              <a:buChar char="•"/>
+              <a:defRPr kumimoji="1" sz="1800" kern="1200">
+                <a:solidFill>
+                  <a:schemeClr val="tx1"/>
+                </a:solidFill>
+                <a:latin typeface="+mn-lt"/>
+                <a:ea typeface="+mn-ea"/>
+                <a:cs typeface="+mn-cs"/>
+              </a:defRPr>
+            </a:lvl4pPr>
+            <a:lvl5pPr marL="2057400" indent="-228600" algn="l" defTabSz="914400" rtl="0" eaLnBrk="1" latinLnBrk="0" hangingPunct="1">
+              <a:lnSpc>
+                <a:spcPct val="90000"/>
+              </a:lnSpc>
+              <a:spcBef>
+                <a:spcPts val="500"/>
+              </a:spcBef>
+              <a:buFont typeface="Arial" panose="020B0604020202020204" pitchFamily="34" charset="0"/>
+              <a:buChar char="•"/>
+              <a:defRPr kumimoji="1" sz="1800" kern="1200">
+                <a:solidFill>
+                  <a:schemeClr val="tx1"/>
+                </a:solidFill>
+                <a:latin typeface="+mn-lt"/>
+                <a:ea typeface="+mn-ea"/>
+                <a:cs typeface="+mn-cs"/>
+              </a:defRPr>
+            </a:lvl5pPr>
+            <a:lvl6pPr marL="2514600" indent="-228600" algn="l" defTabSz="914400" rtl="0" eaLnBrk="1" latinLnBrk="0" hangingPunct="1">
+              <a:lnSpc>
+                <a:spcPct val="90000"/>
+              </a:lnSpc>
+              <a:spcBef>
+                <a:spcPts val="500"/>
+              </a:spcBef>
+              <a:buFont typeface="Arial" panose="020B0604020202020204" pitchFamily="34" charset="0"/>
+              <a:buChar char="•"/>
+              <a:defRPr kumimoji="1" sz="1800" kern="1200">
+                <a:solidFill>
+                  <a:schemeClr val="tx1"/>
+                </a:solidFill>
+                <a:latin typeface="+mn-lt"/>
+                <a:ea typeface="+mn-ea"/>
+                <a:cs typeface="+mn-cs"/>
+              </a:defRPr>
+            </a:lvl6pPr>
+            <a:lvl7pPr marL="2971800" indent="-228600" algn="l" defTabSz="914400" rtl="0" eaLnBrk="1" latinLnBrk="0" hangingPunct="1">
+              <a:lnSpc>
+                <a:spcPct val="90000"/>
+              </a:lnSpc>
+              <a:spcBef>
+                <a:spcPts val="500"/>
+              </a:spcBef>
+              <a:buFont typeface="Arial" panose="020B0604020202020204" pitchFamily="34" charset="0"/>
+              <a:buChar char="•"/>
+              <a:defRPr kumimoji="1" sz="1800" kern="1200">
+                <a:solidFill>
+                  <a:schemeClr val="tx1"/>
+                </a:solidFill>
+                <a:latin typeface="+mn-lt"/>
+                <a:ea typeface="+mn-ea"/>
+                <a:cs typeface="+mn-cs"/>
+              </a:defRPr>
+            </a:lvl7pPr>
+            <a:lvl8pPr marL="3429000" indent="-228600" algn="l" defTabSz="914400" rtl="0" eaLnBrk="1" latinLnBrk="0" hangingPunct="1">
+              <a:lnSpc>
+                <a:spcPct val="90000"/>
+              </a:lnSpc>
+              <a:spcBef>
+                <a:spcPts val="500"/>
+              </a:spcBef>
+              <a:buFont typeface="Arial" panose="020B0604020202020204" pitchFamily="34" charset="0"/>
+              <a:buChar char="•"/>
+              <a:defRPr kumimoji="1" sz="1800" kern="1200">
+                <a:solidFill>
+                  <a:schemeClr val="tx1"/>
+                </a:solidFill>
+                <a:latin typeface="+mn-lt"/>
+                <a:ea typeface="+mn-ea"/>
+                <a:cs typeface="+mn-cs"/>
+              </a:defRPr>
+            </a:lvl8pPr>
+            <a:lvl9pPr marL="3886200" indent="-228600" algn="l" defTabSz="914400" rtl="0" eaLnBrk="1" latinLnBrk="0" hangingPunct="1">
+              <a:lnSpc>
+                <a:spcPct val="90000"/>
+              </a:lnSpc>
+              <a:spcBef>
+                <a:spcPts val="500"/>
+              </a:spcBef>
+              <a:buFont typeface="Arial" panose="020B0604020202020204" pitchFamily="34" charset="0"/>
+              <a:buChar char="•"/>
+              <a:defRPr kumimoji="1" sz="1800" kern="1200">
+                <a:solidFill>
+                  <a:schemeClr val="tx1"/>
+                </a:solidFill>
+                <a:latin typeface="+mn-lt"/>
+                <a:ea typeface="+mn-ea"/>
+                <a:cs typeface="+mn-cs"/>
+              </a:defRPr>
+            </a:lvl9pPr>
+          </a:lstStyle>
+          <a:p>
+            <a:pPr marL="0" indent="0">
+              <a:buFont typeface="Arial" panose="020B0604020202020204" pitchFamily="34" charset="0"/>
+              <a:buNone/>
+            </a:pPr>
+            <a:r>
+              <a:rPr lang="ja-JP" altLang="en-US" dirty="0" smtClean="0"/>
+              <a:t>安定性の判定</a:t>
+            </a:r>
+            <a:endParaRPr lang="en-US" altLang="ja-JP" dirty="0" smtClean="0"/>
+          </a:p>
+          <a:p>
+            <a:pPr marL="0" indent="0">
+              <a:buNone/>
+            </a:pPr>
+            <a:r>
+              <a:rPr lang="ja-JP" altLang="en-US" dirty="0"/>
+              <a:t>　</a:t>
+            </a:r>
+            <a:r>
+              <a:rPr lang="ja-JP" altLang="en-US" dirty="0" smtClean="0"/>
+              <a:t>　　</a:t>
+            </a:r>
+            <a:endParaRPr lang="en-US" altLang="ja-JP" sz="2400" dirty="0" smtClean="0"/>
+          </a:p>
+        </p:txBody>
+      </p:sp>
+      <p:sp>
+        <p:nvSpPr>
+          <p:cNvPr id="9" name="テキスト ボックス 8"/>
+          <p:cNvSpPr txBox="1"/>
+          <p:nvPr/>
+        </p:nvSpPr>
+        <p:spPr>
+          <a:xfrm>
+            <a:off x="1848464" y="1643056"/>
+            <a:ext cx="6342421" cy="830997"/>
+          </a:xfrm>
+          <a:prstGeom prst="rect">
+            <a:avLst/>
+          </a:prstGeom>
+          <a:noFill/>
+        </p:spPr>
+        <p:txBody>
+          <a:bodyPr wrap="square" rtlCol="0">
+            <a:spAutoFit/>
+          </a:bodyPr>
+          <a:lstStyle/>
+          <a:p>
+            <a:r>
+              <a:rPr lang="ja-JP" altLang="en-US" sz="2400" dirty="0" smtClean="0"/>
+              <a:t>システムに入力を</a:t>
+            </a:r>
+            <a:r>
+              <a:rPr lang="ja-JP" altLang="en-US" sz="2400" dirty="0"/>
+              <a:t>加えたとき、</a:t>
+            </a:r>
+            <a:r>
+              <a:rPr lang="ja-JP" altLang="en-US" sz="2400" dirty="0" smtClean="0"/>
+              <a:t>出力</a:t>
+            </a:r>
+            <a:r>
+              <a:rPr lang="ja-JP" altLang="en-US" sz="2400" dirty="0"/>
+              <a:t>が</a:t>
+            </a:r>
+            <a:r>
+              <a:rPr lang="ja-JP" altLang="en-US" sz="2400" dirty="0" smtClean="0"/>
+              <a:t>発散</a:t>
+            </a:r>
+            <a:r>
+              <a:rPr lang="ja-JP" altLang="en-US" sz="2400" dirty="0"/>
+              <a:t>せず収束する</a:t>
+            </a:r>
+            <a:r>
+              <a:rPr lang="ja-JP" altLang="en-US" sz="2400" dirty="0" smtClean="0"/>
+              <a:t>状態</a:t>
+            </a:r>
+            <a:endParaRPr lang="en-US" altLang="ja-JP" sz="2400" dirty="0"/>
+          </a:p>
+        </p:txBody>
+      </p:sp>
+      <mc:AlternateContent xmlns:mc="http://schemas.openxmlformats.org/markup-compatibility/2006" xmlns:a14="http://schemas.microsoft.com/office/drawing/2010/main">
+        <mc:Choice Requires="a14">
+          <p:sp>
+            <p:nvSpPr>
+              <p:cNvPr id="10" name="テキスト ボックス 9"/>
+              <p:cNvSpPr txBox="1"/>
+              <p:nvPr/>
+            </p:nvSpPr>
+            <p:spPr>
+              <a:xfrm>
+                <a:off x="1848464" y="3549445"/>
+                <a:ext cx="6558117" cy="461665"/>
+              </a:xfrm>
+              <a:prstGeom prst="rect">
+                <a:avLst/>
+              </a:prstGeom>
+              <a:noFill/>
+            </p:spPr>
+            <p:txBody>
+              <a:bodyPr wrap="square" rtlCol="0">
+                <a:spAutoFit/>
+              </a:bodyPr>
+              <a:lstStyle/>
+              <a:p>
+                <a:r>
+                  <a:rPr lang="ja-JP" altLang="en-US" sz="2400" dirty="0"/>
+                  <a:t>行列</a:t>
+                </a:r>
+                <a14:m>
+                  <m:oMath xmlns:m="http://schemas.openxmlformats.org/officeDocument/2006/math">
+                    <m:r>
+                      <a:rPr lang="en-US" altLang="ja-JP" sz="2400" i="1">
+                        <a:latin typeface="Cambria Math" panose="02040503050406030204" pitchFamily="18" charset="0"/>
+                      </a:rPr>
+                      <m:t>𝐴</m:t>
+                    </m:r>
+                  </m:oMath>
+                </a14:m>
+                <a:r>
+                  <a:rPr lang="ja-JP" altLang="en-US" sz="2400" dirty="0"/>
+                  <a:t>の固有値の実部が全て負であれば安定</a:t>
+                </a:r>
+              </a:p>
+            </p:txBody>
+          </p:sp>
+        </mc:Choice>
+        <mc:Fallback xmlns="">
+          <p:sp>
+            <p:nvSpPr>
+              <p:cNvPr id="10" name="テキスト ボックス 9"/>
+              <p:cNvSpPr txBox="1">
+                <a:spLocks noRot="1" noChangeAspect="1" noMove="1" noResize="1" noEditPoints="1" noAdjustHandles="1" noChangeArrowheads="1" noChangeShapeType="1" noTextEdit="1"/>
+              </p:cNvSpPr>
+              <p:nvPr/>
+            </p:nvSpPr>
+            <p:spPr>
+              <a:xfrm>
+                <a:off x="1848464" y="3549445"/>
+                <a:ext cx="6558117" cy="461665"/>
+              </a:xfrm>
+              <a:prstGeom prst="rect">
+                <a:avLst/>
+              </a:prstGeom>
+              <a:blipFill rotWithShape="0">
+                <a:blip r:embed="rId3"/>
+                <a:stretch>
+                  <a:fillRect l="-1394" t="-14474" b="-25000"/>
+                </a:stretch>
+              </a:blipFill>
+            </p:spPr>
+            <p:txBody>
+              <a:bodyPr/>
+              <a:lstStyle/>
+              <a:p>
+                <a:r>
+                  <a:rPr lang="ja-JP" altLang="en-US">
+                    <a:noFill/>
+                  </a:rPr>
+                  <a:t> </a:t>
+                </a:r>
+              </a:p>
+            </p:txBody>
+          </p:sp>
+        </mc:Fallback>
+      </mc:AlternateContent>
+    </p:spTree>
+    <p:extLst>
+      <p:ext uri="{BB962C8B-B14F-4D97-AF65-F5344CB8AC3E}">
+        <p14:creationId xmlns:p14="http://schemas.microsoft.com/office/powerpoint/2010/main" val="3943676089"/>
+      </p:ext>
+    </p:extLst>
+  </p:cSld>
+  <p:clrMapOvr>
+    <a:masterClrMapping/>
+  </p:clrMapOvr>
+  <p:timing>
+    <p:tnLst>
+      <p:par>
+        <p:cTn id="1" dur="indefinite" restart="never" nodeType="tmRoot"/>
+      </p:par>
+    </p:tnLst>
+  </p:timing>
+</p:sld>
+</file>
+
+<file path=ppt/slides/slide37.xml><?xml version="1.0" encoding="utf-8"?>
+<p:sld xmlns:a="http://schemas.openxmlformats.org/drawingml/2006/main" xmlns:r="http://schemas.openxmlformats.org/officeDocument/2006/relationships" xmlns:p="http://schemas.openxmlformats.org/presentationml/2006/main">
+  <p:cSld>
+    <p:spTree>
+      <p:nvGrpSpPr>
+        <p:cNvPr id="1" name=""/>
+        <p:cNvGrpSpPr/>
+        <p:nvPr/>
+      </p:nvGrpSpPr>
+      <p:grpSpPr>
+        <a:xfrm>
+          <a:off x="0" y="0"/>
+          <a:ext cx="0" cy="0"/>
+          <a:chOff x="0" y="0"/>
+          <a:chExt cx="0" cy="0"/>
+        </a:xfrm>
+      </p:grpSpPr>
+      <p:sp>
+        <p:nvSpPr>
+          <p:cNvPr id="2" name="タイトル 1"/>
+          <p:cNvSpPr>
+            <a:spLocks noGrp="1"/>
+          </p:cNvSpPr>
+          <p:nvPr>
+            <p:ph type="title"/>
+          </p:nvPr>
+        </p:nvSpPr>
+        <p:spPr/>
+        <p:txBody>
+          <a:bodyPr/>
+          <a:lstStyle/>
+          <a:p>
+            <a:r>
+              <a:rPr lang="ja-JP" altLang="en-US" dirty="0" smtClean="0"/>
+              <a:t>可制御</a:t>
+            </a:r>
+            <a:r>
+              <a:rPr lang="ja-JP" altLang="en-US" dirty="0"/>
+              <a:t>性</a:t>
+            </a:r>
+            <a:endParaRPr kumimoji="1" lang="ja-JP" altLang="en-US" dirty="0"/>
+          </a:p>
+        </p:txBody>
+      </p:sp>
+      <mc:AlternateContent xmlns:mc="http://schemas.openxmlformats.org/markup-compatibility/2006" xmlns:a14="http://schemas.microsoft.com/office/drawing/2010/main">
+        <mc:Choice Requires="a14">
+          <p:sp>
+            <p:nvSpPr>
+              <p:cNvPr id="4" name="コンテンツ プレースホルダー 2"/>
+              <p:cNvSpPr>
+                <a:spLocks noGrp="1"/>
+              </p:cNvSpPr>
+              <p:nvPr>
+                <p:ph idx="1"/>
+              </p:nvPr>
+            </p:nvSpPr>
+            <p:spPr>
+              <a:xfrm>
+                <a:off x="628650" y="1643056"/>
+                <a:ext cx="7886700" cy="2112867"/>
+              </a:xfrm>
+            </p:spPr>
+            <p:txBody>
+              <a:bodyPr>
+                <a:normAutofit/>
+              </a:bodyPr>
+              <a:lstStyle/>
+              <a:p>
+                <a:pPr marL="0" indent="0">
+                  <a:buNone/>
+                </a:pPr>
+                <a:r>
+                  <a:rPr lang="ja-JP" altLang="en-US" dirty="0" smtClean="0"/>
+                  <a:t>可制御</a:t>
+                </a:r>
+                <a:r>
+                  <a:rPr lang="en-US" altLang="ja-JP" dirty="0" smtClean="0"/>
+                  <a:t> </a:t>
+                </a:r>
+                <a14:m>
+                  <m:oMath xmlns:m="http://schemas.openxmlformats.org/officeDocument/2006/math">
+                    <m:r>
+                      <a:rPr lang="en-US" altLang="ja-JP" i="1" smtClean="0">
+                        <a:latin typeface="Cambria Math" panose="02040503050406030204" pitchFamily="18" charset="0"/>
+                        <a:ea typeface="Cambria Math" panose="02040503050406030204" pitchFamily="18" charset="0"/>
+                      </a:rPr>
+                      <m:t>⋯</m:t>
+                    </m:r>
+                  </m:oMath>
+                </a14:m>
+                <a:endParaRPr kumimoji="1" lang="en-US" altLang="ja-JP" dirty="0" smtClean="0"/>
+              </a:p>
+            </p:txBody>
+          </p:sp>
+        </mc:Choice>
+        <mc:Fallback xmlns="">
+          <p:sp>
+            <p:nvSpPr>
+              <p:cNvPr id="4" name="コンテンツ プレースホルダー 2"/>
+              <p:cNvSpPr>
+                <a:spLocks noGrp="1" noRot="1" noChangeAspect="1" noMove="1" noResize="1" noEditPoints="1" noAdjustHandles="1" noChangeArrowheads="1" noChangeShapeType="1" noTextEdit="1"/>
+              </p:cNvSpPr>
+              <p:nvPr>
+                <p:ph idx="1"/>
+              </p:nvPr>
+            </p:nvSpPr>
+            <p:spPr>
+              <a:xfrm>
+                <a:off x="628650" y="1643056"/>
+                <a:ext cx="7886700" cy="2112867"/>
+              </a:xfrm>
+              <a:blipFill rotWithShape="0">
+                <a:blip r:embed="rId2"/>
+                <a:stretch>
+                  <a:fillRect l="-1546" t="-5780"/>
+                </a:stretch>
+              </a:blipFill>
+            </p:spPr>
+            <p:txBody>
+              <a:bodyPr/>
+              <a:lstStyle/>
+              <a:p>
+                <a:r>
+                  <a:rPr lang="ja-JP" altLang="en-US">
+                    <a:noFill/>
+                  </a:rPr>
+                  <a:t> </a:t>
+                </a:r>
+              </a:p>
+            </p:txBody>
+          </p:sp>
+        </mc:Fallback>
+      </mc:AlternateContent>
+      <mc:AlternateContent xmlns:mc="http://schemas.openxmlformats.org/markup-compatibility/2006" xmlns:a14="http://schemas.microsoft.com/office/drawing/2010/main">
+        <mc:Choice Requires="a14">
+          <p:sp>
+            <p:nvSpPr>
+              <p:cNvPr id="5" name="テキスト ボックス 4"/>
+              <p:cNvSpPr txBox="1"/>
+              <p:nvPr/>
+            </p:nvSpPr>
+            <p:spPr>
+              <a:xfrm>
+                <a:off x="2172929" y="1642597"/>
+                <a:ext cx="6342421" cy="1259576"/>
+              </a:xfrm>
+              <a:prstGeom prst="rect">
+                <a:avLst/>
+              </a:prstGeom>
+              <a:noFill/>
+            </p:spPr>
+            <p:txBody>
+              <a:bodyPr wrap="square" rtlCol="0">
+                <a:spAutoFit/>
+              </a:bodyPr>
+              <a:lstStyle/>
+              <a:p>
+                <a:r>
+                  <a:rPr lang="ja-JP" altLang="en-US" sz="2400" dirty="0" smtClean="0"/>
+                  <a:t>有限時間</a:t>
+                </a:r>
+                <a14:m>
+                  <m:oMath xmlns:m="http://schemas.openxmlformats.org/officeDocument/2006/math">
+                    <m:sSub>
+                      <m:sSubPr>
+                        <m:ctrlPr>
+                          <a:rPr lang="en-US" altLang="ja-JP" sz="2400" i="1">
+                            <a:latin typeface="Cambria Math" panose="02040503050406030204" pitchFamily="18" charset="0"/>
+                          </a:rPr>
+                        </m:ctrlPr>
+                      </m:sSubPr>
+                      <m:e>
+                        <m:r>
+                          <a:rPr lang="en-US" altLang="ja-JP" sz="2400" i="1">
+                            <a:latin typeface="Cambria Math" panose="02040503050406030204" pitchFamily="18" charset="0"/>
+                          </a:rPr>
+                          <m:t>𝑡</m:t>
+                        </m:r>
+                      </m:e>
+                      <m:sub>
+                        <m:r>
+                          <a:rPr lang="en-US" altLang="ja-JP" sz="2400" i="1">
+                            <a:latin typeface="Cambria Math" panose="02040503050406030204" pitchFamily="18" charset="0"/>
+                          </a:rPr>
+                          <m:t>𝑓</m:t>
+                        </m:r>
+                      </m:sub>
+                    </m:sSub>
+                    <m:r>
+                      <a:rPr lang="en-US" altLang="ja-JP" sz="2400" i="1" smtClean="0">
+                        <a:latin typeface="Cambria Math" panose="02040503050406030204" pitchFamily="18" charset="0"/>
+                        <a:ea typeface="Cambria Math" panose="02040503050406030204" pitchFamily="18" charset="0"/>
+                      </a:rPr>
+                      <m:t>≥</m:t>
+                    </m:r>
+                    <m:r>
+                      <a:rPr lang="en-US" altLang="ja-JP" sz="2400" b="0" i="1" smtClean="0">
+                        <a:latin typeface="Cambria Math" panose="02040503050406030204" pitchFamily="18" charset="0"/>
+                        <a:ea typeface="Cambria Math" panose="02040503050406030204" pitchFamily="18" charset="0"/>
+                      </a:rPr>
+                      <m:t>0</m:t>
+                    </m:r>
+                  </m:oMath>
+                </a14:m>
+                <a:r>
+                  <a:rPr lang="ja-JP" altLang="en-US" sz="2400" dirty="0" smtClean="0"/>
+                  <a:t>に</a:t>
+                </a:r>
+                <a:r>
+                  <a:rPr lang="ja-JP" altLang="en-US" sz="2400" dirty="0"/>
+                  <a:t>、</a:t>
+                </a:r>
+                <a:r>
+                  <a:rPr lang="ja-JP" altLang="en-US" sz="2400" dirty="0" smtClean="0"/>
+                  <a:t>システムの初期状態</a:t>
+                </a:r>
+                <a14:m>
+                  <m:oMath xmlns:m="http://schemas.openxmlformats.org/officeDocument/2006/math">
+                    <m:r>
+                      <a:rPr lang="en-US" altLang="ja-JP" sz="2400" b="0" i="1" smtClean="0">
+                        <a:latin typeface="Cambria Math" panose="02040503050406030204" pitchFamily="18" charset="0"/>
+                      </a:rPr>
+                      <m:t>𝑥</m:t>
+                    </m:r>
+                    <m:r>
+                      <a:rPr lang="en-US" altLang="ja-JP" sz="2400" b="0" i="1" smtClean="0">
+                        <a:latin typeface="Cambria Math" panose="02040503050406030204" pitchFamily="18" charset="0"/>
+                      </a:rPr>
+                      <m:t>(0)</m:t>
+                    </m:r>
+                  </m:oMath>
+                </a14:m>
+                <a:r>
+                  <a:rPr lang="ja-JP" altLang="en-US" sz="2400" dirty="0" smtClean="0"/>
+                  <a:t>から任意の最終状態</a:t>
+                </a:r>
+                <a14:m>
+                  <m:oMath xmlns:m="http://schemas.openxmlformats.org/officeDocument/2006/math">
+                    <m:r>
+                      <a:rPr lang="en-US" altLang="ja-JP" sz="2400" b="0" i="1" smtClean="0">
+                        <a:latin typeface="Cambria Math" panose="02040503050406030204" pitchFamily="18" charset="0"/>
+                      </a:rPr>
+                      <m:t>𝑥</m:t>
+                    </m:r>
+                    <m:r>
+                      <a:rPr lang="en-US" altLang="ja-JP" sz="2400" b="0" i="1" smtClean="0">
+                        <a:latin typeface="Cambria Math" panose="02040503050406030204" pitchFamily="18" charset="0"/>
+                      </a:rPr>
+                      <m:t>(</m:t>
+                    </m:r>
+                    <m:sSub>
+                      <m:sSubPr>
+                        <m:ctrlPr>
+                          <a:rPr lang="en-US" altLang="ja-JP" sz="2400" b="0" i="1" smtClean="0">
+                            <a:latin typeface="Cambria Math" panose="02040503050406030204" pitchFamily="18" charset="0"/>
+                          </a:rPr>
+                        </m:ctrlPr>
+                      </m:sSubPr>
+                      <m:e>
+                        <m:r>
+                          <a:rPr lang="en-US" altLang="ja-JP" sz="2400" b="0" i="1" smtClean="0">
+                            <a:latin typeface="Cambria Math" panose="02040503050406030204" pitchFamily="18" charset="0"/>
+                          </a:rPr>
+                          <m:t>𝑡</m:t>
+                        </m:r>
+                      </m:e>
+                      <m:sub>
+                        <m:r>
+                          <a:rPr lang="en-US" altLang="ja-JP" sz="2400" b="0" i="1" smtClean="0">
+                            <a:latin typeface="Cambria Math" panose="02040503050406030204" pitchFamily="18" charset="0"/>
+                          </a:rPr>
+                          <m:t>𝑓</m:t>
+                        </m:r>
+                      </m:sub>
+                    </m:sSub>
+                    <m:r>
+                      <a:rPr lang="en-US" altLang="ja-JP" sz="2400" b="0" i="1" smtClean="0">
+                        <a:latin typeface="Cambria Math" panose="02040503050406030204" pitchFamily="18" charset="0"/>
+                      </a:rPr>
+                      <m:t>)</m:t>
+                    </m:r>
+                  </m:oMath>
+                </a14:m>
+                <a:r>
+                  <a:rPr lang="ja-JP" altLang="en-US" sz="2400" dirty="0" smtClean="0"/>
+                  <a:t>へ到達できる入力が存在すること</a:t>
+                </a:r>
+                <a:endParaRPr kumimoji="1" lang="ja-JP" altLang="en-US" sz="2400" dirty="0"/>
+              </a:p>
+            </p:txBody>
+          </p:sp>
+        </mc:Choice>
+        <mc:Fallback xmlns="">
+          <p:sp>
+            <p:nvSpPr>
+              <p:cNvPr id="5" name="テキスト ボックス 4"/>
+              <p:cNvSpPr txBox="1">
+                <a:spLocks noRot="1" noChangeAspect="1" noMove="1" noResize="1" noEditPoints="1" noAdjustHandles="1" noChangeArrowheads="1" noChangeShapeType="1" noTextEdit="1"/>
+              </p:cNvSpPr>
+              <p:nvPr/>
+            </p:nvSpPr>
+            <p:spPr>
+              <a:xfrm>
+                <a:off x="2172929" y="1642597"/>
+                <a:ext cx="6342421" cy="1259576"/>
+              </a:xfrm>
+              <a:prstGeom prst="rect">
+                <a:avLst/>
+              </a:prstGeom>
+              <a:blipFill rotWithShape="0">
+                <a:blip r:embed="rId3"/>
+                <a:stretch>
+                  <a:fillRect l="-1441" t="-5314" b="-8696"/>
+                </a:stretch>
+              </a:blipFill>
+            </p:spPr>
+            <p:txBody>
+              <a:bodyPr/>
+              <a:lstStyle/>
+              <a:p>
+                <a:r>
+                  <a:rPr lang="ja-JP" altLang="en-US">
+                    <a:noFill/>
+                  </a:rPr>
+                  <a:t> </a:t>
+                </a:r>
+              </a:p>
+            </p:txBody>
+          </p:sp>
+        </mc:Fallback>
+      </mc:AlternateContent>
+      <p:sp>
+        <p:nvSpPr>
+          <p:cNvPr id="6" name="コンテンツ プレースホルダー 2"/>
+          <p:cNvSpPr txBox="1">
+            <a:spLocks/>
+          </p:cNvSpPr>
+          <p:nvPr/>
+        </p:nvSpPr>
+        <p:spPr>
+          <a:xfrm>
+            <a:off x="628650" y="3073115"/>
+            <a:ext cx="7886700" cy="3494833"/>
+          </a:xfrm>
+          <a:prstGeom prst="rect">
+            <a:avLst/>
+          </a:prstGeom>
+        </p:spPr>
+        <p:txBody>
+          <a:bodyPr vert="horz" lIns="91440" tIns="45720" rIns="91440" bIns="45720" rtlCol="0">
+            <a:normAutofit/>
+          </a:bodyPr>
+          <a:lstStyle>
+            <a:lvl1pPr marL="228600" indent="-228600" algn="l" defTabSz="914400" rtl="0" eaLnBrk="1" latinLnBrk="0" hangingPunct="1">
+              <a:lnSpc>
+                <a:spcPct val="90000"/>
+              </a:lnSpc>
+              <a:spcBef>
+                <a:spcPts val="1000"/>
+              </a:spcBef>
+              <a:buFont typeface="Arial" panose="020B0604020202020204" pitchFamily="34" charset="0"/>
+              <a:buChar char="•"/>
+              <a:defRPr kumimoji="1" sz="2800" kern="1200">
+                <a:solidFill>
+                  <a:schemeClr val="tx1"/>
+                </a:solidFill>
+                <a:latin typeface="+mn-lt"/>
+                <a:ea typeface="+mn-ea"/>
+                <a:cs typeface="+mn-cs"/>
+              </a:defRPr>
+            </a:lvl1pPr>
+            <a:lvl2pPr marL="685800" indent="-228600" algn="l" defTabSz="914400" rtl="0" eaLnBrk="1" latinLnBrk="0" hangingPunct="1">
+              <a:lnSpc>
+                <a:spcPct val="90000"/>
+              </a:lnSpc>
+              <a:spcBef>
+                <a:spcPts val="500"/>
+              </a:spcBef>
+              <a:buFont typeface="Arial" panose="020B0604020202020204" pitchFamily="34" charset="0"/>
+              <a:buChar char="•"/>
+              <a:defRPr kumimoji="1" sz="2400" kern="1200">
+                <a:solidFill>
+                  <a:schemeClr val="tx1"/>
+                </a:solidFill>
+                <a:latin typeface="+mn-lt"/>
+                <a:ea typeface="+mn-ea"/>
+                <a:cs typeface="+mn-cs"/>
+              </a:defRPr>
+            </a:lvl2pPr>
+            <a:lvl3pPr marL="1143000" indent="-228600" algn="l" defTabSz="914400" rtl="0" eaLnBrk="1" latinLnBrk="0" hangingPunct="1">
+              <a:lnSpc>
+                <a:spcPct val="90000"/>
+              </a:lnSpc>
+              <a:spcBef>
+                <a:spcPts val="500"/>
+              </a:spcBef>
+              <a:buFont typeface="Arial" panose="020B0604020202020204" pitchFamily="34" charset="0"/>
+              <a:buChar char="•"/>
+              <a:defRPr kumimoji="1" sz="2000" kern="1200">
+                <a:solidFill>
+                  <a:schemeClr val="tx1"/>
+                </a:solidFill>
+                <a:latin typeface="+mn-lt"/>
+                <a:ea typeface="+mn-ea"/>
+                <a:cs typeface="+mn-cs"/>
+              </a:defRPr>
+            </a:lvl3pPr>
+            <a:lvl4pPr marL="1600200" indent="-228600" algn="l" defTabSz="914400" rtl="0" eaLnBrk="1" latinLnBrk="0" hangingPunct="1">
+              <a:lnSpc>
+                <a:spcPct val="90000"/>
+              </a:lnSpc>
+              <a:spcBef>
+                <a:spcPts val="500"/>
+              </a:spcBef>
+              <a:buFont typeface="Arial" panose="020B0604020202020204" pitchFamily="34" charset="0"/>
+              <a:buChar char="•"/>
+              <a:defRPr kumimoji="1" sz="1800" kern="1200">
+                <a:solidFill>
+                  <a:schemeClr val="tx1"/>
+                </a:solidFill>
+                <a:latin typeface="+mn-lt"/>
+                <a:ea typeface="+mn-ea"/>
+                <a:cs typeface="+mn-cs"/>
+              </a:defRPr>
+            </a:lvl4pPr>
+            <a:lvl5pPr marL="2057400" indent="-228600" algn="l" defTabSz="914400" rtl="0" eaLnBrk="1" latinLnBrk="0" hangingPunct="1">
+              <a:lnSpc>
+                <a:spcPct val="90000"/>
+              </a:lnSpc>
+              <a:spcBef>
+                <a:spcPts val="500"/>
+              </a:spcBef>
+              <a:buFont typeface="Arial" panose="020B0604020202020204" pitchFamily="34" charset="0"/>
+              <a:buChar char="•"/>
+              <a:defRPr kumimoji="1" sz="1800" kern="1200">
+                <a:solidFill>
+                  <a:schemeClr val="tx1"/>
+                </a:solidFill>
+                <a:latin typeface="+mn-lt"/>
+                <a:ea typeface="+mn-ea"/>
+                <a:cs typeface="+mn-cs"/>
+              </a:defRPr>
+            </a:lvl5pPr>
+            <a:lvl6pPr marL="2514600" indent="-228600" algn="l" defTabSz="914400" rtl="0" eaLnBrk="1" latinLnBrk="0" hangingPunct="1">
+              <a:lnSpc>
+                <a:spcPct val="90000"/>
+              </a:lnSpc>
+              <a:spcBef>
+                <a:spcPts val="500"/>
+              </a:spcBef>
+              <a:buFont typeface="Arial" panose="020B0604020202020204" pitchFamily="34" charset="0"/>
+              <a:buChar char="•"/>
+              <a:defRPr kumimoji="1" sz="1800" kern="1200">
+                <a:solidFill>
+                  <a:schemeClr val="tx1"/>
+                </a:solidFill>
+                <a:latin typeface="+mn-lt"/>
+                <a:ea typeface="+mn-ea"/>
+                <a:cs typeface="+mn-cs"/>
+              </a:defRPr>
+            </a:lvl6pPr>
+            <a:lvl7pPr marL="2971800" indent="-228600" algn="l" defTabSz="914400" rtl="0" eaLnBrk="1" latinLnBrk="0" hangingPunct="1">
+              <a:lnSpc>
+                <a:spcPct val="90000"/>
+              </a:lnSpc>
+              <a:spcBef>
+                <a:spcPts val="500"/>
+              </a:spcBef>
+              <a:buFont typeface="Arial" panose="020B0604020202020204" pitchFamily="34" charset="0"/>
+              <a:buChar char="•"/>
+              <a:defRPr kumimoji="1" sz="1800" kern="1200">
+                <a:solidFill>
+                  <a:schemeClr val="tx1"/>
+                </a:solidFill>
+                <a:latin typeface="+mn-lt"/>
+                <a:ea typeface="+mn-ea"/>
+                <a:cs typeface="+mn-cs"/>
+              </a:defRPr>
+            </a:lvl7pPr>
+            <a:lvl8pPr marL="3429000" indent="-228600" algn="l" defTabSz="914400" rtl="0" eaLnBrk="1" latinLnBrk="0" hangingPunct="1">
+              <a:lnSpc>
+                <a:spcPct val="90000"/>
+              </a:lnSpc>
+              <a:spcBef>
+                <a:spcPts val="500"/>
+              </a:spcBef>
+              <a:buFont typeface="Arial" panose="020B0604020202020204" pitchFamily="34" charset="0"/>
+              <a:buChar char="•"/>
+              <a:defRPr kumimoji="1" sz="1800" kern="1200">
+                <a:solidFill>
+                  <a:schemeClr val="tx1"/>
+                </a:solidFill>
+                <a:latin typeface="+mn-lt"/>
+                <a:ea typeface="+mn-ea"/>
+                <a:cs typeface="+mn-cs"/>
+              </a:defRPr>
+            </a:lvl8pPr>
+            <a:lvl9pPr marL="3886200" indent="-228600" algn="l" defTabSz="914400" rtl="0" eaLnBrk="1" latinLnBrk="0" hangingPunct="1">
+              <a:lnSpc>
+                <a:spcPct val="90000"/>
+              </a:lnSpc>
+              <a:spcBef>
+                <a:spcPts val="500"/>
+              </a:spcBef>
+              <a:buFont typeface="Arial" panose="020B0604020202020204" pitchFamily="34" charset="0"/>
+              <a:buChar char="•"/>
+              <a:defRPr kumimoji="1" sz="1800" kern="1200">
+                <a:solidFill>
+                  <a:schemeClr val="tx1"/>
+                </a:solidFill>
+                <a:latin typeface="+mn-lt"/>
+                <a:ea typeface="+mn-ea"/>
+                <a:cs typeface="+mn-cs"/>
+              </a:defRPr>
+            </a:lvl9pPr>
+          </a:lstStyle>
+          <a:p>
+            <a:pPr marL="0" indent="0">
+              <a:buFont typeface="Arial" panose="020B0604020202020204" pitchFamily="34" charset="0"/>
+              <a:buNone/>
+            </a:pPr>
+            <a:r>
+              <a:rPr lang="ja-JP" altLang="en-US" dirty="0"/>
+              <a:t>可制御</a:t>
+            </a:r>
+            <a:r>
+              <a:rPr lang="ja-JP" altLang="en-US" dirty="0" smtClean="0"/>
+              <a:t>性の判定</a:t>
+            </a:r>
+            <a:endParaRPr lang="en-US" altLang="ja-JP" dirty="0" smtClean="0"/>
+          </a:p>
+          <a:p>
+            <a:pPr marL="0" indent="0">
+              <a:buNone/>
+            </a:pPr>
+            <a:r>
+              <a:rPr lang="ja-JP" altLang="en-US" dirty="0"/>
+              <a:t>　</a:t>
+            </a:r>
+            <a:r>
+              <a:rPr lang="ja-JP" altLang="en-US" dirty="0" smtClean="0"/>
+              <a:t>　　</a:t>
+            </a:r>
+            <a:endParaRPr lang="en-US" altLang="ja-JP" sz="2400" dirty="0" smtClean="0"/>
+          </a:p>
+        </p:txBody>
+      </p:sp>
+      <mc:AlternateContent xmlns:mc="http://schemas.openxmlformats.org/markup-compatibility/2006" xmlns:a14="http://schemas.microsoft.com/office/drawing/2010/main">
+        <mc:Choice Requires="a14">
+          <p:sp>
+            <p:nvSpPr>
+              <p:cNvPr id="8" name="テキスト ボックス 7"/>
+              <p:cNvSpPr txBox="1"/>
+              <p:nvPr/>
+            </p:nvSpPr>
+            <p:spPr>
+              <a:xfrm>
+                <a:off x="2172929" y="3549445"/>
+                <a:ext cx="6233652" cy="1569660"/>
+              </a:xfrm>
+              <a:prstGeom prst="rect">
+                <a:avLst/>
+              </a:prstGeom>
+              <a:noFill/>
+            </p:spPr>
+            <p:txBody>
+              <a:bodyPr wrap="square" rtlCol="0">
+                <a:spAutoFit/>
+              </a:bodyPr>
+              <a:lstStyle/>
+              <a:p>
+                <a:r>
+                  <a:rPr lang="ja-JP" altLang="en-US" sz="2400" dirty="0" smtClean="0"/>
+                  <a:t>可制御性行列</a:t>
+                </a:r>
+                <a:endParaRPr lang="en-US" altLang="ja-JP" sz="2400" i="1" dirty="0" smtClean="0">
+                  <a:latin typeface="Cambria Math" panose="02040503050406030204" pitchFamily="18" charset="0"/>
+                </a:endParaRPr>
+              </a:p>
+              <a:p>
+                <a:pPr/>
+                <a14:m>
+                  <m:oMathPara xmlns:m="http://schemas.openxmlformats.org/officeDocument/2006/math">
+                    <m:oMathParaPr>
+                      <m:jc m:val="centerGroup"/>
+                    </m:oMathParaPr>
+                    <m:oMath xmlns:m="http://schemas.openxmlformats.org/officeDocument/2006/math">
+                      <m:sSub>
+                        <m:sSubPr>
+                          <m:ctrlPr>
+                            <a:rPr lang="en-US" altLang="ja-JP" sz="2400" i="1">
+                              <a:latin typeface="Cambria Math" panose="02040503050406030204" pitchFamily="18" charset="0"/>
+                            </a:rPr>
+                          </m:ctrlPr>
+                        </m:sSubPr>
+                        <m:e>
+                          <m:r>
+                            <a:rPr lang="en-US" altLang="ja-JP" sz="2400" i="1">
+                              <a:latin typeface="Cambria Math" panose="02040503050406030204" pitchFamily="18" charset="0"/>
+                            </a:rPr>
+                            <m:t>𝑁</m:t>
+                          </m:r>
+                        </m:e>
+                        <m:sub>
+                          <m:r>
+                            <a:rPr lang="en-US" altLang="ja-JP" sz="2400" i="1">
+                              <a:latin typeface="Cambria Math" panose="02040503050406030204" pitchFamily="18" charset="0"/>
+                            </a:rPr>
+                            <m:t>𝑐</m:t>
+                          </m:r>
+                        </m:sub>
+                      </m:sSub>
+                      <m:r>
+                        <a:rPr lang="en-US" altLang="ja-JP" sz="2400" i="1">
+                          <a:latin typeface="Cambria Math" panose="02040503050406030204" pitchFamily="18" charset="0"/>
+                          <a:ea typeface="Cambria Math" panose="02040503050406030204" pitchFamily="18" charset="0"/>
+                        </a:rPr>
+                        <m:t>=</m:t>
+                      </m:r>
+                      <m:d>
+                        <m:dPr>
+                          <m:begChr m:val="["/>
+                          <m:endChr m:val="]"/>
+                          <m:ctrlPr>
+                            <a:rPr lang="en-US" altLang="ja-JP" sz="2400" i="1">
+                              <a:latin typeface="Cambria Math" panose="02040503050406030204" pitchFamily="18" charset="0"/>
+                              <a:ea typeface="Cambria Math" panose="02040503050406030204" pitchFamily="18" charset="0"/>
+                            </a:rPr>
+                          </m:ctrlPr>
+                        </m:dPr>
+                        <m:e>
+                          <m:r>
+                            <a:rPr lang="en-US" altLang="ja-JP" sz="2400" i="1">
+                              <a:latin typeface="Cambria Math" panose="02040503050406030204" pitchFamily="18" charset="0"/>
+                              <a:ea typeface="Cambria Math" panose="02040503050406030204" pitchFamily="18" charset="0"/>
+                            </a:rPr>
+                            <m:t>𝐵</m:t>
+                          </m:r>
+                          <m:r>
+                            <a:rPr lang="en-US" altLang="ja-JP" sz="2400" i="1">
+                              <a:latin typeface="Cambria Math" panose="02040503050406030204" pitchFamily="18" charset="0"/>
+                              <a:ea typeface="Cambria Math" panose="02040503050406030204" pitchFamily="18" charset="0"/>
+                            </a:rPr>
+                            <m:t>  </m:t>
+                          </m:r>
+                          <m:r>
+                            <a:rPr lang="en-US" altLang="ja-JP" sz="2400" i="1">
+                              <a:latin typeface="Cambria Math" panose="02040503050406030204" pitchFamily="18" charset="0"/>
+                              <a:ea typeface="Cambria Math" panose="02040503050406030204" pitchFamily="18" charset="0"/>
+                            </a:rPr>
+                            <m:t>𝐴𝐵</m:t>
+                          </m:r>
+                          <m:r>
+                            <a:rPr lang="en-US" altLang="ja-JP" sz="2400" i="1">
+                              <a:latin typeface="Cambria Math" panose="02040503050406030204" pitchFamily="18" charset="0"/>
+                              <a:ea typeface="Cambria Math" panose="02040503050406030204" pitchFamily="18" charset="0"/>
+                            </a:rPr>
+                            <m:t>  </m:t>
+                          </m:r>
+                          <m:sSup>
+                            <m:sSupPr>
+                              <m:ctrlPr>
+                                <a:rPr lang="en-US" altLang="ja-JP" sz="2400" i="1">
+                                  <a:latin typeface="Cambria Math" panose="02040503050406030204" pitchFamily="18" charset="0"/>
+                                  <a:ea typeface="Cambria Math" panose="02040503050406030204" pitchFamily="18" charset="0"/>
+                                </a:rPr>
+                              </m:ctrlPr>
+                            </m:sSupPr>
+                            <m:e>
+                              <m:r>
+                                <a:rPr lang="en-US" altLang="ja-JP" sz="2400" i="1">
+                                  <a:latin typeface="Cambria Math" panose="02040503050406030204" pitchFamily="18" charset="0"/>
+                                  <a:ea typeface="Cambria Math" panose="02040503050406030204" pitchFamily="18" charset="0"/>
+                                </a:rPr>
+                                <m:t>𝐴</m:t>
+                              </m:r>
+                            </m:e>
+                            <m:sup>
+                              <m:r>
+                                <a:rPr lang="en-US" altLang="ja-JP" sz="2400" i="1">
+                                  <a:latin typeface="Cambria Math" panose="02040503050406030204" pitchFamily="18" charset="0"/>
+                                  <a:ea typeface="Cambria Math" panose="02040503050406030204" pitchFamily="18" charset="0"/>
+                                </a:rPr>
+                                <m:t>2</m:t>
+                              </m:r>
+                            </m:sup>
+                          </m:sSup>
+                          <m:r>
+                            <a:rPr lang="en-US" altLang="ja-JP" sz="2400" i="1">
+                              <a:latin typeface="Cambria Math" panose="02040503050406030204" pitchFamily="18" charset="0"/>
+                              <a:ea typeface="Cambria Math" panose="02040503050406030204" pitchFamily="18" charset="0"/>
+                            </a:rPr>
+                            <m:t>𝐵</m:t>
+                          </m:r>
+                          <m:r>
+                            <a:rPr lang="en-US" altLang="ja-JP" sz="2400" i="1">
+                              <a:latin typeface="Cambria Math" panose="02040503050406030204" pitchFamily="18" charset="0"/>
+                              <a:ea typeface="Cambria Math" panose="02040503050406030204" pitchFamily="18" charset="0"/>
+                            </a:rPr>
+                            <m:t>  …</m:t>
+                          </m:r>
+                          <m:sSup>
+                            <m:sSupPr>
+                              <m:ctrlPr>
+                                <a:rPr lang="en-US" altLang="ja-JP" sz="2400" i="1">
+                                  <a:latin typeface="Cambria Math" panose="02040503050406030204" pitchFamily="18" charset="0"/>
+                                  <a:ea typeface="Cambria Math" panose="02040503050406030204" pitchFamily="18" charset="0"/>
+                                </a:rPr>
+                              </m:ctrlPr>
+                            </m:sSupPr>
+                            <m:e>
+                              <m:r>
+                                <a:rPr lang="en-US" altLang="ja-JP" sz="2400" i="1">
+                                  <a:latin typeface="Cambria Math" panose="02040503050406030204" pitchFamily="18" charset="0"/>
+                                  <a:ea typeface="Cambria Math" panose="02040503050406030204" pitchFamily="18" charset="0"/>
+                                </a:rPr>
+                                <m:t>𝐴</m:t>
+                              </m:r>
+                            </m:e>
+                            <m:sup>
+                              <m:r>
+                                <a:rPr lang="en-US" altLang="ja-JP" sz="2400" i="1">
+                                  <a:latin typeface="Cambria Math" panose="02040503050406030204" pitchFamily="18" charset="0"/>
+                                  <a:ea typeface="Cambria Math" panose="02040503050406030204" pitchFamily="18" charset="0"/>
+                                </a:rPr>
+                                <m:t>𝑛</m:t>
+                              </m:r>
+                              <m:r>
+                                <a:rPr lang="en-US" altLang="ja-JP" sz="2400" i="1">
+                                  <a:latin typeface="Cambria Math" panose="02040503050406030204" pitchFamily="18" charset="0"/>
+                                  <a:ea typeface="Cambria Math" panose="02040503050406030204" pitchFamily="18" charset="0"/>
+                                </a:rPr>
+                                <m:t>−1</m:t>
+                              </m:r>
+                            </m:sup>
+                          </m:sSup>
+                          <m:r>
+                            <a:rPr lang="en-US" altLang="ja-JP" sz="2400" i="1">
+                              <a:latin typeface="Cambria Math" panose="02040503050406030204" pitchFamily="18" charset="0"/>
+                              <a:ea typeface="Cambria Math" panose="02040503050406030204" pitchFamily="18" charset="0"/>
+                            </a:rPr>
+                            <m:t>𝐵</m:t>
+                          </m:r>
+                        </m:e>
+                      </m:d>
+                    </m:oMath>
+                  </m:oMathPara>
+                </a14:m>
+                <a:endParaRPr lang="en-US" altLang="ja-JP" sz="2400" dirty="0">
+                  <a:ea typeface="Cambria Math" panose="02040503050406030204" pitchFamily="18" charset="0"/>
+                </a:endParaRPr>
+              </a:p>
+              <a:p>
+                <a:r>
+                  <a:rPr lang="ja-JP" altLang="en-US" sz="2400" dirty="0" smtClean="0"/>
+                  <a:t>が</a:t>
+                </a:r>
+                <a:r>
+                  <a:rPr lang="ja-JP" altLang="en-US" sz="2400" dirty="0"/>
+                  <a:t>フルランクであれば</a:t>
+                </a:r>
+                <a:r>
+                  <a:rPr lang="ja-JP" altLang="en-US" sz="2400" dirty="0" smtClean="0"/>
+                  <a:t>可制御</a:t>
+                </a:r>
+                <a:endParaRPr lang="en-US" altLang="ja-JP" sz="2400" dirty="0" smtClean="0"/>
+              </a:p>
+              <a:p>
+                <a:r>
+                  <a:rPr lang="en-US" altLang="ja-JP" sz="2400" dirty="0" smtClean="0"/>
+                  <a:t>(</a:t>
+                </a:r>
+                <a14:m>
+                  <m:oMath xmlns:m="http://schemas.openxmlformats.org/officeDocument/2006/math">
+                    <m:r>
+                      <a:rPr lang="en-US" altLang="ja-JP" sz="2400" i="1" smtClean="0">
+                        <a:latin typeface="Cambria Math" panose="02040503050406030204" pitchFamily="18" charset="0"/>
+                      </a:rPr>
+                      <m:t>𝑛</m:t>
+                    </m:r>
+                  </m:oMath>
+                </a14:m>
+                <a:r>
+                  <a:rPr lang="ja-JP" altLang="en-US" sz="2400" dirty="0" smtClean="0"/>
+                  <a:t>はシステムの次数</a:t>
+                </a:r>
+                <a:r>
+                  <a:rPr lang="en-US" altLang="ja-JP" sz="2400" dirty="0" smtClean="0"/>
+                  <a:t>)</a:t>
+                </a:r>
+              </a:p>
+            </p:txBody>
+          </p:sp>
+        </mc:Choice>
+        <mc:Fallback xmlns="">
+          <p:sp>
+            <p:nvSpPr>
+              <p:cNvPr id="8" name="テキスト ボックス 7"/>
+              <p:cNvSpPr txBox="1">
+                <a:spLocks noRot="1" noChangeAspect="1" noMove="1" noResize="1" noEditPoints="1" noAdjustHandles="1" noChangeArrowheads="1" noChangeShapeType="1" noTextEdit="1"/>
+              </p:cNvSpPr>
+              <p:nvPr/>
+            </p:nvSpPr>
+            <p:spPr>
+              <a:xfrm>
+                <a:off x="2172929" y="3549445"/>
+                <a:ext cx="6233652" cy="1569660"/>
+              </a:xfrm>
+              <a:prstGeom prst="rect">
+                <a:avLst/>
+              </a:prstGeom>
+              <a:blipFill rotWithShape="0">
+                <a:blip r:embed="rId4"/>
+                <a:stretch>
+                  <a:fillRect l="-1466" t="-4264" b="-7752"/>
+                </a:stretch>
+              </a:blipFill>
+            </p:spPr>
+            <p:txBody>
+              <a:bodyPr/>
+              <a:lstStyle/>
+              <a:p>
+                <a:r>
+                  <a:rPr lang="ja-JP" altLang="en-US">
+                    <a:noFill/>
+                  </a:rPr>
+                  <a:t> </a:t>
+                </a:r>
+              </a:p>
+            </p:txBody>
+          </p:sp>
+        </mc:Fallback>
+      </mc:AlternateContent>
+    </p:spTree>
+    <p:extLst>
+      <p:ext uri="{BB962C8B-B14F-4D97-AF65-F5344CB8AC3E}">
+        <p14:creationId xmlns:p14="http://schemas.microsoft.com/office/powerpoint/2010/main" val="3476268664"/>
+      </p:ext>
+    </p:extLst>
+  </p:cSld>
+  <p:clrMapOvr>
+    <a:masterClrMapping/>
+  </p:clrMapOvr>
+  <p:timing>
+    <p:tnLst>
+      <p:par>
+        <p:cTn id="1" dur="indefinite" restart="never" nodeType="tmRoot"/>
+      </p:par>
+    </p:tnLst>
+  </p:timing>
+</p:sld>
+</file>
+
+<file path=ppt/slides/slide38.xml><?xml version="1.0" encoding="utf-8"?>
+<p:sld xmlns:a="http://schemas.openxmlformats.org/drawingml/2006/main" xmlns:r="http://schemas.openxmlformats.org/officeDocument/2006/relationships" xmlns:p="http://schemas.openxmlformats.org/presentationml/2006/main">
+  <p:cSld>
+    <p:spTree>
+      <p:nvGrpSpPr>
+        <p:cNvPr id="1" name=""/>
+        <p:cNvGrpSpPr/>
+        <p:nvPr/>
+      </p:nvGrpSpPr>
+      <p:grpSpPr>
+        <a:xfrm>
+          <a:off x="0" y="0"/>
+          <a:ext cx="0" cy="0"/>
+          <a:chOff x="0" y="0"/>
+          <a:chExt cx="0" cy="0"/>
+        </a:xfrm>
+      </p:grpSpPr>
+      <p:sp>
+        <p:nvSpPr>
+          <p:cNvPr id="2" name="タイトル 1"/>
+          <p:cNvSpPr>
+            <a:spLocks noGrp="1"/>
+          </p:cNvSpPr>
+          <p:nvPr>
+            <p:ph type="title"/>
+          </p:nvPr>
+        </p:nvSpPr>
+        <p:spPr/>
+        <p:txBody>
+          <a:bodyPr/>
+          <a:lstStyle/>
+          <a:p>
+            <a:r>
+              <a:rPr lang="ja-JP" altLang="en-US" dirty="0" smtClean="0"/>
+              <a:t>可観測性</a:t>
+            </a:r>
+            <a:endParaRPr kumimoji="1" lang="ja-JP" altLang="en-US" dirty="0"/>
+          </a:p>
+        </p:txBody>
+      </p:sp>
+      <mc:AlternateContent xmlns:mc="http://schemas.openxmlformats.org/markup-compatibility/2006" xmlns:a14="http://schemas.microsoft.com/office/drawing/2010/main">
+        <mc:Choice Requires="a14">
+          <p:sp>
+            <p:nvSpPr>
+              <p:cNvPr id="4" name="コンテンツ プレースホルダー 2"/>
+              <p:cNvSpPr>
+                <a:spLocks noGrp="1"/>
+              </p:cNvSpPr>
+              <p:nvPr>
+                <p:ph idx="1"/>
+              </p:nvPr>
+            </p:nvSpPr>
+            <p:spPr>
+              <a:xfrm>
+                <a:off x="628650" y="1643056"/>
+                <a:ext cx="7886700" cy="991989"/>
+              </a:xfrm>
+            </p:spPr>
+            <p:txBody>
+              <a:bodyPr>
+                <a:normAutofit/>
+              </a:bodyPr>
+              <a:lstStyle/>
+              <a:p>
+                <a:pPr marL="0" indent="0">
+                  <a:buNone/>
+                </a:pPr>
+                <a:r>
+                  <a:rPr lang="ja-JP" altLang="en-US" dirty="0" smtClean="0"/>
+                  <a:t>可観測</a:t>
+                </a:r>
+                <a:r>
+                  <a:rPr lang="en-US" altLang="ja-JP" dirty="0" smtClean="0"/>
+                  <a:t> </a:t>
+                </a:r>
+                <a14:m>
+                  <m:oMath xmlns:m="http://schemas.openxmlformats.org/officeDocument/2006/math">
+                    <m:r>
+                      <a:rPr lang="en-US" altLang="ja-JP" i="1" smtClean="0">
+                        <a:latin typeface="Cambria Math" panose="02040503050406030204" pitchFamily="18" charset="0"/>
+                        <a:ea typeface="Cambria Math" panose="02040503050406030204" pitchFamily="18" charset="0"/>
+                      </a:rPr>
+                      <m:t>⋯</m:t>
+                    </m:r>
+                  </m:oMath>
+                </a14:m>
+                <a:endParaRPr kumimoji="1" lang="en-US" altLang="ja-JP" dirty="0" smtClean="0"/>
+              </a:p>
+            </p:txBody>
+          </p:sp>
+        </mc:Choice>
+        <mc:Fallback xmlns="">
+          <p:sp>
+            <p:nvSpPr>
+              <p:cNvPr id="4" name="コンテンツ プレースホルダー 2"/>
+              <p:cNvSpPr>
+                <a:spLocks noGrp="1" noRot="1" noChangeAspect="1" noMove="1" noResize="1" noEditPoints="1" noAdjustHandles="1" noChangeArrowheads="1" noChangeShapeType="1" noTextEdit="1"/>
+              </p:cNvSpPr>
+              <p:nvPr>
+                <p:ph idx="1"/>
+              </p:nvPr>
+            </p:nvSpPr>
+            <p:spPr>
+              <a:xfrm>
+                <a:off x="628650" y="1643056"/>
+                <a:ext cx="7886700" cy="991989"/>
+              </a:xfrm>
+              <a:blipFill rotWithShape="0">
+                <a:blip r:embed="rId2"/>
+                <a:stretch>
+                  <a:fillRect l="-1546" t="-12346"/>
+                </a:stretch>
+              </a:blipFill>
+            </p:spPr>
+            <p:txBody>
+              <a:bodyPr/>
+              <a:lstStyle/>
+              <a:p>
+                <a:r>
+                  <a:rPr lang="ja-JP" altLang="en-US">
+                    <a:noFill/>
+                  </a:rPr>
+                  <a:t> </a:t>
+                </a:r>
+              </a:p>
+            </p:txBody>
+          </p:sp>
+        </mc:Fallback>
+      </mc:AlternateContent>
+      <mc:AlternateContent xmlns:mc="http://schemas.openxmlformats.org/markup-compatibility/2006" xmlns:a14="http://schemas.microsoft.com/office/drawing/2010/main">
+        <mc:Choice Requires="a14">
+          <p:sp>
+            <p:nvSpPr>
+              <p:cNvPr id="5" name="テキスト ボックス 4"/>
+              <p:cNvSpPr txBox="1"/>
+              <p:nvPr/>
+            </p:nvSpPr>
+            <p:spPr>
+              <a:xfrm>
+                <a:off x="2172929" y="1642597"/>
+                <a:ext cx="6342421" cy="1259576"/>
+              </a:xfrm>
+              <a:prstGeom prst="rect">
+                <a:avLst/>
+              </a:prstGeom>
+              <a:noFill/>
+            </p:spPr>
+            <p:txBody>
+              <a:bodyPr wrap="square" rtlCol="0">
+                <a:spAutoFit/>
+              </a:bodyPr>
+              <a:lstStyle/>
+              <a:p>
+                <a:r>
+                  <a:rPr lang="ja-JP" altLang="en-US" sz="2400" dirty="0" smtClean="0"/>
+                  <a:t>有限時間</a:t>
+                </a:r>
+                <a14:m>
+                  <m:oMath xmlns:m="http://schemas.openxmlformats.org/officeDocument/2006/math">
+                    <m:r>
+                      <a:rPr lang="en-US" altLang="ja-JP" sz="2400" b="0" i="0" smtClean="0">
+                        <a:latin typeface="Cambria Math" panose="02040503050406030204" pitchFamily="18" charset="0"/>
+                      </a:rPr>
+                      <m:t>0</m:t>
+                    </m:r>
+                    <m:r>
+                      <a:rPr lang="en-US" altLang="ja-JP" sz="2400" b="0" i="1" smtClean="0">
+                        <a:latin typeface="Cambria Math" panose="02040503050406030204" pitchFamily="18" charset="0"/>
+                        <a:ea typeface="Cambria Math" panose="02040503050406030204" pitchFamily="18" charset="0"/>
+                      </a:rPr>
+                      <m:t>≤</m:t>
+                    </m:r>
+                    <m:r>
+                      <a:rPr lang="en-US" altLang="ja-JP" sz="2400" b="0" i="1" smtClean="0">
+                        <a:latin typeface="Cambria Math" panose="02040503050406030204" pitchFamily="18" charset="0"/>
+                        <a:ea typeface="Cambria Math" panose="02040503050406030204" pitchFamily="18" charset="0"/>
+                      </a:rPr>
+                      <m:t>𝑡</m:t>
+                    </m:r>
+                    <m:r>
+                      <a:rPr lang="en-US" altLang="ja-JP" sz="2400" b="0" i="1" smtClean="0">
+                        <a:latin typeface="Cambria Math" panose="02040503050406030204" pitchFamily="18" charset="0"/>
+                        <a:ea typeface="Cambria Math" panose="02040503050406030204" pitchFamily="18" charset="0"/>
+                      </a:rPr>
+                      <m:t>≤</m:t>
+                    </m:r>
+                    <m:sSub>
+                      <m:sSubPr>
+                        <m:ctrlPr>
+                          <a:rPr lang="en-US" altLang="ja-JP" sz="2400" i="1">
+                            <a:latin typeface="Cambria Math" panose="02040503050406030204" pitchFamily="18" charset="0"/>
+                          </a:rPr>
+                        </m:ctrlPr>
+                      </m:sSubPr>
+                      <m:e>
+                        <m:r>
+                          <a:rPr lang="en-US" altLang="ja-JP" sz="2400" i="1">
+                            <a:latin typeface="Cambria Math" panose="02040503050406030204" pitchFamily="18" charset="0"/>
+                          </a:rPr>
+                          <m:t>𝑡</m:t>
+                        </m:r>
+                      </m:e>
+                      <m:sub>
+                        <m:r>
+                          <a:rPr lang="en-US" altLang="ja-JP" sz="2400" i="1">
+                            <a:latin typeface="Cambria Math" panose="02040503050406030204" pitchFamily="18" charset="0"/>
+                          </a:rPr>
+                          <m:t>𝑓</m:t>
+                        </m:r>
+                      </m:sub>
+                    </m:sSub>
+                  </m:oMath>
+                </a14:m>
+                <a:r>
+                  <a:rPr lang="ja-JP" altLang="en-US" sz="2400" dirty="0" smtClean="0"/>
+                  <a:t>の間、出力</a:t>
+                </a:r>
+                <a14:m>
+                  <m:oMath xmlns:m="http://schemas.openxmlformats.org/officeDocument/2006/math">
+                    <m:r>
+                      <a:rPr lang="en-US" altLang="ja-JP" sz="2400" b="0" i="1" smtClean="0">
+                        <a:latin typeface="Cambria Math" panose="02040503050406030204" pitchFamily="18" charset="0"/>
+                      </a:rPr>
+                      <m:t>𝑦</m:t>
+                    </m:r>
+                    <m:r>
+                      <a:rPr lang="en-US" altLang="ja-JP" sz="2400" b="0" i="1" smtClean="0">
+                        <a:latin typeface="Cambria Math" panose="02040503050406030204" pitchFamily="18" charset="0"/>
+                      </a:rPr>
+                      <m:t>(</m:t>
+                    </m:r>
+                    <m:r>
+                      <a:rPr lang="en-US" altLang="ja-JP" sz="2400" b="0" i="1" smtClean="0">
+                        <a:latin typeface="Cambria Math" panose="02040503050406030204" pitchFamily="18" charset="0"/>
+                      </a:rPr>
+                      <m:t>𝑡</m:t>
+                    </m:r>
+                    <m:r>
+                      <a:rPr lang="en-US" altLang="ja-JP" sz="2400" b="0" i="1" smtClean="0">
+                        <a:latin typeface="Cambria Math" panose="02040503050406030204" pitchFamily="18" charset="0"/>
+                      </a:rPr>
+                      <m:t>)</m:t>
+                    </m:r>
+                  </m:oMath>
+                </a14:m>
+                <a:r>
+                  <a:rPr lang="ja-JP" altLang="en-US" sz="2400" dirty="0" smtClean="0"/>
+                  <a:t>を</a:t>
+                </a:r>
+                <a:r>
+                  <a:rPr lang="ja-JP" altLang="en-US" sz="2400" dirty="0"/>
+                  <a:t>観測</a:t>
+                </a:r>
+                <a:r>
+                  <a:rPr lang="ja-JP" altLang="en-US" sz="2400" dirty="0" smtClean="0"/>
+                  <a:t>することにより、時刻</a:t>
+                </a:r>
+                <a:r>
+                  <a:rPr lang="en-US" altLang="ja-JP" sz="2400" dirty="0" smtClean="0"/>
+                  <a:t>0</a:t>
+                </a:r>
+                <a:r>
+                  <a:rPr lang="ja-JP" altLang="en-US" sz="2400" dirty="0" smtClean="0"/>
+                  <a:t>におけるすべての状態</a:t>
+                </a:r>
+                <a14:m>
+                  <m:oMath xmlns:m="http://schemas.openxmlformats.org/officeDocument/2006/math">
+                    <m:r>
+                      <a:rPr lang="en-US" altLang="ja-JP" sz="2400" b="0" i="1" smtClean="0">
+                        <a:latin typeface="Cambria Math" panose="02040503050406030204" pitchFamily="18" charset="0"/>
+                      </a:rPr>
+                      <m:t>𝑥</m:t>
+                    </m:r>
+                    <m:r>
+                      <a:rPr lang="en-US" altLang="ja-JP" sz="2400" b="0" i="1" smtClean="0">
+                        <a:latin typeface="Cambria Math" panose="02040503050406030204" pitchFamily="18" charset="0"/>
+                      </a:rPr>
+                      <m:t>(0)</m:t>
+                    </m:r>
+                  </m:oMath>
+                </a14:m>
+                <a:r>
+                  <a:rPr lang="ja-JP" altLang="en-US" sz="2400" dirty="0" smtClean="0"/>
+                  <a:t>を求めることができること</a:t>
+                </a:r>
+                <a:endParaRPr kumimoji="1" lang="ja-JP" altLang="en-US" sz="2400" dirty="0"/>
+              </a:p>
+            </p:txBody>
+          </p:sp>
+        </mc:Choice>
+        <mc:Fallback xmlns="">
+          <p:sp>
+            <p:nvSpPr>
+              <p:cNvPr id="5" name="テキスト ボックス 4"/>
+              <p:cNvSpPr txBox="1">
+                <a:spLocks noRot="1" noChangeAspect="1" noMove="1" noResize="1" noEditPoints="1" noAdjustHandles="1" noChangeArrowheads="1" noChangeShapeType="1" noTextEdit="1"/>
+              </p:cNvSpPr>
+              <p:nvPr/>
+            </p:nvSpPr>
+            <p:spPr>
+              <a:xfrm>
+                <a:off x="2172929" y="1642597"/>
+                <a:ext cx="6342421" cy="1259576"/>
+              </a:xfrm>
+              <a:prstGeom prst="rect">
+                <a:avLst/>
+              </a:prstGeom>
+              <a:blipFill rotWithShape="0">
+                <a:blip r:embed="rId3"/>
+                <a:stretch>
+                  <a:fillRect l="-1441" t="-5314" b="-6280"/>
+                </a:stretch>
+              </a:blipFill>
+            </p:spPr>
+            <p:txBody>
+              <a:bodyPr/>
+              <a:lstStyle/>
+              <a:p>
+                <a:r>
+                  <a:rPr lang="ja-JP" altLang="en-US">
+                    <a:noFill/>
+                  </a:rPr>
+                  <a:t> </a:t>
+                </a:r>
+              </a:p>
+            </p:txBody>
+          </p:sp>
+        </mc:Fallback>
+      </mc:AlternateContent>
+      <p:sp>
+        <p:nvSpPr>
+          <p:cNvPr id="6" name="コンテンツ プレースホルダー 2"/>
+          <p:cNvSpPr txBox="1">
+            <a:spLocks/>
+          </p:cNvSpPr>
+          <p:nvPr/>
+        </p:nvSpPr>
+        <p:spPr>
+          <a:xfrm>
+            <a:off x="628650" y="3073115"/>
+            <a:ext cx="7886700" cy="3494833"/>
+          </a:xfrm>
+          <a:prstGeom prst="rect">
+            <a:avLst/>
+          </a:prstGeom>
+        </p:spPr>
+        <p:txBody>
+          <a:bodyPr vert="horz" lIns="91440" tIns="45720" rIns="91440" bIns="45720" rtlCol="0">
+            <a:normAutofit/>
+          </a:bodyPr>
+          <a:lstStyle>
+            <a:lvl1pPr marL="228600" indent="-228600" algn="l" defTabSz="914400" rtl="0" eaLnBrk="1" latinLnBrk="0" hangingPunct="1">
+              <a:lnSpc>
+                <a:spcPct val="90000"/>
+              </a:lnSpc>
+              <a:spcBef>
+                <a:spcPts val="1000"/>
+              </a:spcBef>
+              <a:buFont typeface="Arial" panose="020B0604020202020204" pitchFamily="34" charset="0"/>
+              <a:buChar char="•"/>
+              <a:defRPr kumimoji="1" sz="2800" kern="1200">
+                <a:solidFill>
+                  <a:schemeClr val="tx1"/>
+                </a:solidFill>
+                <a:latin typeface="+mn-lt"/>
+                <a:ea typeface="+mn-ea"/>
+                <a:cs typeface="+mn-cs"/>
+              </a:defRPr>
+            </a:lvl1pPr>
+            <a:lvl2pPr marL="685800" indent="-228600" algn="l" defTabSz="914400" rtl="0" eaLnBrk="1" latinLnBrk="0" hangingPunct="1">
+              <a:lnSpc>
+                <a:spcPct val="90000"/>
+              </a:lnSpc>
+              <a:spcBef>
+                <a:spcPts val="500"/>
+              </a:spcBef>
+              <a:buFont typeface="Arial" panose="020B0604020202020204" pitchFamily="34" charset="0"/>
+              <a:buChar char="•"/>
+              <a:defRPr kumimoji="1" sz="2400" kern="1200">
+                <a:solidFill>
+                  <a:schemeClr val="tx1"/>
+                </a:solidFill>
+                <a:latin typeface="+mn-lt"/>
+                <a:ea typeface="+mn-ea"/>
+                <a:cs typeface="+mn-cs"/>
+              </a:defRPr>
+            </a:lvl2pPr>
+            <a:lvl3pPr marL="1143000" indent="-228600" algn="l" defTabSz="914400" rtl="0" eaLnBrk="1" latinLnBrk="0" hangingPunct="1">
+              <a:lnSpc>
+                <a:spcPct val="90000"/>
+              </a:lnSpc>
+              <a:spcBef>
+                <a:spcPts val="500"/>
+              </a:spcBef>
+              <a:buFont typeface="Arial" panose="020B0604020202020204" pitchFamily="34" charset="0"/>
+              <a:buChar char="•"/>
+              <a:defRPr kumimoji="1" sz="2000" kern="1200">
+                <a:solidFill>
+                  <a:schemeClr val="tx1"/>
+                </a:solidFill>
+                <a:latin typeface="+mn-lt"/>
+                <a:ea typeface="+mn-ea"/>
+                <a:cs typeface="+mn-cs"/>
+              </a:defRPr>
+            </a:lvl3pPr>
+            <a:lvl4pPr marL="1600200" indent="-228600" algn="l" defTabSz="914400" rtl="0" eaLnBrk="1" latinLnBrk="0" hangingPunct="1">
+              <a:lnSpc>
+                <a:spcPct val="90000"/>
+              </a:lnSpc>
+              <a:spcBef>
+                <a:spcPts val="500"/>
+              </a:spcBef>
+              <a:buFont typeface="Arial" panose="020B0604020202020204" pitchFamily="34" charset="0"/>
+              <a:buChar char="•"/>
+              <a:defRPr kumimoji="1" sz="1800" kern="1200">
+                <a:solidFill>
+                  <a:schemeClr val="tx1"/>
+                </a:solidFill>
+                <a:latin typeface="+mn-lt"/>
+                <a:ea typeface="+mn-ea"/>
+                <a:cs typeface="+mn-cs"/>
+              </a:defRPr>
+            </a:lvl4pPr>
+            <a:lvl5pPr marL="2057400" indent="-228600" algn="l" defTabSz="914400" rtl="0" eaLnBrk="1" latinLnBrk="0" hangingPunct="1">
+              <a:lnSpc>
+                <a:spcPct val="90000"/>
+              </a:lnSpc>
+              <a:spcBef>
+                <a:spcPts val="500"/>
+              </a:spcBef>
+              <a:buFont typeface="Arial" panose="020B0604020202020204" pitchFamily="34" charset="0"/>
+              <a:buChar char="•"/>
+              <a:defRPr kumimoji="1" sz="1800" kern="1200">
+                <a:solidFill>
+                  <a:schemeClr val="tx1"/>
+                </a:solidFill>
+                <a:latin typeface="+mn-lt"/>
+                <a:ea typeface="+mn-ea"/>
+                <a:cs typeface="+mn-cs"/>
+              </a:defRPr>
+            </a:lvl5pPr>
+            <a:lvl6pPr marL="2514600" indent="-228600" algn="l" defTabSz="914400" rtl="0" eaLnBrk="1" latinLnBrk="0" hangingPunct="1">
+              <a:lnSpc>
+                <a:spcPct val="90000"/>
+              </a:lnSpc>
+              <a:spcBef>
+                <a:spcPts val="500"/>
+              </a:spcBef>
+              <a:buFont typeface="Arial" panose="020B0604020202020204" pitchFamily="34" charset="0"/>
+              <a:buChar char="•"/>
+              <a:defRPr kumimoji="1" sz="1800" kern="1200">
+                <a:solidFill>
+                  <a:schemeClr val="tx1"/>
+                </a:solidFill>
+                <a:latin typeface="+mn-lt"/>
+                <a:ea typeface="+mn-ea"/>
+                <a:cs typeface="+mn-cs"/>
+              </a:defRPr>
+            </a:lvl6pPr>
+            <a:lvl7pPr marL="2971800" indent="-228600" algn="l" defTabSz="914400" rtl="0" eaLnBrk="1" latinLnBrk="0" hangingPunct="1">
+              <a:lnSpc>
+                <a:spcPct val="90000"/>
+              </a:lnSpc>
+              <a:spcBef>
+                <a:spcPts val="500"/>
+              </a:spcBef>
+              <a:buFont typeface="Arial" panose="020B0604020202020204" pitchFamily="34" charset="0"/>
+              <a:buChar char="•"/>
+              <a:defRPr kumimoji="1" sz="1800" kern="1200">
+                <a:solidFill>
+                  <a:schemeClr val="tx1"/>
+                </a:solidFill>
+                <a:latin typeface="+mn-lt"/>
+                <a:ea typeface="+mn-ea"/>
+                <a:cs typeface="+mn-cs"/>
+              </a:defRPr>
+            </a:lvl7pPr>
+            <a:lvl8pPr marL="3429000" indent="-228600" algn="l" defTabSz="914400" rtl="0" eaLnBrk="1" latinLnBrk="0" hangingPunct="1">
+              <a:lnSpc>
+                <a:spcPct val="90000"/>
+              </a:lnSpc>
+              <a:spcBef>
+                <a:spcPts val="500"/>
+              </a:spcBef>
+              <a:buFont typeface="Arial" panose="020B0604020202020204" pitchFamily="34" charset="0"/>
+              <a:buChar char="•"/>
+              <a:defRPr kumimoji="1" sz="1800" kern="1200">
+                <a:solidFill>
+                  <a:schemeClr val="tx1"/>
+                </a:solidFill>
+                <a:latin typeface="+mn-lt"/>
+                <a:ea typeface="+mn-ea"/>
+                <a:cs typeface="+mn-cs"/>
+              </a:defRPr>
+            </a:lvl8pPr>
+            <a:lvl9pPr marL="3886200" indent="-228600" algn="l" defTabSz="914400" rtl="0" eaLnBrk="1" latinLnBrk="0" hangingPunct="1">
+              <a:lnSpc>
+                <a:spcPct val="90000"/>
+              </a:lnSpc>
+              <a:spcBef>
+                <a:spcPts val="500"/>
+              </a:spcBef>
+              <a:buFont typeface="Arial" panose="020B0604020202020204" pitchFamily="34" charset="0"/>
+              <a:buChar char="•"/>
+              <a:defRPr kumimoji="1" sz="1800" kern="1200">
+                <a:solidFill>
+                  <a:schemeClr val="tx1"/>
+                </a:solidFill>
+                <a:latin typeface="+mn-lt"/>
+                <a:ea typeface="+mn-ea"/>
+                <a:cs typeface="+mn-cs"/>
+              </a:defRPr>
+            </a:lvl9pPr>
+          </a:lstStyle>
+          <a:p>
+            <a:pPr marL="0" indent="0">
+              <a:buFont typeface="Arial" panose="020B0604020202020204" pitchFamily="34" charset="0"/>
+              <a:buNone/>
+            </a:pPr>
+            <a:r>
+              <a:rPr lang="ja-JP" altLang="en-US" dirty="0" smtClean="0"/>
+              <a:t>可</a:t>
+            </a:r>
+            <a:r>
+              <a:rPr lang="ja-JP" altLang="en-US" dirty="0"/>
+              <a:t>観測</a:t>
+            </a:r>
+            <a:r>
+              <a:rPr lang="ja-JP" altLang="en-US" dirty="0" smtClean="0"/>
+              <a:t>性の判定</a:t>
+            </a:r>
+            <a:endParaRPr lang="en-US" altLang="ja-JP" dirty="0" smtClean="0"/>
+          </a:p>
+          <a:p>
+            <a:pPr marL="0" indent="0">
+              <a:buNone/>
+            </a:pPr>
+            <a:r>
+              <a:rPr lang="ja-JP" altLang="en-US" dirty="0"/>
+              <a:t>　</a:t>
+            </a:r>
+            <a:r>
+              <a:rPr lang="ja-JP" altLang="en-US" dirty="0" smtClean="0"/>
+              <a:t>　　</a:t>
+            </a:r>
+            <a:endParaRPr lang="en-US" altLang="ja-JP" sz="2400" dirty="0" smtClean="0"/>
+          </a:p>
+        </p:txBody>
+      </p:sp>
+      <mc:AlternateContent xmlns:mc="http://schemas.openxmlformats.org/markup-compatibility/2006" xmlns:a14="http://schemas.microsoft.com/office/drawing/2010/main">
+        <mc:Choice Requires="a14">
+          <p:sp>
+            <p:nvSpPr>
+              <p:cNvPr id="8" name="テキスト ボックス 7"/>
+              <p:cNvSpPr txBox="1"/>
+              <p:nvPr/>
+            </p:nvSpPr>
+            <p:spPr>
+              <a:xfrm>
+                <a:off x="2172929" y="3549445"/>
+                <a:ext cx="6233652" cy="1569660"/>
+              </a:xfrm>
+              <a:prstGeom prst="rect">
+                <a:avLst/>
+              </a:prstGeom>
+              <a:noFill/>
+            </p:spPr>
+            <p:txBody>
+              <a:bodyPr wrap="square" rtlCol="0">
+                <a:spAutoFit/>
+              </a:bodyPr>
+              <a:lstStyle/>
+              <a:p>
+                <a:r>
+                  <a:rPr lang="ja-JP" altLang="en-US" sz="2400" dirty="0" smtClean="0"/>
+                  <a:t>可観測性行列</a:t>
+                </a:r>
+                <a:endParaRPr lang="en-US" altLang="ja-JP" sz="2400" i="1" dirty="0" smtClean="0">
+                  <a:latin typeface="Cambria Math" panose="02040503050406030204" pitchFamily="18" charset="0"/>
+                </a:endParaRPr>
+              </a:p>
+              <a:p>
+                <a:pPr/>
+                <a14:m>
+                  <m:oMathPara xmlns:m="http://schemas.openxmlformats.org/officeDocument/2006/math">
+                    <m:oMathParaPr>
+                      <m:jc m:val="centerGroup"/>
+                    </m:oMathParaPr>
+                    <m:oMath xmlns:m="http://schemas.openxmlformats.org/officeDocument/2006/math">
+                      <m:sSub>
+                        <m:sSubPr>
+                          <m:ctrlPr>
+                            <a:rPr lang="en-US" altLang="ja-JP" sz="2400" i="1">
+                              <a:latin typeface="Cambria Math" panose="02040503050406030204" pitchFamily="18" charset="0"/>
+                            </a:rPr>
+                          </m:ctrlPr>
+                        </m:sSubPr>
+                        <m:e>
+                          <m:r>
+                            <a:rPr lang="en-US" altLang="ja-JP" sz="2400" i="1">
+                              <a:latin typeface="Cambria Math" panose="02040503050406030204" pitchFamily="18" charset="0"/>
+                            </a:rPr>
+                            <m:t>𝑁</m:t>
+                          </m:r>
+                        </m:e>
+                        <m:sub>
+                          <m:r>
+                            <a:rPr lang="en-US" altLang="ja-JP" sz="2400" i="1">
+                              <a:latin typeface="Cambria Math" panose="02040503050406030204" pitchFamily="18" charset="0"/>
+                            </a:rPr>
+                            <m:t>𝑜</m:t>
+                          </m:r>
+                        </m:sub>
+                      </m:sSub>
+                      <m:r>
+                        <a:rPr lang="en-US" altLang="ja-JP" sz="2400" i="1">
+                          <a:latin typeface="Cambria Math" panose="02040503050406030204" pitchFamily="18" charset="0"/>
+                          <a:ea typeface="Cambria Math" panose="02040503050406030204" pitchFamily="18" charset="0"/>
+                        </a:rPr>
+                        <m:t>=</m:t>
+                      </m:r>
+                      <m:sSup>
+                        <m:sSupPr>
+                          <m:ctrlPr>
+                            <a:rPr lang="en-US" altLang="ja-JP" sz="2400" i="1">
+                              <a:latin typeface="Cambria Math" panose="02040503050406030204" pitchFamily="18" charset="0"/>
+                              <a:ea typeface="Cambria Math" panose="02040503050406030204" pitchFamily="18" charset="0"/>
+                            </a:rPr>
+                          </m:ctrlPr>
+                        </m:sSupPr>
+                        <m:e>
+                          <m:d>
+                            <m:dPr>
+                              <m:begChr m:val="["/>
+                              <m:endChr m:val="]"/>
+                              <m:ctrlPr>
+                                <a:rPr lang="en-US" altLang="ja-JP" sz="2400" i="1">
+                                  <a:latin typeface="Cambria Math" panose="02040503050406030204" pitchFamily="18" charset="0"/>
+                                  <a:ea typeface="Cambria Math" panose="02040503050406030204" pitchFamily="18" charset="0"/>
+                                </a:rPr>
+                              </m:ctrlPr>
+                            </m:dPr>
+                            <m:e>
+                              <m:r>
+                                <a:rPr lang="en-US" altLang="ja-JP" sz="2400" i="1">
+                                  <a:latin typeface="Cambria Math" panose="02040503050406030204" pitchFamily="18" charset="0"/>
+                                  <a:ea typeface="Cambria Math" panose="02040503050406030204" pitchFamily="18" charset="0"/>
+                                </a:rPr>
+                                <m:t>𝐶</m:t>
+                              </m:r>
+                              <m:r>
+                                <a:rPr lang="en-US" altLang="ja-JP" sz="2400" i="1">
+                                  <a:latin typeface="Cambria Math" panose="02040503050406030204" pitchFamily="18" charset="0"/>
+                                  <a:ea typeface="Cambria Math" panose="02040503050406030204" pitchFamily="18" charset="0"/>
+                                </a:rPr>
+                                <m:t>  </m:t>
+                              </m:r>
+                              <m:r>
+                                <a:rPr lang="en-US" altLang="ja-JP" sz="2400" i="1">
+                                  <a:latin typeface="Cambria Math" panose="02040503050406030204" pitchFamily="18" charset="0"/>
+                                  <a:ea typeface="Cambria Math" panose="02040503050406030204" pitchFamily="18" charset="0"/>
+                                </a:rPr>
+                                <m:t>𝐶𝐴</m:t>
+                              </m:r>
+                              <m:r>
+                                <a:rPr lang="en-US" altLang="ja-JP" sz="2400" i="1">
+                                  <a:latin typeface="Cambria Math" panose="02040503050406030204" pitchFamily="18" charset="0"/>
+                                  <a:ea typeface="Cambria Math" panose="02040503050406030204" pitchFamily="18" charset="0"/>
+                                </a:rPr>
+                                <m:t>  </m:t>
+                              </m:r>
+                              <m:sSup>
+                                <m:sSupPr>
+                                  <m:ctrlPr>
+                                    <a:rPr lang="en-US" altLang="ja-JP" sz="2400" i="1">
+                                      <a:latin typeface="Cambria Math" panose="02040503050406030204" pitchFamily="18" charset="0"/>
+                                      <a:ea typeface="Cambria Math" panose="02040503050406030204" pitchFamily="18" charset="0"/>
+                                    </a:rPr>
+                                  </m:ctrlPr>
+                                </m:sSupPr>
+                                <m:e>
+                                  <m:r>
+                                    <a:rPr lang="en-US" altLang="ja-JP" sz="2400" i="1">
+                                      <a:latin typeface="Cambria Math" panose="02040503050406030204" pitchFamily="18" charset="0"/>
+                                      <a:ea typeface="Cambria Math" panose="02040503050406030204" pitchFamily="18" charset="0"/>
+                                    </a:rPr>
+                                    <m:t>𝐶𝐴</m:t>
+                                  </m:r>
+                                </m:e>
+                                <m:sup>
+                                  <m:r>
+                                    <a:rPr lang="en-US" altLang="ja-JP" sz="2400" i="1">
+                                      <a:latin typeface="Cambria Math" panose="02040503050406030204" pitchFamily="18" charset="0"/>
+                                      <a:ea typeface="Cambria Math" panose="02040503050406030204" pitchFamily="18" charset="0"/>
+                                    </a:rPr>
+                                    <m:t>2</m:t>
+                                  </m:r>
+                                </m:sup>
+                              </m:sSup>
+                              <m:r>
+                                <a:rPr lang="en-US" altLang="ja-JP" sz="2400" i="1">
+                                  <a:latin typeface="Cambria Math" panose="02040503050406030204" pitchFamily="18" charset="0"/>
+                                  <a:ea typeface="Cambria Math" panose="02040503050406030204" pitchFamily="18" charset="0"/>
+                                </a:rPr>
+                                <m:t>  …</m:t>
+                              </m:r>
+                              <m:sSup>
+                                <m:sSupPr>
+                                  <m:ctrlPr>
+                                    <a:rPr lang="en-US" altLang="ja-JP" sz="2400" i="1">
+                                      <a:latin typeface="Cambria Math" panose="02040503050406030204" pitchFamily="18" charset="0"/>
+                                      <a:ea typeface="Cambria Math" panose="02040503050406030204" pitchFamily="18" charset="0"/>
+                                    </a:rPr>
+                                  </m:ctrlPr>
+                                </m:sSupPr>
+                                <m:e>
+                                  <m:r>
+                                    <a:rPr lang="en-US" altLang="ja-JP" sz="2400" i="1">
+                                      <a:latin typeface="Cambria Math" panose="02040503050406030204" pitchFamily="18" charset="0"/>
+                                      <a:ea typeface="Cambria Math" panose="02040503050406030204" pitchFamily="18" charset="0"/>
+                                    </a:rPr>
+                                    <m:t>𝐶𝐴</m:t>
+                                  </m:r>
+                                </m:e>
+                                <m:sup>
+                                  <m:r>
+                                    <a:rPr lang="en-US" altLang="ja-JP" sz="2400" i="1">
+                                      <a:latin typeface="Cambria Math" panose="02040503050406030204" pitchFamily="18" charset="0"/>
+                                      <a:ea typeface="Cambria Math" panose="02040503050406030204" pitchFamily="18" charset="0"/>
+                                    </a:rPr>
+                                    <m:t>𝑛</m:t>
+                                  </m:r>
+                                  <m:r>
+                                    <a:rPr lang="en-US" altLang="ja-JP" sz="2400" i="1">
+                                      <a:latin typeface="Cambria Math" panose="02040503050406030204" pitchFamily="18" charset="0"/>
+                                      <a:ea typeface="Cambria Math" panose="02040503050406030204" pitchFamily="18" charset="0"/>
+                                    </a:rPr>
+                                    <m:t>−1</m:t>
+                                  </m:r>
+                                </m:sup>
+                              </m:sSup>
+                            </m:e>
+                          </m:d>
+                        </m:e>
+                        <m:sup>
+                          <m:r>
+                            <a:rPr lang="en-US" altLang="ja-JP" sz="2400" i="1">
+                              <a:latin typeface="Cambria Math" panose="02040503050406030204" pitchFamily="18" charset="0"/>
+                              <a:ea typeface="Cambria Math" panose="02040503050406030204" pitchFamily="18" charset="0"/>
+                            </a:rPr>
+                            <m:t>𝑇</m:t>
+                          </m:r>
+                        </m:sup>
+                      </m:sSup>
+                    </m:oMath>
+                  </m:oMathPara>
+                </a14:m>
+                <a:endParaRPr lang="en-US" altLang="ja-JP" sz="2400" dirty="0">
+                  <a:ea typeface="Cambria Math" panose="02040503050406030204" pitchFamily="18" charset="0"/>
+                </a:endParaRPr>
+              </a:p>
+              <a:p>
+                <a:r>
+                  <a:rPr lang="ja-JP" altLang="en-US" sz="2400" dirty="0" smtClean="0"/>
+                  <a:t>が</a:t>
+                </a:r>
+                <a:r>
+                  <a:rPr lang="ja-JP" altLang="en-US" sz="2400" dirty="0"/>
+                  <a:t>フルランクであれば可観測</a:t>
+                </a:r>
+              </a:p>
+              <a:p>
+                <a:r>
+                  <a:rPr lang="en-US" altLang="ja-JP" sz="2400" dirty="0" smtClean="0"/>
+                  <a:t>(</a:t>
+                </a:r>
+                <a14:m>
+                  <m:oMath xmlns:m="http://schemas.openxmlformats.org/officeDocument/2006/math">
+                    <m:r>
+                      <a:rPr lang="en-US" altLang="ja-JP" sz="2400" i="1" smtClean="0">
+                        <a:latin typeface="Cambria Math" panose="02040503050406030204" pitchFamily="18" charset="0"/>
+                      </a:rPr>
+                      <m:t>𝑛</m:t>
+                    </m:r>
+                  </m:oMath>
+                </a14:m>
+                <a:r>
+                  <a:rPr lang="ja-JP" altLang="en-US" sz="2400" dirty="0" smtClean="0"/>
+                  <a:t>はシステムの次数</a:t>
+                </a:r>
+                <a:r>
+                  <a:rPr lang="en-US" altLang="ja-JP" sz="2400" dirty="0" smtClean="0"/>
+                  <a:t>)</a:t>
+                </a:r>
+              </a:p>
+            </p:txBody>
+          </p:sp>
+        </mc:Choice>
+        <mc:Fallback xmlns="">
+          <p:sp>
+            <p:nvSpPr>
+              <p:cNvPr id="8" name="テキスト ボックス 7"/>
+              <p:cNvSpPr txBox="1">
+                <a:spLocks noRot="1" noChangeAspect="1" noMove="1" noResize="1" noEditPoints="1" noAdjustHandles="1" noChangeArrowheads="1" noChangeShapeType="1" noTextEdit="1"/>
+              </p:cNvSpPr>
+              <p:nvPr/>
+            </p:nvSpPr>
+            <p:spPr>
+              <a:xfrm>
+                <a:off x="2172929" y="3549445"/>
+                <a:ext cx="6233652" cy="1569660"/>
+              </a:xfrm>
+              <a:prstGeom prst="rect">
+                <a:avLst/>
+              </a:prstGeom>
+              <a:blipFill rotWithShape="0">
+                <a:blip r:embed="rId4"/>
+                <a:stretch>
+                  <a:fillRect l="-1466" t="-4264" b="-7752"/>
+                </a:stretch>
+              </a:blipFill>
+            </p:spPr>
+            <p:txBody>
+              <a:bodyPr/>
+              <a:lstStyle/>
+              <a:p>
+                <a:r>
+                  <a:rPr lang="ja-JP" altLang="en-US">
+                    <a:noFill/>
+                  </a:rPr>
+                  <a:t> </a:t>
+                </a:r>
+              </a:p>
+            </p:txBody>
+          </p:sp>
+        </mc:Fallback>
+      </mc:AlternateContent>
+    </p:spTree>
+    <p:extLst>
+      <p:ext uri="{BB962C8B-B14F-4D97-AF65-F5344CB8AC3E}">
+        <p14:creationId xmlns:p14="http://schemas.microsoft.com/office/powerpoint/2010/main" val="687364462"/>
+      </p:ext>
+    </p:extLst>
+  </p:cSld>
+  <p:clrMapOvr>
+    <a:masterClrMapping/>
+  </p:clrMapOvr>
+  <p:timing>
+    <p:tnLst>
+      <p:par>
+        <p:cTn id="1" dur="indefinite" restart="never" nodeType="tmRoot"/>
+      </p:par>
+    </p:tnLst>
+  </p:timing>
+</p:sld>
+</file>
+
+<file path=ppt/slides/slide39.xml><?xml version="1.0" encoding="utf-8"?>
+<p:sld xmlns:a="http://schemas.openxmlformats.org/drawingml/2006/main" xmlns:r="http://schemas.openxmlformats.org/officeDocument/2006/relationships" xmlns:p="http://schemas.openxmlformats.org/presentationml/2006/main">
+  <p:cSld>
+    <p:spTree>
+      <p:nvGrpSpPr>
+        <p:cNvPr id="1" name=""/>
+        <p:cNvGrpSpPr/>
+        <p:nvPr/>
+      </p:nvGrpSpPr>
+      <p:grpSpPr>
+        <a:xfrm>
+          <a:off x="0" y="0"/>
+          <a:ext cx="0" cy="0"/>
+          <a:chOff x="0" y="0"/>
+          <a:chExt cx="0" cy="0"/>
+        </a:xfrm>
+      </p:grpSpPr>
+      <p:sp>
+        <p:nvSpPr>
+          <p:cNvPr id="2" name="タイトル 1"/>
+          <p:cNvSpPr>
+            <a:spLocks noGrp="1"/>
+          </p:cNvSpPr>
+          <p:nvPr>
+            <p:ph type="title"/>
+          </p:nvPr>
+        </p:nvSpPr>
+        <p:spPr/>
+        <p:txBody>
+          <a:bodyPr/>
+          <a:lstStyle/>
+          <a:p>
+            <a:r>
+              <a:rPr lang="ja-JP" altLang="en-US" dirty="0"/>
+              <a:t>制</a:t>
+            </a:r>
+            <a:r>
+              <a:rPr lang="ja-JP" altLang="en-US" dirty="0" smtClean="0"/>
+              <a:t>御</a:t>
+            </a:r>
+            <a:r>
+              <a:rPr lang="ja-JP" altLang="en-US" dirty="0"/>
+              <a:t>システム</a:t>
+            </a:r>
+            <a:r>
+              <a:rPr lang="ja-JP" altLang="en-US" dirty="0" smtClean="0"/>
+              <a:t>の</a:t>
+            </a:r>
+            <a:r>
+              <a:rPr lang="ja-JP" altLang="en-US" dirty="0"/>
+              <a:t>構成</a:t>
+            </a:r>
+            <a:endParaRPr kumimoji="1" lang="ja-JP" altLang="en-US" dirty="0"/>
+          </a:p>
+        </p:txBody>
+      </p:sp>
+      <p:pic>
+        <p:nvPicPr>
+          <p:cNvPr id="12" name="コンテンツ プレースホルダー 11"/>
+          <p:cNvPicPr>
+            <a:picLocks noGrp="1" noChangeAspect="1"/>
+          </p:cNvPicPr>
+          <p:nvPr>
+            <p:ph idx="1"/>
+          </p:nvPr>
+        </p:nvPicPr>
+        <p:blipFill>
+          <a:blip r:embed="rId2">
+            <a:extLst>
+              <a:ext uri="{28A0092B-C50C-407E-A947-70E740481C1C}">
+                <a14:useLocalDpi xmlns:a14="http://schemas.microsoft.com/office/drawing/2010/main" val="0"/>
+              </a:ext>
+            </a:extLst>
+          </a:blip>
+          <a:stretch>
+            <a:fillRect/>
+          </a:stretch>
+        </p:blipFill>
+        <p:spPr>
+          <a:xfrm>
+            <a:off x="628650" y="1346559"/>
+            <a:ext cx="8025363" cy="4031685"/>
+          </a:xfrm>
+        </p:spPr>
+      </p:pic>
+      <mc:AlternateContent xmlns:mc="http://schemas.openxmlformats.org/markup-compatibility/2006" xmlns:a14="http://schemas.microsoft.com/office/drawing/2010/main">
+        <mc:Choice Requires="a14">
+          <p:sp>
+            <p:nvSpPr>
+              <p:cNvPr id="14" name="コンテンツ プレースホルダー 2"/>
+              <p:cNvSpPr txBox="1">
+                <a:spLocks/>
+              </p:cNvSpPr>
+              <p:nvPr/>
+            </p:nvSpPr>
+            <p:spPr>
+              <a:xfrm>
+                <a:off x="628650" y="5517931"/>
+                <a:ext cx="7886700" cy="1177836"/>
+              </a:xfrm>
+              <a:prstGeom prst="rect">
+                <a:avLst/>
+              </a:prstGeom>
+            </p:spPr>
+            <p:txBody>
+              <a:bodyPr vert="horz" lIns="91440" tIns="45720" rIns="91440" bIns="45720" rtlCol="0">
+                <a:normAutofit/>
+              </a:bodyPr>
+              <a:lstStyle>
+                <a:lvl1pPr marL="228600" indent="-228600" algn="l" defTabSz="914400" rtl="0" eaLnBrk="1" latinLnBrk="0" hangingPunct="1">
+                  <a:lnSpc>
+                    <a:spcPct val="90000"/>
+                  </a:lnSpc>
+                  <a:spcBef>
+                    <a:spcPts val="1000"/>
+                  </a:spcBef>
+                  <a:buFont typeface="Arial" panose="020B0604020202020204" pitchFamily="34" charset="0"/>
+                  <a:buChar char="•"/>
+                  <a:defRPr kumimoji="1" sz="2800" kern="1200">
+                    <a:solidFill>
+                      <a:schemeClr val="tx1"/>
+                    </a:solidFill>
+                    <a:latin typeface="+mn-lt"/>
+                    <a:ea typeface="+mn-ea"/>
+                    <a:cs typeface="+mn-cs"/>
+                  </a:defRPr>
+                </a:lvl1pPr>
+                <a:lvl2pPr marL="685800" indent="-228600" algn="l" defTabSz="914400" rtl="0" eaLnBrk="1" latinLnBrk="0" hangingPunct="1">
+                  <a:lnSpc>
+                    <a:spcPct val="90000"/>
+                  </a:lnSpc>
+                  <a:spcBef>
+                    <a:spcPts val="500"/>
+                  </a:spcBef>
+                  <a:buFont typeface="Arial" panose="020B0604020202020204" pitchFamily="34" charset="0"/>
+                  <a:buChar char="•"/>
+                  <a:defRPr kumimoji="1" sz="2400" kern="1200">
+                    <a:solidFill>
+                      <a:schemeClr val="tx1"/>
+                    </a:solidFill>
+                    <a:latin typeface="+mn-lt"/>
+                    <a:ea typeface="+mn-ea"/>
+                    <a:cs typeface="+mn-cs"/>
+                  </a:defRPr>
+                </a:lvl2pPr>
+                <a:lvl3pPr marL="1143000" indent="-228600" algn="l" defTabSz="914400" rtl="0" eaLnBrk="1" latinLnBrk="0" hangingPunct="1">
+                  <a:lnSpc>
+                    <a:spcPct val="90000"/>
+                  </a:lnSpc>
+                  <a:spcBef>
+                    <a:spcPts val="500"/>
+                  </a:spcBef>
+                  <a:buFont typeface="Arial" panose="020B0604020202020204" pitchFamily="34" charset="0"/>
+                  <a:buChar char="•"/>
+                  <a:defRPr kumimoji="1" sz="2000" kern="1200">
+                    <a:solidFill>
+                      <a:schemeClr val="tx1"/>
+                    </a:solidFill>
+                    <a:latin typeface="+mn-lt"/>
+                    <a:ea typeface="+mn-ea"/>
+                    <a:cs typeface="+mn-cs"/>
+                  </a:defRPr>
+                </a:lvl3pPr>
+                <a:lvl4pPr marL="1600200" indent="-228600" algn="l" defTabSz="914400" rtl="0" eaLnBrk="1" latinLnBrk="0" hangingPunct="1">
+                  <a:lnSpc>
+                    <a:spcPct val="90000"/>
+                  </a:lnSpc>
+                  <a:spcBef>
+                    <a:spcPts val="500"/>
+                  </a:spcBef>
+                  <a:buFont typeface="Arial" panose="020B0604020202020204" pitchFamily="34" charset="0"/>
+                  <a:buChar char="•"/>
+                  <a:defRPr kumimoji="1" sz="1800" kern="1200">
+                    <a:solidFill>
+                      <a:schemeClr val="tx1"/>
+                    </a:solidFill>
+                    <a:latin typeface="+mn-lt"/>
+                    <a:ea typeface="+mn-ea"/>
+                    <a:cs typeface="+mn-cs"/>
+                  </a:defRPr>
+                </a:lvl4pPr>
+                <a:lvl5pPr marL="2057400" indent="-228600" algn="l" defTabSz="914400" rtl="0" eaLnBrk="1" latinLnBrk="0" hangingPunct="1">
+                  <a:lnSpc>
+                    <a:spcPct val="90000"/>
+                  </a:lnSpc>
+                  <a:spcBef>
+                    <a:spcPts val="500"/>
+                  </a:spcBef>
+                  <a:buFont typeface="Arial" panose="020B0604020202020204" pitchFamily="34" charset="0"/>
+                  <a:buChar char="•"/>
+                  <a:defRPr kumimoji="1" sz="1800" kern="1200">
+                    <a:solidFill>
+                      <a:schemeClr val="tx1"/>
+                    </a:solidFill>
+                    <a:latin typeface="+mn-lt"/>
+                    <a:ea typeface="+mn-ea"/>
+                    <a:cs typeface="+mn-cs"/>
+                  </a:defRPr>
+                </a:lvl5pPr>
+                <a:lvl6pPr marL="2514600" indent="-228600" algn="l" defTabSz="914400" rtl="0" eaLnBrk="1" latinLnBrk="0" hangingPunct="1">
+                  <a:lnSpc>
+                    <a:spcPct val="90000"/>
+                  </a:lnSpc>
+                  <a:spcBef>
+                    <a:spcPts val="500"/>
+                  </a:spcBef>
+                  <a:buFont typeface="Arial" panose="020B0604020202020204" pitchFamily="34" charset="0"/>
+                  <a:buChar char="•"/>
+                  <a:defRPr kumimoji="1" sz="1800" kern="1200">
+                    <a:solidFill>
+                      <a:schemeClr val="tx1"/>
+                    </a:solidFill>
+                    <a:latin typeface="+mn-lt"/>
+                    <a:ea typeface="+mn-ea"/>
+                    <a:cs typeface="+mn-cs"/>
+                  </a:defRPr>
+                </a:lvl6pPr>
+                <a:lvl7pPr marL="2971800" indent="-228600" algn="l" defTabSz="914400" rtl="0" eaLnBrk="1" latinLnBrk="0" hangingPunct="1">
+                  <a:lnSpc>
+                    <a:spcPct val="90000"/>
+                  </a:lnSpc>
+                  <a:spcBef>
+                    <a:spcPts val="500"/>
+                  </a:spcBef>
+                  <a:buFont typeface="Arial" panose="020B0604020202020204" pitchFamily="34" charset="0"/>
+                  <a:buChar char="•"/>
+                  <a:defRPr kumimoji="1" sz="1800" kern="1200">
+                    <a:solidFill>
+                      <a:schemeClr val="tx1"/>
+                    </a:solidFill>
+                    <a:latin typeface="+mn-lt"/>
+                    <a:ea typeface="+mn-ea"/>
+                    <a:cs typeface="+mn-cs"/>
+                  </a:defRPr>
+                </a:lvl7pPr>
+                <a:lvl8pPr marL="3429000" indent="-228600" algn="l" defTabSz="914400" rtl="0" eaLnBrk="1" latinLnBrk="0" hangingPunct="1">
+                  <a:lnSpc>
+                    <a:spcPct val="90000"/>
+                  </a:lnSpc>
+                  <a:spcBef>
+                    <a:spcPts val="500"/>
+                  </a:spcBef>
+                  <a:buFont typeface="Arial" panose="020B0604020202020204" pitchFamily="34" charset="0"/>
+                  <a:buChar char="•"/>
+                  <a:defRPr kumimoji="1" sz="1800" kern="1200">
+                    <a:solidFill>
+                      <a:schemeClr val="tx1"/>
+                    </a:solidFill>
+                    <a:latin typeface="+mn-lt"/>
+                    <a:ea typeface="+mn-ea"/>
+                    <a:cs typeface="+mn-cs"/>
+                  </a:defRPr>
+                </a:lvl8pPr>
+                <a:lvl9pPr marL="3886200" indent="-228600" algn="l" defTabSz="914400" rtl="0" eaLnBrk="1" latinLnBrk="0" hangingPunct="1">
+                  <a:lnSpc>
+                    <a:spcPct val="90000"/>
+                  </a:lnSpc>
+                  <a:spcBef>
+                    <a:spcPts val="500"/>
+                  </a:spcBef>
+                  <a:buFont typeface="Arial" panose="020B0604020202020204" pitchFamily="34" charset="0"/>
+                  <a:buChar char="•"/>
+                  <a:defRPr kumimoji="1" sz="1800" kern="1200">
+                    <a:solidFill>
+                      <a:schemeClr val="tx1"/>
+                    </a:solidFill>
+                    <a:latin typeface="+mn-lt"/>
+                    <a:ea typeface="+mn-ea"/>
+                    <a:cs typeface="+mn-cs"/>
+                  </a:defRPr>
+                </a:lvl9pPr>
+              </a:lstStyle>
+              <a:p>
+                <a:pPr marL="0" indent="0">
+                  <a:buNone/>
+                </a:pPr>
+                <a14:m>
+                  <m:oMathPara xmlns:m="http://schemas.openxmlformats.org/officeDocument/2006/math">
+                    <m:oMathParaPr>
+                      <m:jc m:val="centerGroup"/>
+                    </m:oMathParaPr>
+                    <m:oMath xmlns:m="http://schemas.openxmlformats.org/officeDocument/2006/math">
+                      <m:r>
+                        <a:rPr lang="en-US" altLang="ja-JP" b="0" i="1" smtClean="0">
+                          <a:latin typeface="Cambria Math" panose="02040503050406030204" pitchFamily="18" charset="0"/>
+                        </a:rPr>
+                        <m:t>𝐹</m:t>
+                      </m:r>
+                      <m:r>
+                        <a:rPr lang="en-US" altLang="ja-JP" b="0" i="1" smtClean="0">
+                          <a:latin typeface="Cambria Math" panose="02040503050406030204" pitchFamily="18" charset="0"/>
+                        </a:rPr>
+                        <m:t> : </m:t>
+                      </m:r>
+                      <m:r>
+                        <a:rPr lang="ja-JP" altLang="en-US" i="1">
+                          <a:latin typeface="Cambria Math" panose="02040503050406030204" pitchFamily="18" charset="0"/>
+                        </a:rPr>
+                        <m:t>フィードバックゲイン</m:t>
+                      </m:r>
+                    </m:oMath>
+                  </m:oMathPara>
+                </a14:m>
+                <a:endParaRPr lang="en-US" altLang="ja-JP" dirty="0" smtClean="0"/>
+              </a:p>
+            </p:txBody>
+          </p:sp>
+        </mc:Choice>
+        <mc:Fallback xmlns="">
+          <p:sp>
+            <p:nvSpPr>
+              <p:cNvPr id="14" name="コンテンツ プレースホルダー 2"/>
+              <p:cNvSpPr txBox="1">
+                <a:spLocks noRot="1" noChangeAspect="1" noMove="1" noResize="1" noEditPoints="1" noAdjustHandles="1" noChangeArrowheads="1" noChangeShapeType="1" noTextEdit="1"/>
+              </p:cNvSpPr>
+              <p:nvPr/>
+            </p:nvSpPr>
+            <p:spPr>
+              <a:xfrm>
+                <a:off x="628650" y="5517931"/>
+                <a:ext cx="7886700" cy="1177836"/>
+              </a:xfrm>
+              <a:prstGeom prst="rect">
+                <a:avLst/>
+              </a:prstGeom>
+              <a:blipFill rotWithShape="0">
+                <a:blip r:embed="rId3"/>
+                <a:stretch>
+                  <a:fillRect/>
+                </a:stretch>
+              </a:blipFill>
+            </p:spPr>
+            <p:txBody>
+              <a:bodyPr/>
+              <a:lstStyle/>
+              <a:p>
+                <a:r>
+                  <a:rPr lang="ja-JP" altLang="en-US">
+                    <a:noFill/>
+                  </a:rPr>
+                  <a:t> </a:t>
+                </a:r>
+              </a:p>
+            </p:txBody>
+          </p:sp>
+        </mc:Fallback>
+      </mc:AlternateContent>
+      <mc:AlternateContent xmlns:mc="http://schemas.openxmlformats.org/markup-compatibility/2006" xmlns:a14="http://schemas.microsoft.com/office/drawing/2010/main">
+        <mc:Choice Requires="a14">
+          <p:sp>
+            <p:nvSpPr>
+              <p:cNvPr id="3" name="テキスト ボックス 2"/>
+              <p:cNvSpPr txBox="1"/>
+              <p:nvPr/>
+            </p:nvSpPr>
+            <p:spPr>
+              <a:xfrm>
+                <a:off x="1261241" y="5959567"/>
+                <a:ext cx="4840014" cy="800219"/>
+              </a:xfrm>
+              <a:prstGeom prst="rect">
+                <a:avLst/>
+              </a:prstGeom>
+              <a:noFill/>
+            </p:spPr>
+            <p:txBody>
+              <a:bodyPr wrap="square" rtlCol="0">
+                <a:spAutoFit/>
+              </a:bodyPr>
+              <a:lstStyle/>
+              <a:p>
+                <a:pPr/>
+                <a14:m>
+                  <m:oMathPara xmlns:m="http://schemas.openxmlformats.org/officeDocument/2006/math">
+                    <m:oMathParaPr>
+                      <m:jc m:val="centerGroup"/>
+                    </m:oMathParaPr>
+                    <m:oMath xmlns:m="http://schemas.openxmlformats.org/officeDocument/2006/math">
+                      <m:sSub>
+                        <m:sSubPr>
+                          <m:ctrlPr>
+                            <a:rPr lang="en-US" altLang="ja-JP" sz="2800" i="1">
+                              <a:latin typeface="Cambria Math" panose="02040503050406030204" pitchFamily="18" charset="0"/>
+                            </a:rPr>
+                          </m:ctrlPr>
+                        </m:sSubPr>
+                        <m:e>
+                          <m:r>
+                            <a:rPr lang="en-US" altLang="ja-JP" sz="2800" i="1">
+                              <a:latin typeface="Cambria Math" panose="02040503050406030204" pitchFamily="18" charset="0"/>
+                            </a:rPr>
+                            <m:t>𝑥</m:t>
+                          </m:r>
+                        </m:e>
+                        <m:sub>
+                          <m:r>
+                            <m:rPr>
+                              <m:sty m:val="p"/>
+                            </m:rPr>
+                            <a:rPr lang="en-US" altLang="ja-JP" sz="2800">
+                              <a:latin typeface="Cambria Math" panose="02040503050406030204" pitchFamily="18" charset="0"/>
+                            </a:rPr>
+                            <m:t>ref</m:t>
+                          </m:r>
+                        </m:sub>
+                      </m:sSub>
+                      <m:r>
+                        <a:rPr lang="en-US" altLang="ja-JP" sz="2800">
+                          <a:latin typeface="Cambria Math" panose="02040503050406030204" pitchFamily="18" charset="0"/>
+                        </a:rPr>
+                        <m:t> : </m:t>
+                      </m:r>
+                      <m:r>
+                        <a:rPr lang="ja-JP" altLang="en-US" sz="2800" i="1">
+                          <a:latin typeface="Cambria Math" panose="02040503050406030204" pitchFamily="18" charset="0"/>
+                        </a:rPr>
+                        <m:t>状態目標</m:t>
+                      </m:r>
+                    </m:oMath>
+                  </m:oMathPara>
+                </a14:m>
+                <a:endParaRPr lang="en-US" altLang="ja-JP" dirty="0"/>
+              </a:p>
+              <a:p>
+                <a:endParaRPr kumimoji="1" lang="ja-JP" altLang="en-US" dirty="0"/>
+              </a:p>
+            </p:txBody>
+          </p:sp>
+        </mc:Choice>
+        <mc:Fallback xmlns="">
+          <p:sp>
+            <p:nvSpPr>
+              <p:cNvPr id="3" name="テキスト ボックス 2"/>
+              <p:cNvSpPr txBox="1">
+                <a:spLocks noRot="1" noChangeAspect="1" noMove="1" noResize="1" noEditPoints="1" noAdjustHandles="1" noChangeArrowheads="1" noChangeShapeType="1" noTextEdit="1"/>
+              </p:cNvSpPr>
+              <p:nvPr/>
+            </p:nvSpPr>
+            <p:spPr>
+              <a:xfrm>
+                <a:off x="1261241" y="5959567"/>
+                <a:ext cx="4840014" cy="800219"/>
+              </a:xfrm>
+              <a:prstGeom prst="rect">
+                <a:avLst/>
+              </a:prstGeom>
+              <a:blipFill rotWithShape="0">
+                <a:blip r:embed="rId4"/>
+                <a:stretch>
+                  <a:fillRect/>
+                </a:stretch>
+              </a:blipFill>
+            </p:spPr>
+            <p:txBody>
+              <a:bodyPr/>
+              <a:lstStyle/>
+              <a:p>
+                <a:r>
+                  <a:rPr lang="ja-JP" altLang="en-US">
+                    <a:noFill/>
+                  </a:rPr>
+                  <a:t> </a:t>
+                </a:r>
+              </a:p>
+            </p:txBody>
+          </p:sp>
+        </mc:Fallback>
+      </mc:AlternateContent>
+    </p:spTree>
+    <p:extLst>
+      <p:ext uri="{BB962C8B-B14F-4D97-AF65-F5344CB8AC3E}">
+        <p14:creationId xmlns:p14="http://schemas.microsoft.com/office/powerpoint/2010/main" val="1902380357"/>
+      </p:ext>
+    </p:extLst>
+  </p:cSld>
+  <p:clrMapOvr>
+    <a:masterClrMapping/>
+  </p:clrMapOvr>
+  <p:timing>
+    <p:tnLst>
+      <p:par>
+        <p:cTn id="1" dur="indefinite" restart="never" nodeType="tmRoot"/>
+      </p:par>
+    </p:tnLst>
+  </p:timing>
+</p:sld>
+</file>
+
 <file path=ppt/slides/slide4.xml><?xml version="1.0" encoding="utf-8"?>
 <p:sld xmlns:a="http://schemas.openxmlformats.org/drawingml/2006/main" xmlns:r="http://schemas.openxmlformats.org/officeDocument/2006/relationships" xmlns:p="http://schemas.openxmlformats.org/presentationml/2006/main">
   <p:cSld>
@@ -11298,6 +14792,3717 @@
     <p:extLst>
       <p:ext uri="{BB962C8B-B14F-4D97-AF65-F5344CB8AC3E}">
         <p14:creationId xmlns:p14="http://schemas.microsoft.com/office/powerpoint/2010/main" val="585304185"/>
+      </p:ext>
+    </p:extLst>
+  </p:cSld>
+  <p:clrMapOvr>
+    <a:masterClrMapping/>
+  </p:clrMapOvr>
+  <p:timing>
+    <p:tnLst>
+      <p:par>
+        <p:cTn id="1" dur="indefinite" restart="never" nodeType="tmRoot"/>
+      </p:par>
+    </p:tnLst>
+  </p:timing>
+</p:sld>
+</file>
+
+<file path=ppt/slides/slide40.xml><?xml version="1.0" encoding="utf-8"?>
+<p:sld xmlns:a="http://schemas.openxmlformats.org/drawingml/2006/main" xmlns:r="http://schemas.openxmlformats.org/officeDocument/2006/relationships" xmlns:p="http://schemas.openxmlformats.org/presentationml/2006/main">
+  <p:cSld>
+    <p:spTree>
+      <p:nvGrpSpPr>
+        <p:cNvPr id="1" name=""/>
+        <p:cNvGrpSpPr/>
+        <p:nvPr/>
+      </p:nvGrpSpPr>
+      <p:grpSpPr>
+        <a:xfrm>
+          <a:off x="0" y="0"/>
+          <a:ext cx="0" cy="0"/>
+          <a:chOff x="0" y="0"/>
+          <a:chExt cx="0" cy="0"/>
+        </a:xfrm>
+      </p:grpSpPr>
+      <p:sp>
+        <p:nvSpPr>
+          <p:cNvPr id="2" name="タイトル 1"/>
+          <p:cNvSpPr>
+            <a:spLocks noGrp="1"/>
+          </p:cNvSpPr>
+          <p:nvPr>
+            <p:ph type="title"/>
+          </p:nvPr>
+        </p:nvSpPr>
+        <p:spPr/>
+        <p:txBody>
+          <a:bodyPr/>
+          <a:lstStyle/>
+          <a:p>
+            <a:r>
+              <a:rPr kumimoji="1" lang="ja-JP" altLang="en-US" dirty="0" smtClean="0"/>
+              <a:t>フィードバックゲインの設計</a:t>
+            </a:r>
+            <a:endParaRPr kumimoji="1" lang="ja-JP" altLang="en-US" dirty="0"/>
+          </a:p>
+        </p:txBody>
+      </p:sp>
+      <mc:AlternateContent xmlns:mc="http://schemas.openxmlformats.org/markup-compatibility/2006" xmlns:a14="http://schemas.microsoft.com/office/drawing/2010/main">
+        <mc:Choice Requires="a14">
+          <p:sp>
+            <p:nvSpPr>
+              <p:cNvPr id="7" name="コンテンツ プレースホルダー 6"/>
+              <p:cNvSpPr>
+                <a:spLocks noGrp="1"/>
+              </p:cNvSpPr>
+              <p:nvPr>
+                <p:ph idx="1"/>
+              </p:nvPr>
+            </p:nvSpPr>
+            <p:spPr>
+              <a:xfrm>
+                <a:off x="628650" y="2217975"/>
+                <a:ext cx="7886700" cy="4448296"/>
+              </a:xfrm>
+            </p:spPr>
+            <p:txBody>
+              <a:bodyPr/>
+              <a:lstStyle/>
+              <a:p>
+                <a:pPr marL="0" indent="0">
+                  <a:buNone/>
+                </a:pPr>
+                <a:r>
+                  <a:rPr lang="en-US" altLang="ja-JP" dirty="0" smtClean="0"/>
+                  <a:t>2</a:t>
+                </a:r>
+                <a:r>
+                  <a:rPr lang="ja-JP" altLang="en-US" dirty="0" smtClean="0"/>
+                  <a:t>次形式評価関数</a:t>
+                </a:r>
+                <a:endParaRPr lang="en-US" altLang="ja-JP" dirty="0" smtClean="0"/>
+              </a:p>
+              <a:p>
+                <a:pPr marL="0" indent="0">
+                  <a:buNone/>
+                </a:pPr>
+                <a:endParaRPr lang="en-US" altLang="ja-JP" dirty="0" smtClean="0"/>
+              </a:p>
+              <a:p>
+                <a:pPr marL="0" indent="0">
+                  <a:buNone/>
+                </a:pPr>
+                <a:endParaRPr lang="en-US" altLang="ja-JP" dirty="0" smtClean="0"/>
+              </a:p>
+              <a:p>
+                <a:pPr marL="0" indent="0">
+                  <a:buNone/>
+                </a:pPr>
+                <a:endParaRPr lang="en-US" altLang="ja-JP" dirty="0" smtClean="0"/>
+              </a:p>
+              <a:p>
+                <a:pPr marL="0" indent="0">
+                  <a:buNone/>
+                </a:pPr>
+                <a:r>
+                  <a:rPr lang="ja-JP" altLang="en-US" dirty="0" smtClean="0"/>
+                  <a:t>リカッチ方程式</a:t>
+                </a:r>
+                <a:endParaRPr lang="en-US" altLang="ja-JP" dirty="0" smtClean="0"/>
+              </a:p>
+              <a:p>
+                <a:pPr marL="0" indent="0">
+                  <a:buNone/>
+                </a:pPr>
+                <a:endParaRPr lang="en-US" altLang="ja-JP" dirty="0" smtClean="0"/>
+              </a:p>
+              <a:p>
+                <a:pPr marL="0" indent="0">
+                  <a:buNone/>
+                </a:pPr>
+                <a:r>
+                  <a:rPr lang="en-US" altLang="ja-JP" dirty="0"/>
+                  <a:t> </a:t>
+                </a:r>
+                <a:r>
+                  <a:rPr lang="ja-JP" altLang="en-US" dirty="0" smtClean="0"/>
+                  <a:t>　　</a:t>
+                </a:r>
+                <a:r>
+                  <a:rPr kumimoji="1" lang="ja-JP" altLang="en-US" sz="2000" dirty="0" smtClean="0"/>
+                  <a:t>の解</a:t>
+                </a:r>
+                <a14:m>
+                  <m:oMath xmlns:m="http://schemas.openxmlformats.org/officeDocument/2006/math">
+                    <m:r>
+                      <a:rPr kumimoji="1" lang="en-US" altLang="ja-JP" sz="2000" b="0" i="1" smtClean="0">
+                        <a:latin typeface="Cambria Math" panose="02040503050406030204" pitchFamily="18" charset="0"/>
+                      </a:rPr>
+                      <m:t>𝑃</m:t>
+                    </m:r>
+                    <m:r>
+                      <a:rPr kumimoji="1" lang="en-US" altLang="ja-JP" sz="2000" b="0" i="1" smtClean="0">
+                        <a:latin typeface="Cambria Math" panose="02040503050406030204" pitchFamily="18" charset="0"/>
+                      </a:rPr>
+                      <m:t>&gt;0</m:t>
+                    </m:r>
+                  </m:oMath>
+                </a14:m>
+                <a:r>
+                  <a:rPr kumimoji="1" lang="ja-JP" altLang="en-US" sz="2000" dirty="0" smtClean="0"/>
+                  <a:t>を求めて</a:t>
+                </a:r>
+                <a:endParaRPr kumimoji="1" lang="ja-JP" altLang="en-US" sz="2000" dirty="0"/>
+              </a:p>
+            </p:txBody>
+          </p:sp>
+        </mc:Choice>
+        <mc:Fallback xmlns="">
+          <p:sp>
+            <p:nvSpPr>
+              <p:cNvPr id="7" name="コンテンツ プレースホルダー 6"/>
+              <p:cNvSpPr>
+                <a:spLocks noGrp="1" noRot="1" noChangeAspect="1" noMove="1" noResize="1" noEditPoints="1" noAdjustHandles="1" noChangeArrowheads="1" noChangeShapeType="1" noTextEdit="1"/>
+              </p:cNvSpPr>
+              <p:nvPr>
+                <p:ph idx="1"/>
+              </p:nvPr>
+            </p:nvSpPr>
+            <p:spPr>
+              <a:xfrm>
+                <a:off x="628650" y="2217975"/>
+                <a:ext cx="7886700" cy="4448296"/>
+              </a:xfrm>
+              <a:blipFill rotWithShape="0">
+                <a:blip r:embed="rId2"/>
+                <a:stretch>
+                  <a:fillRect l="-1546" t="-2740"/>
+                </a:stretch>
+              </a:blipFill>
+            </p:spPr>
+            <p:txBody>
+              <a:bodyPr/>
+              <a:lstStyle/>
+              <a:p>
+                <a:r>
+                  <a:rPr lang="ja-JP" altLang="en-US">
+                    <a:noFill/>
+                  </a:rPr>
+                  <a:t> </a:t>
+                </a:r>
+              </a:p>
+            </p:txBody>
+          </p:sp>
+        </mc:Fallback>
+      </mc:AlternateContent>
+      <p:pic>
+        <p:nvPicPr>
+          <p:cNvPr id="8" name="Picture 4" descr="\begin{eqnarray*}&#10;J &amp;=&amp; \int_{0\textcolor[rgb]{0.2,0.8,0}{}}^{\infty} (x^TQx+u^TRu) dt      \\&#10;Q &amp;=&amp; {\rm diag}(q_1^2, q_2^2, q_3^2, q_4^2),\ R=1&#10;\end{eqnarray*}"/>
+          <p:cNvPicPr>
+            <a:picLocks noChangeAspect="1" noChangeArrowheads="1"/>
+          </p:cNvPicPr>
+          <p:nvPr/>
+        </p:nvPicPr>
+        <p:blipFill>
+          <a:blip r:embed="rId3" cstate="print">
+            <a:extLst>
+              <a:ext uri="{28A0092B-C50C-407E-A947-70E740481C1C}">
+                <a14:useLocalDpi xmlns:a14="http://schemas.microsoft.com/office/drawing/2010/main" val="0"/>
+              </a:ext>
+            </a:extLst>
+          </a:blip>
+          <a:srcRect/>
+          <a:stretch>
+            <a:fillRect/>
+          </a:stretch>
+        </p:blipFill>
+        <p:spPr bwMode="auto">
+          <a:xfrm>
+            <a:off x="1272555" y="2899216"/>
+            <a:ext cx="3487373" cy="1030103"/>
+          </a:xfrm>
+          <a:prstGeom prst="rect">
+            <a:avLst/>
+          </a:prstGeom>
+          <a:noFill/>
+          <a:extLst>
+            <a:ext uri="{909E8E84-426E-40DD-AFC4-6F175D3DCCD1}">
+              <a14:hiddenFill xmlns:a14="http://schemas.microsoft.com/office/drawing/2010/main">
+                <a:solidFill>
+                  <a:srgbClr val="FFFFFF"/>
+                </a:solidFill>
+              </a14:hiddenFill>
+            </a:ext>
+          </a:extLst>
+        </p:spPr>
+      </p:pic>
+      <p:pic>
+        <p:nvPicPr>
+          <p:cNvPr id="9" name="Picture 8" descr="\begin{eqnarray*}&#10;    &amp;&amp;A^TP + PA - PBR^{-1} B^TP+Q = 0     \\&#10;    \\&#10;    &amp;&amp;F = R^{-1}B^TP&#10;\end{eqnarray*}"/>
+          <p:cNvPicPr>
+            <a:picLocks noChangeAspect="1" noChangeArrowheads="1"/>
+          </p:cNvPicPr>
+          <p:nvPr/>
+        </p:nvPicPr>
+        <p:blipFill rotWithShape="1">
+          <a:blip r:embed="rId4" cstate="print">
+            <a:extLst>
+              <a:ext uri="{28A0092B-C50C-407E-A947-70E740481C1C}">
+                <a14:useLocalDpi xmlns:a14="http://schemas.microsoft.com/office/drawing/2010/main" val="0"/>
+              </a:ext>
+            </a:extLst>
+          </a:blip>
+          <a:srcRect l="-1" r="-4503" b="56900"/>
+          <a:stretch/>
+        </p:blipFill>
+        <p:spPr bwMode="auto">
+          <a:xfrm>
+            <a:off x="1272554" y="4749518"/>
+            <a:ext cx="4341665" cy="492953"/>
+          </a:xfrm>
+          <a:prstGeom prst="rect">
+            <a:avLst/>
+          </a:prstGeom>
+          <a:noFill/>
+          <a:extLst>
+            <a:ext uri="{909E8E84-426E-40DD-AFC4-6F175D3DCCD1}">
+              <a14:hiddenFill xmlns:a14="http://schemas.microsoft.com/office/drawing/2010/main">
+                <a:solidFill>
+                  <a:srgbClr val="FFFFFF"/>
+                </a:solidFill>
+              </a14:hiddenFill>
+            </a:ext>
+          </a:extLst>
+        </p:spPr>
+      </p:pic>
+      <p:pic>
+        <p:nvPicPr>
+          <p:cNvPr id="10" name="Picture 8" descr="\begin{eqnarray*}&#10;    &amp;&amp;A^TP + PA - PBR^{-1} B^TP+Q = 0     \\&#10;    \\&#10;    &amp;&amp;F = R^{-1}B^TP&#10;\end{eqnarray*}"/>
+          <p:cNvPicPr>
+            <a:picLocks noChangeAspect="1" noChangeArrowheads="1"/>
+          </p:cNvPicPr>
+          <p:nvPr/>
+        </p:nvPicPr>
+        <p:blipFill rotWithShape="1">
+          <a:blip r:embed="rId4" cstate="print">
+            <a:extLst>
+              <a:ext uri="{28A0092B-C50C-407E-A947-70E740481C1C}">
+                <a14:useLocalDpi xmlns:a14="http://schemas.microsoft.com/office/drawing/2010/main" val="0"/>
+              </a:ext>
+            </a:extLst>
+          </a:blip>
+          <a:srcRect l="-1" t="67528" r="-3510"/>
+          <a:stretch/>
+        </p:blipFill>
+        <p:spPr bwMode="auto">
+          <a:xfrm>
+            <a:off x="1223392" y="5787727"/>
+            <a:ext cx="4587473" cy="381114"/>
+          </a:xfrm>
+          <a:prstGeom prst="rect">
+            <a:avLst/>
+          </a:prstGeom>
+          <a:noFill/>
+          <a:extLst>
+            <a:ext uri="{909E8E84-426E-40DD-AFC4-6F175D3DCCD1}">
+              <a14:hiddenFill xmlns:a14="http://schemas.microsoft.com/office/drawing/2010/main">
+                <a:solidFill>
+                  <a:srgbClr val="FFFFFF"/>
+                </a:solidFill>
+              </a14:hiddenFill>
+            </a:ext>
+          </a:extLst>
+        </p:spPr>
+      </p:pic>
+      <p:sp>
+        <p:nvSpPr>
+          <p:cNvPr id="12" name="左カーブ矢印 11"/>
+          <p:cNvSpPr/>
+          <p:nvPr/>
+        </p:nvSpPr>
+        <p:spPr>
+          <a:xfrm>
+            <a:off x="5551207" y="3626580"/>
+            <a:ext cx="519315" cy="1425678"/>
+          </a:xfrm>
+          <a:prstGeom prst="curvedLeftArrow">
+            <a:avLst/>
+          </a:prstGeom>
+        </p:spPr>
+        <p:style>
+          <a:lnRef idx="2">
+            <a:schemeClr val="accent1">
+              <a:shade val="50000"/>
+            </a:schemeClr>
+          </a:lnRef>
+          <a:fillRef idx="1">
+            <a:schemeClr val="accent1"/>
+          </a:fillRef>
+          <a:effectRef idx="0">
+            <a:schemeClr val="accent1"/>
+          </a:effectRef>
+          <a:fontRef idx="minor">
+            <a:schemeClr val="lt1"/>
+          </a:fontRef>
+        </p:style>
+        <p:txBody>
+          <a:bodyPr rtlCol="0" anchor="ctr"/>
+          <a:lstStyle/>
+          <a:p>
+            <a:pPr algn="ctr"/>
+            <a:endParaRPr kumimoji="1" lang="ja-JP" altLang="en-US">
+              <a:solidFill>
+                <a:schemeClr val="tx1"/>
+              </a:solidFill>
+            </a:endParaRPr>
+          </a:p>
+        </p:txBody>
+      </p:sp>
+      <mc:AlternateContent xmlns:mc="http://schemas.openxmlformats.org/markup-compatibility/2006" xmlns:a14="http://schemas.microsoft.com/office/drawing/2010/main">
+        <mc:Choice Requires="a14">
+          <p:sp>
+            <p:nvSpPr>
+              <p:cNvPr id="13" name="テキスト ボックス 12"/>
+              <p:cNvSpPr txBox="1"/>
+              <p:nvPr/>
+            </p:nvSpPr>
+            <p:spPr>
+              <a:xfrm>
+                <a:off x="6070522" y="4154753"/>
+                <a:ext cx="1968270" cy="369332"/>
+              </a:xfrm>
+              <a:prstGeom prst="rect">
+                <a:avLst/>
+              </a:prstGeom>
+              <a:noFill/>
+            </p:spPr>
+            <p:txBody>
+              <a:bodyPr wrap="square" rtlCol="0">
+                <a:spAutoFit/>
+              </a:bodyPr>
+              <a:lstStyle/>
+              <a:p>
+                <a:r>
+                  <a:rPr lang="ja-JP" altLang="en-US" dirty="0"/>
+                  <a:t>最小</a:t>
+                </a:r>
+                <a:r>
+                  <a:rPr lang="ja-JP" altLang="en-US" dirty="0" smtClean="0"/>
+                  <a:t>にす</a:t>
+                </a:r>
+                <a:r>
+                  <a:rPr lang="ja-JP" altLang="en-US" dirty="0"/>
+                  <a:t>る</a:t>
+                </a:r>
+                <a14:m>
+                  <m:oMath xmlns:m="http://schemas.openxmlformats.org/officeDocument/2006/math">
+                    <m:r>
+                      <a:rPr lang="en-US" altLang="ja-JP" i="1">
+                        <a:latin typeface="Cambria Math" panose="02040503050406030204" pitchFamily="18" charset="0"/>
+                      </a:rPr>
+                      <m:t>𝐹</m:t>
+                    </m:r>
+                  </m:oMath>
+                </a14:m>
+                <a:endParaRPr kumimoji="1" lang="ja-JP" altLang="en-US" dirty="0"/>
+              </a:p>
+            </p:txBody>
+          </p:sp>
+        </mc:Choice>
+        <mc:Fallback xmlns="">
+          <p:sp>
+            <p:nvSpPr>
+              <p:cNvPr id="13" name="テキスト ボックス 12"/>
+              <p:cNvSpPr txBox="1">
+                <a:spLocks noRot="1" noChangeAspect="1" noMove="1" noResize="1" noEditPoints="1" noAdjustHandles="1" noChangeArrowheads="1" noChangeShapeType="1" noTextEdit="1"/>
+              </p:cNvSpPr>
+              <p:nvPr/>
+            </p:nvSpPr>
+            <p:spPr>
+              <a:xfrm>
+                <a:off x="6070522" y="4154753"/>
+                <a:ext cx="1968270" cy="369332"/>
+              </a:xfrm>
+              <a:prstGeom prst="rect">
+                <a:avLst/>
+              </a:prstGeom>
+              <a:blipFill rotWithShape="0">
+                <a:blip r:embed="rId5"/>
+                <a:stretch>
+                  <a:fillRect l="-2786" t="-13333" b="-23333"/>
+                </a:stretch>
+              </a:blipFill>
+            </p:spPr>
+            <p:txBody>
+              <a:bodyPr/>
+              <a:lstStyle/>
+              <a:p>
+                <a:r>
+                  <a:rPr lang="ja-JP" altLang="en-US">
+                    <a:noFill/>
+                  </a:rPr>
+                  <a:t> </a:t>
+                </a:r>
+              </a:p>
+            </p:txBody>
+          </p:sp>
+        </mc:Fallback>
+      </mc:AlternateContent>
+      <mc:AlternateContent xmlns:mc="http://schemas.openxmlformats.org/markup-compatibility/2006" xmlns:a14="http://schemas.microsoft.com/office/drawing/2010/main">
+        <mc:Choice Requires="a14">
+          <p:sp>
+            <p:nvSpPr>
+              <p:cNvPr id="14" name="テキスト ボックス 13"/>
+              <p:cNvSpPr txBox="1"/>
+              <p:nvPr/>
+            </p:nvSpPr>
+            <p:spPr>
+              <a:xfrm>
+                <a:off x="3087179" y="1604996"/>
+                <a:ext cx="1672749" cy="738664"/>
+              </a:xfrm>
+              <a:prstGeom prst="rect">
+                <a:avLst/>
+              </a:prstGeom>
+              <a:noFill/>
+            </p:spPr>
+            <p:txBody>
+              <a:bodyPr wrap="square" rtlCol="0">
+                <a:spAutoFit/>
+              </a:bodyPr>
+              <a:lstStyle/>
+              <a:p>
+                <a:pPr/>
+                <a14:m>
+                  <m:oMathPara xmlns:m="http://schemas.openxmlformats.org/officeDocument/2006/math">
+                    <m:oMathParaPr>
+                      <m:jc m:val="centerGroup"/>
+                    </m:oMathParaPr>
+                    <m:oMath xmlns:m="http://schemas.openxmlformats.org/officeDocument/2006/math">
+                      <m:r>
+                        <a:rPr lang="en-US" altLang="ja-JP" sz="2400" i="1">
+                          <a:latin typeface="Cambria Math" panose="02040503050406030204" pitchFamily="18" charset="0"/>
+                        </a:rPr>
+                        <m:t>𝑢</m:t>
+                      </m:r>
+                      <m:r>
+                        <a:rPr lang="en-US" altLang="ja-JP" sz="2400" i="1">
+                          <a:latin typeface="Cambria Math" panose="02040503050406030204" pitchFamily="18" charset="0"/>
+                        </a:rPr>
+                        <m:t>=−</m:t>
+                      </m:r>
+                      <m:r>
+                        <a:rPr lang="en-US" altLang="ja-JP" sz="2400" i="1">
+                          <a:latin typeface="Cambria Math" panose="02040503050406030204" pitchFamily="18" charset="0"/>
+                        </a:rPr>
+                        <m:t>𝐹𝑥</m:t>
+                      </m:r>
+                    </m:oMath>
+                  </m:oMathPara>
+                </a14:m>
+                <a:endParaRPr lang="en-US" altLang="ja-JP" dirty="0"/>
+              </a:p>
+              <a:p>
+                <a:endParaRPr kumimoji="1" lang="ja-JP" altLang="en-US" dirty="0"/>
+              </a:p>
+            </p:txBody>
+          </p:sp>
+        </mc:Choice>
+        <mc:Fallback xmlns="">
+          <p:sp>
+            <p:nvSpPr>
+              <p:cNvPr id="14" name="テキスト ボックス 13"/>
+              <p:cNvSpPr txBox="1">
+                <a:spLocks noRot="1" noChangeAspect="1" noMove="1" noResize="1" noEditPoints="1" noAdjustHandles="1" noChangeArrowheads="1" noChangeShapeType="1" noTextEdit="1"/>
+              </p:cNvSpPr>
+              <p:nvPr/>
+            </p:nvSpPr>
+            <p:spPr>
+              <a:xfrm>
+                <a:off x="3087179" y="1604996"/>
+                <a:ext cx="1672749" cy="738664"/>
+              </a:xfrm>
+              <a:prstGeom prst="rect">
+                <a:avLst/>
+              </a:prstGeom>
+              <a:blipFill rotWithShape="0">
+                <a:blip r:embed="rId6"/>
+                <a:stretch>
+                  <a:fillRect/>
+                </a:stretch>
+              </a:blipFill>
+            </p:spPr>
+            <p:txBody>
+              <a:bodyPr/>
+              <a:lstStyle/>
+              <a:p>
+                <a:r>
+                  <a:rPr lang="ja-JP" altLang="en-US">
+                    <a:noFill/>
+                  </a:rPr>
+                  <a:t> </a:t>
+                </a:r>
+              </a:p>
+            </p:txBody>
+          </p:sp>
+        </mc:Fallback>
+      </mc:AlternateContent>
+    </p:spTree>
+    <p:extLst>
+      <p:ext uri="{BB962C8B-B14F-4D97-AF65-F5344CB8AC3E}">
+        <p14:creationId xmlns:p14="http://schemas.microsoft.com/office/powerpoint/2010/main" val="557521793"/>
+      </p:ext>
+    </p:extLst>
+  </p:cSld>
+  <p:clrMapOvr>
+    <a:masterClrMapping/>
+  </p:clrMapOvr>
+  <p:timing>
+    <p:tnLst>
+      <p:par>
+        <p:cTn id="1" dur="indefinite" restart="never" nodeType="tmRoot"/>
+      </p:par>
+    </p:tnLst>
+  </p:timing>
+</p:sld>
+</file>
+
+<file path=ppt/slides/slide41.xml><?xml version="1.0" encoding="utf-8"?>
+<p:sld xmlns:a="http://schemas.openxmlformats.org/drawingml/2006/main" xmlns:r="http://schemas.openxmlformats.org/officeDocument/2006/relationships" xmlns:p="http://schemas.openxmlformats.org/presentationml/2006/main">
+  <p:cSld>
+    <p:spTree>
+      <p:nvGrpSpPr>
+        <p:cNvPr id="1" name=""/>
+        <p:cNvGrpSpPr/>
+        <p:nvPr/>
+      </p:nvGrpSpPr>
+      <p:grpSpPr>
+        <a:xfrm>
+          <a:off x="0" y="0"/>
+          <a:ext cx="0" cy="0"/>
+          <a:chOff x="0" y="0"/>
+          <a:chExt cx="0" cy="0"/>
+        </a:xfrm>
+      </p:grpSpPr>
+      <p:sp>
+        <p:nvSpPr>
+          <p:cNvPr id="2" name="タイトル 1"/>
+          <p:cNvSpPr>
+            <a:spLocks noGrp="1"/>
+          </p:cNvSpPr>
+          <p:nvPr>
+            <p:ph type="title"/>
+          </p:nvPr>
+        </p:nvSpPr>
+        <p:spPr/>
+        <p:txBody>
+          <a:bodyPr/>
+          <a:lstStyle/>
+          <a:p>
+            <a:r>
+              <a:rPr lang="ja-JP" altLang="en-US" dirty="0" smtClean="0"/>
+              <a:t>最小次元オブザーバ</a:t>
+            </a:r>
+            <a:endParaRPr kumimoji="1" lang="ja-JP" altLang="en-US" dirty="0"/>
+          </a:p>
+        </p:txBody>
+      </p:sp>
+      <p:sp>
+        <p:nvSpPr>
+          <p:cNvPr id="9" name="コンテンツ プレースホルダー 2"/>
+          <p:cNvSpPr txBox="1">
+            <a:spLocks/>
+          </p:cNvSpPr>
+          <p:nvPr/>
+        </p:nvSpPr>
+        <p:spPr>
+          <a:xfrm>
+            <a:off x="628650" y="4334321"/>
+            <a:ext cx="7886700" cy="2233627"/>
+          </a:xfrm>
+          <a:prstGeom prst="rect">
+            <a:avLst/>
+          </a:prstGeom>
+        </p:spPr>
+        <p:txBody>
+          <a:bodyPr vert="horz" lIns="91440" tIns="45720" rIns="91440" bIns="45720" rtlCol="0">
+            <a:normAutofit/>
+          </a:bodyPr>
+          <a:lstStyle>
+            <a:lvl1pPr marL="228600" indent="-228600" algn="l" defTabSz="914400" rtl="0" eaLnBrk="1" latinLnBrk="0" hangingPunct="1">
+              <a:lnSpc>
+                <a:spcPct val="90000"/>
+              </a:lnSpc>
+              <a:spcBef>
+                <a:spcPts val="1000"/>
+              </a:spcBef>
+              <a:buFont typeface="Arial" panose="020B0604020202020204" pitchFamily="34" charset="0"/>
+              <a:buChar char="•"/>
+              <a:defRPr kumimoji="1" sz="2800" kern="1200">
+                <a:solidFill>
+                  <a:schemeClr val="tx1"/>
+                </a:solidFill>
+                <a:latin typeface="+mn-lt"/>
+                <a:ea typeface="+mn-ea"/>
+                <a:cs typeface="+mn-cs"/>
+              </a:defRPr>
+            </a:lvl1pPr>
+            <a:lvl2pPr marL="685800" indent="-228600" algn="l" defTabSz="914400" rtl="0" eaLnBrk="1" latinLnBrk="0" hangingPunct="1">
+              <a:lnSpc>
+                <a:spcPct val="90000"/>
+              </a:lnSpc>
+              <a:spcBef>
+                <a:spcPts val="500"/>
+              </a:spcBef>
+              <a:buFont typeface="Arial" panose="020B0604020202020204" pitchFamily="34" charset="0"/>
+              <a:buChar char="•"/>
+              <a:defRPr kumimoji="1" sz="2400" kern="1200">
+                <a:solidFill>
+                  <a:schemeClr val="tx1"/>
+                </a:solidFill>
+                <a:latin typeface="+mn-lt"/>
+                <a:ea typeface="+mn-ea"/>
+                <a:cs typeface="+mn-cs"/>
+              </a:defRPr>
+            </a:lvl2pPr>
+            <a:lvl3pPr marL="1143000" indent="-228600" algn="l" defTabSz="914400" rtl="0" eaLnBrk="1" latinLnBrk="0" hangingPunct="1">
+              <a:lnSpc>
+                <a:spcPct val="90000"/>
+              </a:lnSpc>
+              <a:spcBef>
+                <a:spcPts val="500"/>
+              </a:spcBef>
+              <a:buFont typeface="Arial" panose="020B0604020202020204" pitchFamily="34" charset="0"/>
+              <a:buChar char="•"/>
+              <a:defRPr kumimoji="1" sz="2000" kern="1200">
+                <a:solidFill>
+                  <a:schemeClr val="tx1"/>
+                </a:solidFill>
+                <a:latin typeface="+mn-lt"/>
+                <a:ea typeface="+mn-ea"/>
+                <a:cs typeface="+mn-cs"/>
+              </a:defRPr>
+            </a:lvl3pPr>
+            <a:lvl4pPr marL="1600200" indent="-228600" algn="l" defTabSz="914400" rtl="0" eaLnBrk="1" latinLnBrk="0" hangingPunct="1">
+              <a:lnSpc>
+                <a:spcPct val="90000"/>
+              </a:lnSpc>
+              <a:spcBef>
+                <a:spcPts val="500"/>
+              </a:spcBef>
+              <a:buFont typeface="Arial" panose="020B0604020202020204" pitchFamily="34" charset="0"/>
+              <a:buChar char="•"/>
+              <a:defRPr kumimoji="1" sz="1800" kern="1200">
+                <a:solidFill>
+                  <a:schemeClr val="tx1"/>
+                </a:solidFill>
+                <a:latin typeface="+mn-lt"/>
+                <a:ea typeface="+mn-ea"/>
+                <a:cs typeface="+mn-cs"/>
+              </a:defRPr>
+            </a:lvl4pPr>
+            <a:lvl5pPr marL="2057400" indent="-228600" algn="l" defTabSz="914400" rtl="0" eaLnBrk="1" latinLnBrk="0" hangingPunct="1">
+              <a:lnSpc>
+                <a:spcPct val="90000"/>
+              </a:lnSpc>
+              <a:spcBef>
+                <a:spcPts val="500"/>
+              </a:spcBef>
+              <a:buFont typeface="Arial" panose="020B0604020202020204" pitchFamily="34" charset="0"/>
+              <a:buChar char="•"/>
+              <a:defRPr kumimoji="1" sz="1800" kern="1200">
+                <a:solidFill>
+                  <a:schemeClr val="tx1"/>
+                </a:solidFill>
+                <a:latin typeface="+mn-lt"/>
+                <a:ea typeface="+mn-ea"/>
+                <a:cs typeface="+mn-cs"/>
+              </a:defRPr>
+            </a:lvl5pPr>
+            <a:lvl6pPr marL="2514600" indent="-228600" algn="l" defTabSz="914400" rtl="0" eaLnBrk="1" latinLnBrk="0" hangingPunct="1">
+              <a:lnSpc>
+                <a:spcPct val="90000"/>
+              </a:lnSpc>
+              <a:spcBef>
+                <a:spcPts val="500"/>
+              </a:spcBef>
+              <a:buFont typeface="Arial" panose="020B0604020202020204" pitchFamily="34" charset="0"/>
+              <a:buChar char="•"/>
+              <a:defRPr kumimoji="1" sz="1800" kern="1200">
+                <a:solidFill>
+                  <a:schemeClr val="tx1"/>
+                </a:solidFill>
+                <a:latin typeface="+mn-lt"/>
+                <a:ea typeface="+mn-ea"/>
+                <a:cs typeface="+mn-cs"/>
+              </a:defRPr>
+            </a:lvl6pPr>
+            <a:lvl7pPr marL="2971800" indent="-228600" algn="l" defTabSz="914400" rtl="0" eaLnBrk="1" latinLnBrk="0" hangingPunct="1">
+              <a:lnSpc>
+                <a:spcPct val="90000"/>
+              </a:lnSpc>
+              <a:spcBef>
+                <a:spcPts val="500"/>
+              </a:spcBef>
+              <a:buFont typeface="Arial" panose="020B0604020202020204" pitchFamily="34" charset="0"/>
+              <a:buChar char="•"/>
+              <a:defRPr kumimoji="1" sz="1800" kern="1200">
+                <a:solidFill>
+                  <a:schemeClr val="tx1"/>
+                </a:solidFill>
+                <a:latin typeface="+mn-lt"/>
+                <a:ea typeface="+mn-ea"/>
+                <a:cs typeface="+mn-cs"/>
+              </a:defRPr>
+            </a:lvl7pPr>
+            <a:lvl8pPr marL="3429000" indent="-228600" algn="l" defTabSz="914400" rtl="0" eaLnBrk="1" latinLnBrk="0" hangingPunct="1">
+              <a:lnSpc>
+                <a:spcPct val="90000"/>
+              </a:lnSpc>
+              <a:spcBef>
+                <a:spcPts val="500"/>
+              </a:spcBef>
+              <a:buFont typeface="Arial" panose="020B0604020202020204" pitchFamily="34" charset="0"/>
+              <a:buChar char="•"/>
+              <a:defRPr kumimoji="1" sz="1800" kern="1200">
+                <a:solidFill>
+                  <a:schemeClr val="tx1"/>
+                </a:solidFill>
+                <a:latin typeface="+mn-lt"/>
+                <a:ea typeface="+mn-ea"/>
+                <a:cs typeface="+mn-cs"/>
+              </a:defRPr>
+            </a:lvl8pPr>
+            <a:lvl9pPr marL="3886200" indent="-228600" algn="l" defTabSz="914400" rtl="0" eaLnBrk="1" latinLnBrk="0" hangingPunct="1">
+              <a:lnSpc>
+                <a:spcPct val="90000"/>
+              </a:lnSpc>
+              <a:spcBef>
+                <a:spcPts val="500"/>
+              </a:spcBef>
+              <a:buFont typeface="Arial" panose="020B0604020202020204" pitchFamily="34" charset="0"/>
+              <a:buChar char="•"/>
+              <a:defRPr kumimoji="1" sz="1800" kern="1200">
+                <a:solidFill>
+                  <a:schemeClr val="tx1"/>
+                </a:solidFill>
+                <a:latin typeface="+mn-lt"/>
+                <a:ea typeface="+mn-ea"/>
+                <a:cs typeface="+mn-cs"/>
+              </a:defRPr>
+            </a:lvl9pPr>
+          </a:lstStyle>
+          <a:p>
+            <a:pPr marL="0" indent="0">
+              <a:buNone/>
+            </a:pPr>
+            <a:endParaRPr lang="en-US" altLang="ja-JP" sz="2400" dirty="0" smtClean="0"/>
+          </a:p>
+          <a:p>
+            <a:pPr marL="0" indent="0">
+              <a:buNone/>
+            </a:pPr>
+            <a:endParaRPr lang="en-US" altLang="ja-JP" sz="2400" dirty="0" smtClean="0"/>
+          </a:p>
+        </p:txBody>
+      </p:sp>
+      <p:sp>
+        <p:nvSpPr>
+          <p:cNvPr id="3" name="下矢印 2"/>
+          <p:cNvSpPr/>
+          <p:nvPr/>
+        </p:nvSpPr>
+        <p:spPr>
+          <a:xfrm>
+            <a:off x="3932903" y="2502648"/>
+            <a:ext cx="1278193" cy="353961"/>
+          </a:xfrm>
+          <a:prstGeom prst="downArrow">
+            <a:avLst/>
+          </a:prstGeom>
+        </p:spPr>
+        <p:style>
+          <a:lnRef idx="2">
+            <a:schemeClr val="accent1">
+              <a:shade val="50000"/>
+            </a:schemeClr>
+          </a:lnRef>
+          <a:fillRef idx="1">
+            <a:schemeClr val="accent1"/>
+          </a:fillRef>
+          <a:effectRef idx="0">
+            <a:schemeClr val="accent1"/>
+          </a:effectRef>
+          <a:fontRef idx="minor">
+            <a:schemeClr val="lt1"/>
+          </a:fontRef>
+        </p:style>
+        <p:txBody>
+          <a:bodyPr rtlCol="0" anchor="ctr"/>
+          <a:lstStyle/>
+          <a:p>
+            <a:pPr algn="ctr"/>
+            <a:endParaRPr kumimoji="1" lang="ja-JP" altLang="en-US"/>
+          </a:p>
+        </p:txBody>
+      </p:sp>
+      <mc:AlternateContent xmlns:mc="http://schemas.openxmlformats.org/markup-compatibility/2006" xmlns:a14="http://schemas.microsoft.com/office/drawing/2010/main">
+        <mc:Choice Requires="a14">
+          <p:sp>
+            <p:nvSpPr>
+              <p:cNvPr id="6" name="コンテンツ プレースホルダー 5"/>
+              <p:cNvSpPr>
+                <a:spLocks noGrp="1"/>
+              </p:cNvSpPr>
+              <p:nvPr>
+                <p:ph idx="1"/>
+              </p:nvPr>
+            </p:nvSpPr>
+            <p:spPr>
+              <a:xfrm>
+                <a:off x="781203" y="1732858"/>
+                <a:ext cx="7886700" cy="4181885"/>
+              </a:xfrm>
+            </p:spPr>
+            <p:txBody>
+              <a:bodyPr>
+                <a:normAutofit/>
+              </a:bodyPr>
+              <a:lstStyle/>
+              <a:p>
+                <a:pPr marL="0" indent="0">
+                  <a:buNone/>
+                </a:pPr>
+                <a14:m>
+                  <m:oMath xmlns:m="http://schemas.openxmlformats.org/officeDocument/2006/math">
+                    <m:acc>
+                      <m:accPr>
+                        <m:chr m:val="̇"/>
+                        <m:ctrlPr>
+                          <a:rPr lang="en-US" altLang="ja-JP" i="1">
+                            <a:latin typeface="Cambria Math" panose="02040503050406030204" pitchFamily="18" charset="0"/>
+                          </a:rPr>
+                        </m:ctrlPr>
+                      </m:accPr>
+                      <m:e>
+                        <m:r>
+                          <a:rPr lang="en-US" altLang="ja-JP" i="1">
+                            <a:latin typeface="Cambria Math" panose="02040503050406030204" pitchFamily="18" charset="0"/>
+                          </a:rPr>
+                          <m:t>𝑟</m:t>
+                        </m:r>
+                      </m:e>
+                    </m:acc>
+                    <m:r>
+                      <a:rPr lang="en-US" altLang="ja-JP" i="1">
+                        <a:latin typeface="Cambria Math" panose="02040503050406030204" pitchFamily="18" charset="0"/>
+                      </a:rPr>
+                      <m:t>,</m:t>
+                    </m:r>
+                    <m:acc>
+                      <m:accPr>
+                        <m:chr m:val="̇"/>
+                        <m:ctrlPr>
+                          <a:rPr lang="en-US" altLang="ja-JP" i="1">
+                            <a:latin typeface="Cambria Math" panose="02040503050406030204" pitchFamily="18" charset="0"/>
+                          </a:rPr>
+                        </m:ctrlPr>
+                      </m:accPr>
+                      <m:e>
+                        <m:r>
+                          <a:rPr lang="ja-JP" altLang="en-US" i="1">
+                            <a:latin typeface="Cambria Math" panose="02040503050406030204" pitchFamily="18" charset="0"/>
+                          </a:rPr>
+                          <m:t>𝜃</m:t>
+                        </m:r>
+                      </m:e>
+                    </m:acc>
+                  </m:oMath>
+                </a14:m>
+                <a:r>
+                  <a:rPr lang="ja-JP" altLang="en-US" dirty="0" err="1"/>
+                  <a:t>の検</a:t>
+                </a:r>
+                <a:r>
+                  <a:rPr lang="ja-JP" altLang="en-US" dirty="0"/>
+                  <a:t>出器がないため、状態</a:t>
+                </a:r>
+                <a14:m>
+                  <m:oMath xmlns:m="http://schemas.openxmlformats.org/officeDocument/2006/math">
+                    <m:r>
+                      <a:rPr lang="en-US" altLang="ja-JP" i="1">
+                        <a:latin typeface="Cambria Math" panose="02040503050406030204" pitchFamily="18" charset="0"/>
+                      </a:rPr>
+                      <m:t>𝑥</m:t>
+                    </m:r>
+                  </m:oMath>
+                </a14:m>
+                <a:r>
+                  <a:rPr lang="ja-JP" altLang="en-US" dirty="0"/>
+                  <a:t>は直接には得られない</a:t>
+                </a:r>
+                <a:endParaRPr lang="en-US" altLang="ja-JP" dirty="0"/>
+              </a:p>
+              <a:p>
+                <a:pPr marL="0" indent="0">
+                  <a:buNone/>
+                </a:pPr>
+                <a:endParaRPr lang="en-US" altLang="ja-JP" dirty="0"/>
+              </a:p>
+              <a:p>
+                <a:pPr marL="0" indent="0">
+                  <a:buNone/>
+                </a:pPr>
+                <a14:m>
+                  <m:oMath xmlns:m="http://schemas.openxmlformats.org/officeDocument/2006/math">
+                    <m:acc>
+                      <m:accPr>
+                        <m:chr m:val="̂"/>
+                        <m:ctrlPr>
+                          <a:rPr lang="en-US" altLang="ja-JP" i="1">
+                            <a:latin typeface="Cambria Math" panose="02040503050406030204" pitchFamily="18" charset="0"/>
+                            <a:ea typeface="Cambria Math" panose="02040503050406030204" pitchFamily="18" charset="0"/>
+                          </a:rPr>
+                        </m:ctrlPr>
+                      </m:accPr>
+                      <m:e>
+                        <m:r>
+                          <a:rPr lang="en-US" altLang="ja-JP" i="1">
+                            <a:latin typeface="Cambria Math" panose="02040503050406030204" pitchFamily="18" charset="0"/>
+                            <a:ea typeface="Cambria Math" panose="02040503050406030204" pitchFamily="18" charset="0"/>
+                          </a:rPr>
+                          <m:t>𝑥</m:t>
+                        </m:r>
+                      </m:e>
+                    </m:acc>
+                    <m:r>
+                      <a:rPr lang="en-US" altLang="ja-JP" i="1">
+                        <a:latin typeface="Cambria Math" panose="02040503050406030204" pitchFamily="18" charset="0"/>
+                        <a:ea typeface="Cambria Math" panose="02040503050406030204" pitchFamily="18" charset="0"/>
+                      </a:rPr>
+                      <m:t>→</m:t>
+                    </m:r>
+                    <m:r>
+                      <a:rPr lang="en-US" altLang="ja-JP" i="1">
+                        <a:latin typeface="Cambria Math" panose="02040503050406030204" pitchFamily="18" charset="0"/>
+                        <a:ea typeface="Cambria Math" panose="02040503050406030204" pitchFamily="18" charset="0"/>
+                      </a:rPr>
+                      <m:t>𝑥</m:t>
+                    </m:r>
+                    <m:r>
+                      <a:rPr lang="en-US" altLang="ja-JP" i="1">
+                        <a:latin typeface="Cambria Math" panose="02040503050406030204" pitchFamily="18" charset="0"/>
+                        <a:ea typeface="Cambria Math" panose="02040503050406030204" pitchFamily="18" charset="0"/>
+                      </a:rPr>
+                      <m:t>(</m:t>
+                    </m:r>
+                    <m:r>
+                      <a:rPr lang="en-US" altLang="ja-JP" i="1">
+                        <a:latin typeface="Cambria Math" panose="02040503050406030204" pitchFamily="18" charset="0"/>
+                        <a:ea typeface="Cambria Math" panose="02040503050406030204" pitchFamily="18" charset="0"/>
+                      </a:rPr>
+                      <m:t>𝑡</m:t>
+                    </m:r>
+                    <m:r>
+                      <a:rPr lang="en-US" altLang="ja-JP" i="1">
+                        <a:latin typeface="Cambria Math" panose="02040503050406030204" pitchFamily="18" charset="0"/>
+                        <a:ea typeface="Cambria Math" panose="02040503050406030204" pitchFamily="18" charset="0"/>
+                      </a:rPr>
+                      <m:t>→∞)</m:t>
+                    </m:r>
+                  </m:oMath>
+                </a14:m>
+                <a:r>
+                  <a:rPr lang="ja-JP" altLang="en-US" dirty="0"/>
+                  <a:t>を満たす最小次元</a:t>
+                </a:r>
+                <a:r>
+                  <a:rPr lang="ja-JP" altLang="en-US" dirty="0" smtClean="0"/>
+                  <a:t>オブザーバ</a:t>
+                </a:r>
+                <a:endParaRPr lang="en-US" altLang="ja-JP" dirty="0"/>
+              </a:p>
+            </p:txBody>
+          </p:sp>
+        </mc:Choice>
+        <mc:Fallback xmlns="">
+          <p:sp>
+            <p:nvSpPr>
+              <p:cNvPr id="6" name="コンテンツ プレースホルダー 5"/>
+              <p:cNvSpPr>
+                <a:spLocks noGrp="1" noRot="1" noChangeAspect="1" noMove="1" noResize="1" noEditPoints="1" noAdjustHandles="1" noChangeArrowheads="1" noChangeShapeType="1" noTextEdit="1"/>
+              </p:cNvSpPr>
+              <p:nvPr>
+                <p:ph idx="1"/>
+              </p:nvPr>
+            </p:nvSpPr>
+            <p:spPr>
+              <a:xfrm>
+                <a:off x="781203" y="1732858"/>
+                <a:ext cx="7886700" cy="4181885"/>
+              </a:xfrm>
+              <a:blipFill rotWithShape="0">
+                <a:blip r:embed="rId2"/>
+                <a:stretch>
+                  <a:fillRect l="-1546" t="-2478"/>
+                </a:stretch>
+              </a:blipFill>
+            </p:spPr>
+            <p:txBody>
+              <a:bodyPr/>
+              <a:lstStyle/>
+              <a:p>
+                <a:r>
+                  <a:rPr lang="ja-JP" altLang="en-US">
+                    <a:noFill/>
+                  </a:rPr>
+                  <a:t> </a:t>
+                </a:r>
+              </a:p>
+            </p:txBody>
+          </p:sp>
+        </mc:Fallback>
+      </mc:AlternateContent>
+      <p:pic>
+        <p:nvPicPr>
+          <p:cNvPr id="10" name="Picture 4" descr="\begin{eqnarray*}&#10;u &amp;=&amp; F(x_{ref}-\hat{x})        \\&#10;\dot{z} &amp;=&amp; \hat{A}z + \hat{B}y + \hat{J}u      \\&#10;\hat{x} &amp;=&amp; \hat{C}z + \hat{D}y&#10;&#10;\end{eqnarray*}"/>
+          <p:cNvPicPr>
+            <a:picLocks noChangeAspect="1" noChangeArrowheads="1"/>
+          </p:cNvPicPr>
+          <p:nvPr/>
+        </p:nvPicPr>
+        <p:blipFill rotWithShape="1">
+          <a:blip r:embed="rId3">
+            <a:extLst>
+              <a:ext uri="{28A0092B-C50C-407E-A947-70E740481C1C}">
+                <a14:useLocalDpi xmlns:a14="http://schemas.microsoft.com/office/drawing/2010/main" val="0"/>
+              </a:ext>
+            </a:extLst>
+          </a:blip>
+          <a:srcRect t="30499" r="327"/>
+          <a:stretch/>
+        </p:blipFill>
+        <p:spPr bwMode="auto">
+          <a:xfrm>
+            <a:off x="1494195" y="3823800"/>
+            <a:ext cx="2943871" cy="1044647"/>
+          </a:xfrm>
+          <a:prstGeom prst="rect">
+            <a:avLst/>
+          </a:prstGeom>
+          <a:noFill/>
+          <a:extLst>
+            <a:ext uri="{909E8E84-426E-40DD-AFC4-6F175D3DCCD1}">
+              <a14:hiddenFill xmlns:a14="http://schemas.microsoft.com/office/drawing/2010/main">
+                <a:solidFill>
+                  <a:srgbClr val="FFFFFF"/>
+                </a:solidFill>
+              </a14:hiddenFill>
+            </a:ext>
+          </a:extLst>
+        </p:spPr>
+      </p:pic>
+    </p:spTree>
+    <p:extLst>
+      <p:ext uri="{BB962C8B-B14F-4D97-AF65-F5344CB8AC3E}">
+        <p14:creationId xmlns:p14="http://schemas.microsoft.com/office/powerpoint/2010/main" val="3274788811"/>
+      </p:ext>
+    </p:extLst>
+  </p:cSld>
+  <p:clrMapOvr>
+    <a:masterClrMapping/>
+  </p:clrMapOvr>
+  <p:timing>
+    <p:tnLst>
+      <p:par>
+        <p:cTn id="1" dur="indefinite" restart="never" nodeType="tmRoot"/>
+      </p:par>
+    </p:tnLst>
+  </p:timing>
+</p:sld>
+</file>
+
+<file path=ppt/slides/slide42.xml><?xml version="1.0" encoding="utf-8"?>
+<p:sld xmlns:a="http://schemas.openxmlformats.org/drawingml/2006/main" xmlns:r="http://schemas.openxmlformats.org/officeDocument/2006/relationships" xmlns:p="http://schemas.openxmlformats.org/presentationml/2006/main">
+  <p:cSld>
+    <p:spTree>
+      <p:nvGrpSpPr>
+        <p:cNvPr id="1" name=""/>
+        <p:cNvGrpSpPr/>
+        <p:nvPr/>
+      </p:nvGrpSpPr>
+      <p:grpSpPr>
+        <a:xfrm>
+          <a:off x="0" y="0"/>
+          <a:ext cx="0" cy="0"/>
+          <a:chOff x="0" y="0"/>
+          <a:chExt cx="0" cy="0"/>
+        </a:xfrm>
+      </p:grpSpPr>
+      <p:sp>
+        <p:nvSpPr>
+          <p:cNvPr id="2" name="タイトル 1"/>
+          <p:cNvSpPr>
+            <a:spLocks noGrp="1"/>
+          </p:cNvSpPr>
+          <p:nvPr>
+            <p:ph type="title"/>
+          </p:nvPr>
+        </p:nvSpPr>
+        <p:spPr/>
+        <p:txBody>
+          <a:bodyPr/>
+          <a:lstStyle/>
+          <a:p>
+            <a:r>
+              <a:rPr kumimoji="1" lang="ja-JP" altLang="en-US" dirty="0" smtClean="0"/>
+              <a:t>最小次元オブザーバ</a:t>
+            </a:r>
+            <a:endParaRPr kumimoji="1" lang="ja-JP" altLang="en-US" dirty="0"/>
+          </a:p>
+        </p:txBody>
+      </p:sp>
+      <p:sp>
+        <p:nvSpPr>
+          <p:cNvPr id="3" name="コンテンツ プレースホルダー 2"/>
+          <p:cNvSpPr>
+            <a:spLocks noGrp="1"/>
+          </p:cNvSpPr>
+          <p:nvPr>
+            <p:ph idx="1"/>
+          </p:nvPr>
+        </p:nvSpPr>
+        <p:spPr/>
+        <p:txBody>
+          <a:bodyPr>
+            <a:normAutofit/>
+          </a:bodyPr>
+          <a:lstStyle/>
+          <a:p>
+            <a:pPr marL="0" indent="0">
+              <a:buNone/>
+            </a:pPr>
+            <a:endParaRPr lang="en-US" altLang="ja-JP" sz="2400" dirty="0"/>
+          </a:p>
+          <a:p>
+            <a:pPr marL="0" indent="0">
+              <a:buNone/>
+            </a:pPr>
+            <a:r>
+              <a:rPr lang="ja-JP" altLang="en-US" sz="2400" dirty="0"/>
+              <a:t>　</a:t>
+            </a:r>
+            <a:r>
+              <a:rPr lang="ja-JP" altLang="en-US" sz="2400" dirty="0" smtClean="0"/>
+              <a:t>オブザーバ</a:t>
+            </a:r>
+            <a:endParaRPr lang="en-US" altLang="ja-JP" sz="2400" dirty="0" smtClean="0"/>
+          </a:p>
+          <a:p>
+            <a:endParaRPr lang="en-US" altLang="ja-JP" sz="2400" dirty="0" smtClean="0"/>
+          </a:p>
+          <a:p>
+            <a:pPr marL="0" indent="0">
+              <a:buNone/>
+            </a:pPr>
+            <a:endParaRPr lang="en-US" altLang="ja-JP" sz="2000" dirty="0"/>
+          </a:p>
+          <a:p>
+            <a:pPr marL="0" indent="0">
+              <a:buNone/>
+            </a:pPr>
+            <a:endParaRPr lang="en-US" altLang="ja-JP" sz="2400" dirty="0" smtClean="0"/>
+          </a:p>
+          <a:p>
+            <a:pPr marL="0" indent="0">
+              <a:buNone/>
+            </a:pPr>
+            <a:endParaRPr lang="en-US" altLang="ja-JP" sz="2400" dirty="0" smtClean="0"/>
+          </a:p>
+          <a:p>
+            <a:pPr marL="0" indent="0">
+              <a:buNone/>
+            </a:pPr>
+            <a:endParaRPr lang="en-US" altLang="ja-JP" sz="2400" dirty="0" smtClean="0"/>
+          </a:p>
+          <a:p>
+            <a:pPr marL="0" indent="0">
+              <a:buNone/>
+            </a:pPr>
+            <a:endParaRPr lang="en-US" altLang="ja-JP" sz="2400" dirty="0" smtClean="0"/>
+          </a:p>
+          <a:p>
+            <a:pPr marL="0" indent="0">
+              <a:buNone/>
+            </a:pPr>
+            <a:endParaRPr lang="en-US" altLang="ja-JP" sz="2400" i="1" dirty="0">
+              <a:latin typeface="Cambria Math" panose="02040503050406030204" pitchFamily="18" charset="0"/>
+            </a:endParaRPr>
+          </a:p>
+          <a:p>
+            <a:pPr marL="0" indent="0">
+              <a:buNone/>
+            </a:pPr>
+            <a:endParaRPr lang="en-US" altLang="ja-JP" sz="2400" dirty="0"/>
+          </a:p>
+        </p:txBody>
+      </p:sp>
+      <p:grpSp>
+        <p:nvGrpSpPr>
+          <p:cNvPr id="13" name="グループ化 12"/>
+          <p:cNvGrpSpPr/>
+          <p:nvPr/>
+        </p:nvGrpSpPr>
+        <p:grpSpPr>
+          <a:xfrm>
+            <a:off x="2589874" y="2047837"/>
+            <a:ext cx="2792670" cy="894962"/>
+            <a:chOff x="756467" y="2219421"/>
+            <a:chExt cx="2792670" cy="894962"/>
+          </a:xfrm>
+        </p:grpSpPr>
+        <mc:AlternateContent xmlns:mc="http://schemas.openxmlformats.org/markup-compatibility/2006" xmlns:a14="http://schemas.microsoft.com/office/drawing/2010/main">
+          <mc:Choice Requires="a14">
+            <p:sp>
+              <p:nvSpPr>
+                <p:cNvPr id="4" name="テキスト ボックス 3"/>
+                <p:cNvSpPr txBox="1"/>
+                <p:nvPr/>
+              </p:nvSpPr>
+              <p:spPr>
+                <a:xfrm>
+                  <a:off x="776440" y="2219421"/>
+                  <a:ext cx="2772697" cy="474169"/>
+                </a:xfrm>
+                <a:prstGeom prst="rect">
+                  <a:avLst/>
+                </a:prstGeom>
+                <a:noFill/>
+              </p:spPr>
+              <p:txBody>
+                <a:bodyPr wrap="square" rtlCol="0">
+                  <a:spAutoFit/>
+                </a:bodyPr>
+                <a:lstStyle/>
+                <a:p>
+                  <a:pPr/>
+                  <a14:m>
+                    <m:oMathPara xmlns:m="http://schemas.openxmlformats.org/officeDocument/2006/math">
+                      <m:oMathParaPr>
+                        <m:jc m:val="centerGroup"/>
+                      </m:oMathParaPr>
+                      <m:oMath xmlns:m="http://schemas.openxmlformats.org/officeDocument/2006/math">
+                        <m:acc>
+                          <m:accPr>
+                            <m:chr m:val="̇"/>
+                            <m:ctrlPr>
+                              <a:rPr lang="en-US" altLang="ja-JP" sz="2400" i="1">
+                                <a:latin typeface="Cambria Math" panose="02040503050406030204" pitchFamily="18" charset="0"/>
+                              </a:rPr>
+                            </m:ctrlPr>
+                          </m:accPr>
+                          <m:e>
+                            <m:r>
+                              <a:rPr lang="en-US" altLang="ja-JP" sz="2400" i="1">
+                                <a:latin typeface="Cambria Math" panose="02040503050406030204" pitchFamily="18" charset="0"/>
+                              </a:rPr>
+                              <m:t>𝑧</m:t>
+                            </m:r>
+                          </m:e>
+                        </m:acc>
+                        <m:r>
+                          <a:rPr lang="en-US" altLang="ja-JP" sz="2400" i="1">
+                            <a:latin typeface="Cambria Math" panose="02040503050406030204" pitchFamily="18" charset="0"/>
+                          </a:rPr>
+                          <m:t>=</m:t>
+                        </m:r>
+                        <m:acc>
+                          <m:accPr>
+                            <m:chr m:val="̂"/>
+                            <m:ctrlPr>
+                              <a:rPr lang="en-US" altLang="ja-JP" sz="2400" i="1">
+                                <a:latin typeface="Cambria Math" panose="02040503050406030204" pitchFamily="18" charset="0"/>
+                              </a:rPr>
+                            </m:ctrlPr>
+                          </m:accPr>
+                          <m:e>
+                            <m:r>
+                              <a:rPr lang="en-US" altLang="ja-JP" sz="2400" i="1">
+                                <a:latin typeface="Cambria Math" panose="02040503050406030204" pitchFamily="18" charset="0"/>
+                              </a:rPr>
+                              <m:t>𝐴</m:t>
+                            </m:r>
+                          </m:e>
+                        </m:acc>
+                        <m:r>
+                          <a:rPr lang="en-US" altLang="ja-JP" sz="2400" i="1">
+                            <a:latin typeface="Cambria Math" panose="02040503050406030204" pitchFamily="18" charset="0"/>
+                          </a:rPr>
+                          <m:t>𝑧</m:t>
+                        </m:r>
+                        <m:r>
+                          <a:rPr lang="en-US" altLang="ja-JP" sz="2400" i="1">
+                            <a:latin typeface="Cambria Math" panose="02040503050406030204" pitchFamily="18" charset="0"/>
+                          </a:rPr>
+                          <m:t>+</m:t>
+                        </m:r>
+                        <m:acc>
+                          <m:accPr>
+                            <m:chr m:val="̂"/>
+                            <m:ctrlPr>
+                              <a:rPr lang="en-US" altLang="ja-JP" sz="2400" i="1">
+                                <a:latin typeface="Cambria Math" panose="02040503050406030204" pitchFamily="18" charset="0"/>
+                              </a:rPr>
+                            </m:ctrlPr>
+                          </m:accPr>
+                          <m:e>
+                            <m:r>
+                              <a:rPr lang="en-US" altLang="ja-JP" sz="2400" i="1">
+                                <a:latin typeface="Cambria Math" panose="02040503050406030204" pitchFamily="18" charset="0"/>
+                              </a:rPr>
+                              <m:t>𝐵</m:t>
+                            </m:r>
+                          </m:e>
+                        </m:acc>
+                        <m:r>
+                          <a:rPr lang="en-US" altLang="ja-JP" sz="2400" i="1">
+                            <a:latin typeface="Cambria Math" panose="02040503050406030204" pitchFamily="18" charset="0"/>
+                          </a:rPr>
+                          <m:t>𝑦</m:t>
+                        </m:r>
+                        <m:r>
+                          <a:rPr lang="en-US" altLang="ja-JP" sz="2400" i="1">
+                            <a:latin typeface="Cambria Math" panose="02040503050406030204" pitchFamily="18" charset="0"/>
+                          </a:rPr>
+                          <m:t>+</m:t>
+                        </m:r>
+                        <m:acc>
+                          <m:accPr>
+                            <m:chr m:val="̂"/>
+                            <m:ctrlPr>
+                              <a:rPr lang="en-US" altLang="ja-JP" sz="2400" i="1">
+                                <a:latin typeface="Cambria Math" panose="02040503050406030204" pitchFamily="18" charset="0"/>
+                              </a:rPr>
+                            </m:ctrlPr>
+                          </m:accPr>
+                          <m:e>
+                            <m:r>
+                              <a:rPr lang="en-US" altLang="ja-JP" sz="2400" i="1">
+                                <a:latin typeface="Cambria Math" panose="02040503050406030204" pitchFamily="18" charset="0"/>
+                              </a:rPr>
+                              <m:t>𝐽</m:t>
+                            </m:r>
+                          </m:e>
+                        </m:acc>
+                        <m:r>
+                          <a:rPr lang="en-US" altLang="ja-JP" sz="2400" i="1">
+                            <a:latin typeface="Cambria Math" panose="02040503050406030204" pitchFamily="18" charset="0"/>
+                          </a:rPr>
+                          <m:t>𝑢</m:t>
+                        </m:r>
+                      </m:oMath>
+                    </m:oMathPara>
+                  </a14:m>
+                  <a:endParaRPr lang="en-US" altLang="ja-JP" sz="2400" dirty="0"/>
+                </a:p>
+              </p:txBody>
+            </p:sp>
+          </mc:Choice>
+          <mc:Fallback xmlns="">
+            <p:sp>
+              <p:nvSpPr>
+                <p:cNvPr id="4" name="テキスト ボックス 3"/>
+                <p:cNvSpPr txBox="1">
+                  <a:spLocks noRot="1" noChangeAspect="1" noMove="1" noResize="1" noEditPoints="1" noAdjustHandles="1" noChangeArrowheads="1" noChangeShapeType="1" noTextEdit="1"/>
+                </p:cNvSpPr>
+                <p:nvPr/>
+              </p:nvSpPr>
+              <p:spPr>
+                <a:xfrm>
+                  <a:off x="776440" y="2219421"/>
+                  <a:ext cx="2772697" cy="474169"/>
+                </a:xfrm>
+                <a:prstGeom prst="rect">
+                  <a:avLst/>
+                </a:prstGeom>
+                <a:blipFill rotWithShape="0">
+                  <a:blip r:embed="rId2"/>
+                  <a:stretch>
+                    <a:fillRect/>
+                  </a:stretch>
+                </a:blipFill>
+              </p:spPr>
+              <p:txBody>
+                <a:bodyPr/>
+                <a:lstStyle/>
+                <a:p>
+                  <a:r>
+                    <a:rPr lang="ja-JP" altLang="en-US">
+                      <a:noFill/>
+                    </a:rPr>
+                    <a:t> </a:t>
+                  </a:r>
+                </a:p>
+              </p:txBody>
+            </p:sp>
+          </mc:Fallback>
+        </mc:AlternateContent>
+        <mc:AlternateContent xmlns:mc="http://schemas.openxmlformats.org/markup-compatibility/2006" xmlns:a14="http://schemas.microsoft.com/office/drawing/2010/main">
+          <mc:Choice Requires="a14">
+            <p:sp>
+              <p:nvSpPr>
+                <p:cNvPr id="5" name="テキスト ボックス 4"/>
+                <p:cNvSpPr txBox="1"/>
+                <p:nvPr/>
+              </p:nvSpPr>
+              <p:spPr>
+                <a:xfrm>
+                  <a:off x="756467" y="2640214"/>
+                  <a:ext cx="2222090" cy="474169"/>
+                </a:xfrm>
+                <a:prstGeom prst="rect">
+                  <a:avLst/>
+                </a:prstGeom>
+                <a:noFill/>
+              </p:spPr>
+              <p:txBody>
+                <a:bodyPr wrap="square" rtlCol="0">
+                  <a:spAutoFit/>
+                </a:bodyPr>
+                <a:lstStyle/>
+                <a:p>
+                  <a:pPr/>
+                  <a14:m>
+                    <m:oMathPara xmlns:m="http://schemas.openxmlformats.org/officeDocument/2006/math">
+                      <m:oMathParaPr>
+                        <m:jc m:val="centerGroup"/>
+                      </m:oMathParaPr>
+                      <m:oMath xmlns:m="http://schemas.openxmlformats.org/officeDocument/2006/math">
+                        <m:acc>
+                          <m:accPr>
+                            <m:chr m:val="̂"/>
+                            <m:ctrlPr>
+                              <a:rPr lang="en-US" altLang="ja-JP" sz="2400" i="1" smtClean="0">
+                                <a:latin typeface="Cambria Math" panose="02040503050406030204" pitchFamily="18" charset="0"/>
+                              </a:rPr>
+                            </m:ctrlPr>
+                          </m:accPr>
+                          <m:e>
+                            <m:r>
+                              <a:rPr lang="en-US" altLang="ja-JP" sz="2400" b="0" i="1" smtClean="0">
+                                <a:latin typeface="Cambria Math" panose="02040503050406030204" pitchFamily="18" charset="0"/>
+                              </a:rPr>
+                              <m:t>𝑥</m:t>
+                            </m:r>
+                          </m:e>
+                        </m:acc>
+                        <m:r>
+                          <a:rPr lang="en-US" altLang="ja-JP" sz="2400" b="0" i="1" smtClean="0">
+                            <a:latin typeface="Cambria Math" panose="02040503050406030204" pitchFamily="18" charset="0"/>
+                          </a:rPr>
+                          <m:t>=</m:t>
+                        </m:r>
+                        <m:acc>
+                          <m:accPr>
+                            <m:chr m:val="̂"/>
+                            <m:ctrlPr>
+                              <a:rPr lang="en-US" altLang="ja-JP" sz="2400" i="1">
+                                <a:latin typeface="Cambria Math" panose="02040503050406030204" pitchFamily="18" charset="0"/>
+                              </a:rPr>
+                            </m:ctrlPr>
+                          </m:accPr>
+                          <m:e>
+                            <m:r>
+                              <a:rPr lang="en-US" altLang="ja-JP" sz="2400" b="0" i="1" smtClean="0">
+                                <a:latin typeface="Cambria Math" panose="02040503050406030204" pitchFamily="18" charset="0"/>
+                              </a:rPr>
+                              <m:t>𝐶</m:t>
+                            </m:r>
+                          </m:e>
+                        </m:acc>
+                        <m:r>
+                          <a:rPr lang="en-US" altLang="ja-JP" sz="2400" b="0" i="1" smtClean="0">
+                            <a:latin typeface="Cambria Math" panose="02040503050406030204" pitchFamily="18" charset="0"/>
+                          </a:rPr>
+                          <m:t>𝑧</m:t>
+                        </m:r>
+                        <m:r>
+                          <a:rPr lang="en-US" altLang="ja-JP" sz="2400" b="0" i="1" smtClean="0">
+                            <a:latin typeface="Cambria Math" panose="02040503050406030204" pitchFamily="18" charset="0"/>
+                          </a:rPr>
+                          <m:t>+</m:t>
+                        </m:r>
+                        <m:acc>
+                          <m:accPr>
+                            <m:chr m:val="̂"/>
+                            <m:ctrlPr>
+                              <a:rPr lang="en-US" altLang="ja-JP" sz="2400" i="1">
+                                <a:latin typeface="Cambria Math" panose="02040503050406030204" pitchFamily="18" charset="0"/>
+                              </a:rPr>
+                            </m:ctrlPr>
+                          </m:accPr>
+                          <m:e>
+                            <m:r>
+                              <a:rPr lang="en-US" altLang="ja-JP" sz="2400" b="0" i="1" smtClean="0">
+                                <a:latin typeface="Cambria Math" panose="02040503050406030204" pitchFamily="18" charset="0"/>
+                              </a:rPr>
+                              <m:t>𝐷</m:t>
+                            </m:r>
+                          </m:e>
+                        </m:acc>
+                        <m:r>
+                          <a:rPr lang="en-US" altLang="ja-JP" sz="2400" b="0" i="1" smtClean="0">
+                            <a:latin typeface="Cambria Math" panose="02040503050406030204" pitchFamily="18" charset="0"/>
+                          </a:rPr>
+                          <m:t>𝑦</m:t>
+                        </m:r>
+                      </m:oMath>
+                    </m:oMathPara>
+                  </a14:m>
+                  <a:endParaRPr kumimoji="1" lang="ja-JP" altLang="en-US" dirty="0"/>
+                </a:p>
+              </p:txBody>
+            </p:sp>
+          </mc:Choice>
+          <mc:Fallback xmlns="">
+            <p:sp>
+              <p:nvSpPr>
+                <p:cNvPr id="5" name="テキスト ボックス 4"/>
+                <p:cNvSpPr txBox="1">
+                  <a:spLocks noRot="1" noChangeAspect="1" noMove="1" noResize="1" noEditPoints="1" noAdjustHandles="1" noChangeArrowheads="1" noChangeShapeType="1" noTextEdit="1"/>
+                </p:cNvSpPr>
+                <p:nvPr/>
+              </p:nvSpPr>
+              <p:spPr>
+                <a:xfrm>
+                  <a:off x="756467" y="2640214"/>
+                  <a:ext cx="2222090" cy="474169"/>
+                </a:xfrm>
+                <a:prstGeom prst="rect">
+                  <a:avLst/>
+                </a:prstGeom>
+                <a:blipFill rotWithShape="0">
+                  <a:blip r:embed="rId3"/>
+                  <a:stretch>
+                    <a:fillRect/>
+                  </a:stretch>
+                </a:blipFill>
+              </p:spPr>
+              <p:txBody>
+                <a:bodyPr/>
+                <a:lstStyle/>
+                <a:p>
+                  <a:r>
+                    <a:rPr lang="ja-JP" altLang="en-US">
+                      <a:noFill/>
+                    </a:rPr>
+                    <a:t> </a:t>
+                  </a:r>
+                </a:p>
+              </p:txBody>
+            </p:sp>
+          </mc:Fallback>
+        </mc:AlternateContent>
+      </p:grpSp>
+      <mc:AlternateContent xmlns:mc="http://schemas.openxmlformats.org/markup-compatibility/2006" xmlns:a14="http://schemas.microsoft.com/office/drawing/2010/main">
+        <mc:Choice Requires="a14">
+          <p:sp>
+            <p:nvSpPr>
+              <p:cNvPr id="6" name="テキスト ボックス 5"/>
+              <p:cNvSpPr txBox="1"/>
+              <p:nvPr/>
+            </p:nvSpPr>
+            <p:spPr>
+              <a:xfrm>
+                <a:off x="834510" y="3087485"/>
+                <a:ext cx="5959580" cy="461665"/>
+              </a:xfrm>
+              <a:prstGeom prst="rect">
+                <a:avLst/>
+              </a:prstGeom>
+              <a:noFill/>
+            </p:spPr>
+            <p:txBody>
+              <a:bodyPr wrap="square" rtlCol="0">
+                <a:spAutoFit/>
+              </a:bodyPr>
+              <a:lstStyle/>
+              <a:p>
+                <a:r>
+                  <a:rPr lang="ja-JP" altLang="en-US" sz="2400" dirty="0" smtClean="0">
+                    <a:ea typeface="Cambria Math" panose="02040503050406030204" pitchFamily="18" charset="0"/>
+                  </a:rPr>
+                  <a:t>が　</a:t>
+                </a:r>
+                <a14:m>
+                  <m:oMath xmlns:m="http://schemas.openxmlformats.org/officeDocument/2006/math">
+                    <m:acc>
+                      <m:accPr>
+                        <m:chr m:val="̂"/>
+                        <m:ctrlPr>
+                          <a:rPr lang="en-US" altLang="ja-JP" sz="2400" i="1">
+                            <a:latin typeface="Cambria Math" panose="02040503050406030204" pitchFamily="18" charset="0"/>
+                            <a:ea typeface="Cambria Math" panose="02040503050406030204" pitchFamily="18" charset="0"/>
+                          </a:rPr>
+                        </m:ctrlPr>
+                      </m:accPr>
+                      <m:e>
+                        <m:r>
+                          <a:rPr lang="en-US" altLang="ja-JP" sz="2400" i="1">
+                            <a:latin typeface="Cambria Math" panose="02040503050406030204" pitchFamily="18" charset="0"/>
+                            <a:ea typeface="Cambria Math" panose="02040503050406030204" pitchFamily="18" charset="0"/>
+                          </a:rPr>
+                          <m:t>𝑥</m:t>
+                        </m:r>
+                      </m:e>
+                    </m:acc>
+                    <m:r>
+                      <a:rPr lang="en-US" altLang="ja-JP" sz="2400" i="1">
+                        <a:latin typeface="Cambria Math" panose="02040503050406030204" pitchFamily="18" charset="0"/>
+                        <a:ea typeface="Cambria Math" panose="02040503050406030204" pitchFamily="18" charset="0"/>
+                      </a:rPr>
+                      <m:t>→</m:t>
+                    </m:r>
+                    <m:r>
+                      <a:rPr lang="en-US" altLang="ja-JP" sz="2400" i="1">
+                        <a:latin typeface="Cambria Math" panose="02040503050406030204" pitchFamily="18" charset="0"/>
+                        <a:ea typeface="Cambria Math" panose="02040503050406030204" pitchFamily="18" charset="0"/>
+                      </a:rPr>
+                      <m:t>𝑥</m:t>
+                    </m:r>
+                    <m:d>
+                      <m:dPr>
+                        <m:ctrlPr>
+                          <a:rPr lang="en-US" altLang="ja-JP" sz="2400" i="1">
+                            <a:latin typeface="Cambria Math" panose="02040503050406030204" pitchFamily="18" charset="0"/>
+                            <a:ea typeface="Cambria Math" panose="02040503050406030204" pitchFamily="18" charset="0"/>
+                          </a:rPr>
+                        </m:ctrlPr>
+                      </m:dPr>
+                      <m:e>
+                        <m:r>
+                          <a:rPr lang="en-US" altLang="ja-JP" sz="2400" i="1">
+                            <a:latin typeface="Cambria Math" panose="02040503050406030204" pitchFamily="18" charset="0"/>
+                            <a:ea typeface="Cambria Math" panose="02040503050406030204" pitchFamily="18" charset="0"/>
+                          </a:rPr>
+                          <m:t>𝑡</m:t>
+                        </m:r>
+                        <m:r>
+                          <a:rPr lang="en-US" altLang="ja-JP" sz="2400" i="1">
+                            <a:latin typeface="Cambria Math" panose="02040503050406030204" pitchFamily="18" charset="0"/>
+                            <a:ea typeface="Cambria Math" panose="02040503050406030204" pitchFamily="18" charset="0"/>
+                          </a:rPr>
+                          <m:t>→∞</m:t>
+                        </m:r>
+                      </m:e>
+                    </m:d>
+                  </m:oMath>
+                </a14:m>
+                <a:r>
+                  <a:rPr kumimoji="1" lang="ja-JP" altLang="en-US" sz="2400" dirty="0" smtClean="0"/>
+                  <a:t>　を満たす十分条件</a:t>
+                </a:r>
+                <a:endParaRPr kumimoji="1" lang="en-US" altLang="ja-JP" sz="2400" dirty="0" smtClean="0"/>
+              </a:p>
+            </p:txBody>
+          </p:sp>
+        </mc:Choice>
+        <mc:Fallback xmlns="">
+          <p:sp>
+            <p:nvSpPr>
+              <p:cNvPr id="6" name="テキスト ボックス 5"/>
+              <p:cNvSpPr txBox="1">
+                <a:spLocks noRot="1" noChangeAspect="1" noMove="1" noResize="1" noEditPoints="1" noAdjustHandles="1" noChangeArrowheads="1" noChangeShapeType="1" noTextEdit="1"/>
+              </p:cNvSpPr>
+              <p:nvPr/>
+            </p:nvSpPr>
+            <p:spPr>
+              <a:xfrm>
+                <a:off x="834510" y="3087485"/>
+                <a:ext cx="5959580" cy="461665"/>
+              </a:xfrm>
+              <a:prstGeom prst="rect">
+                <a:avLst/>
+              </a:prstGeom>
+              <a:blipFill rotWithShape="0">
+                <a:blip r:embed="rId4"/>
+                <a:stretch>
+                  <a:fillRect l="-1636" t="-14474" b="-25000"/>
+                </a:stretch>
+              </a:blipFill>
+            </p:spPr>
+            <p:txBody>
+              <a:bodyPr/>
+              <a:lstStyle/>
+              <a:p>
+                <a:r>
+                  <a:rPr lang="ja-JP" altLang="en-US">
+                    <a:noFill/>
+                  </a:rPr>
+                  <a:t> </a:t>
+                </a:r>
+              </a:p>
+            </p:txBody>
+          </p:sp>
+        </mc:Fallback>
+      </mc:AlternateContent>
+      <p:grpSp>
+        <p:nvGrpSpPr>
+          <p:cNvPr id="11" name="グループ化 10"/>
+          <p:cNvGrpSpPr/>
+          <p:nvPr/>
+        </p:nvGrpSpPr>
+        <p:grpSpPr>
+          <a:xfrm>
+            <a:off x="1603889" y="4155340"/>
+            <a:ext cx="3028336" cy="1418571"/>
+            <a:chOff x="4065022" y="2911157"/>
+            <a:chExt cx="3028336" cy="1418571"/>
+          </a:xfrm>
+        </p:grpSpPr>
+        <mc:AlternateContent xmlns:mc="http://schemas.openxmlformats.org/markup-compatibility/2006" xmlns:a14="http://schemas.microsoft.com/office/drawing/2010/main">
+          <mc:Choice Requires="a14">
+            <p:sp>
+              <p:nvSpPr>
+                <p:cNvPr id="8" name="テキスト ボックス 7"/>
+                <p:cNvSpPr txBox="1"/>
+                <p:nvPr/>
+              </p:nvSpPr>
+              <p:spPr>
+                <a:xfrm>
+                  <a:off x="4065022" y="2911157"/>
+                  <a:ext cx="3028336" cy="474169"/>
+                </a:xfrm>
+                <a:prstGeom prst="rect">
+                  <a:avLst/>
+                </a:prstGeom>
+                <a:noFill/>
+              </p:spPr>
+              <p:txBody>
+                <a:bodyPr wrap="square" rtlCol="0">
+                  <a:spAutoFit/>
+                </a:bodyPr>
+                <a:lstStyle/>
+                <a:p>
+                  <a:pPr/>
+                  <a14:m>
+                    <m:oMathPara xmlns:m="http://schemas.openxmlformats.org/officeDocument/2006/math">
+                      <m:oMathParaPr>
+                        <m:jc m:val="centerGroup"/>
+                      </m:oMathParaPr>
+                      <m:oMath xmlns:m="http://schemas.openxmlformats.org/officeDocument/2006/math">
+                        <m:r>
+                          <a:rPr lang="en-US" altLang="ja-JP" sz="2400" i="1">
+                            <a:latin typeface="Cambria Math" panose="02040503050406030204" pitchFamily="18" charset="0"/>
+                          </a:rPr>
+                          <m:t>𝑈𝐴</m:t>
+                        </m:r>
+                        <m:r>
+                          <a:rPr lang="en-US" altLang="ja-JP" sz="2400" i="1">
+                            <a:latin typeface="Cambria Math" panose="02040503050406030204" pitchFamily="18" charset="0"/>
+                          </a:rPr>
+                          <m:t>=</m:t>
+                        </m:r>
+                        <m:acc>
+                          <m:accPr>
+                            <m:chr m:val="̂"/>
+                            <m:ctrlPr>
+                              <a:rPr lang="en-US" altLang="ja-JP" sz="2400" i="1">
+                                <a:latin typeface="Cambria Math" panose="02040503050406030204" pitchFamily="18" charset="0"/>
+                              </a:rPr>
+                            </m:ctrlPr>
+                          </m:accPr>
+                          <m:e>
+                            <m:r>
+                              <a:rPr lang="en-US" altLang="ja-JP" sz="2400" i="1">
+                                <a:latin typeface="Cambria Math" panose="02040503050406030204" pitchFamily="18" charset="0"/>
+                              </a:rPr>
+                              <m:t>𝐴</m:t>
+                            </m:r>
+                          </m:e>
+                        </m:acc>
+                        <m:r>
+                          <a:rPr lang="en-US" altLang="ja-JP" sz="2400" i="1" dirty="0">
+                            <a:latin typeface="Cambria Math" panose="02040503050406030204" pitchFamily="18" charset="0"/>
+                          </a:rPr>
+                          <m:t>𝑈</m:t>
+                        </m:r>
+                        <m:r>
+                          <a:rPr lang="en-US" altLang="ja-JP" sz="2400" i="1" dirty="0">
+                            <a:latin typeface="Cambria Math" panose="02040503050406030204" pitchFamily="18" charset="0"/>
+                          </a:rPr>
+                          <m:t>+</m:t>
+                        </m:r>
+                        <m:acc>
+                          <m:accPr>
+                            <m:chr m:val="̂"/>
+                            <m:ctrlPr>
+                              <a:rPr lang="en-US" altLang="ja-JP" sz="2400" i="1" dirty="0">
+                                <a:latin typeface="Cambria Math" panose="02040503050406030204" pitchFamily="18" charset="0"/>
+                              </a:rPr>
+                            </m:ctrlPr>
+                          </m:accPr>
+                          <m:e>
+                            <m:r>
+                              <a:rPr lang="en-US" altLang="ja-JP" sz="2400" i="1" dirty="0">
+                                <a:latin typeface="Cambria Math" panose="02040503050406030204" pitchFamily="18" charset="0"/>
+                              </a:rPr>
+                              <m:t>𝐵</m:t>
+                            </m:r>
+                          </m:e>
+                        </m:acc>
+                        <m:r>
+                          <a:rPr lang="en-US" altLang="ja-JP" sz="2400" i="1" dirty="0">
+                            <a:latin typeface="Cambria Math" panose="02040503050406030204" pitchFamily="18" charset="0"/>
+                          </a:rPr>
+                          <m:t>𝐶</m:t>
+                        </m:r>
+                      </m:oMath>
+                    </m:oMathPara>
+                  </a14:m>
+                  <a:endParaRPr lang="en-US" altLang="ja-JP" dirty="0"/>
+                </a:p>
+              </p:txBody>
+            </p:sp>
+          </mc:Choice>
+          <mc:Fallback xmlns="">
+            <p:sp>
+              <p:nvSpPr>
+                <p:cNvPr id="8" name="テキスト ボックス 7"/>
+                <p:cNvSpPr txBox="1">
+                  <a:spLocks noRot="1" noChangeAspect="1" noMove="1" noResize="1" noEditPoints="1" noAdjustHandles="1" noChangeArrowheads="1" noChangeShapeType="1" noTextEdit="1"/>
+                </p:cNvSpPr>
+                <p:nvPr/>
+              </p:nvSpPr>
+              <p:spPr>
+                <a:xfrm>
+                  <a:off x="4065022" y="2911157"/>
+                  <a:ext cx="3028336" cy="474169"/>
+                </a:xfrm>
+                <a:prstGeom prst="rect">
+                  <a:avLst/>
+                </a:prstGeom>
+                <a:blipFill rotWithShape="0">
+                  <a:blip r:embed="rId5"/>
+                  <a:stretch>
+                    <a:fillRect/>
+                  </a:stretch>
+                </a:blipFill>
+              </p:spPr>
+              <p:txBody>
+                <a:bodyPr/>
+                <a:lstStyle/>
+                <a:p>
+                  <a:r>
+                    <a:rPr lang="ja-JP" altLang="en-US">
+                      <a:noFill/>
+                    </a:rPr>
+                    <a:t> </a:t>
+                  </a:r>
+                </a:p>
+              </p:txBody>
+            </p:sp>
+          </mc:Fallback>
+        </mc:AlternateContent>
+        <mc:AlternateContent xmlns:mc="http://schemas.openxmlformats.org/markup-compatibility/2006" xmlns:a14="http://schemas.microsoft.com/office/drawing/2010/main">
+          <mc:Choice Requires="a14">
+            <p:sp>
+              <p:nvSpPr>
+                <p:cNvPr id="9" name="テキスト ボックス 8"/>
+                <p:cNvSpPr txBox="1"/>
+                <p:nvPr/>
+              </p:nvSpPr>
+              <p:spPr>
+                <a:xfrm>
+                  <a:off x="4409150" y="3385326"/>
+                  <a:ext cx="1268362" cy="471732"/>
+                </a:xfrm>
+                <a:prstGeom prst="rect">
+                  <a:avLst/>
+                </a:prstGeom>
+                <a:noFill/>
+              </p:spPr>
+              <p:txBody>
+                <a:bodyPr wrap="square" rtlCol="0">
+                  <a:spAutoFit/>
+                </a:bodyPr>
+                <a:lstStyle/>
+                <a:p>
+                  <a:pPr/>
+                  <a14:m>
+                    <m:oMathPara xmlns:m="http://schemas.openxmlformats.org/officeDocument/2006/math">
+                      <m:oMathParaPr>
+                        <m:jc m:val="centerGroup"/>
+                      </m:oMathParaPr>
+                      <m:oMath xmlns:m="http://schemas.openxmlformats.org/officeDocument/2006/math">
+                        <m:r>
+                          <a:rPr lang="en-US" altLang="ja-JP" sz="2400" i="1">
+                            <a:latin typeface="Cambria Math" panose="02040503050406030204" pitchFamily="18" charset="0"/>
+                          </a:rPr>
+                          <m:t>𝑈𝐵</m:t>
+                        </m:r>
+                        <m:r>
+                          <a:rPr lang="en-US" altLang="ja-JP" sz="2400" i="1">
+                            <a:latin typeface="Cambria Math" panose="02040503050406030204" pitchFamily="18" charset="0"/>
+                          </a:rPr>
+                          <m:t>=</m:t>
+                        </m:r>
+                        <m:acc>
+                          <m:accPr>
+                            <m:chr m:val="̂"/>
+                            <m:ctrlPr>
+                              <a:rPr lang="en-US" altLang="ja-JP" sz="2400" i="1">
+                                <a:latin typeface="Cambria Math" panose="02040503050406030204" pitchFamily="18" charset="0"/>
+                              </a:rPr>
+                            </m:ctrlPr>
+                          </m:accPr>
+                          <m:e>
+                            <m:r>
+                              <a:rPr lang="en-US" altLang="ja-JP" sz="2400" i="1">
+                                <a:latin typeface="Cambria Math" panose="02040503050406030204" pitchFamily="18" charset="0"/>
+                              </a:rPr>
+                              <m:t>𝐽</m:t>
+                            </m:r>
+                          </m:e>
+                        </m:acc>
+                      </m:oMath>
+                    </m:oMathPara>
+                  </a14:m>
+                  <a:endParaRPr kumimoji="1" lang="ja-JP" altLang="en-US" dirty="0"/>
+                </a:p>
+              </p:txBody>
+            </p:sp>
+          </mc:Choice>
+          <mc:Fallback xmlns="">
+            <p:sp>
+              <p:nvSpPr>
+                <p:cNvPr id="9" name="テキスト ボックス 8"/>
+                <p:cNvSpPr txBox="1">
+                  <a:spLocks noRot="1" noChangeAspect="1" noMove="1" noResize="1" noEditPoints="1" noAdjustHandles="1" noChangeArrowheads="1" noChangeShapeType="1" noTextEdit="1"/>
+                </p:cNvSpPr>
+                <p:nvPr/>
+              </p:nvSpPr>
+              <p:spPr>
+                <a:xfrm>
+                  <a:off x="4409150" y="3385326"/>
+                  <a:ext cx="1268362" cy="471732"/>
+                </a:xfrm>
+                <a:prstGeom prst="rect">
+                  <a:avLst/>
+                </a:prstGeom>
+                <a:blipFill rotWithShape="0">
+                  <a:blip r:embed="rId6"/>
+                  <a:stretch>
+                    <a:fillRect/>
+                  </a:stretch>
+                </a:blipFill>
+              </p:spPr>
+              <p:txBody>
+                <a:bodyPr/>
+                <a:lstStyle/>
+                <a:p>
+                  <a:r>
+                    <a:rPr lang="ja-JP" altLang="en-US">
+                      <a:noFill/>
+                    </a:rPr>
+                    <a:t> </a:t>
+                  </a:r>
+                </a:p>
+              </p:txBody>
+            </p:sp>
+          </mc:Fallback>
+        </mc:AlternateContent>
+        <mc:AlternateContent xmlns:mc="http://schemas.openxmlformats.org/markup-compatibility/2006" xmlns:a14="http://schemas.microsoft.com/office/drawing/2010/main">
+          <mc:Choice Requires="a14">
+            <p:sp>
+              <p:nvSpPr>
+                <p:cNvPr id="10" name="テキスト ボックス 9"/>
+                <p:cNvSpPr txBox="1"/>
+                <p:nvPr/>
+              </p:nvSpPr>
+              <p:spPr>
+                <a:xfrm>
+                  <a:off x="4336643" y="3855559"/>
+                  <a:ext cx="2192284" cy="474169"/>
+                </a:xfrm>
+                <a:prstGeom prst="rect">
+                  <a:avLst/>
+                </a:prstGeom>
+                <a:noFill/>
+              </p:spPr>
+              <p:txBody>
+                <a:bodyPr wrap="square" rtlCol="0">
+                  <a:spAutoFit/>
+                </a:bodyPr>
+                <a:lstStyle/>
+                <a:p>
+                  <a:pPr/>
+                  <a14:m>
+                    <m:oMathPara xmlns:m="http://schemas.openxmlformats.org/officeDocument/2006/math">
+                      <m:oMathParaPr>
+                        <m:jc m:val="centerGroup"/>
+                      </m:oMathParaPr>
+                      <m:oMath xmlns:m="http://schemas.openxmlformats.org/officeDocument/2006/math">
+                        <m:r>
+                          <a:rPr lang="en-US" altLang="ja-JP" sz="2400" i="1">
+                            <a:latin typeface="Cambria Math" panose="02040503050406030204" pitchFamily="18" charset="0"/>
+                          </a:rPr>
+                          <m:t>𝐼</m:t>
+                        </m:r>
+                        <m:r>
+                          <a:rPr lang="en-US" altLang="ja-JP" sz="2400" i="1">
+                            <a:latin typeface="Cambria Math" panose="02040503050406030204" pitchFamily="18" charset="0"/>
+                          </a:rPr>
+                          <m:t>=</m:t>
+                        </m:r>
+                        <m:acc>
+                          <m:accPr>
+                            <m:chr m:val="̂"/>
+                            <m:ctrlPr>
+                              <a:rPr lang="en-US" altLang="ja-JP" sz="2400" i="1">
+                                <a:latin typeface="Cambria Math" panose="02040503050406030204" pitchFamily="18" charset="0"/>
+                              </a:rPr>
+                            </m:ctrlPr>
+                          </m:accPr>
+                          <m:e>
+                            <m:r>
+                              <a:rPr lang="en-US" altLang="ja-JP" sz="2400" i="1">
+                                <a:latin typeface="Cambria Math" panose="02040503050406030204" pitchFamily="18" charset="0"/>
+                              </a:rPr>
+                              <m:t>𝐶</m:t>
+                            </m:r>
+                          </m:e>
+                        </m:acc>
+                        <m:r>
+                          <a:rPr lang="en-US" altLang="ja-JP" sz="2400" i="1" dirty="0">
+                            <a:latin typeface="Cambria Math" panose="02040503050406030204" pitchFamily="18" charset="0"/>
+                          </a:rPr>
+                          <m:t>𝑈</m:t>
+                        </m:r>
+                        <m:r>
+                          <a:rPr lang="en-US" altLang="ja-JP" sz="2400" i="1" dirty="0">
+                            <a:latin typeface="Cambria Math" panose="02040503050406030204" pitchFamily="18" charset="0"/>
+                          </a:rPr>
+                          <m:t>+</m:t>
+                        </m:r>
+                        <m:acc>
+                          <m:accPr>
+                            <m:chr m:val="̂"/>
+                            <m:ctrlPr>
+                              <a:rPr lang="en-US" altLang="ja-JP" sz="2400" i="1" dirty="0">
+                                <a:latin typeface="Cambria Math" panose="02040503050406030204" pitchFamily="18" charset="0"/>
+                              </a:rPr>
+                            </m:ctrlPr>
+                          </m:accPr>
+                          <m:e>
+                            <m:r>
+                              <a:rPr lang="en-US" altLang="ja-JP" sz="2400" i="1" dirty="0">
+                                <a:latin typeface="Cambria Math" panose="02040503050406030204" pitchFamily="18" charset="0"/>
+                              </a:rPr>
+                              <m:t>𝐷</m:t>
+                            </m:r>
+                          </m:e>
+                        </m:acc>
+                        <m:r>
+                          <a:rPr lang="en-US" altLang="ja-JP" sz="2400" i="1" dirty="0">
+                            <a:latin typeface="Cambria Math" panose="02040503050406030204" pitchFamily="18" charset="0"/>
+                          </a:rPr>
+                          <m:t>𝐶</m:t>
+                        </m:r>
+                      </m:oMath>
+                    </m:oMathPara>
+                  </a14:m>
+                  <a:endParaRPr lang="en-US" altLang="ja-JP" dirty="0"/>
+                </a:p>
+              </p:txBody>
+            </p:sp>
+          </mc:Choice>
+          <mc:Fallback xmlns="">
+            <p:sp>
+              <p:nvSpPr>
+                <p:cNvPr id="10" name="テキスト ボックス 9"/>
+                <p:cNvSpPr txBox="1">
+                  <a:spLocks noRot="1" noChangeAspect="1" noMove="1" noResize="1" noEditPoints="1" noAdjustHandles="1" noChangeArrowheads="1" noChangeShapeType="1" noTextEdit="1"/>
+                </p:cNvSpPr>
+                <p:nvPr/>
+              </p:nvSpPr>
+              <p:spPr>
+                <a:xfrm>
+                  <a:off x="4336643" y="3855559"/>
+                  <a:ext cx="2192284" cy="474169"/>
+                </a:xfrm>
+                <a:prstGeom prst="rect">
+                  <a:avLst/>
+                </a:prstGeom>
+                <a:blipFill rotWithShape="0">
+                  <a:blip r:embed="rId7"/>
+                  <a:stretch>
+                    <a:fillRect/>
+                  </a:stretch>
+                </a:blipFill>
+              </p:spPr>
+              <p:txBody>
+                <a:bodyPr/>
+                <a:lstStyle/>
+                <a:p>
+                  <a:r>
+                    <a:rPr lang="ja-JP" altLang="en-US">
+                      <a:noFill/>
+                    </a:rPr>
+                    <a:t> </a:t>
+                  </a:r>
+                </a:p>
+              </p:txBody>
+            </p:sp>
+          </mc:Fallback>
+        </mc:AlternateContent>
+      </p:grpSp>
+      <p:sp>
+        <p:nvSpPr>
+          <p:cNvPr id="12" name="下矢印 11"/>
+          <p:cNvSpPr/>
+          <p:nvPr/>
+        </p:nvSpPr>
+        <p:spPr>
+          <a:xfrm>
+            <a:off x="2169245" y="3675797"/>
+            <a:ext cx="1897625" cy="459006"/>
+          </a:xfrm>
+          <a:prstGeom prst="downArrow">
+            <a:avLst/>
+          </a:prstGeom>
+        </p:spPr>
+        <p:style>
+          <a:lnRef idx="2">
+            <a:schemeClr val="accent1">
+              <a:shade val="50000"/>
+            </a:schemeClr>
+          </a:lnRef>
+          <a:fillRef idx="1">
+            <a:schemeClr val="accent1"/>
+          </a:fillRef>
+          <a:effectRef idx="0">
+            <a:schemeClr val="accent1"/>
+          </a:effectRef>
+          <a:fontRef idx="minor">
+            <a:schemeClr val="lt1"/>
+          </a:fontRef>
+        </p:style>
+        <p:txBody>
+          <a:bodyPr rtlCol="0" anchor="ctr"/>
+          <a:lstStyle/>
+          <a:p>
+            <a:pPr algn="ctr"/>
+            <a:endParaRPr kumimoji="1" lang="ja-JP" altLang="en-US"/>
+          </a:p>
+        </p:txBody>
+      </p:sp>
+      <mc:AlternateContent xmlns:mc="http://schemas.openxmlformats.org/markup-compatibility/2006" xmlns:a14="http://schemas.microsoft.com/office/drawing/2010/main">
+        <mc:Choice Requires="a14">
+          <p:sp>
+            <p:nvSpPr>
+              <p:cNvPr id="14" name="テキスト ボックス 13"/>
+              <p:cNvSpPr txBox="1"/>
+              <p:nvPr/>
+            </p:nvSpPr>
+            <p:spPr>
+              <a:xfrm>
+                <a:off x="2016842" y="5530647"/>
+                <a:ext cx="3297811" cy="843501"/>
+              </a:xfrm>
+              <a:prstGeom prst="rect">
+                <a:avLst/>
+              </a:prstGeom>
+              <a:noFill/>
+            </p:spPr>
+            <p:txBody>
+              <a:bodyPr wrap="square" rtlCol="0">
+                <a:spAutoFit/>
+              </a:bodyPr>
+              <a:lstStyle/>
+              <a:p>
+                <a:r>
+                  <a:rPr lang="ja-JP" altLang="en-US" sz="2400" dirty="0" smtClean="0"/>
+                  <a:t>かつ</a:t>
+                </a:r>
+                <a:endParaRPr lang="en-US" altLang="ja-JP" sz="2400" dirty="0" smtClean="0"/>
+              </a:p>
+              <a:p>
+                <a14:m>
+                  <m:oMath xmlns:m="http://schemas.openxmlformats.org/officeDocument/2006/math">
+                    <m:acc>
+                      <m:accPr>
+                        <m:chr m:val="̂"/>
+                        <m:ctrlPr>
+                          <a:rPr lang="en-US" altLang="ja-JP" sz="2400" i="1">
+                            <a:latin typeface="Cambria Math" panose="02040503050406030204" pitchFamily="18" charset="0"/>
+                          </a:rPr>
+                        </m:ctrlPr>
+                      </m:accPr>
+                      <m:e>
+                        <m:r>
+                          <a:rPr lang="en-US" altLang="ja-JP" sz="2400" i="1">
+                            <a:latin typeface="Cambria Math" panose="02040503050406030204" pitchFamily="18" charset="0"/>
+                          </a:rPr>
+                          <m:t>𝐴</m:t>
+                        </m:r>
+                      </m:e>
+                    </m:acc>
+                  </m:oMath>
+                </a14:m>
+                <a:r>
+                  <a:rPr kumimoji="1" lang="ja-JP" altLang="en-US" sz="2400" dirty="0" smtClean="0"/>
+                  <a:t>が安定行列であること</a:t>
+                </a:r>
+                <a:endParaRPr kumimoji="1" lang="ja-JP" altLang="en-US" sz="2400" dirty="0"/>
+              </a:p>
+            </p:txBody>
+          </p:sp>
+        </mc:Choice>
+        <mc:Fallback xmlns="">
+          <p:sp>
+            <p:nvSpPr>
+              <p:cNvPr id="14" name="テキスト ボックス 13"/>
+              <p:cNvSpPr txBox="1">
+                <a:spLocks noRot="1" noChangeAspect="1" noMove="1" noResize="1" noEditPoints="1" noAdjustHandles="1" noChangeArrowheads="1" noChangeShapeType="1" noTextEdit="1"/>
+              </p:cNvSpPr>
+              <p:nvPr/>
+            </p:nvSpPr>
+            <p:spPr>
+              <a:xfrm>
+                <a:off x="2016842" y="5530647"/>
+                <a:ext cx="3297811" cy="843501"/>
+              </a:xfrm>
+              <a:prstGeom prst="rect">
+                <a:avLst/>
+              </a:prstGeom>
+              <a:blipFill rotWithShape="0">
+                <a:blip r:embed="rId8"/>
+                <a:stretch>
+                  <a:fillRect l="-2957" t="-7194" b="-12950"/>
+                </a:stretch>
+              </a:blipFill>
+            </p:spPr>
+            <p:txBody>
+              <a:bodyPr/>
+              <a:lstStyle/>
+              <a:p>
+                <a:r>
+                  <a:rPr lang="ja-JP" altLang="en-US">
+                    <a:noFill/>
+                  </a:rPr>
+                  <a:t> </a:t>
+                </a:r>
+              </a:p>
+            </p:txBody>
+          </p:sp>
+        </mc:Fallback>
+      </mc:AlternateContent>
+      <p:sp>
+        <p:nvSpPr>
+          <p:cNvPr id="16" name="角丸四角形 15"/>
+          <p:cNvSpPr/>
+          <p:nvPr/>
+        </p:nvSpPr>
+        <p:spPr>
+          <a:xfrm>
+            <a:off x="1110429" y="2942799"/>
+            <a:ext cx="6923142" cy="2278130"/>
+          </a:xfrm>
+          <a:prstGeom prst="roundRect">
+            <a:avLst/>
+          </a:prstGeom>
+        </p:spPr>
+        <p:style>
+          <a:lnRef idx="2">
+            <a:schemeClr val="accent1">
+              <a:shade val="50000"/>
+            </a:schemeClr>
+          </a:lnRef>
+          <a:fillRef idx="1">
+            <a:schemeClr val="accent1"/>
+          </a:fillRef>
+          <a:effectRef idx="0">
+            <a:schemeClr val="accent1"/>
+          </a:effectRef>
+          <a:fontRef idx="minor">
+            <a:schemeClr val="lt1"/>
+          </a:fontRef>
+        </p:style>
+        <p:txBody>
+          <a:bodyPr rtlCol="0" anchor="ctr"/>
+          <a:lstStyle/>
+          <a:p>
+            <a:pPr algn="ctr"/>
+            <a:r>
+              <a:rPr lang="en-US" altLang="ja-JP" sz="2400" dirty="0" err="1" smtClean="0"/>
+              <a:t>Gopinath</a:t>
+            </a:r>
+            <a:r>
+              <a:rPr lang="ja-JP" altLang="en-US" sz="2400" dirty="0" smtClean="0"/>
+              <a:t>の設計法を用いて設計する</a:t>
+            </a:r>
+            <a:endParaRPr kumimoji="1" lang="ja-JP" altLang="en-US" sz="2400" dirty="0"/>
+          </a:p>
+        </p:txBody>
+      </p:sp>
+    </p:spTree>
+    <p:extLst>
+      <p:ext uri="{BB962C8B-B14F-4D97-AF65-F5344CB8AC3E}">
+        <p14:creationId xmlns:p14="http://schemas.microsoft.com/office/powerpoint/2010/main" val="863932517"/>
+      </p:ext>
+    </p:extLst>
+  </p:cSld>
+  <p:clrMapOvr>
+    <a:masterClrMapping/>
+  </p:clrMapOvr>
+  <p:timing>
+    <p:tnLst>
+      <p:par>
+        <p:cTn id="1" dur="indefinite" restart="never" nodeType="tmRoot">
+          <p:childTnLst>
+            <p:seq concurrent="1" nextAc="seek">
+              <p:cTn id="2" dur="indefinite" nodeType="mainSeq">
+                <p:childTnLst>
+                  <p:par>
+                    <p:cTn id="3" fill="hold">
+                      <p:stCondLst>
+                        <p:cond delay="indefinite"/>
+                      </p:stCondLst>
+                      <p:childTnLst>
+                        <p:par>
+                          <p:cTn id="4" fill="hold">
+                            <p:stCondLst>
+                              <p:cond delay="0"/>
+                            </p:stCondLst>
+                            <p:childTnLst>
+                              <p:par>
+                                <p:cTn id="5" presetID="10" presetClass="entr" presetSubtype="0" fill="hold" grpId="0" nodeType="clickEffect">
+                                  <p:stCondLst>
+                                    <p:cond delay="0"/>
+                                  </p:stCondLst>
+                                  <p:childTnLst>
+                                    <p:set>
+                                      <p:cBhvr>
+                                        <p:cTn id="6" dur="1" fill="hold">
+                                          <p:stCondLst>
+                                            <p:cond delay="0"/>
+                                          </p:stCondLst>
+                                        </p:cTn>
+                                        <p:tgtEl>
+                                          <p:spTgt spid="16"/>
+                                        </p:tgtEl>
+                                        <p:attrNameLst>
+                                          <p:attrName>style.visibility</p:attrName>
+                                        </p:attrNameLst>
+                                      </p:cBhvr>
+                                      <p:to>
+                                        <p:strVal val="visible"/>
+                                      </p:to>
+                                    </p:set>
+                                    <p:animEffect transition="in" filter="fade">
+                                      <p:cBhvr>
+                                        <p:cTn id="7" dur="500"/>
+                                        <p:tgtEl>
+                                          <p:spTgt spid="16"/>
+                                        </p:tgtEl>
+                                      </p:cBhvr>
+                                    </p:animEffect>
+                                  </p:childTnLst>
+                                </p:cTn>
+                              </p:par>
+                            </p:childTnLst>
+                          </p:cTn>
+                        </p:par>
+                      </p:childTnLst>
+                    </p:cTn>
+                  </p:par>
+                </p:childTnLst>
+              </p:cTn>
+              <p:prevCondLst>
+                <p:cond evt="onPrev" delay="0">
+                  <p:tgtEl>
+                    <p:sldTgt/>
+                  </p:tgtEl>
+                </p:cond>
+              </p:prevCondLst>
+              <p:nextCondLst>
+                <p:cond evt="onNext" delay="0">
+                  <p:tgtEl>
+                    <p:sldTgt/>
+                  </p:tgtEl>
+                </p:cond>
+              </p:nextCondLst>
+            </p:seq>
+          </p:childTnLst>
+        </p:cTn>
+      </p:par>
+    </p:tnLst>
+    <p:bldLst>
+      <p:bldP spid="16" grpId="0" animBg="1"/>
+    </p:bldLst>
+  </p:timing>
+</p:sld>
+</file>
+
+<file path=ppt/slides/slide43.xml><?xml version="1.0" encoding="utf-8"?>
+<p:sld xmlns:a="http://schemas.openxmlformats.org/drawingml/2006/main" xmlns:r="http://schemas.openxmlformats.org/officeDocument/2006/relationships" xmlns:p="http://schemas.openxmlformats.org/presentationml/2006/main">
+  <p:cSld>
+    <p:spTree>
+      <p:nvGrpSpPr>
+        <p:cNvPr id="1" name=""/>
+        <p:cNvGrpSpPr/>
+        <p:nvPr/>
+      </p:nvGrpSpPr>
+      <p:grpSpPr>
+        <a:xfrm>
+          <a:off x="0" y="0"/>
+          <a:ext cx="0" cy="0"/>
+          <a:chOff x="0" y="0"/>
+          <a:chExt cx="0" cy="0"/>
+        </a:xfrm>
+      </p:grpSpPr>
+      <p:sp>
+        <p:nvSpPr>
+          <p:cNvPr id="2" name="タイトル 1"/>
+          <p:cNvSpPr>
+            <a:spLocks noGrp="1"/>
+          </p:cNvSpPr>
+          <p:nvPr>
+            <p:ph type="title"/>
+          </p:nvPr>
+        </p:nvSpPr>
+        <p:spPr/>
+        <p:txBody>
+          <a:bodyPr/>
+          <a:lstStyle/>
+          <a:p>
+            <a:r>
+              <a:rPr kumimoji="1" lang="ja-JP" altLang="en-US" dirty="0" smtClean="0"/>
+              <a:t>コントローラの離散化</a:t>
+            </a:r>
+            <a:endParaRPr kumimoji="1" lang="ja-JP" altLang="en-US" dirty="0"/>
+          </a:p>
+        </p:txBody>
+      </p:sp>
+      <p:sp>
+        <p:nvSpPr>
+          <p:cNvPr id="3" name="コンテンツ プレースホルダー 2"/>
+          <p:cNvSpPr>
+            <a:spLocks noGrp="1"/>
+          </p:cNvSpPr>
+          <p:nvPr>
+            <p:ph idx="1"/>
+          </p:nvPr>
+        </p:nvSpPr>
+        <p:spPr/>
+        <p:txBody>
+          <a:bodyPr>
+            <a:normAutofit/>
+          </a:bodyPr>
+          <a:lstStyle/>
+          <a:p>
+            <a:pPr marL="0" indent="0">
+              <a:buNone/>
+            </a:pPr>
+            <a:r>
+              <a:rPr kumimoji="1" lang="ja-JP" altLang="en-US" sz="2400" dirty="0" smtClean="0"/>
+              <a:t>計算機制御のために、連続時間コントローラを離散化し、離散時間コントローラを設計</a:t>
+            </a:r>
+            <a:endParaRPr kumimoji="1" lang="ja-JP" altLang="en-US" sz="2400" dirty="0"/>
+          </a:p>
+        </p:txBody>
+      </p:sp>
+      <p:grpSp>
+        <p:nvGrpSpPr>
+          <p:cNvPr id="16" name="グループ化 15"/>
+          <p:cNvGrpSpPr/>
+          <p:nvPr/>
+        </p:nvGrpSpPr>
+        <p:grpSpPr>
+          <a:xfrm>
+            <a:off x="174376" y="3218731"/>
+            <a:ext cx="3146323" cy="2198131"/>
+            <a:chOff x="628650" y="2550850"/>
+            <a:chExt cx="3146323" cy="2198131"/>
+          </a:xfrm>
+        </p:grpSpPr>
+        <p:pic>
+          <p:nvPicPr>
+            <p:cNvPr id="5" name="Picture 4" descr="\begin{eqnarray*}&#10;u &amp;=&amp; F(x_{ref}-\hat{x})        \\&#10;\dot{z} &amp;=&amp; \hat{A}z + \hat{B}y + \hat{J}u      \\&#10;\hat{x} &amp;=&amp; \hat{C}z + \hat{D}y&#10;&#10;\end{eqnarray*}"/>
+            <p:cNvPicPr>
+              <a:picLocks noChangeAspect="1" noChangeArrowheads="1"/>
+            </p:cNvPicPr>
+            <p:nvPr/>
+          </p:nvPicPr>
+          <p:blipFill>
+            <a:blip r:embed="rId2" cstate="print">
+              <a:extLst>
+                <a:ext uri="{28A0092B-C50C-407E-A947-70E740481C1C}">
+                  <a14:useLocalDpi xmlns:a14="http://schemas.microsoft.com/office/drawing/2010/main" val="0"/>
+                </a:ext>
+              </a:extLst>
+            </a:blip>
+            <a:srcRect/>
+            <a:stretch>
+              <a:fillRect/>
+            </a:stretch>
+          </p:blipFill>
+          <p:spPr bwMode="auto">
+            <a:xfrm>
+              <a:off x="860597" y="3169682"/>
+              <a:ext cx="2599743" cy="1323014"/>
+            </a:xfrm>
+            <a:prstGeom prst="rect">
+              <a:avLst/>
+            </a:prstGeom>
+            <a:noFill/>
+            <a:extLst>
+              <a:ext uri="{909E8E84-426E-40DD-AFC4-6F175D3DCCD1}">
+                <a14:hiddenFill xmlns:a14="http://schemas.microsoft.com/office/drawing/2010/main">
+                  <a:solidFill>
+                    <a:srgbClr val="FFFFFF"/>
+                  </a:solidFill>
+                </a14:hiddenFill>
+              </a:ext>
+            </a:extLst>
+          </p:spPr>
+        </p:pic>
+        <p:sp>
+          <p:nvSpPr>
+            <p:cNvPr id="7" name="角丸四角形 6"/>
+            <p:cNvSpPr/>
+            <p:nvPr/>
+          </p:nvSpPr>
+          <p:spPr>
+            <a:xfrm>
+              <a:off x="628650" y="2969342"/>
+              <a:ext cx="3146323" cy="1779639"/>
+            </a:xfrm>
+            <a:prstGeom prst="roundRect">
+              <a:avLst/>
+            </a:prstGeom>
+            <a:noFill/>
+            <a:ln>
+              <a:solidFill>
+                <a:schemeClr val="tx1"/>
+              </a:solidFill>
+            </a:ln>
+          </p:spPr>
+          <p:style>
+            <a:lnRef idx="2">
+              <a:schemeClr val="accent6"/>
+            </a:lnRef>
+            <a:fillRef idx="1">
+              <a:schemeClr val="lt1"/>
+            </a:fillRef>
+            <a:effectRef idx="0">
+              <a:schemeClr val="accent6"/>
+            </a:effectRef>
+            <a:fontRef idx="minor">
+              <a:schemeClr val="dk1"/>
+            </a:fontRef>
+          </p:style>
+          <p:txBody>
+            <a:bodyPr rtlCol="0" anchor="ctr"/>
+            <a:lstStyle/>
+            <a:p>
+              <a:pPr algn="ctr"/>
+              <a:endParaRPr kumimoji="1" lang="ja-JP" altLang="en-US"/>
+            </a:p>
+          </p:txBody>
+        </p:sp>
+        <p:sp>
+          <p:nvSpPr>
+            <p:cNvPr id="8" name="テキスト ボックス 7"/>
+            <p:cNvSpPr txBox="1"/>
+            <p:nvPr/>
+          </p:nvSpPr>
+          <p:spPr>
+            <a:xfrm>
+              <a:off x="746637" y="2550850"/>
+              <a:ext cx="1740310" cy="369332"/>
+            </a:xfrm>
+            <a:prstGeom prst="rect">
+              <a:avLst/>
+            </a:prstGeom>
+            <a:noFill/>
+          </p:spPr>
+          <p:txBody>
+            <a:bodyPr wrap="square" rtlCol="0">
+              <a:spAutoFit/>
+            </a:bodyPr>
+            <a:lstStyle/>
+            <a:p>
+              <a:r>
+                <a:rPr kumimoji="1" lang="ja-JP" altLang="en-US" dirty="0" smtClean="0"/>
+                <a:t>連続時間</a:t>
+              </a:r>
+              <a:endParaRPr kumimoji="1" lang="ja-JP" altLang="en-US" dirty="0"/>
+            </a:p>
+          </p:txBody>
+        </p:sp>
+      </p:grpSp>
+      <p:sp>
+        <p:nvSpPr>
+          <p:cNvPr id="14" name="右矢印 13"/>
+          <p:cNvSpPr/>
+          <p:nvPr/>
+        </p:nvSpPr>
+        <p:spPr>
+          <a:xfrm>
+            <a:off x="3587471" y="4135276"/>
+            <a:ext cx="599768" cy="727587"/>
+          </a:xfrm>
+          <a:prstGeom prst="rightArrow">
+            <a:avLst/>
+          </a:prstGeom>
+        </p:spPr>
+        <p:style>
+          <a:lnRef idx="2">
+            <a:schemeClr val="accent1">
+              <a:shade val="50000"/>
+            </a:schemeClr>
+          </a:lnRef>
+          <a:fillRef idx="1">
+            <a:schemeClr val="accent1"/>
+          </a:fillRef>
+          <a:effectRef idx="0">
+            <a:schemeClr val="accent1"/>
+          </a:effectRef>
+          <a:fontRef idx="minor">
+            <a:schemeClr val="lt1"/>
+          </a:fontRef>
+        </p:style>
+        <p:txBody>
+          <a:bodyPr rtlCol="0" anchor="ctr"/>
+          <a:lstStyle/>
+          <a:p>
+            <a:pPr algn="ctr"/>
+            <a:endParaRPr kumimoji="1" lang="ja-JP" altLang="en-US"/>
+          </a:p>
+        </p:txBody>
+      </p:sp>
+      <p:pic>
+        <p:nvPicPr>
+          <p:cNvPr id="4" name="Picture 6" descr="\begin{eqnarray*}&#10;u[k] &amp;=&amp; F(x_{ref}[k]-\hat{x}[k])        \\&#10;\dot{z}[k+1] &amp;=&amp; \hat{A}_dz[k] + \hat{B}_dy[k] + \hat{J}_du[k]      \\&#10;\hat{x}[k] &amp;=&amp; \hat{C}_dz[k] + \hat{D}_dy[k]&#10;\end{eqnarray*}"/>
+          <p:cNvPicPr>
+            <a:picLocks noChangeAspect="1" noChangeArrowheads="1"/>
+          </p:cNvPicPr>
+          <p:nvPr/>
+        </p:nvPicPr>
+        <p:blipFill>
+          <a:blip r:embed="rId3" cstate="print">
+            <a:extLst>
+              <a:ext uri="{28A0092B-C50C-407E-A947-70E740481C1C}">
+                <a14:useLocalDpi xmlns:a14="http://schemas.microsoft.com/office/drawing/2010/main" val="0"/>
+              </a:ext>
+            </a:extLst>
+          </a:blip>
+          <a:srcRect/>
+          <a:stretch>
+            <a:fillRect/>
+          </a:stretch>
+        </p:blipFill>
+        <p:spPr bwMode="auto">
+          <a:xfrm>
+            <a:off x="4692777" y="3160367"/>
+            <a:ext cx="3858682" cy="1316286"/>
+          </a:xfrm>
+          <a:prstGeom prst="rect">
+            <a:avLst/>
+          </a:prstGeom>
+          <a:noFill/>
+          <a:extLst>
+            <a:ext uri="{909E8E84-426E-40DD-AFC4-6F175D3DCCD1}">
+              <a14:hiddenFill xmlns:a14="http://schemas.microsoft.com/office/drawing/2010/main">
+                <a:solidFill>
+                  <a:srgbClr val="FFFFFF"/>
+                </a:solidFill>
+              </a14:hiddenFill>
+            </a:ext>
+          </a:extLst>
+        </p:spPr>
+      </p:pic>
+      <mc:AlternateContent xmlns:mc="http://schemas.openxmlformats.org/markup-compatibility/2006" xmlns:a14="http://schemas.microsoft.com/office/drawing/2010/main">
+        <mc:Choice Requires="a14">
+          <p:sp>
+            <p:nvSpPr>
+              <p:cNvPr id="10" name="テキスト ボックス 9"/>
+              <p:cNvSpPr txBox="1"/>
+              <p:nvPr/>
+            </p:nvSpPr>
+            <p:spPr>
+              <a:xfrm>
+                <a:off x="4817805" y="4506397"/>
+                <a:ext cx="2937966" cy="366328"/>
+              </a:xfrm>
+              <a:prstGeom prst="rect">
+                <a:avLst/>
+              </a:prstGeom>
+              <a:noFill/>
+            </p:spPr>
+            <p:txBody>
+              <a:bodyPr wrap="square" rtlCol="0">
+                <a:spAutoFit/>
+              </a:bodyPr>
+              <a:lstStyle/>
+              <a:p>
+                <a:r>
+                  <a:rPr kumimoji="1" lang="ja-JP" altLang="en-US" b="0" dirty="0" smtClean="0"/>
+                  <a:t>た</a:t>
+                </a:r>
+                <a14:m>
+                  <m:oMath xmlns:m="http://schemas.openxmlformats.org/officeDocument/2006/math">
+                    <m:r>
+                      <a:rPr kumimoji="1" lang="ja-JP" altLang="en-US" b="0" i="1" smtClean="0">
+                        <a:latin typeface="Cambria Math" panose="02040503050406030204" pitchFamily="18" charset="0"/>
+                      </a:rPr>
+                      <m:t>だし</m:t>
+                    </m:r>
+                    <m:r>
+                      <a:rPr lang="ja-JP" altLang="en-US" i="1">
+                        <a:latin typeface="Cambria Math" panose="02040503050406030204" pitchFamily="18" charset="0"/>
+                      </a:rPr>
+                      <m:t>、</m:t>
+                    </m:r>
+                    <m:r>
+                      <a:rPr kumimoji="1" lang="en-US" altLang="ja-JP" b="0" i="1" smtClean="0">
+                        <a:latin typeface="Cambria Math" panose="02040503050406030204" pitchFamily="18" charset="0"/>
+                      </a:rPr>
+                      <m:t>𝑘</m:t>
+                    </m:r>
+                    <m:r>
+                      <a:rPr kumimoji="1" lang="en-US" altLang="ja-JP" b="0" i="1" smtClean="0">
+                        <a:latin typeface="Cambria Math" panose="02040503050406030204" pitchFamily="18" charset="0"/>
+                      </a:rPr>
+                      <m:t>=0,1,⋯</m:t>
+                    </m:r>
+                  </m:oMath>
+                </a14:m>
+                <a:r>
+                  <a:rPr kumimoji="1" lang="ja-JP" altLang="en-US" dirty="0" smtClean="0"/>
+                  <a:t>　であり</a:t>
+                </a:r>
+                <a:endParaRPr kumimoji="1" lang="ja-JP" altLang="en-US" dirty="0"/>
+              </a:p>
+            </p:txBody>
+          </p:sp>
+        </mc:Choice>
+        <mc:Fallback xmlns="">
+          <p:sp>
+            <p:nvSpPr>
+              <p:cNvPr id="10" name="テキスト ボックス 9"/>
+              <p:cNvSpPr txBox="1">
+                <a:spLocks noRot="1" noChangeAspect="1" noMove="1" noResize="1" noEditPoints="1" noAdjustHandles="1" noChangeArrowheads="1" noChangeShapeType="1" noTextEdit="1"/>
+              </p:cNvSpPr>
+              <p:nvPr/>
+            </p:nvSpPr>
+            <p:spPr>
+              <a:xfrm>
+                <a:off x="4817805" y="4506397"/>
+                <a:ext cx="2937966" cy="366328"/>
+              </a:xfrm>
+              <a:prstGeom prst="rect">
+                <a:avLst/>
+              </a:prstGeom>
+              <a:blipFill rotWithShape="0">
+                <a:blip r:embed="rId4"/>
+                <a:stretch>
+                  <a:fillRect l="-1660" t="-11667" b="-23333"/>
+                </a:stretch>
+              </a:blipFill>
+            </p:spPr>
+            <p:txBody>
+              <a:bodyPr/>
+              <a:lstStyle/>
+              <a:p>
+                <a:r>
+                  <a:rPr lang="ja-JP" altLang="en-US">
+                    <a:noFill/>
+                  </a:rPr>
+                  <a:t> </a:t>
+                </a:r>
+              </a:p>
+            </p:txBody>
+          </p:sp>
+        </mc:Fallback>
+      </mc:AlternateContent>
+      <p:sp>
+        <p:nvSpPr>
+          <p:cNvPr id="11" name="角丸四角形 10"/>
+          <p:cNvSpPr/>
+          <p:nvPr/>
+        </p:nvSpPr>
+        <p:spPr>
+          <a:xfrm>
+            <a:off x="4454011" y="2967799"/>
+            <a:ext cx="4444181" cy="2941388"/>
+          </a:xfrm>
+          <a:prstGeom prst="roundRect">
+            <a:avLst/>
+          </a:prstGeom>
+          <a:noFill/>
+          <a:ln>
+            <a:solidFill>
+              <a:schemeClr val="tx1"/>
+            </a:solidFill>
+          </a:ln>
+        </p:spPr>
+        <p:style>
+          <a:lnRef idx="2">
+            <a:schemeClr val="accent6"/>
+          </a:lnRef>
+          <a:fillRef idx="1">
+            <a:schemeClr val="lt1"/>
+          </a:fillRef>
+          <a:effectRef idx="0">
+            <a:schemeClr val="accent6"/>
+          </a:effectRef>
+          <a:fontRef idx="minor">
+            <a:schemeClr val="dk1"/>
+          </a:fontRef>
+        </p:style>
+        <p:txBody>
+          <a:bodyPr rtlCol="0" anchor="ctr"/>
+          <a:lstStyle/>
+          <a:p>
+            <a:pPr algn="ctr"/>
+            <a:endParaRPr kumimoji="1" lang="ja-JP" altLang="en-US"/>
+          </a:p>
+        </p:txBody>
+      </p:sp>
+      <p:sp>
+        <p:nvSpPr>
+          <p:cNvPr id="12" name="テキスト ボックス 11"/>
+          <p:cNvSpPr txBox="1"/>
+          <p:nvPr/>
+        </p:nvSpPr>
+        <p:spPr>
+          <a:xfrm>
+            <a:off x="4692777" y="2580348"/>
+            <a:ext cx="1435334" cy="366328"/>
+          </a:xfrm>
+          <a:prstGeom prst="rect">
+            <a:avLst/>
+          </a:prstGeom>
+          <a:noFill/>
+        </p:spPr>
+        <p:txBody>
+          <a:bodyPr wrap="square" rtlCol="0">
+            <a:spAutoFit/>
+          </a:bodyPr>
+          <a:lstStyle/>
+          <a:p>
+            <a:r>
+              <a:rPr lang="ja-JP" altLang="en-US" dirty="0" smtClean="0"/>
+              <a:t>離散</a:t>
+            </a:r>
+            <a:r>
+              <a:rPr lang="ja-JP" altLang="en-US" dirty="0"/>
+              <a:t>時間</a:t>
+            </a:r>
+            <a:endParaRPr kumimoji="1" lang="ja-JP" altLang="en-US" dirty="0"/>
+          </a:p>
+        </p:txBody>
+      </p:sp>
+      <p:pic>
+        <p:nvPicPr>
+          <p:cNvPr id="18" name="図 17"/>
+          <p:cNvPicPr>
+            <a:picLocks noChangeAspect="1"/>
+          </p:cNvPicPr>
+          <p:nvPr/>
+        </p:nvPicPr>
+        <p:blipFill>
+          <a:blip r:embed="rId5">
+            <a:extLst>
+              <a:ext uri="{28A0092B-C50C-407E-A947-70E740481C1C}">
+                <a14:useLocalDpi xmlns:a14="http://schemas.microsoft.com/office/drawing/2010/main" val="0"/>
+              </a:ext>
+            </a:extLst>
+          </a:blip>
+          <a:stretch>
+            <a:fillRect/>
+          </a:stretch>
+        </p:blipFill>
+        <p:spPr>
+          <a:xfrm>
+            <a:off x="4597245" y="4902608"/>
+            <a:ext cx="4215064" cy="622236"/>
+          </a:xfrm>
+          <a:prstGeom prst="rect">
+            <a:avLst/>
+          </a:prstGeom>
+        </p:spPr>
+      </p:pic>
+    </p:spTree>
+    <p:extLst>
+      <p:ext uri="{BB962C8B-B14F-4D97-AF65-F5344CB8AC3E}">
+        <p14:creationId xmlns:p14="http://schemas.microsoft.com/office/powerpoint/2010/main" val="3484913055"/>
+      </p:ext>
+    </p:extLst>
+  </p:cSld>
+  <p:clrMapOvr>
+    <a:masterClrMapping/>
+  </p:clrMapOvr>
+  <p:timing>
+    <p:tnLst>
+      <p:par>
+        <p:cTn id="1" dur="indefinite" restart="never" nodeType="tmRoot"/>
+      </p:par>
+    </p:tnLst>
+  </p:timing>
+</p:sld>
+</file>
+
+<file path=ppt/slides/slide44.xml><?xml version="1.0" encoding="utf-8"?>
+<p:sld xmlns:a="http://schemas.openxmlformats.org/drawingml/2006/main" xmlns:r="http://schemas.openxmlformats.org/officeDocument/2006/relationships" xmlns:p="http://schemas.openxmlformats.org/presentationml/2006/main">
+  <p:cSld>
+    <p:spTree>
+      <p:nvGrpSpPr>
+        <p:cNvPr id="1" name=""/>
+        <p:cNvGrpSpPr/>
+        <p:nvPr/>
+      </p:nvGrpSpPr>
+      <p:grpSpPr>
+        <a:xfrm>
+          <a:off x="0" y="0"/>
+          <a:ext cx="0" cy="0"/>
+          <a:chOff x="0" y="0"/>
+          <a:chExt cx="0" cy="0"/>
+        </a:xfrm>
+      </p:grpSpPr>
+      <p:sp>
+        <p:nvSpPr>
+          <p:cNvPr id="2" name="タイトル 1"/>
+          <p:cNvSpPr>
+            <a:spLocks noGrp="1"/>
+          </p:cNvSpPr>
+          <p:nvPr>
+            <p:ph type="title"/>
+          </p:nvPr>
+        </p:nvSpPr>
+        <p:spPr/>
+        <p:txBody>
+          <a:bodyPr/>
+          <a:lstStyle/>
+          <a:p>
+            <a:r>
+              <a:rPr kumimoji="1" lang="ja-JP" altLang="en-US" dirty="0" smtClean="0"/>
+              <a:t>振り上げ制御</a:t>
+            </a:r>
+            <a:endParaRPr kumimoji="1" lang="ja-JP" altLang="en-US" dirty="0"/>
+          </a:p>
+        </p:txBody>
+      </p:sp>
+      <mc:AlternateContent xmlns:mc="http://schemas.openxmlformats.org/markup-compatibility/2006" xmlns:a14="http://schemas.microsoft.com/office/drawing/2010/main">
+        <mc:Choice Requires="a14">
+          <p:sp>
+            <p:nvSpPr>
+              <p:cNvPr id="3" name="コンテンツ プレースホルダー 2"/>
+              <p:cNvSpPr>
+                <a:spLocks noGrp="1"/>
+              </p:cNvSpPr>
+              <p:nvPr>
+                <p:ph idx="1"/>
+              </p:nvPr>
+            </p:nvSpPr>
+            <p:spPr/>
+            <p:txBody>
+              <a:bodyPr>
+                <a:normAutofit/>
+              </a:bodyPr>
+              <a:lstStyle/>
+              <a:p>
+                <a:r>
+                  <a:rPr kumimoji="1" lang="ja-JP" altLang="en-US" sz="2400" dirty="0" smtClean="0"/>
+                  <a:t>鉛直上向きを正とする振子の力学的エネルギー</a:t>
+                </a:r>
+                <a14:m>
+                  <m:oMath xmlns:m="http://schemas.openxmlformats.org/officeDocument/2006/math">
+                    <m:r>
+                      <a:rPr kumimoji="1" lang="en-US" altLang="ja-JP" sz="2400" b="0" i="1" smtClean="0">
+                        <a:latin typeface="Cambria Math" panose="02040503050406030204" pitchFamily="18" charset="0"/>
+                      </a:rPr>
+                      <m:t>𝐸</m:t>
+                    </m:r>
+                  </m:oMath>
+                </a14:m>
+                <a:endParaRPr lang="en-US" altLang="ja-JP" sz="2400" dirty="0" smtClean="0"/>
+              </a:p>
+              <a:p>
+                <a:pPr marL="0" indent="0">
+                  <a:buNone/>
+                </a:pPr>
+                <a:endParaRPr lang="en-US" altLang="ja-JP" sz="2400" dirty="0" smtClean="0"/>
+              </a:p>
+              <a:p>
+                <a:r>
+                  <a:rPr lang="ja-JP" altLang="en-US" sz="2400" dirty="0" smtClean="0"/>
+                  <a:t>エネルギーの時間微分</a:t>
+                </a:r>
+                <a:endParaRPr lang="en-US" altLang="ja-JP" sz="2400" dirty="0" smtClean="0"/>
+              </a:p>
+              <a:p>
+                <a:endParaRPr lang="en-US" altLang="ja-JP" sz="2400" dirty="0" smtClean="0"/>
+              </a:p>
+              <a:p>
+                <a:r>
+                  <a:rPr lang="ja-JP" altLang="en-US" sz="2400" dirty="0" smtClean="0"/>
+                  <a:t>リアプノフ関数の候補として</a:t>
+                </a:r>
+                <a:endParaRPr lang="en-US" altLang="ja-JP" sz="2400" dirty="0" smtClean="0"/>
+              </a:p>
+              <a:p>
+                <a:endParaRPr kumimoji="1" lang="en-US" altLang="ja-JP" sz="2400" dirty="0"/>
+              </a:p>
+              <a:p>
+                <a:pPr marL="0" indent="0">
+                  <a:buNone/>
+                </a:pPr>
+                <a:r>
+                  <a:rPr kumimoji="1" lang="ja-JP" altLang="en-US" sz="2400" dirty="0" smtClean="0"/>
+                  <a:t>　を考え</a:t>
+                </a:r>
+                <a:r>
+                  <a:rPr lang="ja-JP" altLang="en-US" sz="2400" dirty="0" smtClean="0"/>
+                  <a:t>る。時間微分は</a:t>
+                </a:r>
+                <a:endParaRPr lang="en-US" altLang="ja-JP" sz="2400" dirty="0" smtClean="0"/>
+              </a:p>
+              <a:p>
+                <a:pPr marL="0" indent="0">
+                  <a:buNone/>
+                </a:pPr>
+                <a:endParaRPr kumimoji="1" lang="en-US" altLang="ja-JP" sz="2400" dirty="0" smtClean="0"/>
+              </a:p>
+            </p:txBody>
+          </p:sp>
+        </mc:Choice>
+        <mc:Fallback xmlns="">
+          <p:sp>
+            <p:nvSpPr>
+              <p:cNvPr id="3" name="コンテンツ プレースホルダー 2"/>
+              <p:cNvSpPr>
+                <a:spLocks noGrp="1" noRot="1" noChangeAspect="1" noMove="1" noResize="1" noEditPoints="1" noAdjustHandles="1" noChangeArrowheads="1" noChangeShapeType="1" noTextEdit="1"/>
+              </p:cNvSpPr>
+              <p:nvPr>
+                <p:ph idx="1"/>
+              </p:nvPr>
+            </p:nvSpPr>
+            <p:spPr>
+              <a:blipFill rotWithShape="0">
+                <a:blip r:embed="rId2"/>
+                <a:stretch>
+                  <a:fillRect l="-1005" t="-2381"/>
+                </a:stretch>
+              </a:blipFill>
+            </p:spPr>
+            <p:txBody>
+              <a:bodyPr/>
+              <a:lstStyle/>
+              <a:p>
+                <a:r>
+                  <a:rPr lang="ja-JP" altLang="en-US">
+                    <a:noFill/>
+                  </a:rPr>
+                  <a:t> </a:t>
+                </a:r>
+              </a:p>
+            </p:txBody>
+          </p:sp>
+        </mc:Fallback>
+      </mc:AlternateContent>
+      <p:pic>
+        <p:nvPicPr>
+          <p:cNvPr id="5" name="図 4"/>
+          <p:cNvPicPr>
+            <a:picLocks noChangeAspect="1"/>
+          </p:cNvPicPr>
+          <p:nvPr/>
+        </p:nvPicPr>
+        <p:blipFill>
+          <a:blip r:embed="rId3">
+            <a:extLst>
+              <a:ext uri="{28A0092B-C50C-407E-A947-70E740481C1C}">
+                <a14:useLocalDpi xmlns:a14="http://schemas.microsoft.com/office/drawing/2010/main" val="0"/>
+              </a:ext>
+            </a:extLst>
+          </a:blip>
+          <a:stretch>
+            <a:fillRect/>
+          </a:stretch>
+        </p:blipFill>
+        <p:spPr>
+          <a:xfrm>
+            <a:off x="1406394" y="2247615"/>
+            <a:ext cx="3804704" cy="505312"/>
+          </a:xfrm>
+          <a:prstGeom prst="rect">
+            <a:avLst/>
+          </a:prstGeom>
+        </p:spPr>
+      </p:pic>
+      <p:pic>
+        <p:nvPicPr>
+          <p:cNvPr id="7" name="図 6"/>
+          <p:cNvPicPr>
+            <a:picLocks noChangeAspect="1"/>
+          </p:cNvPicPr>
+          <p:nvPr/>
+        </p:nvPicPr>
+        <p:blipFill>
+          <a:blip r:embed="rId4">
+            <a:extLst>
+              <a:ext uri="{28A0092B-C50C-407E-A947-70E740481C1C}">
+                <a14:useLocalDpi xmlns:a14="http://schemas.microsoft.com/office/drawing/2010/main" val="0"/>
+              </a:ext>
+            </a:extLst>
+          </a:blip>
+          <a:stretch>
+            <a:fillRect/>
+          </a:stretch>
+        </p:blipFill>
+        <p:spPr>
+          <a:xfrm>
+            <a:off x="1406394" y="3174917"/>
+            <a:ext cx="4277037" cy="497734"/>
+          </a:xfrm>
+          <a:prstGeom prst="rect">
+            <a:avLst/>
+          </a:prstGeom>
+        </p:spPr>
+      </p:pic>
+      <p:pic>
+        <p:nvPicPr>
+          <p:cNvPr id="8" name="図 7"/>
+          <p:cNvPicPr>
+            <a:picLocks noChangeAspect="1"/>
+          </p:cNvPicPr>
+          <p:nvPr/>
+        </p:nvPicPr>
+        <p:blipFill>
+          <a:blip r:embed="rId5">
+            <a:extLst>
+              <a:ext uri="{28A0092B-C50C-407E-A947-70E740481C1C}">
+                <a14:useLocalDpi xmlns:a14="http://schemas.microsoft.com/office/drawing/2010/main" val="0"/>
+              </a:ext>
+            </a:extLst>
+          </a:blip>
+          <a:stretch>
+            <a:fillRect/>
+          </a:stretch>
+        </p:blipFill>
+        <p:spPr>
+          <a:xfrm>
+            <a:off x="1406394" y="4094641"/>
+            <a:ext cx="2034638" cy="520089"/>
+          </a:xfrm>
+          <a:prstGeom prst="rect">
+            <a:avLst/>
+          </a:prstGeom>
+        </p:spPr>
+      </p:pic>
+      <p:pic>
+        <p:nvPicPr>
+          <p:cNvPr id="9" name="図 8"/>
+          <p:cNvPicPr>
+            <a:picLocks noChangeAspect="1"/>
+          </p:cNvPicPr>
+          <p:nvPr/>
+        </p:nvPicPr>
+        <p:blipFill>
+          <a:blip r:embed="rId6">
+            <a:extLst>
+              <a:ext uri="{28A0092B-C50C-407E-A947-70E740481C1C}">
+                <a14:useLocalDpi xmlns:a14="http://schemas.microsoft.com/office/drawing/2010/main" val="0"/>
+              </a:ext>
+            </a:extLst>
+          </a:blip>
+          <a:stretch>
+            <a:fillRect/>
+          </a:stretch>
+        </p:blipFill>
+        <p:spPr>
+          <a:xfrm>
+            <a:off x="1406395" y="5021943"/>
+            <a:ext cx="6137406" cy="1102701"/>
+          </a:xfrm>
+          <a:prstGeom prst="rect">
+            <a:avLst/>
+          </a:prstGeom>
+        </p:spPr>
+      </p:pic>
+      <mc:AlternateContent xmlns:mc="http://schemas.openxmlformats.org/markup-compatibility/2006" xmlns:a14="http://schemas.microsoft.com/office/drawing/2010/main">
+        <mc:Choice Requires="a14">
+          <p:sp>
+            <p:nvSpPr>
+              <p:cNvPr id="10" name="テキスト ボックス 9"/>
+              <p:cNvSpPr txBox="1"/>
+              <p:nvPr/>
+            </p:nvSpPr>
+            <p:spPr>
+              <a:xfrm>
+                <a:off x="416701" y="6120168"/>
+                <a:ext cx="6256421" cy="478785"/>
+              </a:xfrm>
+              <a:prstGeom prst="rect">
+                <a:avLst/>
+              </a:prstGeom>
+              <a:noFill/>
+            </p:spPr>
+            <p:txBody>
+              <a:bodyPr wrap="square" rtlCol="0">
+                <a:spAutoFit/>
+              </a:bodyPr>
+              <a:lstStyle/>
+              <a:p>
+                <a:pPr lvl="1"/>
+                <a14:m>
+                  <m:oMath xmlns:m="http://schemas.openxmlformats.org/officeDocument/2006/math">
+                    <m:acc>
+                      <m:accPr>
+                        <m:chr m:val="̇"/>
+                        <m:ctrlPr>
+                          <a:rPr lang="en-US" altLang="ja-JP" sz="2400" i="1">
+                            <a:latin typeface="Cambria Math" panose="02040503050406030204" pitchFamily="18" charset="0"/>
+                          </a:rPr>
+                        </m:ctrlPr>
+                      </m:accPr>
+                      <m:e>
+                        <m:r>
+                          <a:rPr lang="en-US" altLang="ja-JP" sz="2400" i="1">
+                            <a:latin typeface="Cambria Math" panose="02040503050406030204" pitchFamily="18" charset="0"/>
+                          </a:rPr>
+                          <m:t>𝜃</m:t>
+                        </m:r>
+                      </m:e>
+                    </m:acc>
+                    <m:func>
+                      <m:funcPr>
+                        <m:ctrlPr>
+                          <a:rPr lang="en-US" altLang="ja-JP" sz="2400" i="1" dirty="0">
+                            <a:latin typeface="Cambria Math" panose="02040503050406030204" pitchFamily="18" charset="0"/>
+                          </a:rPr>
+                        </m:ctrlPr>
+                      </m:funcPr>
+                      <m:fName>
+                        <m:r>
+                          <m:rPr>
+                            <m:sty m:val="p"/>
+                          </m:rPr>
+                          <a:rPr lang="en-US" altLang="ja-JP" sz="2400" dirty="0">
+                            <a:latin typeface="Cambria Math" panose="02040503050406030204" pitchFamily="18" charset="0"/>
+                          </a:rPr>
+                          <m:t>cos</m:t>
+                        </m:r>
+                      </m:fName>
+                      <m:e>
+                        <m:r>
+                          <a:rPr lang="en-US" altLang="ja-JP" sz="2400" i="1" dirty="0">
+                            <a:latin typeface="Cambria Math" panose="02040503050406030204" pitchFamily="18" charset="0"/>
+                          </a:rPr>
+                          <m:t>𝜃</m:t>
+                        </m:r>
+                      </m:e>
+                    </m:func>
+                    <m:r>
+                      <a:rPr lang="en-US" altLang="ja-JP" sz="2400" i="1" dirty="0">
+                        <a:latin typeface="Cambria Math" panose="02040503050406030204" pitchFamily="18" charset="0"/>
+                      </a:rPr>
+                      <m:t>≠0</m:t>
+                    </m:r>
+                  </m:oMath>
+                </a14:m>
+                <a:r>
+                  <a:rPr lang="ja-JP" altLang="en-US" sz="2400" dirty="0"/>
+                  <a:t>のとき、</a:t>
+                </a:r>
+                <a14:m>
+                  <m:oMath xmlns:m="http://schemas.openxmlformats.org/officeDocument/2006/math">
+                    <m:r>
+                      <a:rPr lang="en-US" altLang="ja-JP" sz="2400" i="1" dirty="0">
+                        <a:latin typeface="Cambria Math" panose="02040503050406030204" pitchFamily="18" charset="0"/>
+                      </a:rPr>
+                      <m:t>𝑉</m:t>
+                    </m:r>
+                    <m:r>
+                      <a:rPr lang="ja-JP" altLang="en-US" sz="2400" i="1" dirty="0">
+                        <a:latin typeface="Cambria Math" panose="02040503050406030204" pitchFamily="18" charset="0"/>
+                      </a:rPr>
+                      <m:t>→</m:t>
+                    </m:r>
+                  </m:oMath>
+                </a14:m>
+                <a:r>
+                  <a:rPr lang="en-US" altLang="ja-JP" sz="2400" dirty="0" smtClean="0"/>
+                  <a:t>0</a:t>
+                </a:r>
+                <a:r>
+                  <a:rPr lang="ja-JP" altLang="en-US" sz="2400" dirty="0" smtClean="0"/>
+                  <a:t>となり、</a:t>
+                </a:r>
+                <a:r>
+                  <a:rPr lang="en-US" altLang="ja-JP" sz="2400" dirty="0" smtClean="0"/>
+                  <a:t> </a:t>
+                </a:r>
+                <a14:m>
+                  <m:oMath xmlns:m="http://schemas.openxmlformats.org/officeDocument/2006/math">
+                    <m:r>
+                      <a:rPr lang="en-US" altLang="ja-JP" sz="2400" i="1">
+                        <a:latin typeface="Cambria Math" panose="02040503050406030204" pitchFamily="18" charset="0"/>
+                      </a:rPr>
+                      <m:t>𝐸</m:t>
+                    </m:r>
+                    <m:r>
+                      <a:rPr lang="ja-JP" altLang="en-US" sz="2400" i="1">
+                        <a:latin typeface="Cambria Math" panose="02040503050406030204" pitchFamily="18" charset="0"/>
+                      </a:rPr>
+                      <m:t>→</m:t>
+                    </m:r>
+                    <m:sSub>
+                      <m:sSubPr>
+                        <m:ctrlPr>
+                          <a:rPr lang="en-US" altLang="ja-JP" sz="2400" i="1" dirty="0">
+                            <a:latin typeface="Cambria Math" panose="02040503050406030204" pitchFamily="18" charset="0"/>
+                          </a:rPr>
+                        </m:ctrlPr>
+                      </m:sSubPr>
+                      <m:e>
+                        <m:r>
+                          <a:rPr lang="en-US" altLang="ja-JP" sz="2400" i="1" dirty="0">
+                            <a:latin typeface="Cambria Math" panose="02040503050406030204" pitchFamily="18" charset="0"/>
+                          </a:rPr>
+                          <m:t>𝐸</m:t>
+                        </m:r>
+                      </m:e>
+                      <m:sub>
+                        <m:r>
+                          <a:rPr lang="en-US" altLang="ja-JP" sz="2400" i="1" dirty="0">
+                            <a:latin typeface="Cambria Math" panose="02040503050406030204" pitchFamily="18" charset="0"/>
+                          </a:rPr>
+                          <m:t>0</m:t>
+                        </m:r>
+                      </m:sub>
+                    </m:sSub>
+                  </m:oMath>
+                </a14:m>
+                <a:endParaRPr lang="en-US" altLang="ja-JP" sz="2400" dirty="0"/>
+              </a:p>
+            </p:txBody>
+          </p:sp>
+        </mc:Choice>
+        <mc:Fallback xmlns="">
+          <p:sp>
+            <p:nvSpPr>
+              <p:cNvPr id="10" name="テキスト ボックス 9"/>
+              <p:cNvSpPr txBox="1">
+                <a:spLocks noRot="1" noChangeAspect="1" noMove="1" noResize="1" noEditPoints="1" noAdjustHandles="1" noChangeArrowheads="1" noChangeShapeType="1" noTextEdit="1"/>
+              </p:cNvSpPr>
+              <p:nvPr/>
+            </p:nvSpPr>
+            <p:spPr>
+              <a:xfrm>
+                <a:off x="416701" y="6120168"/>
+                <a:ext cx="6256421" cy="478785"/>
+              </a:xfrm>
+              <a:prstGeom prst="rect">
+                <a:avLst/>
+              </a:prstGeom>
+              <a:blipFill rotWithShape="0">
+                <a:blip r:embed="rId7"/>
+                <a:stretch>
+                  <a:fillRect t="-10127" b="-27848"/>
+                </a:stretch>
+              </a:blipFill>
+            </p:spPr>
+            <p:txBody>
+              <a:bodyPr/>
+              <a:lstStyle/>
+              <a:p>
+                <a:r>
+                  <a:rPr lang="ja-JP" altLang="en-US">
+                    <a:noFill/>
+                  </a:rPr>
+                  <a:t> </a:t>
+                </a:r>
+              </a:p>
+            </p:txBody>
+          </p:sp>
+        </mc:Fallback>
+      </mc:AlternateContent>
+    </p:spTree>
+    <p:extLst>
+      <p:ext uri="{BB962C8B-B14F-4D97-AF65-F5344CB8AC3E}">
+        <p14:creationId xmlns:p14="http://schemas.microsoft.com/office/powerpoint/2010/main" val="4094907925"/>
+      </p:ext>
+    </p:extLst>
+  </p:cSld>
+  <p:clrMapOvr>
+    <a:masterClrMapping/>
+  </p:clrMapOvr>
+  <p:timing>
+    <p:tnLst>
+      <p:par>
+        <p:cTn id="1" dur="indefinite" restart="never" nodeType="tmRoot"/>
+      </p:par>
+    </p:tnLst>
+  </p:timing>
+</p:sld>
+</file>
+
+<file path=ppt/slides/slide45.xml><?xml version="1.0" encoding="utf-8"?>
+<p:sld xmlns:a="http://schemas.openxmlformats.org/drawingml/2006/main" xmlns:r="http://schemas.openxmlformats.org/officeDocument/2006/relationships" xmlns:p="http://schemas.openxmlformats.org/presentationml/2006/main">
+  <p:cSld>
+    <p:spTree>
+      <p:nvGrpSpPr>
+        <p:cNvPr id="1" name=""/>
+        <p:cNvGrpSpPr/>
+        <p:nvPr/>
+      </p:nvGrpSpPr>
+      <p:grpSpPr>
+        <a:xfrm>
+          <a:off x="0" y="0"/>
+          <a:ext cx="0" cy="0"/>
+          <a:chOff x="0" y="0"/>
+          <a:chExt cx="0" cy="0"/>
+        </a:xfrm>
+      </p:grpSpPr>
+      <p:sp>
+        <p:nvSpPr>
+          <p:cNvPr id="2" name="タイトル 1"/>
+          <p:cNvSpPr>
+            <a:spLocks noGrp="1"/>
+          </p:cNvSpPr>
+          <p:nvPr>
+            <p:ph type="title"/>
+          </p:nvPr>
+        </p:nvSpPr>
+        <p:spPr/>
+        <p:txBody>
+          <a:bodyPr/>
+          <a:lstStyle/>
+          <a:p>
+            <a:r>
+              <a:rPr kumimoji="1" lang="ja-JP" altLang="en-US" dirty="0" smtClean="0"/>
+              <a:t>振り上げ制御</a:t>
+            </a:r>
+            <a:endParaRPr kumimoji="1" lang="ja-JP" altLang="en-US" dirty="0"/>
+          </a:p>
+        </p:txBody>
+      </p:sp>
+      <mc:AlternateContent xmlns:mc="http://schemas.openxmlformats.org/markup-compatibility/2006" xmlns:a14="http://schemas.microsoft.com/office/drawing/2010/main">
+        <mc:Choice Requires="a14">
+          <p:sp>
+            <p:nvSpPr>
+              <p:cNvPr id="3" name="コンテンツ プレースホルダー 2"/>
+              <p:cNvSpPr>
+                <a:spLocks noGrp="1"/>
+              </p:cNvSpPr>
+              <p:nvPr>
+                <p:ph idx="1"/>
+              </p:nvPr>
+            </p:nvSpPr>
+            <p:spPr/>
+            <p:txBody>
+              <a:bodyPr>
+                <a:normAutofit/>
+              </a:bodyPr>
+              <a:lstStyle/>
+              <a:p>
+                <a:r>
+                  <a:rPr lang="ja-JP" altLang="en-US" sz="2400" dirty="0" smtClean="0"/>
+                  <a:t>加速度目標</a:t>
+                </a:r>
+                <a14:m>
+                  <m:oMath xmlns:m="http://schemas.openxmlformats.org/officeDocument/2006/math">
+                    <m:r>
+                      <a:rPr lang="en-US" altLang="ja-JP" sz="2400" b="0" i="1" smtClean="0">
+                        <a:latin typeface="Cambria Math" panose="02040503050406030204" pitchFamily="18" charset="0"/>
+                      </a:rPr>
+                      <m:t>𝑣</m:t>
+                    </m:r>
+                  </m:oMath>
+                </a14:m>
+                <a:r>
+                  <a:rPr lang="ja-JP" altLang="en-US" sz="2400" dirty="0" smtClean="0"/>
+                  <a:t>を制限を制限する。</a:t>
+                </a:r>
+                <a:endParaRPr lang="en-US" altLang="ja-JP" sz="2400" dirty="0" smtClean="0"/>
+              </a:p>
+              <a:p>
+                <a:pPr marL="0" indent="0">
+                  <a:buNone/>
+                </a:pPr>
+                <a:endParaRPr lang="en-US" altLang="ja-JP" sz="2400" dirty="0" smtClean="0"/>
+              </a:p>
+              <a:p>
+                <a:endParaRPr lang="en-US" altLang="ja-JP" sz="2400" dirty="0"/>
+              </a:p>
+              <a:p>
+                <a:endParaRPr lang="en-US" altLang="ja-JP" sz="2400" dirty="0"/>
+              </a:p>
+              <a:p>
+                <a:pPr marL="0" indent="0">
+                  <a:buNone/>
+                </a:pPr>
+                <a:r>
+                  <a:rPr kumimoji="1" lang="ja-JP" altLang="en-US" sz="2400" dirty="0" smtClean="0"/>
+                  <a:t>　ただし</a:t>
+                </a:r>
+                <a:endParaRPr kumimoji="1" lang="en-US" altLang="ja-JP" sz="2400" dirty="0" smtClean="0"/>
+              </a:p>
+            </p:txBody>
+          </p:sp>
+        </mc:Choice>
+        <mc:Fallback xmlns="">
+          <p:sp>
+            <p:nvSpPr>
+              <p:cNvPr id="3" name="コンテンツ プレースホルダー 2"/>
+              <p:cNvSpPr>
+                <a:spLocks noGrp="1" noRot="1" noChangeAspect="1" noMove="1" noResize="1" noEditPoints="1" noAdjustHandles="1" noChangeArrowheads="1" noChangeShapeType="1" noTextEdit="1"/>
+              </p:cNvSpPr>
+              <p:nvPr>
+                <p:ph idx="1"/>
+              </p:nvPr>
+            </p:nvSpPr>
+            <p:spPr>
+              <a:blipFill rotWithShape="0">
+                <a:blip r:embed="rId2"/>
+                <a:stretch>
+                  <a:fillRect l="-1005" t="-2381"/>
+                </a:stretch>
+              </a:blipFill>
+            </p:spPr>
+            <p:txBody>
+              <a:bodyPr/>
+              <a:lstStyle/>
+              <a:p>
+                <a:r>
+                  <a:rPr lang="ja-JP" altLang="en-US">
+                    <a:noFill/>
+                  </a:rPr>
+                  <a:t> </a:t>
+                </a:r>
+              </a:p>
+            </p:txBody>
+          </p:sp>
+        </mc:Fallback>
+      </mc:AlternateContent>
+      <p:pic>
+        <p:nvPicPr>
+          <p:cNvPr id="4" name="図 3"/>
+          <p:cNvPicPr>
+            <a:picLocks noChangeAspect="1"/>
+          </p:cNvPicPr>
+          <p:nvPr/>
+        </p:nvPicPr>
+        <p:blipFill>
+          <a:blip r:embed="rId3">
+            <a:extLst>
+              <a:ext uri="{28A0092B-C50C-407E-A947-70E740481C1C}">
+                <a14:useLocalDpi xmlns:a14="http://schemas.microsoft.com/office/drawing/2010/main" val="0"/>
+              </a:ext>
+            </a:extLst>
+          </a:blip>
+          <a:stretch>
+            <a:fillRect/>
+          </a:stretch>
+        </p:blipFill>
+        <p:spPr>
+          <a:xfrm>
+            <a:off x="1098347" y="2347654"/>
+            <a:ext cx="5087837" cy="1172285"/>
+          </a:xfrm>
+          <a:prstGeom prst="rect">
+            <a:avLst/>
+          </a:prstGeom>
+        </p:spPr>
+      </p:pic>
+      <p:pic>
+        <p:nvPicPr>
+          <p:cNvPr id="11" name="Picture 6" descr="\begin{table}[h]&#10;\begin{tabular}{cll}&#10; ${\rm sat}_{ng}$ &amp;:&amp; 最大値が$ng$、最小値が$-ng$の飽和関数 \\ &#10; ${\rm sign}$ &amp;:&amp; 引数が負、ゼロ、正のときそれぞれ―1、0、1をとる関数 \\ &#10; $k$          &amp;:&amp; エネルギーの収束速度を変えるゲイン \\ &#10; $n$          &amp;:&amp; 重力加速度と台車の加速度の比 \\ &#10; $E$          &amp;:&amp; 振子の力学的エネルギー \\ &#10; $E_0$         &amp;:&amp; 鉛直上向きでの振子の力学的エネルギー \\ &#10;\end{tabular}&#10;\end{table}"/>
+          <p:cNvPicPr>
+            <a:picLocks noChangeAspect="1" noChangeArrowheads="1"/>
+          </p:cNvPicPr>
+          <p:nvPr/>
+        </p:nvPicPr>
+        <p:blipFill rotWithShape="1">
+          <a:blip r:embed="rId4">
+            <a:extLst>
+              <a:ext uri="{28A0092B-C50C-407E-A947-70E740481C1C}">
+                <a14:useLocalDpi xmlns:a14="http://schemas.microsoft.com/office/drawing/2010/main" val="0"/>
+              </a:ext>
+            </a:extLst>
+          </a:blip>
+          <a:srcRect r="2096" b="87127"/>
+          <a:stretch/>
+        </p:blipFill>
+        <p:spPr bwMode="auto">
+          <a:xfrm>
+            <a:off x="941940" y="4184694"/>
+            <a:ext cx="7191407" cy="296840"/>
+          </a:xfrm>
+          <a:prstGeom prst="rect">
+            <a:avLst/>
+          </a:prstGeom>
+          <a:noFill/>
+          <a:extLst>
+            <a:ext uri="{909E8E84-426E-40DD-AFC4-6F175D3DCCD1}">
+              <a14:hiddenFill xmlns:a14="http://schemas.microsoft.com/office/drawing/2010/main">
+                <a:solidFill>
+                  <a:srgbClr val="FFFFFF"/>
+                </a:solidFill>
+              </a14:hiddenFill>
+            </a:ext>
+          </a:extLst>
+        </p:spPr>
+      </p:pic>
+      <p:pic>
+        <p:nvPicPr>
+          <p:cNvPr id="12" name="Picture 6" descr="\begin{table}[h]&#10;\begin{tabular}{cll}&#10; ${\rm sat}_{ng}$ &amp;:&amp; 最大値が$ng$、最小値が$-ng$の飽和関数 \\ &#10; ${\rm sign}$ &amp;:&amp; 引数が負、ゼロ、正のときそれぞれ―1、0、1をとる関数 \\ &#10; $k$          &amp;:&amp; エネルギーの収束速度を変えるゲイン \\ &#10; $n$          &amp;:&amp; 重力加速度と台車の加速度の比 \\ &#10; $E$          &amp;:&amp; 振子の力学的エネルギー \\ &#10; $E_0$         &amp;:&amp; 鉛直上向きでの振子の力学的エネルギー \\ &#10;\end{tabular}&#10;\end{table}"/>
+          <p:cNvPicPr>
+            <a:picLocks noChangeAspect="1" noChangeArrowheads="1"/>
+          </p:cNvPicPr>
+          <p:nvPr/>
+        </p:nvPicPr>
+        <p:blipFill rotWithShape="1">
+          <a:blip r:embed="rId4">
+            <a:extLst>
+              <a:ext uri="{28A0092B-C50C-407E-A947-70E740481C1C}">
+                <a14:useLocalDpi xmlns:a14="http://schemas.microsoft.com/office/drawing/2010/main" val="0"/>
+              </a:ext>
+            </a:extLst>
+          </a:blip>
+          <a:srcRect t="30175" r="-3724" b="51905"/>
+          <a:stretch/>
+        </p:blipFill>
+        <p:spPr bwMode="auto">
+          <a:xfrm>
+            <a:off x="966004" y="4481534"/>
+            <a:ext cx="7448864" cy="403987"/>
+          </a:xfrm>
+          <a:prstGeom prst="rect">
+            <a:avLst/>
+          </a:prstGeom>
+          <a:noFill/>
+          <a:extLst>
+            <a:ext uri="{909E8E84-426E-40DD-AFC4-6F175D3DCCD1}">
+              <a14:hiddenFill xmlns:a14="http://schemas.microsoft.com/office/drawing/2010/main">
+                <a:solidFill>
+                  <a:srgbClr val="FFFFFF"/>
+                </a:solidFill>
+              </a14:hiddenFill>
+            </a:ext>
+          </a:extLst>
+        </p:spPr>
+      </p:pic>
+    </p:spTree>
+    <p:extLst>
+      <p:ext uri="{BB962C8B-B14F-4D97-AF65-F5344CB8AC3E}">
+        <p14:creationId xmlns:p14="http://schemas.microsoft.com/office/powerpoint/2010/main" val="2351067760"/>
       </p:ext>
     </p:extLst>
   </p:cSld>

--- a/presentation/pendulum_theory.pptx
+++ b/presentation/pendulum_theory.pptx
@@ -5,7 +5,7 @@
     <p:sldMasterId id="2147483660" r:id="rId1"/>
   </p:sldMasterIdLst>
   <p:notesMasterIdLst>
-    <p:notesMasterId r:id="rId47"/>
+    <p:notesMasterId r:id="rId48"/>
   </p:notesMasterIdLst>
   <p:sldIdLst>
     <p:sldId id="256" r:id="rId2"/>
@@ -50,9 +50,10 @@
     <p:sldId id="302" r:id="rId41"/>
     <p:sldId id="303" r:id="rId42"/>
     <p:sldId id="304" r:id="rId43"/>
-    <p:sldId id="305" r:id="rId44"/>
-    <p:sldId id="306" r:id="rId45"/>
-    <p:sldId id="307" r:id="rId46"/>
+    <p:sldId id="308" r:id="rId44"/>
+    <p:sldId id="305" r:id="rId45"/>
+    <p:sldId id="306" r:id="rId46"/>
+    <p:sldId id="307" r:id="rId47"/>
   </p:sldIdLst>
   <p:sldSz cx="9144000" cy="6858000" type="screen4x3"/>
   <p:notesSz cx="6858000" cy="9144000"/>
@@ -696,7 +697,7 @@
           <a:bodyPr/>
           <a:lstStyle/>
           <a:p>
-            <a:fld id="{C39640DA-01F2-4EE1-9FB2-D81E8F6277C3}" type="datetime1">
+            <a:fld id="{BC7C53CE-6935-4080-A9E5-12D43E00DFE1}" type="datetime1">
               <a:rPr kumimoji="1" lang="ja-JP" altLang="en-US" smtClean="0"/>
               <a:t>2017/7/26</a:t>
             </a:fld>
@@ -905,7 +906,7 @@
           <a:bodyPr/>
           <a:lstStyle/>
           <a:p>
-            <a:fld id="{D581D386-1734-43A2-8181-60C016C90FD8}" type="datetime1">
+            <a:fld id="{593ED53D-8FED-423E-8E1B-300A71930808}" type="datetime1">
               <a:rPr kumimoji="1" lang="ja-JP" altLang="en-US" smtClean="0"/>
               <a:t>2017/7/26</a:t>
             </a:fld>
@@ -965,6 +966,13 @@
   <p:clrMapOvr>
     <a:masterClrMapping/>
   </p:clrMapOvr>
+  <p:timing>
+    <p:tnLst>
+      <p:par>
+        <p:cTn id="1" dur="indefinite" restart="never" nodeType="tmRoot"/>
+      </p:par>
+    </p:tnLst>
+  </p:timing>
 </p:sldLayout>
 </file>
 
@@ -1117,7 +1125,7 @@
           <a:bodyPr/>
           <a:lstStyle/>
           <a:p>
-            <a:fld id="{FAFDD80C-870D-48B5-AB62-251EF6F4CA65}" type="datetime1">
+            <a:fld id="{9290A6AE-E466-466A-8BB3-10918A2A3C7C}" type="datetime1">
               <a:rPr kumimoji="1" lang="ja-JP" altLang="en-US" smtClean="0"/>
               <a:t>2017/7/26</a:t>
             </a:fld>
@@ -1177,6 +1185,13 @@
   <p:clrMapOvr>
     <a:masterClrMapping/>
   </p:clrMapOvr>
+  <p:timing>
+    <p:tnLst>
+      <p:par>
+        <p:cTn id="1" dur="indefinite" restart="never" nodeType="tmRoot"/>
+      </p:par>
+    </p:tnLst>
+  </p:timing>
 </p:sldLayout>
 </file>
 
@@ -1335,7 +1350,7 @@
           <a:bodyPr/>
           <a:lstStyle/>
           <a:p>
-            <a:fld id="{D67C7FC8-B739-435D-B729-BF0ABAB3B454}" type="datetime1">
+            <a:fld id="{5DD4F5BD-5C63-4127-8B0A-4EB09877BB89}" type="datetime1">
               <a:rPr kumimoji="1" lang="ja-JP" altLang="en-US" smtClean="0"/>
               <a:t>2017/7/26</a:t>
             </a:fld>
@@ -1691,7 +1706,7 @@
           <a:bodyPr/>
           <a:lstStyle/>
           <a:p>
-            <a:fld id="{A9C65C7C-F382-4AFB-B8B7-900C5F32E725}" type="datetime1">
+            <a:fld id="{91695C74-405A-45B5-A939-58AC3C74FA2A}" type="datetime1">
               <a:rPr kumimoji="1" lang="ja-JP" altLang="en-US" smtClean="0"/>
               <a:t>2017/7/26</a:t>
             </a:fld>
@@ -1994,7 +2009,7 @@
           <a:bodyPr/>
           <a:lstStyle/>
           <a:p>
-            <a:fld id="{218687D5-A5C3-4D80-A647-4E83A686625A}" type="datetime1">
+            <a:fld id="{A47117C5-6D6A-4D2F-BF4C-886AF4195025}" type="datetime1">
               <a:rPr kumimoji="1" lang="ja-JP" altLang="en-US" smtClean="0"/>
               <a:t>2017/7/26</a:t>
             </a:fld>
@@ -2432,7 +2447,7 @@
           <a:bodyPr/>
           <a:lstStyle/>
           <a:p>
-            <a:fld id="{B826E6D6-844B-4145-9C2B-7B554F619ABB}" type="datetime1">
+            <a:fld id="{86C40BF7-4ED0-429A-BC3B-CF4E6BDFEBE2}" type="datetime1">
               <a:rPr kumimoji="1" lang="ja-JP" altLang="en-US" smtClean="0"/>
               <a:t>2017/7/26</a:t>
             </a:fld>
@@ -2492,6 +2507,13 @@
   <p:clrMapOvr>
     <a:masterClrMapping/>
   </p:clrMapOvr>
+  <p:timing>
+    <p:tnLst>
+      <p:par>
+        <p:cTn id="1" dur="indefinite" restart="never" nodeType="tmRoot"/>
+      </p:par>
+    </p:tnLst>
+  </p:timing>
 </p:sldLayout>
 </file>
 
@@ -2550,7 +2572,7 @@
           <a:bodyPr/>
           <a:lstStyle/>
           <a:p>
-            <a:fld id="{9178DD8F-3DF5-4D88-A800-EAEA28C5FA1A}" type="datetime1">
+            <a:fld id="{A60E353F-B205-4457-BB93-087B7C3EBB30}" type="datetime1">
               <a:rPr kumimoji="1" lang="ja-JP" altLang="en-US" smtClean="0"/>
               <a:t>2017/7/26</a:t>
             </a:fld>
@@ -2610,6 +2632,13 @@
   <p:clrMapOvr>
     <a:masterClrMapping/>
   </p:clrMapOvr>
+  <p:timing>
+    <p:tnLst>
+      <p:par>
+        <p:cTn id="1" dur="indefinite" restart="never" nodeType="tmRoot"/>
+      </p:par>
+    </p:tnLst>
+  </p:timing>
 </p:sldLayout>
 </file>
 
@@ -2645,7 +2674,7 @@
           <a:bodyPr/>
           <a:lstStyle/>
           <a:p>
-            <a:fld id="{469F3D63-F674-4223-843F-6B22069D3A49}" type="datetime1">
+            <a:fld id="{256AEED3-120C-40A9-8C92-D5CFE7DEC45F}" type="datetime1">
               <a:rPr kumimoji="1" lang="ja-JP" altLang="en-US" smtClean="0"/>
               <a:t>2017/7/26</a:t>
             </a:fld>
@@ -2705,6 +2734,13 @@
   <p:clrMapOvr>
     <a:masterClrMapping/>
   </p:clrMapOvr>
+  <p:timing>
+    <p:tnLst>
+      <p:par>
+        <p:cTn id="1" dur="indefinite" restart="never" nodeType="tmRoot"/>
+      </p:par>
+    </p:tnLst>
+  </p:timing>
 </p:sldLayout>
 </file>
 
@@ -2954,7 +2990,7 @@
           <a:bodyPr/>
           <a:lstStyle/>
           <a:p>
-            <a:fld id="{42BB8E51-10EE-4D61-A2E5-9E648E907DA2}" type="datetime1">
+            <a:fld id="{D702AC3B-4B0B-4ED5-9E56-5CF6E8AF77B2}" type="datetime1">
               <a:rPr kumimoji="1" lang="ja-JP" altLang="en-US" smtClean="0"/>
               <a:t>2017/7/26</a:t>
             </a:fld>
@@ -3014,6 +3050,13 @@
   <p:clrMapOvr>
     <a:masterClrMapping/>
   </p:clrMapOvr>
+  <p:timing>
+    <p:tnLst>
+      <p:par>
+        <p:cTn id="1" dur="indefinite" restart="never" nodeType="tmRoot"/>
+      </p:par>
+    </p:tnLst>
+  </p:timing>
 </p:sldLayout>
 </file>
 
@@ -3211,7 +3254,7 @@
           <a:bodyPr/>
           <a:lstStyle/>
           <a:p>
-            <a:fld id="{14D37A31-4D62-4151-AF5D-C77A426BC59C}" type="datetime1">
+            <a:fld id="{4593AA8D-D271-4148-A3F5-10D2116D3403}" type="datetime1">
               <a:rPr kumimoji="1" lang="ja-JP" altLang="en-US" smtClean="0"/>
               <a:t>2017/7/26</a:t>
             </a:fld>
@@ -3271,6 +3314,13 @@
   <p:clrMapOvr>
     <a:masterClrMapping/>
   </p:clrMapOvr>
+  <p:timing>
+    <p:tnLst>
+      <p:par>
+        <p:cTn id="1" dur="indefinite" restart="never" nodeType="tmRoot"/>
+      </p:par>
+    </p:tnLst>
+  </p:timing>
 </p:sldLayout>
 </file>
 
@@ -3456,7 +3506,7 @@
             </a:lvl1pPr>
           </a:lstStyle>
           <a:p>
-            <a:fld id="{CA7EAE47-AFA5-4621-BC2B-E9D95EB91215}" type="datetime1">
+            <a:fld id="{317F2C34-9905-4878-B47C-F19011B08158}" type="datetime1">
               <a:rPr kumimoji="1" lang="ja-JP" altLang="en-US" smtClean="0"/>
               <a:t>2017/7/26</a:t>
             </a:fld>
@@ -7195,8 +7245,8 @@
           </p:sp>
         </mc:Fallback>
       </mc:AlternateContent>
-      <mc:AlternateContent xmlns:mc="http://schemas.openxmlformats.org/markup-compatibility/2006">
-        <mc:Choice xmlns:a14="http://schemas.microsoft.com/office/drawing/2010/main" Requires="a14">
+      <mc:AlternateContent xmlns:mc="http://schemas.openxmlformats.org/markup-compatibility/2006" xmlns:a14="http://schemas.microsoft.com/office/drawing/2010/main">
+        <mc:Choice Requires="a14">
           <p:sp>
             <p:nvSpPr>
               <p:cNvPr id="3" name="コンテンツ プレースホルダー 2"/>
@@ -7315,7 +7365,6 @@
                   <a:rPr lang="en-US" altLang="ja-JP" dirty="0" smtClean="0"/>
                   <a:t>	 </a:t>
                 </a:r>
-                <a:endParaRPr lang="en-US" altLang="ja-JP" dirty="0" smtClean="0"/>
               </a:p>
               <a:p>
                 <a:pPr marL="0" indent="0">
@@ -7327,26 +7376,18 @@
                 </a:r>
                 <a:r>
                   <a:rPr lang="en-US" altLang="ja-JP" dirty="0" smtClean="0"/>
-                  <a:t>           </a:t>
-                </a:r>
-                <a:r>
-                  <a:rPr lang="en-US" altLang="ja-JP" dirty="0" smtClean="0"/>
-                  <a:t> </a:t>
+                  <a:t>            </a:t>
                 </a:r>
                 <a:r>
                   <a:rPr lang="ja-JP" altLang="en-US" dirty="0" smtClean="0"/>
-                  <a:t>で</a:t>
-                </a:r>
-                <a:r>
-                  <a:rPr lang="ja-JP" altLang="en-US" dirty="0" smtClean="0"/>
-                  <a:t>重心位置を確定</a:t>
+                  <a:t>で重心位置を確定</a:t>
                 </a:r>
                 <a:endParaRPr kumimoji="1" lang="en-US" altLang="ja-JP" dirty="0" smtClean="0"/>
               </a:p>
             </p:txBody>
           </p:sp>
         </mc:Choice>
-        <mc:Fallback>
+        <mc:Fallback xmlns="">
           <p:sp>
             <p:nvSpPr>
               <p:cNvPr id="3" name="コンテンツ プレースホルダー 2"/>
@@ -7844,8 +7885,8 @@
           </a:p>
         </p:txBody>
       </p:sp>
-      <mc:AlternateContent xmlns:mc="http://schemas.openxmlformats.org/markup-compatibility/2006">
-        <mc:Choice xmlns:a14="http://schemas.microsoft.com/office/drawing/2010/main" Requires="a14">
+      <mc:AlternateContent xmlns:mc="http://schemas.openxmlformats.org/markup-compatibility/2006" xmlns:a14="http://schemas.microsoft.com/office/drawing/2010/main">
+        <mc:Choice Requires="a14">
           <p:sp>
             <p:nvSpPr>
               <p:cNvPr id="6" name="テキスト ボックス 5"/>
@@ -7924,7 +7965,7 @@
             </p:txBody>
           </p:sp>
         </mc:Choice>
-        <mc:Fallback>
+        <mc:Fallback xmlns="">
           <p:sp>
             <p:nvSpPr>
               <p:cNvPr id="6" name="テキスト ボックス 5"/>
@@ -7963,8 +8004,8 @@
           </p:sp>
         </mc:Fallback>
       </mc:AlternateContent>
-      <mc:AlternateContent xmlns:mc="http://schemas.openxmlformats.org/markup-compatibility/2006">
-        <mc:Choice xmlns:a14="http://schemas.microsoft.com/office/drawing/2010/main" Requires="a14">
+      <mc:AlternateContent xmlns:mc="http://schemas.openxmlformats.org/markup-compatibility/2006" xmlns:a14="http://schemas.microsoft.com/office/drawing/2010/main">
+        <mc:Choice Requires="a14">
           <p:sp>
             <p:nvSpPr>
               <p:cNvPr id="7" name="正方形/長方形 6"/>
@@ -8041,7 +8082,7 @@
             </p:txBody>
           </p:sp>
         </mc:Choice>
-        <mc:Fallback>
+        <mc:Fallback xmlns="">
           <p:sp>
             <p:nvSpPr>
               <p:cNvPr id="7" name="正方形/長方形 6"/>
@@ -8387,8 +8428,8 @@
           </p:sp>
         </mc:Fallback>
       </mc:AlternateContent>
-      <mc:AlternateContent xmlns:mc="http://schemas.openxmlformats.org/markup-compatibility/2006">
-        <mc:Choice xmlns:a14="http://schemas.microsoft.com/office/drawing/2010/main" Requires="a14">
+      <mc:AlternateContent xmlns:mc="http://schemas.openxmlformats.org/markup-compatibility/2006" xmlns:a14="http://schemas.microsoft.com/office/drawing/2010/main">
+        <mc:Choice Requires="a14">
           <p:sp>
             <p:nvSpPr>
               <p:cNvPr id="3" name="コンテンツ プレースホルダー 2"/>
@@ -8560,11 +8601,7 @@
                 </a:r>
                 <a:r>
                   <a:rPr kumimoji="1" lang="ja-JP" altLang="en-US" dirty="0" smtClean="0"/>
-                  <a:t>両傾き</a:t>
-                </a:r>
-                <a:r>
-                  <a:rPr kumimoji="1" lang="ja-JP" altLang="en-US" dirty="0" smtClean="0"/>
-                  <a:t>を平均する</a:t>
+                  <a:t>両傾きを平均する</a:t>
                 </a:r>
                 <a:r>
                   <a:rPr kumimoji="1" lang="en-US" altLang="ja-JP" dirty="0" smtClean="0"/>
@@ -8575,7 +8612,7 @@
             </p:txBody>
           </p:sp>
         </mc:Choice>
-        <mc:Fallback>
+        <mc:Fallback xmlns="">
           <p:sp>
             <p:nvSpPr>
               <p:cNvPr id="3" name="コンテンツ プレースホルダー 2"/>
@@ -8984,8 +9021,8 @@
           <a:chExt cx="0" cy="0"/>
         </a:xfrm>
       </p:grpSpPr>
-      <mc:AlternateContent xmlns:mc="http://schemas.openxmlformats.org/markup-compatibility/2006">
-        <mc:Choice xmlns:a14="http://schemas.microsoft.com/office/drawing/2010/main" Requires="a14">
+      <mc:AlternateContent xmlns:mc="http://schemas.openxmlformats.org/markup-compatibility/2006" xmlns:a14="http://schemas.microsoft.com/office/drawing/2010/main">
+        <mc:Choice Requires="a14">
           <p:sp>
             <p:nvSpPr>
               <p:cNvPr id="2" name="タイトル 1"/>
@@ -9044,7 +9081,7 @@
             </p:txBody>
           </p:sp>
         </mc:Choice>
-        <mc:Fallback>
+        <mc:Fallback xmlns="">
           <p:sp>
             <p:nvSpPr>
               <p:cNvPr id="2" name="タイトル 1"/>
@@ -9109,15 +9146,7 @@
             </a:pPr>
             <a:r>
               <a:rPr kumimoji="1" lang="ja-JP" altLang="en-US" dirty="0" smtClean="0"/>
-              <a:t>台車</a:t>
-            </a:r>
-            <a:r>
-              <a:rPr kumimoji="1" lang="ja-JP" altLang="en-US" dirty="0" smtClean="0"/>
-              <a:t>系システムのステップ</a:t>
-            </a:r>
-            <a:r>
-              <a:rPr kumimoji="1" lang="ja-JP" altLang="en-US" dirty="0" smtClean="0"/>
-              <a:t>応答</a:t>
+              <a:t>台車系システムのステップ応答</a:t>
             </a:r>
             <a:r>
               <a:rPr lang="ja-JP" altLang="en-US" dirty="0" smtClean="0"/>
@@ -11403,6 +11432,30 @@
               <a:t>制御</a:t>
             </a:r>
             <a:endParaRPr kumimoji="1" lang="en-US" altLang="ja-JP" dirty="0" smtClean="0"/>
+          </a:p>
+        </p:txBody>
+      </p:sp>
+      <p:sp>
+        <p:nvSpPr>
+          <p:cNvPr id="4" name="スライド番号プレースホルダー 3"/>
+          <p:cNvSpPr>
+            <a:spLocks noGrp="1"/>
+          </p:cNvSpPr>
+          <p:nvPr>
+            <p:ph type="sldNum" sz="quarter" idx="12"/>
+          </p:nvPr>
+        </p:nvSpPr>
+        <p:spPr/>
+        <p:txBody>
+          <a:bodyPr/>
+          <a:lstStyle/>
+          <a:p>
+            <a:fld id="{879872E2-8930-43A6-82EA-52DD58EFA9F7}" type="slidenum">
+              <a:rPr lang="ja-JP" altLang="en-US" smtClean="0"/>
+              <a:pPr/>
+              <a:t>34</a:t>
+            </a:fld>
+            <a:endParaRPr lang="ja-JP" altLang="en-US" dirty="0"/>
           </a:p>
         </p:txBody>
       </p:sp>
@@ -11914,6 +11967,30 @@
           </a:p>
         </p:txBody>
       </p:sp>
+      <p:sp>
+        <p:nvSpPr>
+          <p:cNvPr id="5" name="スライド番号プレースホルダー 4"/>
+          <p:cNvSpPr>
+            <a:spLocks noGrp="1"/>
+          </p:cNvSpPr>
+          <p:nvPr>
+            <p:ph type="sldNum" sz="quarter" idx="12"/>
+          </p:nvPr>
+        </p:nvSpPr>
+        <p:spPr/>
+        <p:txBody>
+          <a:bodyPr/>
+          <a:lstStyle/>
+          <a:p>
+            <a:fld id="{879872E2-8930-43A6-82EA-52DD58EFA9F7}" type="slidenum">
+              <a:rPr lang="ja-JP" altLang="en-US" smtClean="0"/>
+              <a:pPr/>
+              <a:t>35</a:t>
+            </a:fld>
+            <a:endParaRPr lang="ja-JP" altLang="en-US" dirty="0"/>
+          </a:p>
+        </p:txBody>
+      </p:sp>
     </p:spTree>
     <p:extLst>
       <p:ext uri="{BB962C8B-B14F-4D97-AF65-F5344CB8AC3E}">
@@ -12414,6 +12491,30 @@
           </p:sp>
         </mc:Fallback>
       </mc:AlternateContent>
+      <p:sp>
+        <p:nvSpPr>
+          <p:cNvPr id="4" name="スライド番号プレースホルダー 3"/>
+          <p:cNvSpPr>
+            <a:spLocks noGrp="1"/>
+          </p:cNvSpPr>
+          <p:nvPr>
+            <p:ph type="sldNum" sz="quarter" idx="12"/>
+          </p:nvPr>
+        </p:nvSpPr>
+        <p:spPr/>
+        <p:txBody>
+          <a:bodyPr/>
+          <a:lstStyle/>
+          <a:p>
+            <a:fld id="{879872E2-8930-43A6-82EA-52DD58EFA9F7}" type="slidenum">
+              <a:rPr lang="ja-JP" altLang="en-US" smtClean="0"/>
+              <a:pPr/>
+              <a:t>36</a:t>
+            </a:fld>
+            <a:endParaRPr lang="ja-JP" altLang="en-US" dirty="0"/>
+          </a:p>
+        </p:txBody>
+      </p:sp>
     </p:spTree>
     <p:extLst>
       <p:ext uri="{BB962C8B-B14F-4D97-AF65-F5344CB8AC3E}">
@@ -13267,6 +13368,30 @@
           </p:sp>
         </mc:Fallback>
       </mc:AlternateContent>
+      <p:sp>
+        <p:nvSpPr>
+          <p:cNvPr id="3" name="スライド番号プレースホルダー 2"/>
+          <p:cNvSpPr>
+            <a:spLocks noGrp="1"/>
+          </p:cNvSpPr>
+          <p:nvPr>
+            <p:ph type="sldNum" sz="quarter" idx="12"/>
+          </p:nvPr>
+        </p:nvSpPr>
+        <p:spPr/>
+        <p:txBody>
+          <a:bodyPr/>
+          <a:lstStyle/>
+          <a:p>
+            <a:fld id="{879872E2-8930-43A6-82EA-52DD58EFA9F7}" type="slidenum">
+              <a:rPr lang="ja-JP" altLang="en-US" smtClean="0"/>
+              <a:pPr/>
+              <a:t>37</a:t>
+            </a:fld>
+            <a:endParaRPr lang="ja-JP" altLang="en-US" dirty="0"/>
+          </a:p>
+        </p:txBody>
+      </p:sp>
     </p:spTree>
     <p:extLst>
       <p:ext uri="{BB962C8B-B14F-4D97-AF65-F5344CB8AC3E}">
@@ -14124,6 +14249,30 @@
           </p:sp>
         </mc:Fallback>
       </mc:AlternateContent>
+      <p:sp>
+        <p:nvSpPr>
+          <p:cNvPr id="3" name="スライド番号プレースホルダー 2"/>
+          <p:cNvSpPr>
+            <a:spLocks noGrp="1"/>
+          </p:cNvSpPr>
+          <p:nvPr>
+            <p:ph type="sldNum" sz="quarter" idx="12"/>
+          </p:nvPr>
+        </p:nvSpPr>
+        <p:spPr/>
+        <p:txBody>
+          <a:bodyPr/>
+          <a:lstStyle/>
+          <a:p>
+            <a:fld id="{879872E2-8930-43A6-82EA-52DD58EFA9F7}" type="slidenum">
+              <a:rPr lang="ja-JP" altLang="en-US" smtClean="0"/>
+              <a:pPr/>
+              <a:t>38</a:t>
+            </a:fld>
+            <a:endParaRPr lang="ja-JP" altLang="en-US" dirty="0"/>
+          </a:p>
+        </p:txBody>
+      </p:sp>
     </p:spTree>
     <p:extLst>
       <p:ext uri="{BB962C8B-B14F-4D97-AF65-F5344CB8AC3E}">
@@ -14612,6 +14761,30 @@
           </p:sp>
         </mc:Fallback>
       </mc:AlternateContent>
+      <p:sp>
+        <p:nvSpPr>
+          <p:cNvPr id="4" name="スライド番号プレースホルダー 3"/>
+          <p:cNvSpPr>
+            <a:spLocks noGrp="1"/>
+          </p:cNvSpPr>
+          <p:nvPr>
+            <p:ph type="sldNum" sz="quarter" idx="12"/>
+          </p:nvPr>
+        </p:nvSpPr>
+        <p:spPr/>
+        <p:txBody>
+          <a:bodyPr/>
+          <a:lstStyle/>
+          <a:p>
+            <a:fld id="{879872E2-8930-43A6-82EA-52DD58EFA9F7}" type="slidenum">
+              <a:rPr lang="ja-JP" altLang="en-US" smtClean="0"/>
+              <a:pPr/>
+              <a:t>39</a:t>
+            </a:fld>
+            <a:endParaRPr lang="ja-JP" altLang="en-US" dirty="0"/>
+          </a:p>
+        </p:txBody>
+      </p:sp>
     </p:spTree>
     <p:extLst>
       <p:ext uri="{BB962C8B-B14F-4D97-AF65-F5344CB8AC3E}">
@@ -15348,6 +15521,30 @@
           </p:sp>
         </mc:Fallback>
       </mc:AlternateContent>
+      <p:sp>
+        <p:nvSpPr>
+          <p:cNvPr id="3" name="スライド番号プレースホルダー 2"/>
+          <p:cNvSpPr>
+            <a:spLocks noGrp="1"/>
+          </p:cNvSpPr>
+          <p:nvPr>
+            <p:ph type="sldNum" sz="quarter" idx="12"/>
+          </p:nvPr>
+        </p:nvSpPr>
+        <p:spPr/>
+        <p:txBody>
+          <a:bodyPr/>
+          <a:lstStyle/>
+          <a:p>
+            <a:fld id="{879872E2-8930-43A6-82EA-52DD58EFA9F7}" type="slidenum">
+              <a:rPr lang="ja-JP" altLang="en-US" smtClean="0"/>
+              <a:pPr/>
+              <a:t>40</a:t>
+            </a:fld>
+            <a:endParaRPr lang="ja-JP" altLang="en-US" dirty="0"/>
+          </a:p>
+        </p:txBody>
+      </p:sp>
     </p:spTree>
     <p:extLst>
       <p:ext uri="{BB962C8B-B14F-4D97-AF65-F5344CB8AC3E}">
@@ -15903,6 +16100,30 @@
           </a:extLst>
         </p:spPr>
       </p:pic>
+      <p:sp>
+        <p:nvSpPr>
+          <p:cNvPr id="4" name="スライド番号プレースホルダー 3"/>
+          <p:cNvSpPr>
+            <a:spLocks noGrp="1"/>
+          </p:cNvSpPr>
+          <p:nvPr>
+            <p:ph type="sldNum" sz="quarter" idx="12"/>
+          </p:nvPr>
+        </p:nvSpPr>
+        <p:spPr/>
+        <p:txBody>
+          <a:bodyPr/>
+          <a:lstStyle/>
+          <a:p>
+            <a:fld id="{879872E2-8930-43A6-82EA-52DD58EFA9F7}" type="slidenum">
+              <a:rPr lang="ja-JP" altLang="en-US" smtClean="0"/>
+              <a:pPr/>
+              <a:t>41</a:t>
+            </a:fld>
+            <a:endParaRPr lang="ja-JP" altLang="en-US" dirty="0"/>
+          </a:p>
+        </p:txBody>
+      </p:sp>
     </p:spTree>
     <p:extLst>
       <p:ext uri="{BB962C8B-B14F-4D97-AF65-F5344CB8AC3E}">
@@ -16998,8 +17219,8 @@
           </a:p>
         </p:txBody>
       </p:sp>
-      <mc:AlternateContent xmlns:mc="http://schemas.openxmlformats.org/markup-compatibility/2006" xmlns:a14="http://schemas.microsoft.com/office/drawing/2010/main">
-        <mc:Choice Requires="a14">
+      <mc:AlternateContent xmlns:mc="http://schemas.openxmlformats.org/markup-compatibility/2006">
+        <mc:Choice xmlns:a14="http://schemas.microsoft.com/office/drawing/2010/main" Requires="a14">
           <p:sp>
             <p:nvSpPr>
               <p:cNvPr id="14" name="テキスト ボックス 13"/>
@@ -17009,7 +17230,7 @@
             <p:spPr>
               <a:xfrm>
                 <a:off x="2016842" y="5530647"/>
-                <a:ext cx="3297811" cy="843501"/>
+                <a:ext cx="3818350" cy="843501"/>
               </a:xfrm>
               <a:prstGeom prst="rect">
                 <a:avLst/>
@@ -17060,7 +17281,7 @@
             </p:txBody>
           </p:sp>
         </mc:Choice>
-        <mc:Fallback xmlns="">
+        <mc:Fallback>
           <p:sp>
             <p:nvSpPr>
               <p:cNvPr id="14" name="テキスト ボックス 13"/>
@@ -17072,15 +17293,1235 @@
             <p:spPr>
               <a:xfrm>
                 <a:off x="2016842" y="5530647"/>
-                <a:ext cx="3297811" cy="843501"/>
+                <a:ext cx="3818350" cy="843501"/>
+              </a:xfrm>
+              <a:prstGeom prst="rect">
+                <a:avLst/>
+              </a:prstGeom>
+              <a:blipFill>
+                <a:blip r:embed="rId8"/>
+                <a:stretch>
+                  <a:fillRect l="-2556" t="-5755" b="-15827"/>
+                </a:stretch>
+              </a:blipFill>
+            </p:spPr>
+            <p:txBody>
+              <a:bodyPr/>
+              <a:lstStyle/>
+              <a:p>
+                <a:r>
+                  <a:rPr lang="ja-JP" altLang="en-US">
+                    <a:noFill/>
+                  </a:rPr>
+                  <a:t> </a:t>
+                </a:r>
+              </a:p>
+            </p:txBody>
+          </p:sp>
+        </mc:Fallback>
+      </mc:AlternateContent>
+      <p:sp>
+        <p:nvSpPr>
+          <p:cNvPr id="7" name="スライド番号プレースホルダー 6"/>
+          <p:cNvSpPr>
+            <a:spLocks noGrp="1"/>
+          </p:cNvSpPr>
+          <p:nvPr>
+            <p:ph type="sldNum" sz="quarter" idx="12"/>
+          </p:nvPr>
+        </p:nvSpPr>
+        <p:spPr/>
+        <p:txBody>
+          <a:bodyPr/>
+          <a:lstStyle/>
+          <a:p>
+            <a:fld id="{879872E2-8930-43A6-82EA-52DD58EFA9F7}" type="slidenum">
+              <a:rPr lang="ja-JP" altLang="en-US" smtClean="0"/>
+              <a:pPr/>
+              <a:t>42</a:t>
+            </a:fld>
+            <a:endParaRPr lang="ja-JP" altLang="en-US" dirty="0"/>
+          </a:p>
+        </p:txBody>
+      </p:sp>
+    </p:spTree>
+    <p:extLst>
+      <p:ext uri="{BB962C8B-B14F-4D97-AF65-F5344CB8AC3E}">
+        <p14:creationId xmlns:p14="http://schemas.microsoft.com/office/powerpoint/2010/main" val="863932517"/>
+      </p:ext>
+    </p:extLst>
+  </p:cSld>
+  <p:clrMapOvr>
+    <a:masterClrMapping/>
+  </p:clrMapOvr>
+  <p:timing>
+    <p:tnLst>
+      <p:par>
+        <p:cTn id="1" dur="indefinite" restart="never" nodeType="tmRoot"/>
+      </p:par>
+    </p:tnLst>
+  </p:timing>
+</p:sld>
+</file>
+
+<file path=ppt/slides/slide43.xml><?xml version="1.0" encoding="utf-8"?>
+<p:sld xmlns:a="http://schemas.openxmlformats.org/drawingml/2006/main" xmlns:r="http://schemas.openxmlformats.org/officeDocument/2006/relationships" xmlns:p="http://schemas.openxmlformats.org/presentationml/2006/main">
+  <p:cSld>
+    <p:spTree>
+      <p:nvGrpSpPr>
+        <p:cNvPr id="1" name=""/>
+        <p:cNvGrpSpPr/>
+        <p:nvPr/>
+      </p:nvGrpSpPr>
+      <p:grpSpPr>
+        <a:xfrm>
+          <a:off x="0" y="0"/>
+          <a:ext cx="0" cy="0"/>
+          <a:chOff x="0" y="0"/>
+          <a:chExt cx="0" cy="0"/>
+        </a:xfrm>
+      </p:grpSpPr>
+      <p:sp>
+        <p:nvSpPr>
+          <p:cNvPr id="2" name="タイトル 1"/>
+          <p:cNvSpPr>
+            <a:spLocks noGrp="1"/>
+          </p:cNvSpPr>
+          <p:nvPr>
+            <p:ph type="title"/>
+          </p:nvPr>
+        </p:nvSpPr>
+        <p:spPr/>
+        <p:txBody>
+          <a:bodyPr/>
+          <a:lstStyle/>
+          <a:p>
+            <a:r>
+              <a:rPr kumimoji="1" lang="ja-JP" altLang="en-US" dirty="0" smtClean="0"/>
+              <a:t>最小次元オブザーバ</a:t>
+            </a:r>
+            <a:endParaRPr kumimoji="1" lang="ja-JP" altLang="en-US" dirty="0"/>
+          </a:p>
+        </p:txBody>
+      </p:sp>
+      <p:sp>
+        <p:nvSpPr>
+          <p:cNvPr id="3" name="コンテンツ プレースホルダー 2"/>
+          <p:cNvSpPr>
+            <a:spLocks noGrp="1"/>
+          </p:cNvSpPr>
+          <p:nvPr>
+            <p:ph idx="1"/>
+          </p:nvPr>
+        </p:nvSpPr>
+        <p:spPr/>
+        <p:txBody>
+          <a:bodyPr>
+            <a:normAutofit/>
+          </a:bodyPr>
+          <a:lstStyle/>
+          <a:p>
+            <a:pPr marL="0" indent="0">
+              <a:buNone/>
+            </a:pPr>
+            <a:endParaRPr lang="en-US" altLang="ja-JP" sz="2400" dirty="0"/>
+          </a:p>
+          <a:p>
+            <a:pPr marL="0" indent="0">
+              <a:buNone/>
+            </a:pPr>
+            <a:r>
+              <a:rPr lang="ja-JP" altLang="en-US" sz="2400" dirty="0"/>
+              <a:t>　</a:t>
+            </a:r>
+            <a:r>
+              <a:rPr lang="ja-JP" altLang="en-US" sz="2400" dirty="0" smtClean="0"/>
+              <a:t>オブザーバ</a:t>
+            </a:r>
+            <a:endParaRPr lang="en-US" altLang="ja-JP" sz="2400" dirty="0" smtClean="0"/>
+          </a:p>
+          <a:p>
+            <a:endParaRPr lang="en-US" altLang="ja-JP" sz="2400" dirty="0" smtClean="0"/>
+          </a:p>
+          <a:p>
+            <a:pPr marL="0" indent="0">
+              <a:buNone/>
+            </a:pPr>
+            <a:endParaRPr lang="en-US" altLang="ja-JP" sz="2000" dirty="0"/>
+          </a:p>
+          <a:p>
+            <a:pPr marL="0" indent="0">
+              <a:buNone/>
+            </a:pPr>
+            <a:endParaRPr lang="en-US" altLang="ja-JP" sz="2400" dirty="0" smtClean="0"/>
+          </a:p>
+          <a:p>
+            <a:pPr marL="0" indent="0">
+              <a:buNone/>
+            </a:pPr>
+            <a:endParaRPr lang="en-US" altLang="ja-JP" sz="2400" dirty="0" smtClean="0"/>
+          </a:p>
+          <a:p>
+            <a:pPr marL="0" indent="0">
+              <a:buNone/>
+            </a:pPr>
+            <a:endParaRPr lang="en-US" altLang="ja-JP" sz="2400" dirty="0" smtClean="0"/>
+          </a:p>
+          <a:p>
+            <a:pPr marL="0" indent="0">
+              <a:buNone/>
+            </a:pPr>
+            <a:endParaRPr lang="en-US" altLang="ja-JP" sz="2400" dirty="0" smtClean="0"/>
+          </a:p>
+          <a:p>
+            <a:pPr marL="0" indent="0">
+              <a:buNone/>
+            </a:pPr>
+            <a:endParaRPr lang="en-US" altLang="ja-JP" sz="2400" i="1" dirty="0">
+              <a:latin typeface="Cambria Math" panose="02040503050406030204" pitchFamily="18" charset="0"/>
+            </a:endParaRPr>
+          </a:p>
+          <a:p>
+            <a:pPr marL="0" indent="0">
+              <a:buNone/>
+            </a:pPr>
+            <a:endParaRPr lang="en-US" altLang="ja-JP" sz="2400" dirty="0"/>
+          </a:p>
+        </p:txBody>
+      </p:sp>
+      <p:grpSp>
+        <p:nvGrpSpPr>
+          <p:cNvPr id="13" name="グループ化 12"/>
+          <p:cNvGrpSpPr/>
+          <p:nvPr/>
+        </p:nvGrpSpPr>
+        <p:grpSpPr>
+          <a:xfrm>
+            <a:off x="2589874" y="2047837"/>
+            <a:ext cx="2792670" cy="894962"/>
+            <a:chOff x="756467" y="2219421"/>
+            <a:chExt cx="2792670" cy="894962"/>
+          </a:xfrm>
+        </p:grpSpPr>
+        <mc:AlternateContent xmlns:mc="http://schemas.openxmlformats.org/markup-compatibility/2006" xmlns:a14="http://schemas.microsoft.com/office/drawing/2010/main">
+          <mc:Choice Requires="a14">
+            <p:sp>
+              <p:nvSpPr>
+                <p:cNvPr id="4" name="テキスト ボックス 3"/>
+                <p:cNvSpPr txBox="1"/>
+                <p:nvPr/>
+              </p:nvSpPr>
+              <p:spPr>
+                <a:xfrm>
+                  <a:off x="776440" y="2219421"/>
+                  <a:ext cx="2772697" cy="474169"/>
+                </a:xfrm>
+                <a:prstGeom prst="rect">
+                  <a:avLst/>
+                </a:prstGeom>
+                <a:noFill/>
+              </p:spPr>
+              <p:txBody>
+                <a:bodyPr wrap="square" rtlCol="0">
+                  <a:spAutoFit/>
+                </a:bodyPr>
+                <a:lstStyle/>
+                <a:p>
+                  <a:pPr/>
+                  <a14:m>
+                    <m:oMathPara xmlns:m="http://schemas.openxmlformats.org/officeDocument/2006/math">
+                      <m:oMathParaPr>
+                        <m:jc m:val="centerGroup"/>
+                      </m:oMathParaPr>
+                      <m:oMath xmlns:m="http://schemas.openxmlformats.org/officeDocument/2006/math">
+                        <m:acc>
+                          <m:accPr>
+                            <m:chr m:val="̇"/>
+                            <m:ctrlPr>
+                              <a:rPr lang="en-US" altLang="ja-JP" sz="2400" i="1">
+                                <a:latin typeface="Cambria Math" panose="02040503050406030204" pitchFamily="18" charset="0"/>
+                              </a:rPr>
+                            </m:ctrlPr>
+                          </m:accPr>
+                          <m:e>
+                            <m:r>
+                              <a:rPr lang="en-US" altLang="ja-JP" sz="2400" i="1">
+                                <a:latin typeface="Cambria Math" panose="02040503050406030204" pitchFamily="18" charset="0"/>
+                              </a:rPr>
+                              <m:t>𝑧</m:t>
+                            </m:r>
+                          </m:e>
+                        </m:acc>
+                        <m:r>
+                          <a:rPr lang="en-US" altLang="ja-JP" sz="2400" i="1">
+                            <a:latin typeface="Cambria Math" panose="02040503050406030204" pitchFamily="18" charset="0"/>
+                          </a:rPr>
+                          <m:t>=</m:t>
+                        </m:r>
+                        <m:acc>
+                          <m:accPr>
+                            <m:chr m:val="̂"/>
+                            <m:ctrlPr>
+                              <a:rPr lang="en-US" altLang="ja-JP" sz="2400" i="1">
+                                <a:latin typeface="Cambria Math" panose="02040503050406030204" pitchFamily="18" charset="0"/>
+                              </a:rPr>
+                            </m:ctrlPr>
+                          </m:accPr>
+                          <m:e>
+                            <m:r>
+                              <a:rPr lang="en-US" altLang="ja-JP" sz="2400" i="1">
+                                <a:latin typeface="Cambria Math" panose="02040503050406030204" pitchFamily="18" charset="0"/>
+                              </a:rPr>
+                              <m:t>𝐴</m:t>
+                            </m:r>
+                          </m:e>
+                        </m:acc>
+                        <m:r>
+                          <a:rPr lang="en-US" altLang="ja-JP" sz="2400" i="1">
+                            <a:latin typeface="Cambria Math" panose="02040503050406030204" pitchFamily="18" charset="0"/>
+                          </a:rPr>
+                          <m:t>𝑧</m:t>
+                        </m:r>
+                        <m:r>
+                          <a:rPr lang="en-US" altLang="ja-JP" sz="2400" i="1">
+                            <a:latin typeface="Cambria Math" panose="02040503050406030204" pitchFamily="18" charset="0"/>
+                          </a:rPr>
+                          <m:t>+</m:t>
+                        </m:r>
+                        <m:acc>
+                          <m:accPr>
+                            <m:chr m:val="̂"/>
+                            <m:ctrlPr>
+                              <a:rPr lang="en-US" altLang="ja-JP" sz="2400" i="1">
+                                <a:latin typeface="Cambria Math" panose="02040503050406030204" pitchFamily="18" charset="0"/>
+                              </a:rPr>
+                            </m:ctrlPr>
+                          </m:accPr>
+                          <m:e>
+                            <m:r>
+                              <a:rPr lang="en-US" altLang="ja-JP" sz="2400" i="1">
+                                <a:latin typeface="Cambria Math" panose="02040503050406030204" pitchFamily="18" charset="0"/>
+                              </a:rPr>
+                              <m:t>𝐵</m:t>
+                            </m:r>
+                          </m:e>
+                        </m:acc>
+                        <m:r>
+                          <a:rPr lang="en-US" altLang="ja-JP" sz="2400" i="1">
+                            <a:latin typeface="Cambria Math" panose="02040503050406030204" pitchFamily="18" charset="0"/>
+                          </a:rPr>
+                          <m:t>𝑦</m:t>
+                        </m:r>
+                        <m:r>
+                          <a:rPr lang="en-US" altLang="ja-JP" sz="2400" i="1">
+                            <a:latin typeface="Cambria Math" panose="02040503050406030204" pitchFamily="18" charset="0"/>
+                          </a:rPr>
+                          <m:t>+</m:t>
+                        </m:r>
+                        <m:acc>
+                          <m:accPr>
+                            <m:chr m:val="̂"/>
+                            <m:ctrlPr>
+                              <a:rPr lang="en-US" altLang="ja-JP" sz="2400" i="1">
+                                <a:latin typeface="Cambria Math" panose="02040503050406030204" pitchFamily="18" charset="0"/>
+                              </a:rPr>
+                            </m:ctrlPr>
+                          </m:accPr>
+                          <m:e>
+                            <m:r>
+                              <a:rPr lang="en-US" altLang="ja-JP" sz="2400" i="1">
+                                <a:latin typeface="Cambria Math" panose="02040503050406030204" pitchFamily="18" charset="0"/>
+                              </a:rPr>
+                              <m:t>𝐽</m:t>
+                            </m:r>
+                          </m:e>
+                        </m:acc>
+                        <m:r>
+                          <a:rPr lang="en-US" altLang="ja-JP" sz="2400" i="1">
+                            <a:latin typeface="Cambria Math" panose="02040503050406030204" pitchFamily="18" charset="0"/>
+                          </a:rPr>
+                          <m:t>𝑢</m:t>
+                        </m:r>
+                      </m:oMath>
+                    </m:oMathPara>
+                  </a14:m>
+                  <a:endParaRPr lang="en-US" altLang="ja-JP" sz="2400" dirty="0"/>
+                </a:p>
+              </p:txBody>
+            </p:sp>
+          </mc:Choice>
+          <mc:Fallback xmlns="">
+            <p:sp>
+              <p:nvSpPr>
+                <p:cNvPr id="4" name="テキスト ボックス 3"/>
+                <p:cNvSpPr txBox="1">
+                  <a:spLocks noRot="1" noChangeAspect="1" noMove="1" noResize="1" noEditPoints="1" noAdjustHandles="1" noChangeArrowheads="1" noChangeShapeType="1" noTextEdit="1"/>
+                </p:cNvSpPr>
+                <p:nvPr/>
+              </p:nvSpPr>
+              <p:spPr>
+                <a:xfrm>
+                  <a:off x="776440" y="2219421"/>
+                  <a:ext cx="2772697" cy="474169"/>
+                </a:xfrm>
+                <a:prstGeom prst="rect">
+                  <a:avLst/>
+                </a:prstGeom>
+                <a:blipFill rotWithShape="0">
+                  <a:blip r:embed="rId2"/>
+                  <a:stretch>
+                    <a:fillRect/>
+                  </a:stretch>
+                </a:blipFill>
+              </p:spPr>
+              <p:txBody>
+                <a:bodyPr/>
+                <a:lstStyle/>
+                <a:p>
+                  <a:r>
+                    <a:rPr lang="ja-JP" altLang="en-US">
+                      <a:noFill/>
+                    </a:rPr>
+                    <a:t> </a:t>
+                  </a:r>
+                </a:p>
+              </p:txBody>
+            </p:sp>
+          </mc:Fallback>
+        </mc:AlternateContent>
+        <mc:AlternateContent xmlns:mc="http://schemas.openxmlformats.org/markup-compatibility/2006" xmlns:a14="http://schemas.microsoft.com/office/drawing/2010/main">
+          <mc:Choice Requires="a14">
+            <p:sp>
+              <p:nvSpPr>
+                <p:cNvPr id="5" name="テキスト ボックス 4"/>
+                <p:cNvSpPr txBox="1"/>
+                <p:nvPr/>
+              </p:nvSpPr>
+              <p:spPr>
+                <a:xfrm>
+                  <a:off x="756467" y="2640214"/>
+                  <a:ext cx="2222090" cy="474169"/>
+                </a:xfrm>
+                <a:prstGeom prst="rect">
+                  <a:avLst/>
+                </a:prstGeom>
+                <a:noFill/>
+              </p:spPr>
+              <p:txBody>
+                <a:bodyPr wrap="square" rtlCol="0">
+                  <a:spAutoFit/>
+                </a:bodyPr>
+                <a:lstStyle/>
+                <a:p>
+                  <a:pPr/>
+                  <a14:m>
+                    <m:oMathPara xmlns:m="http://schemas.openxmlformats.org/officeDocument/2006/math">
+                      <m:oMathParaPr>
+                        <m:jc m:val="centerGroup"/>
+                      </m:oMathParaPr>
+                      <m:oMath xmlns:m="http://schemas.openxmlformats.org/officeDocument/2006/math">
+                        <m:acc>
+                          <m:accPr>
+                            <m:chr m:val="̂"/>
+                            <m:ctrlPr>
+                              <a:rPr lang="en-US" altLang="ja-JP" sz="2400" i="1" smtClean="0">
+                                <a:latin typeface="Cambria Math" panose="02040503050406030204" pitchFamily="18" charset="0"/>
+                              </a:rPr>
+                            </m:ctrlPr>
+                          </m:accPr>
+                          <m:e>
+                            <m:r>
+                              <a:rPr lang="en-US" altLang="ja-JP" sz="2400" b="0" i="1" smtClean="0">
+                                <a:latin typeface="Cambria Math" panose="02040503050406030204" pitchFamily="18" charset="0"/>
+                              </a:rPr>
+                              <m:t>𝑥</m:t>
+                            </m:r>
+                          </m:e>
+                        </m:acc>
+                        <m:r>
+                          <a:rPr lang="en-US" altLang="ja-JP" sz="2400" b="0" i="1" smtClean="0">
+                            <a:latin typeface="Cambria Math" panose="02040503050406030204" pitchFamily="18" charset="0"/>
+                          </a:rPr>
+                          <m:t>=</m:t>
+                        </m:r>
+                        <m:acc>
+                          <m:accPr>
+                            <m:chr m:val="̂"/>
+                            <m:ctrlPr>
+                              <a:rPr lang="en-US" altLang="ja-JP" sz="2400" i="1">
+                                <a:latin typeface="Cambria Math" panose="02040503050406030204" pitchFamily="18" charset="0"/>
+                              </a:rPr>
+                            </m:ctrlPr>
+                          </m:accPr>
+                          <m:e>
+                            <m:r>
+                              <a:rPr lang="en-US" altLang="ja-JP" sz="2400" b="0" i="1" smtClean="0">
+                                <a:latin typeface="Cambria Math" panose="02040503050406030204" pitchFamily="18" charset="0"/>
+                              </a:rPr>
+                              <m:t>𝐶</m:t>
+                            </m:r>
+                          </m:e>
+                        </m:acc>
+                        <m:r>
+                          <a:rPr lang="en-US" altLang="ja-JP" sz="2400" b="0" i="1" smtClean="0">
+                            <a:latin typeface="Cambria Math" panose="02040503050406030204" pitchFamily="18" charset="0"/>
+                          </a:rPr>
+                          <m:t>𝑧</m:t>
+                        </m:r>
+                        <m:r>
+                          <a:rPr lang="en-US" altLang="ja-JP" sz="2400" b="0" i="1" smtClean="0">
+                            <a:latin typeface="Cambria Math" panose="02040503050406030204" pitchFamily="18" charset="0"/>
+                          </a:rPr>
+                          <m:t>+</m:t>
+                        </m:r>
+                        <m:acc>
+                          <m:accPr>
+                            <m:chr m:val="̂"/>
+                            <m:ctrlPr>
+                              <a:rPr lang="en-US" altLang="ja-JP" sz="2400" i="1">
+                                <a:latin typeface="Cambria Math" panose="02040503050406030204" pitchFamily="18" charset="0"/>
+                              </a:rPr>
+                            </m:ctrlPr>
+                          </m:accPr>
+                          <m:e>
+                            <m:r>
+                              <a:rPr lang="en-US" altLang="ja-JP" sz="2400" b="0" i="1" smtClean="0">
+                                <a:latin typeface="Cambria Math" panose="02040503050406030204" pitchFamily="18" charset="0"/>
+                              </a:rPr>
+                              <m:t>𝐷</m:t>
+                            </m:r>
+                          </m:e>
+                        </m:acc>
+                        <m:r>
+                          <a:rPr lang="en-US" altLang="ja-JP" sz="2400" b="0" i="1" smtClean="0">
+                            <a:latin typeface="Cambria Math" panose="02040503050406030204" pitchFamily="18" charset="0"/>
+                          </a:rPr>
+                          <m:t>𝑦</m:t>
+                        </m:r>
+                      </m:oMath>
+                    </m:oMathPara>
+                  </a14:m>
+                  <a:endParaRPr kumimoji="1" lang="ja-JP" altLang="en-US" dirty="0"/>
+                </a:p>
+              </p:txBody>
+            </p:sp>
+          </mc:Choice>
+          <mc:Fallback xmlns="">
+            <p:sp>
+              <p:nvSpPr>
+                <p:cNvPr id="5" name="テキスト ボックス 4"/>
+                <p:cNvSpPr txBox="1">
+                  <a:spLocks noRot="1" noChangeAspect="1" noMove="1" noResize="1" noEditPoints="1" noAdjustHandles="1" noChangeArrowheads="1" noChangeShapeType="1" noTextEdit="1"/>
+                </p:cNvSpPr>
+                <p:nvPr/>
+              </p:nvSpPr>
+              <p:spPr>
+                <a:xfrm>
+                  <a:off x="756467" y="2640214"/>
+                  <a:ext cx="2222090" cy="474169"/>
+                </a:xfrm>
+                <a:prstGeom prst="rect">
+                  <a:avLst/>
+                </a:prstGeom>
+                <a:blipFill rotWithShape="0">
+                  <a:blip r:embed="rId3"/>
+                  <a:stretch>
+                    <a:fillRect/>
+                  </a:stretch>
+                </a:blipFill>
+              </p:spPr>
+              <p:txBody>
+                <a:bodyPr/>
+                <a:lstStyle/>
+                <a:p>
+                  <a:r>
+                    <a:rPr lang="ja-JP" altLang="en-US">
+                      <a:noFill/>
+                    </a:rPr>
+                    <a:t> </a:t>
+                  </a:r>
+                </a:p>
+              </p:txBody>
+            </p:sp>
+          </mc:Fallback>
+        </mc:AlternateContent>
+      </p:grpSp>
+      <mc:AlternateContent xmlns:mc="http://schemas.openxmlformats.org/markup-compatibility/2006" xmlns:a14="http://schemas.microsoft.com/office/drawing/2010/main">
+        <mc:Choice Requires="a14">
+          <p:sp>
+            <p:nvSpPr>
+              <p:cNvPr id="6" name="テキスト ボックス 5"/>
+              <p:cNvSpPr txBox="1"/>
+              <p:nvPr/>
+            </p:nvSpPr>
+            <p:spPr>
+              <a:xfrm>
+                <a:off x="834510" y="3087485"/>
+                <a:ext cx="5959580" cy="461665"/>
+              </a:xfrm>
+              <a:prstGeom prst="rect">
+                <a:avLst/>
+              </a:prstGeom>
+              <a:noFill/>
+            </p:spPr>
+            <p:txBody>
+              <a:bodyPr wrap="square" rtlCol="0">
+                <a:spAutoFit/>
+              </a:bodyPr>
+              <a:lstStyle/>
+              <a:p>
+                <a:r>
+                  <a:rPr lang="ja-JP" altLang="en-US" sz="2400" dirty="0" smtClean="0">
+                    <a:ea typeface="Cambria Math" panose="02040503050406030204" pitchFamily="18" charset="0"/>
+                  </a:rPr>
+                  <a:t>が　</a:t>
+                </a:r>
+                <a14:m>
+                  <m:oMath xmlns:m="http://schemas.openxmlformats.org/officeDocument/2006/math">
+                    <m:acc>
+                      <m:accPr>
+                        <m:chr m:val="̂"/>
+                        <m:ctrlPr>
+                          <a:rPr lang="en-US" altLang="ja-JP" sz="2400" i="1">
+                            <a:latin typeface="Cambria Math" panose="02040503050406030204" pitchFamily="18" charset="0"/>
+                            <a:ea typeface="Cambria Math" panose="02040503050406030204" pitchFamily="18" charset="0"/>
+                          </a:rPr>
+                        </m:ctrlPr>
+                      </m:accPr>
+                      <m:e>
+                        <m:r>
+                          <a:rPr lang="en-US" altLang="ja-JP" sz="2400" i="1">
+                            <a:latin typeface="Cambria Math" panose="02040503050406030204" pitchFamily="18" charset="0"/>
+                            <a:ea typeface="Cambria Math" panose="02040503050406030204" pitchFamily="18" charset="0"/>
+                          </a:rPr>
+                          <m:t>𝑥</m:t>
+                        </m:r>
+                      </m:e>
+                    </m:acc>
+                    <m:r>
+                      <a:rPr lang="en-US" altLang="ja-JP" sz="2400" i="1">
+                        <a:latin typeface="Cambria Math" panose="02040503050406030204" pitchFamily="18" charset="0"/>
+                        <a:ea typeface="Cambria Math" panose="02040503050406030204" pitchFamily="18" charset="0"/>
+                      </a:rPr>
+                      <m:t>→</m:t>
+                    </m:r>
+                    <m:r>
+                      <a:rPr lang="en-US" altLang="ja-JP" sz="2400" i="1">
+                        <a:latin typeface="Cambria Math" panose="02040503050406030204" pitchFamily="18" charset="0"/>
+                        <a:ea typeface="Cambria Math" panose="02040503050406030204" pitchFamily="18" charset="0"/>
+                      </a:rPr>
+                      <m:t>𝑥</m:t>
+                    </m:r>
+                    <m:d>
+                      <m:dPr>
+                        <m:ctrlPr>
+                          <a:rPr lang="en-US" altLang="ja-JP" sz="2400" i="1">
+                            <a:latin typeface="Cambria Math" panose="02040503050406030204" pitchFamily="18" charset="0"/>
+                            <a:ea typeface="Cambria Math" panose="02040503050406030204" pitchFamily="18" charset="0"/>
+                          </a:rPr>
+                        </m:ctrlPr>
+                      </m:dPr>
+                      <m:e>
+                        <m:r>
+                          <a:rPr lang="en-US" altLang="ja-JP" sz="2400" i="1">
+                            <a:latin typeface="Cambria Math" panose="02040503050406030204" pitchFamily="18" charset="0"/>
+                            <a:ea typeface="Cambria Math" panose="02040503050406030204" pitchFamily="18" charset="0"/>
+                          </a:rPr>
+                          <m:t>𝑡</m:t>
+                        </m:r>
+                        <m:r>
+                          <a:rPr lang="en-US" altLang="ja-JP" sz="2400" i="1">
+                            <a:latin typeface="Cambria Math" panose="02040503050406030204" pitchFamily="18" charset="0"/>
+                            <a:ea typeface="Cambria Math" panose="02040503050406030204" pitchFamily="18" charset="0"/>
+                          </a:rPr>
+                          <m:t>→∞</m:t>
+                        </m:r>
+                      </m:e>
+                    </m:d>
+                  </m:oMath>
+                </a14:m>
+                <a:r>
+                  <a:rPr kumimoji="1" lang="ja-JP" altLang="en-US" sz="2400" dirty="0" smtClean="0"/>
+                  <a:t>　を満たす十分条件</a:t>
+                </a:r>
+                <a:endParaRPr kumimoji="1" lang="en-US" altLang="ja-JP" sz="2400" dirty="0" smtClean="0"/>
+              </a:p>
+            </p:txBody>
+          </p:sp>
+        </mc:Choice>
+        <mc:Fallback xmlns="">
+          <p:sp>
+            <p:nvSpPr>
+              <p:cNvPr id="6" name="テキスト ボックス 5"/>
+              <p:cNvSpPr txBox="1">
+                <a:spLocks noRot="1" noChangeAspect="1" noMove="1" noResize="1" noEditPoints="1" noAdjustHandles="1" noChangeArrowheads="1" noChangeShapeType="1" noTextEdit="1"/>
+              </p:cNvSpPr>
+              <p:nvPr/>
+            </p:nvSpPr>
+            <p:spPr>
+              <a:xfrm>
+                <a:off x="834510" y="3087485"/>
+                <a:ext cx="5959580" cy="461665"/>
               </a:xfrm>
               <a:prstGeom prst="rect">
                 <a:avLst/>
               </a:prstGeom>
               <a:blipFill rotWithShape="0">
+                <a:blip r:embed="rId4"/>
+                <a:stretch>
+                  <a:fillRect l="-1636" t="-14474" b="-25000"/>
+                </a:stretch>
+              </a:blipFill>
+            </p:spPr>
+            <p:txBody>
+              <a:bodyPr/>
+              <a:lstStyle/>
+              <a:p>
+                <a:r>
+                  <a:rPr lang="ja-JP" altLang="en-US">
+                    <a:noFill/>
+                  </a:rPr>
+                  <a:t> </a:t>
+                </a:r>
+              </a:p>
+            </p:txBody>
+          </p:sp>
+        </mc:Fallback>
+      </mc:AlternateContent>
+      <p:grpSp>
+        <p:nvGrpSpPr>
+          <p:cNvPr id="11" name="グループ化 10"/>
+          <p:cNvGrpSpPr/>
+          <p:nvPr/>
+        </p:nvGrpSpPr>
+        <p:grpSpPr>
+          <a:xfrm>
+            <a:off x="1603889" y="4155340"/>
+            <a:ext cx="3028336" cy="1418571"/>
+            <a:chOff x="4065022" y="2911157"/>
+            <a:chExt cx="3028336" cy="1418571"/>
+          </a:xfrm>
+        </p:grpSpPr>
+        <mc:AlternateContent xmlns:mc="http://schemas.openxmlformats.org/markup-compatibility/2006" xmlns:a14="http://schemas.microsoft.com/office/drawing/2010/main">
+          <mc:Choice Requires="a14">
+            <p:sp>
+              <p:nvSpPr>
+                <p:cNvPr id="8" name="テキスト ボックス 7"/>
+                <p:cNvSpPr txBox="1"/>
+                <p:nvPr/>
+              </p:nvSpPr>
+              <p:spPr>
+                <a:xfrm>
+                  <a:off x="4065022" y="2911157"/>
+                  <a:ext cx="3028336" cy="474169"/>
+                </a:xfrm>
+                <a:prstGeom prst="rect">
+                  <a:avLst/>
+                </a:prstGeom>
+                <a:noFill/>
+              </p:spPr>
+              <p:txBody>
+                <a:bodyPr wrap="square" rtlCol="0">
+                  <a:spAutoFit/>
+                </a:bodyPr>
+                <a:lstStyle/>
+                <a:p>
+                  <a:pPr/>
+                  <a14:m>
+                    <m:oMathPara xmlns:m="http://schemas.openxmlformats.org/officeDocument/2006/math">
+                      <m:oMathParaPr>
+                        <m:jc m:val="centerGroup"/>
+                      </m:oMathParaPr>
+                      <m:oMath xmlns:m="http://schemas.openxmlformats.org/officeDocument/2006/math">
+                        <m:r>
+                          <a:rPr lang="en-US" altLang="ja-JP" sz="2400" i="1">
+                            <a:latin typeface="Cambria Math" panose="02040503050406030204" pitchFamily="18" charset="0"/>
+                          </a:rPr>
+                          <m:t>𝑈𝐴</m:t>
+                        </m:r>
+                        <m:r>
+                          <a:rPr lang="en-US" altLang="ja-JP" sz="2400" i="1">
+                            <a:latin typeface="Cambria Math" panose="02040503050406030204" pitchFamily="18" charset="0"/>
+                          </a:rPr>
+                          <m:t>=</m:t>
+                        </m:r>
+                        <m:acc>
+                          <m:accPr>
+                            <m:chr m:val="̂"/>
+                            <m:ctrlPr>
+                              <a:rPr lang="en-US" altLang="ja-JP" sz="2400" i="1">
+                                <a:latin typeface="Cambria Math" panose="02040503050406030204" pitchFamily="18" charset="0"/>
+                              </a:rPr>
+                            </m:ctrlPr>
+                          </m:accPr>
+                          <m:e>
+                            <m:r>
+                              <a:rPr lang="en-US" altLang="ja-JP" sz="2400" i="1">
+                                <a:latin typeface="Cambria Math" panose="02040503050406030204" pitchFamily="18" charset="0"/>
+                              </a:rPr>
+                              <m:t>𝐴</m:t>
+                            </m:r>
+                          </m:e>
+                        </m:acc>
+                        <m:r>
+                          <a:rPr lang="en-US" altLang="ja-JP" sz="2400" i="1" dirty="0">
+                            <a:latin typeface="Cambria Math" panose="02040503050406030204" pitchFamily="18" charset="0"/>
+                          </a:rPr>
+                          <m:t>𝑈</m:t>
+                        </m:r>
+                        <m:r>
+                          <a:rPr lang="en-US" altLang="ja-JP" sz="2400" i="1" dirty="0">
+                            <a:latin typeface="Cambria Math" panose="02040503050406030204" pitchFamily="18" charset="0"/>
+                          </a:rPr>
+                          <m:t>+</m:t>
+                        </m:r>
+                        <m:acc>
+                          <m:accPr>
+                            <m:chr m:val="̂"/>
+                            <m:ctrlPr>
+                              <a:rPr lang="en-US" altLang="ja-JP" sz="2400" i="1" dirty="0">
+                                <a:latin typeface="Cambria Math" panose="02040503050406030204" pitchFamily="18" charset="0"/>
+                              </a:rPr>
+                            </m:ctrlPr>
+                          </m:accPr>
+                          <m:e>
+                            <m:r>
+                              <a:rPr lang="en-US" altLang="ja-JP" sz="2400" i="1" dirty="0">
+                                <a:latin typeface="Cambria Math" panose="02040503050406030204" pitchFamily="18" charset="0"/>
+                              </a:rPr>
+                              <m:t>𝐵</m:t>
+                            </m:r>
+                          </m:e>
+                        </m:acc>
+                        <m:r>
+                          <a:rPr lang="en-US" altLang="ja-JP" sz="2400" i="1" dirty="0">
+                            <a:latin typeface="Cambria Math" panose="02040503050406030204" pitchFamily="18" charset="0"/>
+                          </a:rPr>
+                          <m:t>𝐶</m:t>
+                        </m:r>
+                      </m:oMath>
+                    </m:oMathPara>
+                  </a14:m>
+                  <a:endParaRPr lang="en-US" altLang="ja-JP" dirty="0"/>
+                </a:p>
+              </p:txBody>
+            </p:sp>
+          </mc:Choice>
+          <mc:Fallback xmlns="">
+            <p:sp>
+              <p:nvSpPr>
+                <p:cNvPr id="8" name="テキスト ボックス 7"/>
+                <p:cNvSpPr txBox="1">
+                  <a:spLocks noRot="1" noChangeAspect="1" noMove="1" noResize="1" noEditPoints="1" noAdjustHandles="1" noChangeArrowheads="1" noChangeShapeType="1" noTextEdit="1"/>
+                </p:cNvSpPr>
+                <p:nvPr/>
+              </p:nvSpPr>
+              <p:spPr>
+                <a:xfrm>
+                  <a:off x="4065022" y="2911157"/>
+                  <a:ext cx="3028336" cy="474169"/>
+                </a:xfrm>
+                <a:prstGeom prst="rect">
+                  <a:avLst/>
+                </a:prstGeom>
+                <a:blipFill rotWithShape="0">
+                  <a:blip r:embed="rId5"/>
+                  <a:stretch>
+                    <a:fillRect/>
+                  </a:stretch>
+                </a:blipFill>
+              </p:spPr>
+              <p:txBody>
+                <a:bodyPr/>
+                <a:lstStyle/>
+                <a:p>
+                  <a:r>
+                    <a:rPr lang="ja-JP" altLang="en-US">
+                      <a:noFill/>
+                    </a:rPr>
+                    <a:t> </a:t>
+                  </a:r>
+                </a:p>
+              </p:txBody>
+            </p:sp>
+          </mc:Fallback>
+        </mc:AlternateContent>
+        <mc:AlternateContent xmlns:mc="http://schemas.openxmlformats.org/markup-compatibility/2006" xmlns:a14="http://schemas.microsoft.com/office/drawing/2010/main">
+          <mc:Choice Requires="a14">
+            <p:sp>
+              <p:nvSpPr>
+                <p:cNvPr id="9" name="テキスト ボックス 8"/>
+                <p:cNvSpPr txBox="1"/>
+                <p:nvPr/>
+              </p:nvSpPr>
+              <p:spPr>
+                <a:xfrm>
+                  <a:off x="4409150" y="3385326"/>
+                  <a:ext cx="1268362" cy="471732"/>
+                </a:xfrm>
+                <a:prstGeom prst="rect">
+                  <a:avLst/>
+                </a:prstGeom>
+                <a:noFill/>
+              </p:spPr>
+              <p:txBody>
+                <a:bodyPr wrap="square" rtlCol="0">
+                  <a:spAutoFit/>
+                </a:bodyPr>
+                <a:lstStyle/>
+                <a:p>
+                  <a:pPr/>
+                  <a14:m>
+                    <m:oMathPara xmlns:m="http://schemas.openxmlformats.org/officeDocument/2006/math">
+                      <m:oMathParaPr>
+                        <m:jc m:val="centerGroup"/>
+                      </m:oMathParaPr>
+                      <m:oMath xmlns:m="http://schemas.openxmlformats.org/officeDocument/2006/math">
+                        <m:r>
+                          <a:rPr lang="en-US" altLang="ja-JP" sz="2400" i="1">
+                            <a:latin typeface="Cambria Math" panose="02040503050406030204" pitchFamily="18" charset="0"/>
+                          </a:rPr>
+                          <m:t>𝑈𝐵</m:t>
+                        </m:r>
+                        <m:r>
+                          <a:rPr lang="en-US" altLang="ja-JP" sz="2400" i="1">
+                            <a:latin typeface="Cambria Math" panose="02040503050406030204" pitchFamily="18" charset="0"/>
+                          </a:rPr>
+                          <m:t>=</m:t>
+                        </m:r>
+                        <m:acc>
+                          <m:accPr>
+                            <m:chr m:val="̂"/>
+                            <m:ctrlPr>
+                              <a:rPr lang="en-US" altLang="ja-JP" sz="2400" i="1">
+                                <a:latin typeface="Cambria Math" panose="02040503050406030204" pitchFamily="18" charset="0"/>
+                              </a:rPr>
+                            </m:ctrlPr>
+                          </m:accPr>
+                          <m:e>
+                            <m:r>
+                              <a:rPr lang="en-US" altLang="ja-JP" sz="2400" i="1">
+                                <a:latin typeface="Cambria Math" panose="02040503050406030204" pitchFamily="18" charset="0"/>
+                              </a:rPr>
+                              <m:t>𝐽</m:t>
+                            </m:r>
+                          </m:e>
+                        </m:acc>
+                      </m:oMath>
+                    </m:oMathPara>
+                  </a14:m>
+                  <a:endParaRPr kumimoji="1" lang="ja-JP" altLang="en-US" dirty="0"/>
+                </a:p>
+              </p:txBody>
+            </p:sp>
+          </mc:Choice>
+          <mc:Fallback xmlns="">
+            <p:sp>
+              <p:nvSpPr>
+                <p:cNvPr id="9" name="テキスト ボックス 8"/>
+                <p:cNvSpPr txBox="1">
+                  <a:spLocks noRot="1" noChangeAspect="1" noMove="1" noResize="1" noEditPoints="1" noAdjustHandles="1" noChangeArrowheads="1" noChangeShapeType="1" noTextEdit="1"/>
+                </p:cNvSpPr>
+                <p:nvPr/>
+              </p:nvSpPr>
+              <p:spPr>
+                <a:xfrm>
+                  <a:off x="4409150" y="3385326"/>
+                  <a:ext cx="1268362" cy="471732"/>
+                </a:xfrm>
+                <a:prstGeom prst="rect">
+                  <a:avLst/>
+                </a:prstGeom>
+                <a:blipFill rotWithShape="0">
+                  <a:blip r:embed="rId6"/>
+                  <a:stretch>
+                    <a:fillRect/>
+                  </a:stretch>
+                </a:blipFill>
+              </p:spPr>
+              <p:txBody>
+                <a:bodyPr/>
+                <a:lstStyle/>
+                <a:p>
+                  <a:r>
+                    <a:rPr lang="ja-JP" altLang="en-US">
+                      <a:noFill/>
+                    </a:rPr>
+                    <a:t> </a:t>
+                  </a:r>
+                </a:p>
+              </p:txBody>
+            </p:sp>
+          </mc:Fallback>
+        </mc:AlternateContent>
+        <mc:AlternateContent xmlns:mc="http://schemas.openxmlformats.org/markup-compatibility/2006" xmlns:a14="http://schemas.microsoft.com/office/drawing/2010/main">
+          <mc:Choice Requires="a14">
+            <p:sp>
+              <p:nvSpPr>
+                <p:cNvPr id="10" name="テキスト ボックス 9"/>
+                <p:cNvSpPr txBox="1"/>
+                <p:nvPr/>
+              </p:nvSpPr>
+              <p:spPr>
+                <a:xfrm>
+                  <a:off x="4336643" y="3855559"/>
+                  <a:ext cx="2192284" cy="474169"/>
+                </a:xfrm>
+                <a:prstGeom prst="rect">
+                  <a:avLst/>
+                </a:prstGeom>
+                <a:noFill/>
+              </p:spPr>
+              <p:txBody>
+                <a:bodyPr wrap="square" rtlCol="0">
+                  <a:spAutoFit/>
+                </a:bodyPr>
+                <a:lstStyle/>
+                <a:p>
+                  <a:pPr/>
+                  <a14:m>
+                    <m:oMathPara xmlns:m="http://schemas.openxmlformats.org/officeDocument/2006/math">
+                      <m:oMathParaPr>
+                        <m:jc m:val="centerGroup"/>
+                      </m:oMathParaPr>
+                      <m:oMath xmlns:m="http://schemas.openxmlformats.org/officeDocument/2006/math">
+                        <m:r>
+                          <a:rPr lang="en-US" altLang="ja-JP" sz="2400" i="1">
+                            <a:latin typeface="Cambria Math" panose="02040503050406030204" pitchFamily="18" charset="0"/>
+                          </a:rPr>
+                          <m:t>𝐼</m:t>
+                        </m:r>
+                        <m:r>
+                          <a:rPr lang="en-US" altLang="ja-JP" sz="2400" i="1">
+                            <a:latin typeface="Cambria Math" panose="02040503050406030204" pitchFamily="18" charset="0"/>
+                          </a:rPr>
+                          <m:t>=</m:t>
+                        </m:r>
+                        <m:acc>
+                          <m:accPr>
+                            <m:chr m:val="̂"/>
+                            <m:ctrlPr>
+                              <a:rPr lang="en-US" altLang="ja-JP" sz="2400" i="1">
+                                <a:latin typeface="Cambria Math" panose="02040503050406030204" pitchFamily="18" charset="0"/>
+                              </a:rPr>
+                            </m:ctrlPr>
+                          </m:accPr>
+                          <m:e>
+                            <m:r>
+                              <a:rPr lang="en-US" altLang="ja-JP" sz="2400" i="1">
+                                <a:latin typeface="Cambria Math" panose="02040503050406030204" pitchFamily="18" charset="0"/>
+                              </a:rPr>
+                              <m:t>𝐶</m:t>
+                            </m:r>
+                          </m:e>
+                        </m:acc>
+                        <m:r>
+                          <a:rPr lang="en-US" altLang="ja-JP" sz="2400" i="1" dirty="0">
+                            <a:latin typeface="Cambria Math" panose="02040503050406030204" pitchFamily="18" charset="0"/>
+                          </a:rPr>
+                          <m:t>𝑈</m:t>
+                        </m:r>
+                        <m:r>
+                          <a:rPr lang="en-US" altLang="ja-JP" sz="2400" i="1" dirty="0">
+                            <a:latin typeface="Cambria Math" panose="02040503050406030204" pitchFamily="18" charset="0"/>
+                          </a:rPr>
+                          <m:t>+</m:t>
+                        </m:r>
+                        <m:acc>
+                          <m:accPr>
+                            <m:chr m:val="̂"/>
+                            <m:ctrlPr>
+                              <a:rPr lang="en-US" altLang="ja-JP" sz="2400" i="1" dirty="0">
+                                <a:latin typeface="Cambria Math" panose="02040503050406030204" pitchFamily="18" charset="0"/>
+                              </a:rPr>
+                            </m:ctrlPr>
+                          </m:accPr>
+                          <m:e>
+                            <m:r>
+                              <a:rPr lang="en-US" altLang="ja-JP" sz="2400" i="1" dirty="0">
+                                <a:latin typeface="Cambria Math" panose="02040503050406030204" pitchFamily="18" charset="0"/>
+                              </a:rPr>
+                              <m:t>𝐷</m:t>
+                            </m:r>
+                          </m:e>
+                        </m:acc>
+                        <m:r>
+                          <a:rPr lang="en-US" altLang="ja-JP" sz="2400" i="1" dirty="0">
+                            <a:latin typeface="Cambria Math" panose="02040503050406030204" pitchFamily="18" charset="0"/>
+                          </a:rPr>
+                          <m:t>𝐶</m:t>
+                        </m:r>
+                      </m:oMath>
+                    </m:oMathPara>
+                  </a14:m>
+                  <a:endParaRPr lang="en-US" altLang="ja-JP" dirty="0"/>
+                </a:p>
+              </p:txBody>
+            </p:sp>
+          </mc:Choice>
+          <mc:Fallback xmlns="">
+            <p:sp>
+              <p:nvSpPr>
+                <p:cNvPr id="10" name="テキスト ボックス 9"/>
+                <p:cNvSpPr txBox="1">
+                  <a:spLocks noRot="1" noChangeAspect="1" noMove="1" noResize="1" noEditPoints="1" noAdjustHandles="1" noChangeArrowheads="1" noChangeShapeType="1" noTextEdit="1"/>
+                </p:cNvSpPr>
+                <p:nvPr/>
+              </p:nvSpPr>
+              <p:spPr>
+                <a:xfrm>
+                  <a:off x="4336643" y="3855559"/>
+                  <a:ext cx="2192284" cy="474169"/>
+                </a:xfrm>
+                <a:prstGeom prst="rect">
+                  <a:avLst/>
+                </a:prstGeom>
+                <a:blipFill rotWithShape="0">
+                  <a:blip r:embed="rId7"/>
+                  <a:stretch>
+                    <a:fillRect/>
+                  </a:stretch>
+                </a:blipFill>
+              </p:spPr>
+              <p:txBody>
+                <a:bodyPr/>
+                <a:lstStyle/>
+                <a:p>
+                  <a:r>
+                    <a:rPr lang="ja-JP" altLang="en-US">
+                      <a:noFill/>
+                    </a:rPr>
+                    <a:t> </a:t>
+                  </a:r>
+                </a:p>
+              </p:txBody>
+            </p:sp>
+          </mc:Fallback>
+        </mc:AlternateContent>
+      </p:grpSp>
+      <p:sp>
+        <p:nvSpPr>
+          <p:cNvPr id="12" name="下矢印 11"/>
+          <p:cNvSpPr/>
+          <p:nvPr/>
+        </p:nvSpPr>
+        <p:spPr>
+          <a:xfrm>
+            <a:off x="2169245" y="3675797"/>
+            <a:ext cx="1897625" cy="459006"/>
+          </a:xfrm>
+          <a:prstGeom prst="downArrow">
+            <a:avLst/>
+          </a:prstGeom>
+        </p:spPr>
+        <p:style>
+          <a:lnRef idx="2">
+            <a:schemeClr val="accent1">
+              <a:shade val="50000"/>
+            </a:schemeClr>
+          </a:lnRef>
+          <a:fillRef idx="1">
+            <a:schemeClr val="accent1"/>
+          </a:fillRef>
+          <a:effectRef idx="0">
+            <a:schemeClr val="accent1"/>
+          </a:effectRef>
+          <a:fontRef idx="minor">
+            <a:schemeClr val="lt1"/>
+          </a:fontRef>
+        </p:style>
+        <p:txBody>
+          <a:bodyPr rtlCol="0" anchor="ctr"/>
+          <a:lstStyle/>
+          <a:p>
+            <a:pPr algn="ctr"/>
+            <a:endParaRPr kumimoji="1" lang="ja-JP" altLang="en-US"/>
+          </a:p>
+        </p:txBody>
+      </p:sp>
+      <mc:AlternateContent xmlns:mc="http://schemas.openxmlformats.org/markup-compatibility/2006">
+        <mc:Choice xmlns:a14="http://schemas.microsoft.com/office/drawing/2010/main" Requires="a14">
+          <p:sp>
+            <p:nvSpPr>
+              <p:cNvPr id="14" name="テキスト ボックス 13"/>
+              <p:cNvSpPr txBox="1"/>
+              <p:nvPr/>
+            </p:nvSpPr>
+            <p:spPr>
+              <a:xfrm>
+                <a:off x="2016842" y="5530647"/>
+                <a:ext cx="3818350" cy="843501"/>
+              </a:xfrm>
+              <a:prstGeom prst="rect">
+                <a:avLst/>
+              </a:prstGeom>
+              <a:noFill/>
+            </p:spPr>
+            <p:txBody>
+              <a:bodyPr wrap="square" rtlCol="0">
+                <a:spAutoFit/>
+              </a:bodyPr>
+              <a:lstStyle/>
+              <a:p>
+                <a:r>
+                  <a:rPr lang="ja-JP" altLang="en-US" sz="2400" dirty="0" smtClean="0"/>
+                  <a:t>かつ</a:t>
+                </a:r>
+                <a:endParaRPr lang="en-US" altLang="ja-JP" sz="2400" dirty="0" smtClean="0"/>
+              </a:p>
+              <a:p>
+                <a14:m>
+                  <m:oMath xmlns:m="http://schemas.openxmlformats.org/officeDocument/2006/math">
+                    <m:acc>
+                      <m:accPr>
+                        <m:chr m:val="̂"/>
+                        <m:ctrlPr>
+                          <a:rPr lang="en-US" altLang="ja-JP" sz="2400" i="1">
+                            <a:latin typeface="Cambria Math" panose="02040503050406030204" pitchFamily="18" charset="0"/>
+                          </a:rPr>
+                        </m:ctrlPr>
+                      </m:accPr>
+                      <m:e>
+                        <m:r>
+                          <a:rPr lang="en-US" altLang="ja-JP" sz="2400" i="1">
+                            <a:latin typeface="Cambria Math" panose="02040503050406030204" pitchFamily="18" charset="0"/>
+                          </a:rPr>
+                          <m:t>𝐴</m:t>
+                        </m:r>
+                      </m:e>
+                    </m:acc>
+                  </m:oMath>
+                </a14:m>
+                <a:r>
+                  <a:rPr kumimoji="1" lang="ja-JP" altLang="en-US" sz="2400" dirty="0" smtClean="0"/>
+                  <a:t>が安定行列であること</a:t>
+                </a:r>
+                <a:endParaRPr kumimoji="1" lang="ja-JP" altLang="en-US" sz="2400" dirty="0"/>
+              </a:p>
+            </p:txBody>
+          </p:sp>
+        </mc:Choice>
+        <mc:Fallback>
+          <p:sp>
+            <p:nvSpPr>
+              <p:cNvPr id="14" name="テキスト ボックス 13"/>
+              <p:cNvSpPr txBox="1">
+                <a:spLocks noRot="1" noChangeAspect="1" noMove="1" noResize="1" noEditPoints="1" noAdjustHandles="1" noChangeArrowheads="1" noChangeShapeType="1" noTextEdit="1"/>
+              </p:cNvSpPr>
+              <p:nvPr/>
+            </p:nvSpPr>
+            <p:spPr>
+              <a:xfrm>
+                <a:off x="2016842" y="5530647"/>
+                <a:ext cx="3818350" cy="843501"/>
+              </a:xfrm>
+              <a:prstGeom prst="rect">
+                <a:avLst/>
+              </a:prstGeom>
+              <a:blipFill>
                 <a:blip r:embed="rId8"/>
                 <a:stretch>
-                  <a:fillRect l="-2957" t="-7194" b="-12950"/>
+                  <a:fillRect l="-2556" t="-5755" b="-15827"/>
                 </a:stretch>
               </a:blipFill>
             </p:spPr>
@@ -17147,10 +18588,34 @@
           </a:p>
         </p:txBody>
       </p:sp>
+      <p:sp>
+        <p:nvSpPr>
+          <p:cNvPr id="7" name="スライド番号プレースホルダー 6"/>
+          <p:cNvSpPr>
+            <a:spLocks noGrp="1"/>
+          </p:cNvSpPr>
+          <p:nvPr>
+            <p:ph type="sldNum" sz="quarter" idx="12"/>
+          </p:nvPr>
+        </p:nvSpPr>
+        <p:spPr/>
+        <p:txBody>
+          <a:bodyPr/>
+          <a:lstStyle/>
+          <a:p>
+            <a:fld id="{879872E2-8930-43A6-82EA-52DD58EFA9F7}" type="slidenum">
+              <a:rPr lang="ja-JP" altLang="en-US" smtClean="0"/>
+              <a:pPr/>
+              <a:t>43</a:t>
+            </a:fld>
+            <a:endParaRPr lang="ja-JP" altLang="en-US" dirty="0"/>
+          </a:p>
+        </p:txBody>
+      </p:sp>
     </p:spTree>
     <p:extLst>
       <p:ext uri="{BB962C8B-B14F-4D97-AF65-F5344CB8AC3E}">
-        <p14:creationId xmlns:p14="http://schemas.microsoft.com/office/powerpoint/2010/main" val="863932517"/>
+        <p14:creationId xmlns:p14="http://schemas.microsoft.com/office/powerpoint/2010/main" val="688085100"/>
       </p:ext>
     </p:extLst>
   </p:cSld>
@@ -17169,6 +18634,9 @@
                     <p:cTn id="3" fill="hold">
                       <p:stCondLst>
                         <p:cond delay="indefinite"/>
+                        <p:cond evt="onBegin" delay="0">
+                          <p:tn val="2"/>
+                        </p:cond>
                       </p:stCondLst>
                       <p:childTnLst>
                         <p:par>
@@ -17178,7 +18646,7 @@
                             </p:stCondLst>
                             <p:childTnLst>
                               <p:par>
-                                <p:cTn id="5" presetID="10" presetClass="entr" presetSubtype="0" fill="hold" grpId="0" nodeType="clickEffect">
+                                <p:cTn id="5" presetID="10" presetClass="entr" presetSubtype="0" fill="hold" grpId="0" nodeType="withEffect">
                                   <p:stCondLst>
                                     <p:cond delay="0"/>
                                   </p:stCondLst>
@@ -17246,7 +18714,7 @@
 </p:sld>
 </file>
 
-<file path=ppt/slides/slide43.xml><?xml version="1.0" encoding="utf-8"?>
+<file path=ppt/slides/slide44.xml><?xml version="1.0" encoding="utf-8"?>
 <p:sld xmlns:a="http://schemas.openxmlformats.org/drawingml/2006/main" xmlns:r="http://schemas.openxmlformats.org/officeDocument/2006/relationships" xmlns:p="http://schemas.openxmlformats.org/presentationml/2006/main">
   <p:cSld>
     <p:spTree>
@@ -17737,6 +19205,30 @@
           </a:prstGeom>
         </p:spPr>
       </p:pic>
+      <p:sp>
+        <p:nvSpPr>
+          <p:cNvPr id="6" name="スライド番号プレースホルダー 5"/>
+          <p:cNvSpPr>
+            <a:spLocks noGrp="1"/>
+          </p:cNvSpPr>
+          <p:nvPr>
+            <p:ph type="sldNum" sz="quarter" idx="12"/>
+          </p:nvPr>
+        </p:nvSpPr>
+        <p:spPr/>
+        <p:txBody>
+          <a:bodyPr/>
+          <a:lstStyle/>
+          <a:p>
+            <a:fld id="{879872E2-8930-43A6-82EA-52DD58EFA9F7}" type="slidenum">
+              <a:rPr lang="ja-JP" altLang="en-US" smtClean="0"/>
+              <a:pPr/>
+              <a:t>44</a:t>
+            </a:fld>
+            <a:endParaRPr lang="ja-JP" altLang="en-US" dirty="0"/>
+          </a:p>
+        </p:txBody>
+      </p:sp>
     </p:spTree>
     <p:extLst>
       <p:ext uri="{BB962C8B-B14F-4D97-AF65-F5344CB8AC3E}">
@@ -17757,7 +19249,7 @@
 </p:sld>
 </file>
 
-<file path=ppt/slides/slide44.xml><?xml version="1.0" encoding="utf-8"?>
+<file path=ppt/slides/slide45.xml><?xml version="1.0" encoding="utf-8"?>
 <p:sld xmlns:a="http://schemas.openxmlformats.org/drawingml/2006/main" xmlns:r="http://schemas.openxmlformats.org/officeDocument/2006/relationships" xmlns:p="http://schemas.openxmlformats.org/presentationml/2006/main">
   <p:cSld>
     <p:spTree>
@@ -17937,7 +19429,7 @@
         </p:blipFill>
         <p:spPr>
           <a:xfrm>
-            <a:off x="1406394" y="2247615"/>
+            <a:off x="1406394" y="1695004"/>
             <a:ext cx="3804704" cy="505312"/>
           </a:xfrm>
           <a:prstGeom prst="rect">
@@ -17967,7 +19459,7 @@
         </p:blipFill>
         <p:spPr>
           <a:xfrm>
-            <a:off x="1406394" y="3174917"/>
+            <a:off x="1406394" y="2701079"/>
             <a:ext cx="4277037" cy="497734"/>
           </a:xfrm>
           <a:prstGeom prst="rect">
@@ -17997,7 +19489,7 @@
         </p:blipFill>
         <p:spPr>
           <a:xfrm>
-            <a:off x="1406394" y="4094641"/>
+            <a:off x="1407418" y="3561552"/>
             <a:ext cx="2034638" cy="520089"/>
           </a:xfrm>
           <a:prstGeom prst="rect">
@@ -18027,7 +19519,7 @@
         </p:blipFill>
         <p:spPr>
           <a:xfrm>
-            <a:off x="1406395" y="5021943"/>
+            <a:off x="1406394" y="4609248"/>
             <a:ext cx="6137406" cy="1102701"/>
           </a:xfrm>
           <a:prstGeom prst="rect">
@@ -18035,8 +19527,8 @@
           </a:prstGeom>
         </p:spPr>
       </p:pic>
-      <mc:AlternateContent xmlns:mc="http://schemas.openxmlformats.org/markup-compatibility/2006" xmlns:a14="http://schemas.microsoft.com/office/drawing/2010/main">
-        <mc:Choice Requires="a14">
+      <mc:AlternateContent xmlns:mc="http://schemas.openxmlformats.org/markup-compatibility/2006">
+        <mc:Choice xmlns:a14="http://schemas.microsoft.com/office/drawing/2010/main" Requires="a14">
           <p:sp>
             <p:nvSpPr>
               <p:cNvPr id="10" name="テキスト ボックス 9"/>
@@ -18045,7 +19537,7 @@
             </p:nvSpPr>
             <p:spPr>
               <a:xfrm>
-                <a:off x="416701" y="6120168"/>
+                <a:off x="416701" y="6000163"/>
                 <a:ext cx="6256421" cy="478785"/>
               </a:xfrm>
               <a:prstGeom prst="rect">
@@ -18194,7 +19686,7 @@
             </p:txBody>
           </p:sp>
         </mc:Choice>
-        <mc:Fallback xmlns="">
+        <mc:Fallback>
           <p:sp>
             <p:nvSpPr>
               <p:cNvPr id="10" name="テキスト ボックス 9"/>
@@ -18205,16 +19697,16 @@
             </p:nvSpPr>
             <p:spPr>
               <a:xfrm>
-                <a:off x="416701" y="6120168"/>
+                <a:off x="416701" y="6000163"/>
                 <a:ext cx="6256421" cy="478785"/>
               </a:xfrm>
               <a:prstGeom prst="rect">
                 <a:avLst/>
               </a:prstGeom>
-              <a:blipFill rotWithShape="0">
+              <a:blipFill>
                 <a:blip r:embed="rId7"/>
                 <a:stretch>
-                  <a:fillRect t="-10127" b="-27848"/>
+                  <a:fillRect t="-7595" b="-27848"/>
                 </a:stretch>
               </a:blipFill>
             </p:spPr>
@@ -18233,6 +19725,30 @@
           </p:sp>
         </mc:Fallback>
       </mc:AlternateContent>
+      <p:sp>
+        <p:nvSpPr>
+          <p:cNvPr id="4" name="スライド番号プレースホルダー 3"/>
+          <p:cNvSpPr>
+            <a:spLocks noGrp="1"/>
+          </p:cNvSpPr>
+          <p:nvPr>
+            <p:ph type="sldNum" sz="quarter" idx="12"/>
+          </p:nvPr>
+        </p:nvSpPr>
+        <p:spPr/>
+        <p:txBody>
+          <a:bodyPr/>
+          <a:lstStyle/>
+          <a:p>
+            <a:fld id="{879872E2-8930-43A6-82EA-52DD58EFA9F7}" type="slidenum">
+              <a:rPr lang="ja-JP" altLang="en-US" smtClean="0"/>
+              <a:pPr/>
+              <a:t>45</a:t>
+            </a:fld>
+            <a:endParaRPr lang="ja-JP" altLang="en-US" dirty="0"/>
+          </a:p>
+        </p:txBody>
+      </p:sp>
     </p:spTree>
     <p:extLst>
       <p:ext uri="{BB962C8B-B14F-4D97-AF65-F5344CB8AC3E}">
@@ -18253,7 +19769,7 @@
 </p:sld>
 </file>
 
-<file path=ppt/slides/slide45.xml><?xml version="1.0" encoding="utf-8"?>
+<file path=ppt/slides/slide46.xml><?xml version="1.0" encoding="utf-8"?>
 <p:sld xmlns:a="http://schemas.openxmlformats.org/drawingml/2006/main" xmlns:r="http://schemas.openxmlformats.org/officeDocument/2006/relationships" xmlns:p="http://schemas.openxmlformats.org/presentationml/2006/main">
   <p:cSld>
     <p:spTree>
@@ -18499,6 +20015,30 @@
           </a:extLst>
         </p:spPr>
       </p:pic>
+      <p:sp>
+        <p:nvSpPr>
+          <p:cNvPr id="5" name="スライド番号プレースホルダー 4"/>
+          <p:cNvSpPr>
+            <a:spLocks noGrp="1"/>
+          </p:cNvSpPr>
+          <p:nvPr>
+            <p:ph type="sldNum" sz="quarter" idx="12"/>
+          </p:nvPr>
+        </p:nvSpPr>
+        <p:spPr/>
+        <p:txBody>
+          <a:bodyPr/>
+          <a:lstStyle/>
+          <a:p>
+            <a:fld id="{879872E2-8930-43A6-82EA-52DD58EFA9F7}" type="slidenum">
+              <a:rPr lang="ja-JP" altLang="en-US" smtClean="0"/>
+              <a:pPr/>
+              <a:t>46</a:t>
+            </a:fld>
+            <a:endParaRPr lang="ja-JP" altLang="en-US" dirty="0"/>
+          </a:p>
+        </p:txBody>
+      </p:sp>
     </p:spTree>
     <p:extLst>
       <p:ext uri="{BB962C8B-B14F-4D97-AF65-F5344CB8AC3E}">

--- a/presentation/pendulum_theory.pptx
+++ b/presentation/pendulum_theory.pptx
@@ -268,7 +268,7 @@
           <a:p>
             <a:fld id="{553C94D9-FB5F-4813-990E-9CF18D2E540A}" type="datetimeFigureOut">
               <a:rPr kumimoji="1" lang="ja-JP" altLang="en-US" smtClean="0"/>
-              <a:t>2017/7/26</a:t>
+              <a:t>2017/7/27</a:t>
             </a:fld>
             <a:endParaRPr kumimoji="1" lang="ja-JP" altLang="en-US"/>
           </a:p>
@@ -699,7 +699,7 @@
           <a:p>
             <a:fld id="{BC7C53CE-6935-4080-A9E5-12D43E00DFE1}" type="datetime1">
               <a:rPr kumimoji="1" lang="ja-JP" altLang="en-US" smtClean="0"/>
-              <a:t>2017/7/26</a:t>
+              <a:t>2017/7/27</a:t>
             </a:fld>
             <a:endParaRPr kumimoji="1" lang="ja-JP" altLang="en-US"/>
           </a:p>
@@ -908,7 +908,7 @@
           <a:p>
             <a:fld id="{593ED53D-8FED-423E-8E1B-300A71930808}" type="datetime1">
               <a:rPr kumimoji="1" lang="ja-JP" altLang="en-US" smtClean="0"/>
-              <a:t>2017/7/26</a:t>
+              <a:t>2017/7/27</a:t>
             </a:fld>
             <a:endParaRPr kumimoji="1" lang="ja-JP" altLang="en-US"/>
           </a:p>
@@ -1127,7 +1127,7 @@
           <a:p>
             <a:fld id="{9290A6AE-E466-466A-8BB3-10918A2A3C7C}" type="datetime1">
               <a:rPr kumimoji="1" lang="ja-JP" altLang="en-US" smtClean="0"/>
-              <a:t>2017/7/26</a:t>
+              <a:t>2017/7/27</a:t>
             </a:fld>
             <a:endParaRPr kumimoji="1" lang="ja-JP" altLang="en-US"/>
           </a:p>
@@ -1352,7 +1352,7 @@
           <a:p>
             <a:fld id="{5DD4F5BD-5C63-4127-8B0A-4EB09877BB89}" type="datetime1">
               <a:rPr kumimoji="1" lang="ja-JP" altLang="en-US" smtClean="0"/>
-              <a:t>2017/7/26</a:t>
+              <a:t>2017/7/27</a:t>
             </a:fld>
             <a:endParaRPr kumimoji="1" lang="ja-JP" altLang="en-US"/>
           </a:p>
@@ -1708,7 +1708,7 @@
           <a:p>
             <a:fld id="{91695C74-405A-45B5-A939-58AC3C74FA2A}" type="datetime1">
               <a:rPr kumimoji="1" lang="ja-JP" altLang="en-US" smtClean="0"/>
-              <a:t>2017/7/26</a:t>
+              <a:t>2017/7/27</a:t>
             </a:fld>
             <a:endParaRPr kumimoji="1" lang="ja-JP" altLang="en-US"/>
           </a:p>
@@ -2011,7 +2011,7 @@
           <a:p>
             <a:fld id="{A47117C5-6D6A-4D2F-BF4C-886AF4195025}" type="datetime1">
               <a:rPr kumimoji="1" lang="ja-JP" altLang="en-US" smtClean="0"/>
-              <a:t>2017/7/26</a:t>
+              <a:t>2017/7/27</a:t>
             </a:fld>
             <a:endParaRPr kumimoji="1" lang="ja-JP" altLang="en-US"/>
           </a:p>
@@ -2449,7 +2449,7 @@
           <a:p>
             <a:fld id="{86C40BF7-4ED0-429A-BC3B-CF4E6BDFEBE2}" type="datetime1">
               <a:rPr kumimoji="1" lang="ja-JP" altLang="en-US" smtClean="0"/>
-              <a:t>2017/7/26</a:t>
+              <a:t>2017/7/27</a:t>
             </a:fld>
             <a:endParaRPr kumimoji="1" lang="ja-JP" altLang="en-US"/>
           </a:p>
@@ -2574,7 +2574,7 @@
           <a:p>
             <a:fld id="{A60E353F-B205-4457-BB93-087B7C3EBB30}" type="datetime1">
               <a:rPr kumimoji="1" lang="ja-JP" altLang="en-US" smtClean="0"/>
-              <a:t>2017/7/26</a:t>
+              <a:t>2017/7/27</a:t>
             </a:fld>
             <a:endParaRPr kumimoji="1" lang="ja-JP" altLang="en-US"/>
           </a:p>
@@ -2676,7 +2676,7 @@
           <a:p>
             <a:fld id="{256AEED3-120C-40A9-8C92-D5CFE7DEC45F}" type="datetime1">
               <a:rPr kumimoji="1" lang="ja-JP" altLang="en-US" smtClean="0"/>
-              <a:t>2017/7/26</a:t>
+              <a:t>2017/7/27</a:t>
             </a:fld>
             <a:endParaRPr kumimoji="1" lang="ja-JP" altLang="en-US"/>
           </a:p>
@@ -2992,7 +2992,7 @@
           <a:p>
             <a:fld id="{D702AC3B-4B0B-4ED5-9E56-5CF6E8AF77B2}" type="datetime1">
               <a:rPr kumimoji="1" lang="ja-JP" altLang="en-US" smtClean="0"/>
-              <a:t>2017/7/26</a:t>
+              <a:t>2017/7/27</a:t>
             </a:fld>
             <a:endParaRPr kumimoji="1" lang="ja-JP" altLang="en-US"/>
           </a:p>
@@ -3256,7 +3256,7 @@
           <a:p>
             <a:fld id="{4593AA8D-D271-4148-A3F5-10D2116D3403}" type="datetime1">
               <a:rPr kumimoji="1" lang="ja-JP" altLang="en-US" smtClean="0"/>
-              <a:t>2017/7/26</a:t>
+              <a:t>2017/7/27</a:t>
             </a:fld>
             <a:endParaRPr kumimoji="1" lang="ja-JP" altLang="en-US"/>
           </a:p>
@@ -3508,7 +3508,7 @@
           <a:p>
             <a:fld id="{317F2C34-9905-4878-B47C-F19011B08158}" type="datetime1">
               <a:rPr kumimoji="1" lang="ja-JP" altLang="en-US" smtClean="0"/>
-              <a:t>2017/7/26</a:t>
+              <a:t>2017/7/27</a:t>
             </a:fld>
             <a:endParaRPr kumimoji="1" lang="ja-JP" altLang="en-US"/>
           </a:p>
@@ -5849,7 +5849,7 @@
         </p:blipFill>
         <p:spPr>
           <a:xfrm>
-            <a:off x="1943877" y="3177008"/>
+            <a:off x="1943877" y="3054528"/>
             <a:ext cx="4933333" cy="3361905"/>
           </a:xfrm>
           <a:prstGeom prst="rect">
@@ -7245,8 +7245,8 @@
           </p:sp>
         </mc:Fallback>
       </mc:AlternateContent>
-      <mc:AlternateContent xmlns:mc="http://schemas.openxmlformats.org/markup-compatibility/2006" xmlns:a14="http://schemas.microsoft.com/office/drawing/2010/main">
-        <mc:Choice Requires="a14">
+      <mc:AlternateContent xmlns:mc="http://schemas.openxmlformats.org/markup-compatibility/2006">
+        <mc:Choice xmlns:a14="http://schemas.microsoft.com/office/drawing/2010/main" Requires="a14">
           <p:sp>
             <p:nvSpPr>
               <p:cNvPr id="3" name="コンテンツ プレースホルダー 2"/>
@@ -7270,7 +7270,7 @@
                 <a14:m>
                   <m:oMath xmlns:m="http://schemas.openxmlformats.org/officeDocument/2006/math">
                     <m:r>
-                      <a:rPr kumimoji="1" lang="en-US" altLang="ja-JP" b="0" i="1" smtClean="0">
+                      <a:rPr kumimoji="1" lang="en-US" altLang="ja-JP" sz="3200" b="0" i="1" smtClean="0">
                         <a:latin typeface="Cambria Math" panose="02040503050406030204" pitchFamily="18" charset="0"/>
                       </a:rPr>
                       <m:t>𝑚</m:t>
@@ -7278,15 +7278,15 @@
                   </m:oMath>
                 </a14:m>
                 <a:r>
-                  <a:rPr kumimoji="1" lang="en-US" altLang="ja-JP" dirty="0" smtClean="0"/>
+                  <a:rPr kumimoji="1" lang="en-US" altLang="ja-JP" sz="3200" dirty="0" smtClean="0"/>
                   <a:t>(</a:t>
                 </a:r>
                 <a:r>
-                  <a:rPr kumimoji="1" lang="en-US" altLang="ja-JP" dirty="0" err="1" smtClean="0"/>
+                  <a:rPr kumimoji="1" lang="en-US" altLang="ja-JP" sz="3200" dirty="0" err="1" smtClean="0"/>
                   <a:t>振子の質量</a:t>
                 </a:r>
                 <a:r>
-                  <a:rPr kumimoji="1" lang="en-US" altLang="ja-JP" dirty="0" smtClean="0"/>
+                  <a:rPr kumimoji="1" lang="en-US" altLang="ja-JP" sz="3200" dirty="0" smtClean="0"/>
                   <a:t>)</a:t>
                 </a:r>
               </a:p>
@@ -7295,18 +7295,18 @@
                   <a:buNone/>
                 </a:pPr>
                 <a:r>
-                  <a:rPr lang="en-US" altLang="ja-JP" dirty="0"/>
+                  <a:rPr lang="en-US" altLang="ja-JP" sz="3200" dirty="0"/>
                   <a:t>	</a:t>
                 </a:r>
                 <a:r>
-                  <a:rPr lang="en-US" altLang="ja-JP" dirty="0" smtClean="0"/>
+                  <a:rPr lang="en-US" altLang="ja-JP" sz="3200" dirty="0" smtClean="0"/>
                   <a:t>- </a:t>
                 </a:r>
                 <a:r>
-                  <a:rPr lang="en-US" altLang="ja-JP" dirty="0" err="1" smtClean="0"/>
+                  <a:rPr lang="en-US" altLang="ja-JP" sz="3200" dirty="0" err="1" smtClean="0"/>
                   <a:t>振子を台車から取り外し、ばね秤で測定</a:t>
                 </a:r>
-                <a:endParaRPr lang="en-US" altLang="ja-JP" dirty="0" smtClean="0"/>
+                <a:endParaRPr lang="en-US" altLang="ja-JP" sz="3200" dirty="0" smtClean="0"/>
               </a:p>
               <a:p>
                 <a:pPr marL="0" indent="0">
@@ -7324,7 +7324,7 @@
                 <a14:m>
                   <m:oMath xmlns:m="http://schemas.openxmlformats.org/officeDocument/2006/math">
                     <m:r>
-                      <a:rPr kumimoji="1" lang="en-US" altLang="ja-JP" b="0" i="1" smtClean="0">
+                      <a:rPr kumimoji="1" lang="en-US" altLang="ja-JP" sz="3200" b="0" i="1" smtClean="0">
                         <a:latin typeface="Cambria Math" panose="02040503050406030204" pitchFamily="18" charset="0"/>
                       </a:rPr>
                       <m:t>𝑙</m:t>
@@ -7332,62 +7332,57 @@
                   </m:oMath>
                 </a14:m>
                 <a:r>
-                  <a:rPr kumimoji="1" lang="en-US" altLang="ja-JP" dirty="0" smtClean="0"/>
+                  <a:rPr kumimoji="1" lang="en-US" altLang="ja-JP" sz="3200" dirty="0" smtClean="0"/>
                   <a:t>(</a:t>
                 </a:r>
                 <a:r>
-                  <a:rPr kumimoji="1" lang="en-US" altLang="ja-JP" dirty="0" err="1" smtClean="0"/>
+                  <a:rPr kumimoji="1" lang="en-US" altLang="ja-JP" sz="3200" dirty="0" err="1" smtClean="0"/>
                   <a:t>振子の端から重心までの距離</a:t>
                 </a:r>
                 <a:r>
-                  <a:rPr kumimoji="1" lang="en-US" altLang="ja-JP" dirty="0" smtClean="0"/>
+                  <a:rPr kumimoji="1" lang="en-US" altLang="ja-JP" sz="3200" dirty="0" smtClean="0"/>
                   <a:t>)</a:t>
                 </a:r>
-                <a:endParaRPr lang="en-US" altLang="ja-JP" dirty="0" smtClean="0"/>
+                <a:endParaRPr lang="en-US" altLang="ja-JP" sz="3200" dirty="0" smtClean="0"/>
               </a:p>
               <a:p>
                 <a:pPr marL="0" indent="0">
                   <a:buNone/>
                 </a:pPr>
                 <a:r>
-                  <a:rPr kumimoji="1" lang="en-US" altLang="ja-JP" dirty="0"/>
+                  <a:rPr kumimoji="1" lang="en-US" altLang="ja-JP" sz="3200" dirty="0"/>
                   <a:t>	</a:t>
                 </a:r>
                 <a:r>
-                  <a:rPr kumimoji="1" lang="en-US" altLang="ja-JP" dirty="0" smtClean="0"/>
+                  <a:rPr kumimoji="1" lang="en-US" altLang="ja-JP" sz="3200" dirty="0" smtClean="0"/>
                   <a:t>- </a:t>
                 </a:r>
                 <a:r>
-                  <a:rPr lang="ja-JP" altLang="en-US" dirty="0" smtClean="0"/>
+                  <a:rPr lang="ja-JP" altLang="en-US" sz="3200" dirty="0" smtClean="0"/>
                   <a:t>振子を鋭角なものに乗せ、釣り合いなど</a:t>
                 </a:r>
                 <a:r>
-                  <a:rPr lang="en-US" altLang="ja-JP" dirty="0" smtClean="0"/>
+                  <a:rPr lang="en-US" altLang="ja-JP" sz="3200" dirty="0" smtClean="0"/>
                   <a:t>	 </a:t>
                 </a:r>
-              </a:p>
-              <a:p>
-                <a:pPr marL="0" indent="0">
-                  <a:buNone/>
-                </a:pPr>
                 <a:r>
-                  <a:rPr lang="en-US" altLang="ja-JP" dirty="0"/>
+                  <a:rPr lang="en-US" altLang="ja-JP" sz="3200" dirty="0" smtClean="0"/>
                   <a:t> </a:t>
                 </a:r>
                 <a:r>
-                  <a:rPr lang="en-US" altLang="ja-JP" dirty="0" smtClean="0"/>
-                  <a:t>            </a:t>
+                  <a:rPr lang="ja-JP" altLang="en-US" sz="3200" dirty="0" smtClean="0"/>
+                  <a:t>で</a:t>
                 </a:r>
                 <a:r>
-                  <a:rPr lang="ja-JP" altLang="en-US" dirty="0" smtClean="0"/>
-                  <a:t>で重心位置を確定</a:t>
+                  <a:rPr lang="ja-JP" altLang="en-US" sz="3200" dirty="0" smtClean="0"/>
+                  <a:t>重心位置を確定</a:t>
                 </a:r>
-                <a:endParaRPr kumimoji="1" lang="en-US" altLang="ja-JP" dirty="0" smtClean="0"/>
+                <a:endParaRPr kumimoji="1" lang="en-US" altLang="ja-JP" sz="3200" dirty="0" smtClean="0"/>
               </a:p>
             </p:txBody>
           </p:sp>
         </mc:Choice>
-        <mc:Fallback xmlns="">
+        <mc:Fallback>
           <p:sp>
             <p:nvSpPr>
               <p:cNvPr id="3" name="コンテンツ プレースホルダー 2"/>
@@ -7406,7 +7401,7 @@
               <a:blipFill>
                 <a:blip r:embed="rId3"/>
                 <a:stretch>
-                  <a:fillRect t="-1938"/>
+                  <a:fillRect t="-2395" r="-1619"/>
                 </a:stretch>
               </a:blipFill>
             </p:spPr>
@@ -7617,58 +7612,61 @@
         </p:nvSpPr>
         <p:spPr/>
         <p:txBody>
-          <a:bodyPr/>
+          <a:bodyPr>
+            <a:normAutofit/>
+          </a:bodyPr>
           <a:lstStyle/>
           <a:p>
             <a:pPr marL="0" indent="0">
               <a:buNone/>
             </a:pPr>
-            <a:endParaRPr lang="en-US" altLang="ja-JP" dirty="0" smtClean="0"/>
+            <a:endParaRPr lang="en-US" altLang="ja-JP" sz="3200" dirty="0" smtClean="0"/>
           </a:p>
           <a:p>
             <a:pPr marL="0" indent="0">
               <a:buNone/>
             </a:pPr>
-            <a:endParaRPr lang="en-US" altLang="ja-JP" dirty="0"/>
-          </a:p>
-          <a:p>
-            <a:r>
-              <a:rPr lang="en-US" altLang="ja-JP" dirty="0" err="1" smtClean="0"/>
-              <a:t>MaTXサンプルファイル内で設定済み</a:t>
-            </a:r>
-            <a:endParaRPr lang="en-US" altLang="ja-JP" dirty="0" smtClean="0"/>
-          </a:p>
-          <a:p>
-            <a:endParaRPr kumimoji="1" lang="en-US" altLang="ja-JP" dirty="0" smtClean="0"/>
-          </a:p>
-          <a:p>
-            <a:endParaRPr kumimoji="1" lang="en-US" altLang="ja-JP" dirty="0"/>
+            <a:r>
+              <a:rPr lang="en-US" altLang="ja-JP" sz="3200" dirty="0" err="1" smtClean="0"/>
+              <a:t>MaTX</a:t>
+            </a:r>
+            <a:r>
+              <a:rPr lang="en-US" altLang="ja-JP" sz="3200" dirty="0" err="1" smtClean="0"/>
+              <a:t>サンプルファイル内で設定済み</a:t>
+            </a:r>
+            <a:endParaRPr lang="en-US" altLang="ja-JP" sz="3200" dirty="0" smtClean="0"/>
+          </a:p>
+          <a:p>
+            <a:endParaRPr kumimoji="1" lang="en-US" altLang="ja-JP" sz="3200" dirty="0" smtClean="0"/>
+          </a:p>
+          <a:p>
+            <a:endParaRPr kumimoji="1" lang="en-US" altLang="ja-JP" sz="3200" dirty="0"/>
           </a:p>
           <a:p>
             <a:pPr marL="0" indent="0" algn="ctr">
               <a:buNone/>
             </a:pPr>
-            <a:endParaRPr lang="en-US" altLang="ja-JP" dirty="0" smtClean="0"/>
+            <a:endParaRPr lang="en-US" altLang="ja-JP" sz="3200" dirty="0" smtClean="0"/>
           </a:p>
           <a:p>
             <a:pPr marL="0" indent="0" algn="ctr">
               <a:buNone/>
             </a:pPr>
-            <a:endParaRPr lang="en-US" altLang="ja-JP" dirty="0"/>
+            <a:endParaRPr lang="en-US" altLang="ja-JP" sz="3200" dirty="0"/>
           </a:p>
           <a:p>
             <a:pPr marL="0" indent="0">
               <a:buNone/>
             </a:pPr>
             <a:r>
-              <a:rPr kumimoji="1" lang="ja-JP" altLang="en-US" dirty="0" smtClean="0"/>
+              <a:rPr kumimoji="1" lang="ja-JP" altLang="en-US" sz="3200" dirty="0" smtClean="0"/>
               <a:t>とする</a:t>
             </a:r>
             <a:r>
-              <a:rPr kumimoji="1" lang="en-US" altLang="ja-JP" dirty="0" smtClean="0"/>
+              <a:rPr kumimoji="1" lang="en-US" altLang="ja-JP" sz="3200" dirty="0" smtClean="0"/>
               <a:t>.</a:t>
             </a:r>
-            <a:endParaRPr kumimoji="1" lang="ja-JP" altLang="en-US" dirty="0"/>
+            <a:endParaRPr kumimoji="1" lang="ja-JP" altLang="en-US" sz="3200" dirty="0"/>
           </a:p>
         </p:txBody>
       </p:sp>
@@ -7718,8 +7716,8 @@
         </p:blipFill>
         <p:spPr>
           <a:xfrm>
-            <a:off x="3886285" y="3596532"/>
-            <a:ext cx="1371429" cy="809524"/>
+            <a:off x="3518611" y="2854788"/>
+            <a:ext cx="2243852" cy="1324496"/>
           </a:xfrm>
           <a:prstGeom prst="rect">
             <a:avLst/>
@@ -7856,8 +7854,8 @@
         </p:blipFill>
         <p:spPr>
           <a:xfrm>
-            <a:off x="628650" y="947651"/>
-            <a:ext cx="5346551" cy="3904048"/>
+            <a:off x="0" y="661829"/>
+            <a:ext cx="5991148" cy="4374732"/>
           </a:xfrm>
         </p:spPr>
       </p:pic>
@@ -7885,8 +7883,8 @@
           </a:p>
         </p:txBody>
       </p:sp>
-      <mc:AlternateContent xmlns:mc="http://schemas.openxmlformats.org/markup-compatibility/2006" xmlns:a14="http://schemas.microsoft.com/office/drawing/2010/main">
-        <mc:Choice Requires="a14">
+      <mc:AlternateContent xmlns:mc="http://schemas.openxmlformats.org/markup-compatibility/2006">
+        <mc:Choice xmlns:a14="http://schemas.microsoft.com/office/drawing/2010/main" Requires="a14">
           <p:sp>
             <p:nvSpPr>
               <p:cNvPr id="6" name="テキスト ボックス 5"/>
@@ -7896,7 +7894,7 @@
             <p:spPr>
               <a:xfrm>
                 <a:off x="6112913" y="1658735"/>
-                <a:ext cx="2180853" cy="369332"/>
+                <a:ext cx="2843151" cy="461665"/>
               </a:xfrm>
               <a:prstGeom prst="rect">
                 <a:avLst/>
@@ -7914,14 +7912,14 @@
                     <m:sSub>
                       <m:sSubPr>
                         <m:ctrlPr>
-                          <a:rPr kumimoji="1" lang="en-US" altLang="ja-JP" b="0" i="1" smtClean="0">
+                          <a:rPr kumimoji="1" lang="en-US" altLang="ja-JP" sz="2400" b="0" i="1" smtClean="0">
                             <a:latin typeface="Cambria Math" panose="02040503050406030204" pitchFamily="18" charset="0"/>
                           </a:rPr>
                         </m:ctrlPr>
                       </m:sSubPr>
                       <m:e>
                         <m:r>
-                          <a:rPr kumimoji="1" lang="en-US" altLang="ja-JP" b="0" i="1" smtClean="0">
+                          <a:rPr kumimoji="1" lang="en-US" altLang="ja-JP" sz="2400" b="0" i="1" smtClean="0">
                             <a:latin typeface="Cambria Math" panose="02040503050406030204" pitchFamily="18" charset="0"/>
                           </a:rPr>
                           <m:t>𝑓</m:t>
@@ -7929,7 +7927,7 @@
                       </m:e>
                       <m:sub>
                         <m:r>
-                          <a:rPr kumimoji="1" lang="en-US" altLang="ja-JP" b="0" i="1" smtClean="0">
+                          <a:rPr kumimoji="1" lang="en-US" altLang="ja-JP" sz="2400" b="0" i="1" smtClean="0">
                             <a:latin typeface="Cambria Math" panose="02040503050406030204" pitchFamily="18" charset="0"/>
                           </a:rPr>
                           <m:t>𝑚𝑎𝑥</m:t>
@@ -7937,19 +7935,19 @@
                       </m:sub>
                     </m:sSub>
                     <m:r>
-                      <a:rPr kumimoji="1" lang="en-US" altLang="ja-JP" b="0" i="1" smtClean="0">
+                      <a:rPr kumimoji="1" lang="en-US" altLang="ja-JP" sz="2400" b="0" i="1" smtClean="0">
                         <a:latin typeface="Cambria Math" panose="02040503050406030204" pitchFamily="18" charset="0"/>
                       </a:rPr>
                       <m:t>=</m:t>
                     </m:r>
                     <m:r>
-                      <a:rPr kumimoji="1" lang="en-US" altLang="ja-JP" b="0" i="1" smtClean="0">
+                      <a:rPr kumimoji="1" lang="en-US" altLang="ja-JP" sz="2400" b="0" i="1" smtClean="0">
                         <a:latin typeface="Cambria Math" panose="02040503050406030204" pitchFamily="18" charset="0"/>
                       </a:rPr>
                       <m:t>𝑎𝑢</m:t>
                     </m:r>
                     <m:r>
-                      <a:rPr kumimoji="1" lang="en-US" altLang="ja-JP" b="0" i="1" smtClean="0">
+                      <a:rPr kumimoji="1" lang="en-US" altLang="ja-JP" sz="2400" b="0" i="1" smtClean="0">
                         <a:latin typeface="Cambria Math" panose="02040503050406030204" pitchFamily="18" charset="0"/>
                       </a:rPr>
                       <m:t>+</m:t>
@@ -7957,15 +7955,15 @@
                   </m:oMath>
                 </a14:m>
                 <a:r>
-                  <a:rPr kumimoji="1" lang="ja-JP" altLang="en-US" dirty="0" smtClean="0"/>
+                  <a:rPr kumimoji="1" lang="ja-JP" altLang="en-US" sz="2400" dirty="0" smtClean="0"/>
                   <a:t> 摩擦力</a:t>
                 </a:r>
-                <a:endParaRPr kumimoji="1" lang="ja-JP" altLang="en-US" dirty="0"/>
+                <a:endParaRPr kumimoji="1" lang="ja-JP" altLang="en-US" sz="2400" dirty="0"/>
               </a:p>
             </p:txBody>
           </p:sp>
         </mc:Choice>
-        <mc:Fallback xmlns="">
+        <mc:Fallback>
           <p:sp>
             <p:nvSpPr>
               <p:cNvPr id="6" name="テキスト ボックス 5"/>
@@ -7977,7 +7975,7 @@
             <p:spPr>
               <a:xfrm>
                 <a:off x="6112913" y="1658735"/>
-                <a:ext cx="2180853" cy="369332"/>
+                <a:ext cx="2843151" cy="461665"/>
               </a:xfrm>
               <a:prstGeom prst="rect">
                 <a:avLst/>
@@ -7985,7 +7983,7 @@
               <a:blipFill>
                 <a:blip r:embed="rId4"/>
                 <a:stretch>
-                  <a:fillRect l="-838" t="-6557" r="-1676" b="-26230"/>
+                  <a:fillRect l="-1931" t="-10526" r="-2361" b="-28947"/>
                 </a:stretch>
               </a:blipFill>
             </p:spPr>
@@ -8004,8 +8002,8 @@
           </p:sp>
         </mc:Fallback>
       </mc:AlternateContent>
-      <mc:AlternateContent xmlns:mc="http://schemas.openxmlformats.org/markup-compatibility/2006" xmlns:a14="http://schemas.microsoft.com/office/drawing/2010/main">
-        <mc:Choice Requires="a14">
+      <mc:AlternateContent xmlns:mc="http://schemas.openxmlformats.org/markup-compatibility/2006">
+        <mc:Choice xmlns:a14="http://schemas.microsoft.com/office/drawing/2010/main" Requires="a14">
           <p:sp>
             <p:nvSpPr>
               <p:cNvPr id="7" name="正方形/長方形 6"/>
@@ -8015,7 +8013,7 @@
             <p:spPr>
               <a:xfrm>
                 <a:off x="6112913" y="3585788"/>
-                <a:ext cx="2151423" cy="369332"/>
+                <a:ext cx="2803268" cy="461665"/>
               </a:xfrm>
               <a:prstGeom prst="rect">
                 <a:avLst/>
@@ -8032,14 +8030,14 @@
                     <m:sSub>
                       <m:sSubPr>
                         <m:ctrlPr>
-                          <a:rPr lang="en-US" altLang="ja-JP" i="1" smtClean="0">
+                          <a:rPr lang="en-US" altLang="ja-JP" sz="2400" i="1" smtClean="0">
                             <a:latin typeface="Cambria Math" panose="02040503050406030204" pitchFamily="18" charset="0"/>
                           </a:rPr>
                         </m:ctrlPr>
                       </m:sSubPr>
                       <m:e>
                         <m:r>
-                          <a:rPr lang="en-US" altLang="ja-JP" i="1">
+                          <a:rPr lang="en-US" altLang="ja-JP" sz="2400" i="1">
                             <a:latin typeface="Cambria Math" panose="02040503050406030204" pitchFamily="18" charset="0"/>
                           </a:rPr>
                           <m:t>𝑓</m:t>
@@ -8047,7 +8045,7 @@
                       </m:e>
                       <m:sub>
                         <m:r>
-                          <a:rPr lang="en-US" altLang="ja-JP" b="0" i="1" smtClean="0">
+                          <a:rPr lang="en-US" altLang="ja-JP" sz="2400" b="0" i="1" smtClean="0">
                             <a:latin typeface="Cambria Math" panose="02040503050406030204" pitchFamily="18" charset="0"/>
                           </a:rPr>
                           <m:t>𝑚𝑖𝑛</m:t>
@@ -8055,19 +8053,19 @@
                       </m:sub>
                     </m:sSub>
                     <m:r>
-                      <a:rPr lang="en-US" altLang="ja-JP" i="1">
+                      <a:rPr lang="en-US" altLang="ja-JP" sz="2400" i="1">
                         <a:latin typeface="Cambria Math" panose="02040503050406030204" pitchFamily="18" charset="0"/>
                       </a:rPr>
                       <m:t>=</m:t>
                     </m:r>
                     <m:r>
-                      <a:rPr lang="en-US" altLang="ja-JP" i="1">
+                      <a:rPr lang="en-US" altLang="ja-JP" sz="2400" i="1">
                         <a:latin typeface="Cambria Math" panose="02040503050406030204" pitchFamily="18" charset="0"/>
                       </a:rPr>
                       <m:t>𝑎𝑢</m:t>
                     </m:r>
                     <m:r>
-                      <a:rPr lang="en-US" altLang="ja-JP" b="0" i="1" smtClean="0">
+                      <a:rPr lang="en-US" altLang="ja-JP" sz="2400" b="0" i="1" smtClean="0">
                         <a:latin typeface="Cambria Math" panose="02040503050406030204" pitchFamily="18" charset="0"/>
                       </a:rPr>
                       <m:t>−</m:t>
@@ -8075,14 +8073,14 @@
                   </m:oMath>
                 </a14:m>
                 <a:r>
-                  <a:rPr lang="ja-JP" altLang="en-US" dirty="0"/>
+                  <a:rPr lang="ja-JP" altLang="en-US" sz="2400" dirty="0"/>
                   <a:t> 摩擦力</a:t>
                 </a:r>
               </a:p>
             </p:txBody>
           </p:sp>
         </mc:Choice>
-        <mc:Fallback xmlns="">
+        <mc:Fallback>
           <p:sp>
             <p:nvSpPr>
               <p:cNvPr id="7" name="正方形/長方形 6"/>
@@ -8094,7 +8092,7 @@
             <p:spPr>
               <a:xfrm>
                 <a:off x="6112913" y="3585788"/>
-                <a:ext cx="2151423" cy="369332"/>
+                <a:ext cx="2803268" cy="461665"/>
               </a:xfrm>
               <a:prstGeom prst="rect">
                 <a:avLst/>
@@ -8102,7 +8100,7 @@
               <a:blipFill>
                 <a:blip r:embed="rId5"/>
                 <a:stretch>
-                  <a:fillRect l="-850" t="-6557" r="-1700" b="-26230"/>
+                  <a:fillRect l="-1957" t="-10526" r="-2174" b="-28947"/>
                 </a:stretch>
               </a:blipFill>
             </p:spPr>
@@ -8121,8 +8119,8 @@
           </p:sp>
         </mc:Fallback>
       </mc:AlternateContent>
-      <mc:AlternateContent xmlns:mc="http://schemas.openxmlformats.org/markup-compatibility/2006" xmlns:a14="http://schemas.microsoft.com/office/drawing/2010/main">
-        <mc:Choice Requires="a14">
+      <mc:AlternateContent xmlns:mc="http://schemas.openxmlformats.org/markup-compatibility/2006">
+        <mc:Choice xmlns:a14="http://schemas.microsoft.com/office/drawing/2010/main" Requires="a14">
           <p:sp>
             <p:nvSpPr>
               <p:cNvPr id="8" name="正方形/長方形 7"/>
@@ -8131,8 +8129,8 @@
             </p:nvSpPr>
             <p:spPr>
               <a:xfrm>
-                <a:off x="2405808" y="5085163"/>
-                <a:ext cx="4797532" cy="369332"/>
+                <a:off x="1125648" y="4872346"/>
+                <a:ext cx="7314951" cy="523220"/>
               </a:xfrm>
               <a:prstGeom prst="rect">
                 <a:avLst/>
@@ -8149,14 +8147,14 @@
                     <m:sSub>
                       <m:sSubPr>
                         <m:ctrlPr>
-                          <a:rPr lang="en-US" altLang="ja-JP" i="1">
+                          <a:rPr lang="en-US" altLang="ja-JP" sz="2800" i="1" smtClean="0">
                             <a:latin typeface="Cambria Math" panose="02040503050406030204" pitchFamily="18" charset="0"/>
                           </a:rPr>
                         </m:ctrlPr>
                       </m:sSubPr>
                       <m:e>
                         <m:r>
-                          <a:rPr lang="en-US" altLang="ja-JP" i="1">
+                          <a:rPr lang="en-US" altLang="ja-JP" sz="2800" i="1">
                             <a:latin typeface="Cambria Math" panose="02040503050406030204" pitchFamily="18" charset="0"/>
                           </a:rPr>
                           <m:t>𝑓</m:t>
@@ -8164,25 +8162,25 @@
                       </m:e>
                       <m:sub>
                         <m:r>
-                          <a:rPr lang="en-US" altLang="ja-JP" i="1">
+                          <a:rPr lang="en-US" altLang="ja-JP" sz="2800" b="0" i="1" smtClean="0">
                             <a:latin typeface="Cambria Math" panose="02040503050406030204" pitchFamily="18" charset="0"/>
                           </a:rPr>
-                          <m:t>𝑚𝑎𝑥</m:t>
+                          <m:t>𝑚𝑖𝑛</m:t>
                         </m:r>
                       </m:sub>
                     </m:sSub>
                   </m:oMath>
                 </a14:m>
                 <a:r>
-                  <a:rPr lang="ja-JP" altLang="en-US" dirty="0" smtClean="0"/>
+                  <a:rPr lang="ja-JP" altLang="en-US" sz="2800" dirty="0" smtClean="0"/>
                   <a:t>は台車が正の方向に動き始めるときの力</a:t>
                 </a:r>
-                <a:endParaRPr lang="ja-JP" altLang="en-US" dirty="0"/>
+                <a:endParaRPr lang="ja-JP" altLang="en-US" sz="2800" dirty="0"/>
               </a:p>
             </p:txBody>
           </p:sp>
         </mc:Choice>
-        <mc:Fallback xmlns="">
+        <mc:Fallback>
           <p:sp>
             <p:nvSpPr>
               <p:cNvPr id="8" name="正方形/長方形 7"/>
@@ -8193,8 +8191,8 @@
             </p:nvSpPr>
             <p:spPr>
               <a:xfrm>
-                <a:off x="2405808" y="5085163"/>
-                <a:ext cx="4797532" cy="369332"/>
+                <a:off x="1125648" y="4872346"/>
+                <a:ext cx="7314951" cy="523220"/>
               </a:xfrm>
               <a:prstGeom prst="rect">
                 <a:avLst/>
@@ -8202,7 +8200,7 @@
               <a:blipFill>
                 <a:blip r:embed="rId6"/>
                 <a:stretch>
-                  <a:fillRect l="-381" t="-6557" r="-381" b="-26230"/>
+                  <a:fillRect t="-10465" r="-250" b="-32558"/>
                 </a:stretch>
               </a:blipFill>
             </p:spPr>
@@ -8221,8 +8219,8 @@
           </p:sp>
         </mc:Fallback>
       </mc:AlternateContent>
-      <mc:AlternateContent xmlns:mc="http://schemas.openxmlformats.org/markup-compatibility/2006" xmlns:a14="http://schemas.microsoft.com/office/drawing/2010/main">
-        <mc:Choice Requires="a14">
+      <mc:AlternateContent xmlns:mc="http://schemas.openxmlformats.org/markup-compatibility/2006">
+        <mc:Choice xmlns:a14="http://schemas.microsoft.com/office/drawing/2010/main" Requires="a14">
           <p:sp>
             <p:nvSpPr>
               <p:cNvPr id="9" name="正方形/長方形 8"/>
@@ -8231,8 +8229,8 @@
             </p:nvSpPr>
             <p:spPr>
               <a:xfrm>
-                <a:off x="2405808" y="5702140"/>
-                <a:ext cx="4797532" cy="369332"/>
+                <a:off x="1079417" y="5512841"/>
+                <a:ext cx="7361182" cy="523220"/>
               </a:xfrm>
               <a:prstGeom prst="rect">
                 <a:avLst/>
@@ -8249,14 +8247,14 @@
                     <m:sSub>
                       <m:sSubPr>
                         <m:ctrlPr>
-                          <a:rPr lang="en-US" altLang="ja-JP" i="1">
+                          <a:rPr lang="en-US" altLang="ja-JP" sz="2800" i="1">
                             <a:latin typeface="Cambria Math" panose="02040503050406030204" pitchFamily="18" charset="0"/>
                           </a:rPr>
                         </m:ctrlPr>
                       </m:sSubPr>
                       <m:e>
                         <m:r>
-                          <a:rPr lang="en-US" altLang="ja-JP" i="1">
+                          <a:rPr lang="en-US" altLang="ja-JP" sz="2800" i="1">
                             <a:latin typeface="Cambria Math" panose="02040503050406030204" pitchFamily="18" charset="0"/>
                           </a:rPr>
                           <m:t>𝑓</m:t>
@@ -8264,7 +8262,7 @@
                       </m:e>
                       <m:sub>
                         <m:r>
-                          <a:rPr lang="en-US" altLang="ja-JP" i="1">
+                          <a:rPr lang="en-US" altLang="ja-JP" sz="2800" i="1">
                             <a:latin typeface="Cambria Math" panose="02040503050406030204" pitchFamily="18" charset="0"/>
                           </a:rPr>
                           <m:t>𝑚𝑎𝑥</m:t>
@@ -8274,15 +8272,15 @@
                   </m:oMath>
                 </a14:m>
                 <a:r>
-                  <a:rPr lang="ja-JP" altLang="en-US" dirty="0" smtClean="0"/>
+                  <a:rPr lang="ja-JP" altLang="en-US" sz="2800" dirty="0" smtClean="0"/>
                   <a:t>は台車が負の方向に動き始めるときの力</a:t>
                 </a:r>
-                <a:endParaRPr lang="ja-JP" altLang="en-US" dirty="0"/>
+                <a:endParaRPr lang="ja-JP" altLang="en-US" sz="2800" dirty="0"/>
               </a:p>
             </p:txBody>
           </p:sp>
         </mc:Choice>
-        <mc:Fallback xmlns="">
+        <mc:Fallback>
           <p:sp>
             <p:nvSpPr>
               <p:cNvPr id="9" name="正方形/長方形 8"/>
@@ -8293,8 +8291,8 @@
             </p:nvSpPr>
             <p:spPr>
               <a:xfrm>
-                <a:off x="2405808" y="5702140"/>
-                <a:ext cx="4797532" cy="369332"/>
+                <a:off x="1079417" y="5512841"/>
+                <a:ext cx="7361182" cy="523220"/>
               </a:xfrm>
               <a:prstGeom prst="rect">
                 <a:avLst/>
@@ -8302,7 +8300,7 @@
               <a:blipFill>
                 <a:blip r:embed="rId7"/>
                 <a:stretch>
-                  <a:fillRect l="-381" t="-6557" r="-381" b="-26230"/>
+                  <a:fillRect t="-10465" r="-331" b="-32558"/>
                 </a:stretch>
               </a:blipFill>
             </p:spPr>
@@ -17219,8 +17217,8 @@
           </a:p>
         </p:txBody>
       </p:sp>
-      <mc:AlternateContent xmlns:mc="http://schemas.openxmlformats.org/markup-compatibility/2006">
-        <mc:Choice xmlns:a14="http://schemas.microsoft.com/office/drawing/2010/main" Requires="a14">
+      <mc:AlternateContent xmlns:mc="http://schemas.openxmlformats.org/markup-compatibility/2006" xmlns:a14="http://schemas.microsoft.com/office/drawing/2010/main">
+        <mc:Choice Requires="a14">
           <p:sp>
             <p:nvSpPr>
               <p:cNvPr id="14" name="テキスト ボックス 13"/>
@@ -17281,7 +17279,7 @@
             </p:txBody>
           </p:sp>
         </mc:Choice>
-        <mc:Fallback>
+        <mc:Fallback xmlns="">
           <p:sp>
             <p:nvSpPr>
               <p:cNvPr id="14" name="テキスト ボックス 13"/>
@@ -18439,8 +18437,8 @@
           </a:p>
         </p:txBody>
       </p:sp>
-      <mc:AlternateContent xmlns:mc="http://schemas.openxmlformats.org/markup-compatibility/2006">
-        <mc:Choice xmlns:a14="http://schemas.microsoft.com/office/drawing/2010/main" Requires="a14">
+      <mc:AlternateContent xmlns:mc="http://schemas.openxmlformats.org/markup-compatibility/2006" xmlns:a14="http://schemas.microsoft.com/office/drawing/2010/main">
+        <mc:Choice Requires="a14">
           <p:sp>
             <p:nvSpPr>
               <p:cNvPr id="14" name="テキスト ボックス 13"/>
@@ -18501,7 +18499,7 @@
             </p:txBody>
           </p:sp>
         </mc:Choice>
-        <mc:Fallback>
+        <mc:Fallback xmlns="">
           <p:sp>
             <p:nvSpPr>
               <p:cNvPr id="14" name="テキスト ボックス 13"/>
@@ -19527,8 +19525,8 @@
           </a:prstGeom>
         </p:spPr>
       </p:pic>
-      <mc:AlternateContent xmlns:mc="http://schemas.openxmlformats.org/markup-compatibility/2006">
-        <mc:Choice xmlns:a14="http://schemas.microsoft.com/office/drawing/2010/main" Requires="a14">
+      <mc:AlternateContent xmlns:mc="http://schemas.openxmlformats.org/markup-compatibility/2006" xmlns:a14="http://schemas.microsoft.com/office/drawing/2010/main">
+        <mc:Choice Requires="a14">
           <p:sp>
             <p:nvSpPr>
               <p:cNvPr id="10" name="テキスト ボックス 9"/>
@@ -19686,7 +19684,7 @@
             </p:txBody>
           </p:sp>
         </mc:Choice>
-        <mc:Fallback>
+        <mc:Fallback xmlns="">
           <p:sp>
             <p:nvSpPr>
               <p:cNvPr id="10" name="テキスト ボックス 9"/>
@@ -20301,9 +20299,20 @@
             <a:endParaRPr kumimoji="1" lang="en-US" altLang="ja-JP" dirty="0" smtClean="0"/>
           </a:p>
           <a:p>
+            <a:pPr marL="0" indent="0">
+              <a:buNone/>
+            </a:pPr>
+            <a:r>
+              <a:rPr lang="en-US" altLang="ja-JP" dirty="0" smtClean="0"/>
+              <a:t>1. </a:t>
+            </a:r>
             <a:r>
               <a:rPr lang="ja-JP" altLang="en-US" dirty="0" smtClean="0"/>
-              <a:t>不安定平衡点で倒立振子系を安定化制御する</a:t>
+              <a:t>不安定</a:t>
+            </a:r>
+            <a:r>
+              <a:rPr lang="ja-JP" altLang="en-US" dirty="0" smtClean="0"/>
+              <a:t>平衡点で倒立振子系を安定化制御する</a:t>
             </a:r>
             <a:endParaRPr lang="en-US" altLang="ja-JP" dirty="0" smtClean="0"/>
           </a:p>
@@ -20311,9 +20320,20 @@
             <a:endParaRPr kumimoji="1" lang="en-US" altLang="ja-JP" dirty="0"/>
           </a:p>
           <a:p>
+            <a:pPr marL="0" indent="0">
+              <a:buNone/>
+            </a:pPr>
+            <a:r>
+              <a:rPr lang="en-US" altLang="ja-JP" dirty="0" smtClean="0"/>
+              <a:t>2. </a:t>
+            </a:r>
             <a:r>
               <a:rPr lang="ja-JP" altLang="en-US" dirty="0" smtClean="0"/>
-              <a:t>台車の目標値を変更する</a:t>
+              <a:t>台車</a:t>
+            </a:r>
+            <a:r>
+              <a:rPr lang="ja-JP" altLang="en-US" dirty="0" smtClean="0"/>
+              <a:t>の目標値を変更する</a:t>
             </a:r>
             <a:endParaRPr lang="en-US" altLang="ja-JP" dirty="0" smtClean="0"/>
           </a:p>
@@ -20321,9 +20341,20 @@
             <a:endParaRPr kumimoji="1" lang="en-US" altLang="ja-JP" dirty="0"/>
           </a:p>
           <a:p>
+            <a:pPr marL="0" indent="0">
+              <a:buNone/>
+            </a:pPr>
+            <a:r>
+              <a:rPr lang="en-US" altLang="ja-JP" dirty="0" smtClean="0"/>
+              <a:t>3. </a:t>
+            </a:r>
             <a:r>
               <a:rPr lang="ja-JP" altLang="en-US" dirty="0" smtClean="0"/>
-              <a:t>安定平衡点から振子を振り上げて</a:t>
+              <a:t>安定</a:t>
+            </a:r>
+            <a:r>
+              <a:rPr lang="ja-JP" altLang="en-US" dirty="0" smtClean="0"/>
+              <a:t>平衡点から振子を振り上げて</a:t>
             </a:r>
             <a:r>
               <a:rPr lang="en-US" altLang="ja-JP" dirty="0" smtClean="0"/>
@@ -20331,7 +20362,25 @@
             </a:r>
             <a:r>
               <a:rPr lang="en-US" altLang="ja-JP" dirty="0" err="1" smtClean="0"/>
-              <a:t>不安定平衡点で安定化制御に移行する</a:t>
+              <a:t>不安定平衡点で</a:t>
+            </a:r>
+            <a:endParaRPr lang="en-US" altLang="ja-JP" dirty="0" smtClean="0"/>
+          </a:p>
+          <a:p>
+            <a:pPr marL="0" indent="0">
+              <a:buNone/>
+            </a:pPr>
+            <a:r>
+              <a:rPr lang="en-US" altLang="ja-JP" dirty="0"/>
+              <a:t> </a:t>
+            </a:r>
+            <a:r>
+              <a:rPr lang="en-US" altLang="ja-JP" dirty="0" smtClean="0"/>
+              <a:t>   </a:t>
+            </a:r>
+            <a:r>
+              <a:rPr lang="en-US" altLang="ja-JP" dirty="0" err="1" smtClean="0"/>
+              <a:t>安定化制御に移行する</a:t>
             </a:r>
             <a:r>
               <a:rPr lang="en-US" altLang="ja-JP" dirty="0" smtClean="0"/>
@@ -20599,7 +20648,7 @@
         </p:nvSpPr>
         <p:spPr>
           <a:xfrm>
-            <a:off x="4233816" y="5375437"/>
+            <a:off x="4418241" y="5305060"/>
             <a:ext cx="2923442" cy="584775"/>
           </a:xfrm>
           <a:prstGeom prst="rect">
@@ -20615,7 +20664,11 @@
           <a:p>
             <a:r>
               <a:rPr kumimoji="1" lang="ja-JP" altLang="en-US" sz="3200" dirty="0" smtClean="0"/>
-              <a:t>不安定平衡点</a:t>
+              <a:t>安定</a:t>
+            </a:r>
+            <a:r>
+              <a:rPr kumimoji="1" lang="ja-JP" altLang="en-US" sz="3200" dirty="0" smtClean="0"/>
+              <a:t>平衡点</a:t>
             </a:r>
             <a:endParaRPr kumimoji="1" lang="ja-JP" altLang="en-US" sz="3200" dirty="0"/>
           </a:p>
@@ -20629,8 +20682,8 @@
         </p:nvSpPr>
         <p:spPr>
           <a:xfrm>
-            <a:off x="2518711" y="1610633"/>
-            <a:ext cx="2543739" cy="584775"/>
+            <a:off x="2226103" y="1603318"/>
+            <a:ext cx="2872591" cy="584775"/>
           </a:xfrm>
           <a:prstGeom prst="rect">
             <a:avLst/>
@@ -20645,7 +20698,11 @@
           <a:p>
             <a:r>
               <a:rPr kumimoji="1" lang="ja-JP" altLang="en-US" sz="3200" dirty="0" smtClean="0"/>
-              <a:t>安定平衡点</a:t>
+              <a:t>不安定</a:t>
+            </a:r>
+            <a:r>
+              <a:rPr kumimoji="1" lang="ja-JP" altLang="en-US" sz="3200" dirty="0" smtClean="0"/>
+              <a:t>平衡点</a:t>
             </a:r>
             <a:endParaRPr kumimoji="1" lang="ja-JP" altLang="en-US" sz="3200" dirty="0"/>
           </a:p>

--- a/presentation/pendulum_theory.pptx
+++ b/presentation/pendulum_theory.pptx
@@ -5592,45 +5592,128 @@
           </a:p>
         </p:txBody>
       </p:sp>
+      <p:grpSp>
+        <p:nvGrpSpPr>
+          <p:cNvPr id="6" name="グループ化 5"/>
+          <p:cNvGrpSpPr/>
+          <p:nvPr/>
+        </p:nvGrpSpPr>
+        <p:grpSpPr>
+          <a:xfrm>
+            <a:off x="366337" y="1898216"/>
+            <a:ext cx="9715946" cy="952381"/>
+            <a:chOff x="374649" y="3308693"/>
+            <a:chExt cx="9715946" cy="952381"/>
+          </a:xfrm>
+        </p:grpSpPr>
+        <p:pic>
+          <p:nvPicPr>
+            <p:cNvPr id="7" name="図 6"/>
+            <p:cNvPicPr>
+              <a:picLocks noChangeAspect="1"/>
+            </p:cNvPicPr>
+            <p:nvPr/>
+          </p:nvPicPr>
+          <p:blipFill>
+            <a:blip r:embed="rId2">
+              <a:extLst>
+                <a:ext uri="{28A0092B-C50C-407E-A947-70E740481C1C}">
+                  <a14:useLocalDpi xmlns:a14="http://schemas.microsoft.com/office/drawing/2010/main" val="0"/>
+                </a:ext>
+              </a:extLst>
+            </a:blip>
+            <a:stretch>
+              <a:fillRect/>
+            </a:stretch>
+          </p:blipFill>
+          <p:spPr>
+            <a:xfrm>
+              <a:off x="2401654" y="3308693"/>
+              <a:ext cx="4714286" cy="952381"/>
+            </a:xfrm>
+            <a:prstGeom prst="rect">
+              <a:avLst/>
+            </a:prstGeom>
+          </p:spPr>
+        </p:pic>
+        <p:sp>
+          <p:nvSpPr>
+            <p:cNvPr id="3" name="テキスト ボックス 2"/>
+            <p:cNvSpPr txBox="1"/>
+            <p:nvPr/>
+          </p:nvSpPr>
+          <p:spPr>
+            <a:xfrm>
+              <a:off x="374649" y="3523274"/>
+              <a:ext cx="2793077" cy="523220"/>
+            </a:xfrm>
+            <a:prstGeom prst="rect">
+              <a:avLst/>
+            </a:prstGeom>
+            <a:noFill/>
+          </p:spPr>
+          <p:txBody>
+            <a:bodyPr wrap="square" rtlCol="0">
+              <a:spAutoFit/>
+            </a:bodyPr>
+            <a:lstStyle/>
+            <a:p>
+              <a:r>
+                <a:rPr kumimoji="1" lang="ja-JP" altLang="en-US" sz="2800" dirty="0" smtClean="0"/>
+                <a:t>係数行列を</a:t>
+              </a:r>
+              <a:endParaRPr kumimoji="1" lang="ja-JP" altLang="en-US" sz="2800" dirty="0"/>
+            </a:p>
+          </p:txBody>
+        </p:sp>
+        <p:sp>
+          <p:nvSpPr>
+            <p:cNvPr id="8" name="テキスト ボックス 7"/>
+            <p:cNvSpPr txBox="1"/>
+            <p:nvPr/>
+          </p:nvSpPr>
+          <p:spPr>
+            <a:xfrm>
+              <a:off x="7297518" y="3523273"/>
+              <a:ext cx="2793077" cy="523220"/>
+            </a:xfrm>
+            <a:prstGeom prst="rect">
+              <a:avLst/>
+            </a:prstGeom>
+            <a:noFill/>
+          </p:spPr>
+          <p:txBody>
+            <a:bodyPr wrap="square" rtlCol="0">
+              <a:spAutoFit/>
+            </a:bodyPr>
+            <a:lstStyle/>
+            <a:p>
+              <a:r>
+                <a:rPr kumimoji="1" lang="ja-JP" altLang="en-US" sz="2800" dirty="0" smtClean="0"/>
+                <a:t>とおく</a:t>
+              </a:r>
+              <a:r>
+                <a:rPr lang="ja-JP" altLang="en-US" sz="2800" dirty="0" smtClean="0"/>
+                <a:t>と</a:t>
+              </a:r>
+              <a:r>
+                <a:rPr lang="en-US" altLang="ja-JP" sz="2800" dirty="0" smtClean="0"/>
+                <a:t>,</a:t>
+              </a:r>
+              <a:endParaRPr kumimoji="1" lang="ja-JP" altLang="en-US" sz="2800" dirty="0"/>
+            </a:p>
+          </p:txBody>
+        </p:sp>
+      </p:grpSp>
       <p:pic>
         <p:nvPicPr>
-          <p:cNvPr id="5" name="コンテンツ プレースホルダー 4"/>
+          <p:cNvPr id="10" name="コンテンツ プレースホルダー 9"/>
           <p:cNvPicPr>
             <a:picLocks noGrp="1" noChangeAspect="1"/>
           </p:cNvPicPr>
           <p:nvPr>
             <p:ph idx="1"/>
           </p:nvPr>
-        </p:nvPicPr>
-        <p:blipFill>
-          <a:blip r:embed="rId2">
-            <a:extLst>
-              <a:ext uri="{28A0092B-C50C-407E-A947-70E740481C1C}">
-                <a14:useLocalDpi xmlns:a14="http://schemas.microsoft.com/office/drawing/2010/main" val="0"/>
-              </a:ext>
-            </a:extLst>
-          </a:blip>
-          <a:stretch>
-            <a:fillRect/>
-          </a:stretch>
-        </p:blipFill>
-        <p:spPr>
-          <a:xfrm>
-            <a:off x="312803" y="1255261"/>
-            <a:ext cx="8659813" cy="1862920"/>
-          </a:xfrm>
-          <a:prstGeom prst="rect">
-            <a:avLst/>
-          </a:prstGeom>
-        </p:spPr>
-      </p:pic>
-      <p:pic>
-        <p:nvPicPr>
-          <p:cNvPr id="7" name="図 6"/>
-          <p:cNvPicPr>
-            <a:picLocks noChangeAspect="1"/>
-          </p:cNvPicPr>
-          <p:nvPr/>
         </p:nvPicPr>
         <p:blipFill>
           <a:blip r:embed="rId3">
@@ -5646,74 +5729,11 @@
         </p:blipFill>
         <p:spPr>
           <a:xfrm>
-            <a:off x="2401654" y="3308693"/>
-            <a:ext cx="4714286" cy="952381"/>
+            <a:off x="258537" y="3436669"/>
+            <a:ext cx="8659813" cy="1872893"/>
           </a:xfrm>
-          <a:prstGeom prst="rect">
-            <a:avLst/>
-          </a:prstGeom>
         </p:spPr>
       </p:pic>
-      <p:sp>
-        <p:nvSpPr>
-          <p:cNvPr id="3" name="テキスト ボックス 2"/>
-          <p:cNvSpPr txBox="1"/>
-          <p:nvPr/>
-        </p:nvSpPr>
-        <p:spPr>
-          <a:xfrm>
-            <a:off x="374649" y="3523274"/>
-            <a:ext cx="2793077" cy="523220"/>
-          </a:xfrm>
-          <a:prstGeom prst="rect">
-            <a:avLst/>
-          </a:prstGeom>
-          <a:noFill/>
-        </p:spPr>
-        <p:txBody>
-          <a:bodyPr wrap="square" rtlCol="0">
-            <a:spAutoFit/>
-          </a:bodyPr>
-          <a:lstStyle/>
-          <a:p>
-            <a:r>
-              <a:rPr kumimoji="1" lang="ja-JP" altLang="en-US" sz="2800" dirty="0" smtClean="0"/>
-              <a:t>係数行列を</a:t>
-            </a:r>
-            <a:endParaRPr kumimoji="1" lang="ja-JP" altLang="en-US" sz="2800" dirty="0"/>
-          </a:p>
-        </p:txBody>
-      </p:sp>
-      <p:sp>
-        <p:nvSpPr>
-          <p:cNvPr id="8" name="テキスト ボックス 7"/>
-          <p:cNvSpPr txBox="1"/>
-          <p:nvPr/>
-        </p:nvSpPr>
-        <p:spPr>
-          <a:xfrm>
-            <a:off x="7297518" y="3523273"/>
-            <a:ext cx="2793077" cy="523220"/>
-          </a:xfrm>
-          <a:prstGeom prst="rect">
-            <a:avLst/>
-          </a:prstGeom>
-          <a:noFill/>
-        </p:spPr>
-        <p:txBody>
-          <a:bodyPr wrap="square" rtlCol="0">
-            <a:spAutoFit/>
-          </a:bodyPr>
-          <a:lstStyle/>
-          <a:p>
-            <a:r>
-              <a:rPr kumimoji="1" lang="ja-JP" altLang="en-US" sz="2800" dirty="0" smtClean="0"/>
-              <a:t>とおく</a:t>
-            </a:r>
-            <a:endParaRPr kumimoji="1" lang="ja-JP" altLang="en-US" sz="2800" dirty="0"/>
-          </a:p>
-        </p:txBody>
-      </p:sp>
     </p:spTree>
     <p:extLst>
       <p:ext uri="{BB962C8B-B14F-4D97-AF65-F5344CB8AC3E}">
@@ -5849,38 +5869,8 @@
         </p:blipFill>
         <p:spPr>
           <a:xfrm>
-            <a:off x="1943877" y="3054528"/>
+            <a:off x="1943877" y="3021276"/>
             <a:ext cx="4933333" cy="3361905"/>
-          </a:xfrm>
-          <a:prstGeom prst="rect">
-            <a:avLst/>
-          </a:prstGeom>
-        </p:spPr>
-      </p:pic>
-      <p:pic>
-        <p:nvPicPr>
-          <p:cNvPr id="3" name="図 2"/>
-          <p:cNvPicPr>
-            <a:picLocks noChangeAspect="1"/>
-          </p:cNvPicPr>
-          <p:nvPr/>
-        </p:nvPicPr>
-        <p:blipFill>
-          <a:blip r:embed="rId4">
-            <a:extLst>
-              <a:ext uri="{28A0092B-C50C-407E-A947-70E740481C1C}">
-                <a14:useLocalDpi xmlns:a14="http://schemas.microsoft.com/office/drawing/2010/main" val="0"/>
-              </a:ext>
-            </a:extLst>
-          </a:blip>
-          <a:stretch>
-            <a:fillRect/>
-          </a:stretch>
-        </p:blipFill>
-        <p:spPr>
-          <a:xfrm>
-            <a:off x="1739115" y="1166541"/>
-            <a:ext cx="904762" cy="276190"/>
           </a:xfrm>
           <a:prstGeom prst="rect">
             <a:avLst/>
@@ -5959,6 +5949,36 @@
           </a:p>
         </p:txBody>
       </p:sp>
+      <p:pic>
+        <p:nvPicPr>
+          <p:cNvPr id="9" name="図 8"/>
+          <p:cNvPicPr>
+            <a:picLocks noChangeAspect="1"/>
+          </p:cNvPicPr>
+          <p:nvPr/>
+        </p:nvPicPr>
+        <p:blipFill>
+          <a:blip r:embed="rId4">
+            <a:extLst>
+              <a:ext uri="{28A0092B-C50C-407E-A947-70E740481C1C}">
+                <a14:useLocalDpi xmlns:a14="http://schemas.microsoft.com/office/drawing/2010/main" val="0"/>
+              </a:ext>
+            </a:extLst>
+          </a:blip>
+          <a:stretch>
+            <a:fillRect/>
+          </a:stretch>
+        </p:blipFill>
+        <p:spPr>
+          <a:xfrm>
+            <a:off x="1708931" y="1166541"/>
+            <a:ext cx="904762" cy="276190"/>
+          </a:xfrm>
+          <a:prstGeom prst="rect">
+            <a:avLst/>
+          </a:prstGeom>
+        </p:spPr>
+      </p:pic>
     </p:spTree>
     <p:extLst>
       <p:ext uri="{BB962C8B-B14F-4D97-AF65-F5344CB8AC3E}">
@@ -6019,35 +6039,6 @@
           </a:p>
         </p:txBody>
       </p:sp>
-      <p:pic>
-        <p:nvPicPr>
-          <p:cNvPr id="5" name="コンテンツ プレースホルダー 4"/>
-          <p:cNvPicPr>
-            <a:picLocks noGrp="1" noChangeAspect="1"/>
-          </p:cNvPicPr>
-          <p:nvPr>
-            <p:ph idx="1"/>
-          </p:nvPr>
-        </p:nvPicPr>
-        <p:blipFill>
-          <a:blip r:embed="rId2">
-            <a:extLst>
-              <a:ext uri="{28A0092B-C50C-407E-A947-70E740481C1C}">
-                <a14:useLocalDpi xmlns:a14="http://schemas.microsoft.com/office/drawing/2010/main" val="0"/>
-              </a:ext>
-            </a:extLst>
-          </a:blip>
-          <a:stretch>
-            <a:fillRect/>
-          </a:stretch>
-        </p:blipFill>
-        <p:spPr>
-          <a:xfrm>
-            <a:off x="4560569" y="1479971"/>
-            <a:ext cx="1419048" cy="847619"/>
-          </a:xfrm>
-        </p:spPr>
-      </p:pic>
       <p:sp>
         <p:nvSpPr>
           <p:cNvPr id="4" name="スライド番号プレースホルダー 3"/>
@@ -6081,7 +6072,7 @@
           <p:nvPr/>
         </p:nvPicPr>
         <p:blipFill>
-          <a:blip r:embed="rId3">
+          <a:blip r:embed="rId2">
             <a:extLst>
               <a:ext uri="{28A0092B-C50C-407E-A947-70E740481C1C}">
                 <a14:useLocalDpi xmlns:a14="http://schemas.microsoft.com/office/drawing/2010/main" val="0"/>
@@ -6111,7 +6102,7 @@
           <p:nvPr/>
         </p:nvPicPr>
         <p:blipFill>
-          <a:blip r:embed="rId4">
+          <a:blip r:embed="rId3">
             <a:extLst>
               <a:ext uri="{28A0092B-C50C-407E-A947-70E740481C1C}">
                 <a14:useLocalDpi xmlns:a14="http://schemas.microsoft.com/office/drawing/2010/main" val="0"/>
@@ -6141,7 +6132,7 @@
           <p:nvPr/>
         </p:nvPicPr>
         <p:blipFill>
-          <a:blip r:embed="rId5">
+          <a:blip r:embed="rId4">
             <a:extLst>
               <a:ext uri="{28A0092B-C50C-407E-A947-70E740481C1C}">
                 <a14:useLocalDpi xmlns:a14="http://schemas.microsoft.com/office/drawing/2010/main" val="0"/>
@@ -6234,7 +6225,7 @@
         </p:nvSpPr>
         <p:spPr>
           <a:xfrm>
-            <a:off x="6197396" y="1628864"/>
+            <a:off x="6623983" y="1600413"/>
             <a:ext cx="2215084" cy="461665"/>
           </a:xfrm>
           <a:prstGeom prst="rect">
@@ -6250,7 +6241,7 @@
           <a:p>
             <a:r>
               <a:rPr lang="ja-JP" altLang="en-US" sz="2400" dirty="0" smtClean="0"/>
-              <a:t>を満たすので</a:t>
+              <a:t>となるので</a:t>
             </a:r>
             <a:r>
               <a:rPr lang="en-US" altLang="ja-JP" sz="2400" dirty="0" smtClean="0"/>
@@ -6299,7 +6290,7 @@
           <p:nvPr/>
         </p:nvPicPr>
         <p:blipFill>
-          <a:blip r:embed="rId6">
+          <a:blip r:embed="rId5">
             <a:extLst>
               <a:ext uri="{28A0092B-C50C-407E-A947-70E740481C1C}">
                 <a14:useLocalDpi xmlns:a14="http://schemas.microsoft.com/office/drawing/2010/main" val="0"/>
@@ -6388,6 +6379,35 @@
           </a:p>
         </p:txBody>
       </p:sp>
+      <p:pic>
+        <p:nvPicPr>
+          <p:cNvPr id="16" name="コンテンツ プレースホルダー 15"/>
+          <p:cNvPicPr>
+            <a:picLocks noGrp="1" noChangeAspect="1"/>
+          </p:cNvPicPr>
+          <p:nvPr>
+            <p:ph idx="1"/>
+          </p:nvPr>
+        </p:nvPicPr>
+        <p:blipFill>
+          <a:blip r:embed="rId6">
+            <a:extLst>
+              <a:ext uri="{28A0092B-C50C-407E-A947-70E740481C1C}">
+                <a14:useLocalDpi xmlns:a14="http://schemas.microsoft.com/office/drawing/2010/main" val="0"/>
+              </a:ext>
+            </a:extLst>
+          </a:blip>
+          <a:stretch>
+            <a:fillRect/>
+          </a:stretch>
+        </p:blipFill>
+        <p:spPr>
+          <a:xfrm>
+            <a:off x="4480115" y="1518161"/>
+            <a:ext cx="2142857" cy="714286"/>
+          </a:xfrm>
+        </p:spPr>
+      </p:pic>
     </p:spTree>
     <p:extLst>
       <p:ext uri="{BB962C8B-B14F-4D97-AF65-F5344CB8AC3E}">
@@ -7245,8 +7265,8 @@
           </p:sp>
         </mc:Fallback>
       </mc:AlternateContent>
-      <mc:AlternateContent xmlns:mc="http://schemas.openxmlformats.org/markup-compatibility/2006">
-        <mc:Choice xmlns:a14="http://schemas.microsoft.com/office/drawing/2010/main" Requires="a14">
+      <mc:AlternateContent xmlns:mc="http://schemas.openxmlformats.org/markup-compatibility/2006" xmlns:a14="http://schemas.microsoft.com/office/drawing/2010/main">
+        <mc:Choice Requires="a14">
           <p:sp>
             <p:nvSpPr>
               <p:cNvPr id="3" name="コンテンツ プレースホルダー 2"/>
@@ -7363,26 +7383,18 @@
                 </a:r>
                 <a:r>
                   <a:rPr lang="en-US" altLang="ja-JP" sz="3200" dirty="0" smtClean="0"/>
-                  <a:t>	 </a:t>
-                </a:r>
-                <a:r>
-                  <a:rPr lang="en-US" altLang="ja-JP" sz="3200" dirty="0" smtClean="0"/>
-                  <a:t> </a:t>
+                  <a:t>	  </a:t>
                 </a:r>
                 <a:r>
                   <a:rPr lang="ja-JP" altLang="en-US" sz="3200" dirty="0" smtClean="0"/>
-                  <a:t>で</a:t>
-                </a:r>
-                <a:r>
-                  <a:rPr lang="ja-JP" altLang="en-US" sz="3200" dirty="0" smtClean="0"/>
-                  <a:t>重心位置を確定</a:t>
+                  <a:t>で重心位置を確定</a:t>
                 </a:r>
                 <a:endParaRPr kumimoji="1" lang="en-US" altLang="ja-JP" sz="3200" dirty="0" smtClean="0"/>
               </a:p>
             </p:txBody>
           </p:sp>
         </mc:Choice>
-        <mc:Fallback>
+        <mc:Fallback xmlns="">
           <p:sp>
             <p:nvSpPr>
               <p:cNvPr id="3" name="コンテンツ プレースホルダー 2"/>
@@ -7628,11 +7640,7 @@
             </a:pPr>
             <a:r>
               <a:rPr lang="en-US" altLang="ja-JP" sz="3200" dirty="0" err="1" smtClean="0"/>
-              <a:t>MaTX</a:t>
-            </a:r>
-            <a:r>
-              <a:rPr lang="en-US" altLang="ja-JP" sz="3200" dirty="0" err="1" smtClean="0"/>
-              <a:t>サンプルファイル内で設定済み</a:t>
+              <a:t>MaTXサンプルファイル内で設定済み</a:t>
             </a:r>
             <a:endParaRPr lang="en-US" altLang="ja-JP" sz="3200" dirty="0" smtClean="0"/>
           </a:p>
@@ -7716,8 +7724,8 @@
         </p:blipFill>
         <p:spPr>
           <a:xfrm>
-            <a:off x="3518611" y="2854788"/>
-            <a:ext cx="2243852" cy="1324496"/>
+            <a:off x="3501986" y="3004417"/>
+            <a:ext cx="1892974" cy="1117381"/>
           </a:xfrm>
           <a:prstGeom prst="rect">
             <a:avLst/>
@@ -7883,8 +7891,8 @@
           </a:p>
         </p:txBody>
       </p:sp>
-      <mc:AlternateContent xmlns:mc="http://schemas.openxmlformats.org/markup-compatibility/2006">
-        <mc:Choice xmlns:a14="http://schemas.microsoft.com/office/drawing/2010/main" Requires="a14">
+      <mc:AlternateContent xmlns:mc="http://schemas.openxmlformats.org/markup-compatibility/2006" xmlns:a14="http://schemas.microsoft.com/office/drawing/2010/main">
+        <mc:Choice Requires="a14">
           <p:sp>
             <p:nvSpPr>
               <p:cNvPr id="6" name="テキスト ボックス 5"/>
@@ -7963,7 +7971,7 @@
             </p:txBody>
           </p:sp>
         </mc:Choice>
-        <mc:Fallback>
+        <mc:Fallback xmlns="">
           <p:sp>
             <p:nvSpPr>
               <p:cNvPr id="6" name="テキスト ボックス 5"/>
@@ -8002,8 +8010,8 @@
           </p:sp>
         </mc:Fallback>
       </mc:AlternateContent>
-      <mc:AlternateContent xmlns:mc="http://schemas.openxmlformats.org/markup-compatibility/2006">
-        <mc:Choice xmlns:a14="http://schemas.microsoft.com/office/drawing/2010/main" Requires="a14">
+      <mc:AlternateContent xmlns:mc="http://schemas.openxmlformats.org/markup-compatibility/2006" xmlns:a14="http://schemas.microsoft.com/office/drawing/2010/main">
+        <mc:Choice Requires="a14">
           <p:sp>
             <p:nvSpPr>
               <p:cNvPr id="7" name="正方形/長方形 6"/>
@@ -8080,7 +8088,7 @@
             </p:txBody>
           </p:sp>
         </mc:Choice>
-        <mc:Fallback>
+        <mc:Fallback xmlns="">
           <p:sp>
             <p:nvSpPr>
               <p:cNvPr id="7" name="正方形/長方形 6"/>
@@ -8119,8 +8127,8 @@
           </p:sp>
         </mc:Fallback>
       </mc:AlternateContent>
-      <mc:AlternateContent xmlns:mc="http://schemas.openxmlformats.org/markup-compatibility/2006">
-        <mc:Choice xmlns:a14="http://schemas.microsoft.com/office/drawing/2010/main" Requires="a14">
+      <mc:AlternateContent xmlns:mc="http://schemas.openxmlformats.org/markup-compatibility/2006" xmlns:a14="http://schemas.microsoft.com/office/drawing/2010/main">
+        <mc:Choice Requires="a14">
           <p:sp>
             <p:nvSpPr>
               <p:cNvPr id="8" name="正方形/長方形 7"/>
@@ -8180,7 +8188,7 @@
             </p:txBody>
           </p:sp>
         </mc:Choice>
-        <mc:Fallback>
+        <mc:Fallback xmlns="">
           <p:sp>
             <p:nvSpPr>
               <p:cNvPr id="8" name="正方形/長方形 7"/>
@@ -8219,8 +8227,8 @@
           </p:sp>
         </mc:Fallback>
       </mc:AlternateContent>
-      <mc:AlternateContent xmlns:mc="http://schemas.openxmlformats.org/markup-compatibility/2006">
-        <mc:Choice xmlns:a14="http://schemas.microsoft.com/office/drawing/2010/main" Requires="a14">
+      <mc:AlternateContent xmlns:mc="http://schemas.openxmlformats.org/markup-compatibility/2006" xmlns:a14="http://schemas.microsoft.com/office/drawing/2010/main">
+        <mc:Choice Requires="a14">
           <p:sp>
             <p:nvSpPr>
               <p:cNvPr id="9" name="正方形/長方形 8"/>
@@ -8280,7 +8288,7 @@
             </p:txBody>
           </p:sp>
         </mc:Choice>
-        <mc:Fallback>
+        <mc:Fallback xmlns="">
           <p:sp>
             <p:nvSpPr>
               <p:cNvPr id="9" name="正方形/長方形 8"/>
@@ -20308,11 +20316,7 @@
             </a:r>
             <a:r>
               <a:rPr lang="ja-JP" altLang="en-US" dirty="0" smtClean="0"/>
-              <a:t>不安定</a:t>
-            </a:r>
-            <a:r>
-              <a:rPr lang="ja-JP" altLang="en-US" dirty="0" smtClean="0"/>
-              <a:t>平衡点で倒立振子系を安定化制御する</a:t>
+              <a:t>不安定平衡点で倒立振子系を安定化制御する</a:t>
             </a:r>
             <a:endParaRPr lang="en-US" altLang="ja-JP" dirty="0" smtClean="0"/>
           </a:p>
@@ -20329,11 +20333,7 @@
             </a:r>
             <a:r>
               <a:rPr lang="ja-JP" altLang="en-US" dirty="0" smtClean="0"/>
-              <a:t>台車</a:t>
-            </a:r>
-            <a:r>
-              <a:rPr lang="ja-JP" altLang="en-US" dirty="0" smtClean="0"/>
-              <a:t>の目標値を変更する</a:t>
+              <a:t>台車の目標値を変更する</a:t>
             </a:r>
             <a:endParaRPr lang="en-US" altLang="ja-JP" dirty="0" smtClean="0"/>
           </a:p>
@@ -20350,11 +20350,7 @@
             </a:r>
             <a:r>
               <a:rPr lang="ja-JP" altLang="en-US" dirty="0" smtClean="0"/>
-              <a:t>安定</a:t>
-            </a:r>
-            <a:r>
-              <a:rPr lang="ja-JP" altLang="en-US" dirty="0" smtClean="0"/>
-              <a:t>平衡点から振子を振り上げて</a:t>
+              <a:t>安定平衡点から振子を振り上げて</a:t>
             </a:r>
             <a:r>
               <a:rPr lang="en-US" altLang="ja-JP" dirty="0" smtClean="0"/>
@@ -20664,11 +20660,7 @@
           <a:p>
             <a:r>
               <a:rPr kumimoji="1" lang="ja-JP" altLang="en-US" sz="3200" dirty="0" smtClean="0"/>
-              <a:t>安定</a:t>
-            </a:r>
-            <a:r>
-              <a:rPr kumimoji="1" lang="ja-JP" altLang="en-US" sz="3200" dirty="0" smtClean="0"/>
-              <a:t>平衡点</a:t>
+              <a:t>安定平衡点</a:t>
             </a:r>
             <a:endParaRPr kumimoji="1" lang="ja-JP" altLang="en-US" sz="3200" dirty="0"/>
           </a:p>
@@ -20698,11 +20690,7 @@
           <a:p>
             <a:r>
               <a:rPr kumimoji="1" lang="ja-JP" altLang="en-US" sz="3200" dirty="0" smtClean="0"/>
-              <a:t>不安定</a:t>
-            </a:r>
-            <a:r>
-              <a:rPr kumimoji="1" lang="ja-JP" altLang="en-US" sz="3200" dirty="0" smtClean="0"/>
-              <a:t>平衡点</a:t>
+              <a:t>不安定平衡点</a:t>
             </a:r>
             <a:endParaRPr kumimoji="1" lang="ja-JP" altLang="en-US" sz="3200" dirty="0"/>
           </a:p>

--- a/presentation/pendulum_theory.pptx
+++ b/presentation/pendulum_theory.pptx
@@ -6085,7 +6085,7 @@
         </p:blipFill>
         <p:spPr>
           <a:xfrm>
-            <a:off x="1655894" y="1399114"/>
+            <a:off x="1614331" y="1047995"/>
             <a:ext cx="1819048" cy="952381"/>
           </a:xfrm>
           <a:prstGeom prst="rect">
@@ -6115,7 +6115,7 @@
         </p:blipFill>
         <p:spPr>
           <a:xfrm>
-            <a:off x="1026763" y="2579644"/>
+            <a:off x="1127734" y="3301094"/>
             <a:ext cx="6704762" cy="1904762"/>
           </a:xfrm>
           <a:prstGeom prst="rect">
@@ -6145,7 +6145,7 @@
         </p:blipFill>
         <p:spPr>
           <a:xfrm>
-            <a:off x="3856306" y="5232804"/>
+            <a:off x="3856306" y="5622350"/>
             <a:ext cx="1247619" cy="342857"/>
           </a:xfrm>
           <a:prstGeom prst="rect">
@@ -6161,7 +6161,7 @@
         </p:nvSpPr>
         <p:spPr>
           <a:xfrm>
-            <a:off x="789709" y="1672949"/>
+            <a:off x="748145" y="1321830"/>
             <a:ext cx="1379913" cy="461665"/>
           </a:xfrm>
           <a:prstGeom prst="rect">
@@ -6191,7 +6191,7 @@
         </p:nvSpPr>
         <p:spPr>
           <a:xfrm>
-            <a:off x="3690851" y="1672949"/>
+            <a:off x="3665911" y="1321830"/>
             <a:ext cx="1735696" cy="461665"/>
           </a:xfrm>
           <a:prstGeom prst="rect">
@@ -6225,7 +6225,7 @@
         </p:nvSpPr>
         <p:spPr>
           <a:xfrm>
-            <a:off x="6623983" y="1600413"/>
+            <a:off x="6657234" y="1249294"/>
             <a:ext cx="2215084" cy="461665"/>
           </a:xfrm>
           <a:prstGeom prst="rect">
@@ -6259,7 +6259,7 @@
         </p:nvSpPr>
         <p:spPr>
           <a:xfrm>
-            <a:off x="967048" y="4557809"/>
+            <a:off x="967048" y="5189361"/>
             <a:ext cx="1735696" cy="461665"/>
           </a:xfrm>
           <a:prstGeom prst="rect">
@@ -6303,7 +6303,7 @@
         </p:blipFill>
         <p:spPr>
           <a:xfrm>
-            <a:off x="2702744" y="4619474"/>
+            <a:off x="2702744" y="5251026"/>
             <a:ext cx="285714" cy="266667"/>
           </a:xfrm>
           <a:prstGeom prst="rect">
@@ -6319,7 +6319,7 @@
         </p:nvSpPr>
         <p:spPr>
           <a:xfrm>
-            <a:off x="2988458" y="4529133"/>
+            <a:off x="2988458" y="5160685"/>
             <a:ext cx="1735696" cy="461665"/>
           </a:xfrm>
           <a:prstGeom prst="rect">
@@ -6353,7 +6353,7 @@
         </p:nvSpPr>
         <p:spPr>
           <a:xfrm>
-            <a:off x="967047" y="5691111"/>
+            <a:off x="967048" y="6045952"/>
             <a:ext cx="2358043" cy="461665"/>
           </a:xfrm>
           <a:prstGeom prst="rect">
@@ -6403,9 +6403,39 @@
         </p:blipFill>
         <p:spPr>
           <a:xfrm>
-            <a:off x="4480115" y="1518161"/>
+            <a:off x="4463488" y="1167042"/>
             <a:ext cx="2142857" cy="714286"/>
           </a:xfrm>
+        </p:spPr>
+      </p:pic>
+      <p:pic>
+        <p:nvPicPr>
+          <p:cNvPr id="17" name="図 16"/>
+          <p:cNvPicPr>
+            <a:picLocks noChangeAspect="1"/>
+          </p:cNvPicPr>
+          <p:nvPr/>
+        </p:nvPicPr>
+        <p:blipFill>
+          <a:blip r:embed="rId7">
+            <a:extLst>
+              <a:ext uri="{28A0092B-C50C-407E-A947-70E740481C1C}">
+                <a14:useLocalDpi xmlns:a14="http://schemas.microsoft.com/office/drawing/2010/main" val="0"/>
+              </a:ext>
+            </a:extLst>
+          </a:blip>
+          <a:stretch>
+            <a:fillRect/>
+          </a:stretch>
+        </p:blipFill>
+        <p:spPr>
+          <a:xfrm>
+            <a:off x="2895169" y="2237208"/>
+            <a:ext cx="3046143" cy="721029"/>
+          </a:xfrm>
+          <a:prstGeom prst="rect">
+            <a:avLst/>
+          </a:prstGeom>
         </p:spPr>
       </p:pic>
     </p:spTree>
